--- a/기획서/신버전/캐릭터시스템.pptx
+++ b/기획서/신버전/캐릭터시스템.pptx
@@ -5,24 +5,26 @@
     <p:sldMasterId id="2147483660" r:id="rId1"/>
   </p:sldMasterIdLst>
   <p:notesMasterIdLst>
-    <p:notesMasterId r:id="rId14"/>
+    <p:notesMasterId r:id="rId16"/>
   </p:notesMasterIdLst>
   <p:handoutMasterIdLst>
-    <p:handoutMasterId r:id="rId15"/>
+    <p:handoutMasterId r:id="rId17"/>
   </p:handoutMasterIdLst>
   <p:sldIdLst>
     <p:sldId id="256" r:id="rId2"/>
     <p:sldId id="257" r:id="rId3"/>
     <p:sldId id="258" r:id="rId4"/>
     <p:sldId id="266" r:id="rId5"/>
-    <p:sldId id="260" r:id="rId6"/>
-    <p:sldId id="263" r:id="rId7"/>
-    <p:sldId id="265" r:id="rId8"/>
+    <p:sldId id="268" r:id="rId6"/>
+    <p:sldId id="260" r:id="rId7"/>
+    <p:sldId id="263" r:id="rId8"/>
     <p:sldId id="259" r:id="rId9"/>
     <p:sldId id="262" r:id="rId10"/>
     <p:sldId id="261" r:id="rId11"/>
     <p:sldId id="264" r:id="rId12"/>
     <p:sldId id="267" r:id="rId13"/>
+    <p:sldId id="269" r:id="rId14"/>
+    <p:sldId id="270" r:id="rId15"/>
   </p:sldIdLst>
   <p:sldSz cx="6858000" cy="9906000" type="A4"/>
   <p:notesSz cx="6858000" cy="9144000"/>
@@ -223,7 +225,7 @@
           <a:p>
             <a:fld id="{D686C50E-113A-4B4A-8A5C-9EE1E9DBA064}" type="datetimeFigureOut">
               <a:rPr lang="ko-KR" altLang="en-US" smtClean="0"/>
-              <a:t>2021-03-18</a:t>
+              <a:t>2021-03-19</a:t>
             </a:fld>
             <a:endParaRPr lang="ko-KR" altLang="en-US" dirty="0"/>
           </a:p>
@@ -400,7 +402,7 @@
           <a:p>
             <a:fld id="{40EC3B2E-CA71-40FC-A78E-FA212ABD0BB7}" type="datetimeFigureOut">
               <a:rPr lang="ko-KR" altLang="en-US" smtClean="0"/>
-              <a:t>2021-03-18</a:t>
+              <a:t>2021-03-19</a:t>
             </a:fld>
             <a:endParaRPr lang="ko-KR" altLang="en-US" dirty="0"/>
           </a:p>
@@ -798,7 +800,7 @@
           <a:p>
             <a:fld id="{F8CAAD71-D53C-4447-AAA3-BC9075A67E69}" type="datetimeFigureOut">
               <a:rPr lang="ko-KR" altLang="en-US" smtClean="0"/>
-              <a:t>2021-03-18</a:t>
+              <a:t>2021-03-19</a:t>
             </a:fld>
             <a:endParaRPr lang="ko-KR" altLang="en-US" dirty="0"/>
           </a:p>
@@ -968,7 +970,7 @@
           <a:p>
             <a:fld id="{F8CAAD71-D53C-4447-AAA3-BC9075A67E69}" type="datetimeFigureOut">
               <a:rPr lang="ko-KR" altLang="en-US" smtClean="0"/>
-              <a:t>2021-03-18</a:t>
+              <a:t>2021-03-19</a:t>
             </a:fld>
             <a:endParaRPr lang="ko-KR" altLang="en-US" dirty="0"/>
           </a:p>
@@ -1148,7 +1150,7 @@
           <a:p>
             <a:fld id="{F8CAAD71-D53C-4447-AAA3-BC9075A67E69}" type="datetimeFigureOut">
               <a:rPr lang="ko-KR" altLang="en-US" smtClean="0"/>
-              <a:t>2021-03-18</a:t>
+              <a:t>2021-03-19</a:t>
             </a:fld>
             <a:endParaRPr lang="ko-KR" altLang="en-US" dirty="0"/>
           </a:p>
@@ -1318,7 +1320,7 @@
           <a:p>
             <a:fld id="{F8CAAD71-D53C-4447-AAA3-BC9075A67E69}" type="datetimeFigureOut">
               <a:rPr lang="ko-KR" altLang="en-US" smtClean="0"/>
-              <a:t>2021-03-18</a:t>
+              <a:t>2021-03-19</a:t>
             </a:fld>
             <a:endParaRPr lang="ko-KR" altLang="en-US" dirty="0"/>
           </a:p>
@@ -1562,7 +1564,7 @@
           <a:p>
             <a:fld id="{F8CAAD71-D53C-4447-AAA3-BC9075A67E69}" type="datetimeFigureOut">
               <a:rPr lang="ko-KR" altLang="en-US" smtClean="0"/>
-              <a:t>2021-03-18</a:t>
+              <a:t>2021-03-19</a:t>
             </a:fld>
             <a:endParaRPr lang="ko-KR" altLang="en-US" dirty="0"/>
           </a:p>
@@ -1794,7 +1796,7 @@
           <a:p>
             <a:fld id="{F8CAAD71-D53C-4447-AAA3-BC9075A67E69}" type="datetimeFigureOut">
               <a:rPr lang="ko-KR" altLang="en-US" smtClean="0"/>
-              <a:t>2021-03-18</a:t>
+              <a:t>2021-03-19</a:t>
             </a:fld>
             <a:endParaRPr lang="ko-KR" altLang="en-US" dirty="0"/>
           </a:p>
@@ -2161,7 +2163,7 @@
           <a:p>
             <a:fld id="{F8CAAD71-D53C-4447-AAA3-BC9075A67E69}" type="datetimeFigureOut">
               <a:rPr lang="ko-KR" altLang="en-US" smtClean="0"/>
-              <a:t>2021-03-18</a:t>
+              <a:t>2021-03-19</a:t>
             </a:fld>
             <a:endParaRPr lang="ko-KR" altLang="en-US" dirty="0"/>
           </a:p>
@@ -2279,7 +2281,7 @@
           <a:p>
             <a:fld id="{F8CAAD71-D53C-4447-AAA3-BC9075A67E69}" type="datetimeFigureOut">
               <a:rPr lang="ko-KR" altLang="en-US" smtClean="0"/>
-              <a:t>2021-03-18</a:t>
+              <a:t>2021-03-19</a:t>
             </a:fld>
             <a:endParaRPr lang="ko-KR" altLang="en-US" dirty="0"/>
           </a:p>
@@ -2374,7 +2376,7 @@
           <a:p>
             <a:fld id="{F8CAAD71-D53C-4447-AAA3-BC9075A67E69}" type="datetimeFigureOut">
               <a:rPr lang="ko-KR" altLang="en-US" smtClean="0"/>
-              <a:t>2021-03-18</a:t>
+              <a:t>2021-03-19</a:t>
             </a:fld>
             <a:endParaRPr lang="ko-KR" altLang="en-US" dirty="0"/>
           </a:p>
@@ -2651,7 +2653,7 @@
           <a:p>
             <a:fld id="{F8CAAD71-D53C-4447-AAA3-BC9075A67E69}" type="datetimeFigureOut">
               <a:rPr lang="ko-KR" altLang="en-US" smtClean="0"/>
-              <a:t>2021-03-18</a:t>
+              <a:t>2021-03-19</a:t>
             </a:fld>
             <a:endParaRPr lang="ko-KR" altLang="en-US" dirty="0"/>
           </a:p>
@@ -2908,7 +2910,7 @@
           <a:p>
             <a:fld id="{F8CAAD71-D53C-4447-AAA3-BC9075A67E69}" type="datetimeFigureOut">
               <a:rPr lang="ko-KR" altLang="en-US" smtClean="0"/>
-              <a:t>2021-03-18</a:t>
+              <a:t>2021-03-19</a:t>
             </a:fld>
             <a:endParaRPr lang="ko-KR" altLang="en-US" dirty="0"/>
           </a:p>
@@ -3121,7 +3123,7 @@
           <a:p>
             <a:fld id="{F8CAAD71-D53C-4447-AAA3-BC9075A67E69}" type="datetimeFigureOut">
               <a:rPr lang="ko-KR" altLang="en-US" smtClean="0"/>
-              <a:t>2021-03-18</a:t>
+              <a:t>2021-03-19</a:t>
             </a:fld>
             <a:endParaRPr lang="ko-KR" altLang="en-US" dirty="0"/>
           </a:p>
@@ -3592,6 +3594,49 @@
           </a:p>
         </p:txBody>
       </p:sp>
+      <p:sp>
+        <p:nvSpPr>
+          <p:cNvPr id="2" name="직사각형 1">
+            <a:extLst>
+              <a:ext uri="{FF2B5EF4-FFF2-40B4-BE49-F238E27FC236}">
+                <a16:creationId xmlns:a16="http://schemas.microsoft.com/office/drawing/2014/main" id="{682B4D1D-2B41-4427-801E-EC2E9157493A}"/>
+              </a:ext>
+            </a:extLst>
+          </p:cNvPr>
+          <p:cNvSpPr/>
+          <p:nvPr/>
+        </p:nvSpPr>
+        <p:spPr>
+          <a:xfrm>
+            <a:off x="2756733" y="33681"/>
+            <a:ext cx="1344535" cy="923330"/>
+          </a:xfrm>
+          <a:prstGeom prst="rect">
+            <a:avLst/>
+          </a:prstGeom>
+          <a:noFill/>
+        </p:spPr>
+        <p:txBody>
+          <a:bodyPr wrap="none" lIns="91440" tIns="45720" rIns="91440" bIns="45720">
+            <a:spAutoFit/>
+          </a:bodyPr>
+          <a:lstStyle/>
+          <a:p>
+            <a:pPr algn="ctr"/>
+            <a:r>
+              <a:rPr lang="en-US" altLang="ko-KR" sz="5400" b="1" cap="none" spc="0" dirty="0">
+                <a:ln w="0"/>
+                <a:solidFill>
+                  <a:schemeClr val="tx1"/>
+                </a:solidFill>
+                <a:latin typeface="+mj-ea"/>
+                <a:ea typeface="+mj-ea"/>
+              </a:rPr>
+              <a:t>WA</a:t>
+            </a:r>
+          </a:p>
+        </p:txBody>
+      </p:sp>
     </p:spTree>
     <p:extLst>
       <p:ext uri="{BB962C8B-B14F-4D97-AF65-F5344CB8AC3E}">
@@ -3691,13 +3736,13 @@
           <p:nvPr>
             <p:extLst>
               <p:ext uri="{D42A27DB-BD31-4B8C-83A1-F6EECF244321}">
-                <p14:modId xmlns:p14="http://schemas.microsoft.com/office/powerpoint/2010/main" val="3466292344"/>
+                <p14:modId xmlns:p14="http://schemas.microsoft.com/office/powerpoint/2010/main" val="487454985"/>
               </p:ext>
             </p:extLst>
           </p:nvPr>
         </p:nvGraphicFramePr>
         <p:xfrm>
-          <a:off x="531924" y="2030450"/>
+          <a:off x="531924" y="2246350"/>
           <a:ext cx="5794153" cy="4985152"/>
         </p:xfrm>
         <a:graphic>
@@ -7047,7 +7092,7 @@
         </p:nvSpPr>
         <p:spPr>
           <a:xfrm>
-            <a:off x="280315" y="7192093"/>
+            <a:off x="280315" y="7407993"/>
             <a:ext cx="6297381" cy="1323439"/>
           </a:xfrm>
           <a:prstGeom prst="rect">
@@ -7336,6 +7381,49 @@
           </p:txBody>
         </p:sp>
       </p:grpSp>
+      <p:sp>
+        <p:nvSpPr>
+          <p:cNvPr id="8" name="직사각형 7">
+            <a:extLst>
+              <a:ext uri="{FF2B5EF4-FFF2-40B4-BE49-F238E27FC236}">
+                <a16:creationId xmlns:a16="http://schemas.microsoft.com/office/drawing/2014/main" id="{6387912D-A5ED-4BFD-8F49-442A10C41026}"/>
+              </a:ext>
+            </a:extLst>
+          </p:cNvPr>
+          <p:cNvSpPr/>
+          <p:nvPr/>
+        </p:nvSpPr>
+        <p:spPr>
+          <a:xfrm>
+            <a:off x="2756733" y="33681"/>
+            <a:ext cx="1344535" cy="923330"/>
+          </a:xfrm>
+          <a:prstGeom prst="rect">
+            <a:avLst/>
+          </a:prstGeom>
+          <a:noFill/>
+        </p:spPr>
+        <p:txBody>
+          <a:bodyPr wrap="none" lIns="91440" tIns="45720" rIns="91440" bIns="45720">
+            <a:spAutoFit/>
+          </a:bodyPr>
+          <a:lstStyle/>
+          <a:p>
+            <a:pPr algn="ctr"/>
+            <a:r>
+              <a:rPr lang="en-US" altLang="ko-KR" sz="5400" b="1" cap="none" spc="0" dirty="0">
+                <a:ln w="0"/>
+                <a:solidFill>
+                  <a:schemeClr val="tx1"/>
+                </a:solidFill>
+                <a:latin typeface="+mj-ea"/>
+                <a:ea typeface="+mj-ea"/>
+              </a:rPr>
+              <a:t>WA</a:t>
+            </a:r>
+          </a:p>
+        </p:txBody>
+      </p:sp>
     </p:spTree>
     <p:extLst>
       <p:ext uri="{BB962C8B-B14F-4D97-AF65-F5344CB8AC3E}">
@@ -7583,8 +7671,8 @@
         </p:nvSpPr>
         <p:spPr>
           <a:xfrm>
-            <a:off x="280315" y="5058495"/>
-            <a:ext cx="6297381" cy="1323439"/>
+            <a:off x="280315" y="5142315"/>
+            <a:ext cx="6297381" cy="3539430"/>
           </a:xfrm>
           <a:prstGeom prst="rect">
             <a:avLst/>
@@ -7653,6 +7741,49 @@
                 <a:latin typeface="HY그래픽M" panose="02030600000101010101" pitchFamily="18" charset="-127"/>
                 <a:ea typeface="HY그래픽M" panose="02030600000101010101" pitchFamily="18" charset="-127"/>
               </a:rPr>
+              <a:t> 캐릭터는 체공 중 </a:t>
+            </a:r>
+            <a:r>
+              <a:rPr lang="ko-KR" altLang="en-US" sz="1600" b="1" dirty="0">
+                <a:solidFill>
+                  <a:schemeClr val="accent4"/>
+                </a:solidFill>
+                <a:latin typeface="HY그래픽M" panose="02030600000101010101" pitchFamily="18" charset="-127"/>
+                <a:ea typeface="HY그래픽M" panose="02030600000101010101" pitchFamily="18" charset="-127"/>
+              </a:rPr>
+              <a:t>이동 및 방향전환</a:t>
+            </a:r>
+            <a:r>
+              <a:rPr lang="ko-KR" altLang="en-US" sz="1600" b="1" dirty="0">
+                <a:latin typeface="HY그래픽M" panose="02030600000101010101" pitchFamily="18" charset="-127"/>
+                <a:ea typeface="HY그래픽M" panose="02030600000101010101" pitchFamily="18" charset="-127"/>
+              </a:rPr>
+              <a:t>이 자유롭다</a:t>
+            </a:r>
+            <a:r>
+              <a:rPr lang="en-US" altLang="ko-KR" sz="1600" b="1" dirty="0">
+                <a:latin typeface="HY그래픽M" panose="02030600000101010101" pitchFamily="18" charset="-127"/>
+                <a:ea typeface="HY그래픽M" panose="02030600000101010101" pitchFamily="18" charset="-127"/>
+              </a:rPr>
+              <a:t>.</a:t>
+            </a:r>
+          </a:p>
+          <a:p>
+            <a:endParaRPr lang="en-US" altLang="ko-KR" sz="1600" b="1" dirty="0">
+              <a:latin typeface="HY그래픽M" panose="02030600000101010101" pitchFamily="18" charset="-127"/>
+              <a:ea typeface="HY그래픽M" panose="02030600000101010101" pitchFamily="18" charset="-127"/>
+            </a:endParaRPr>
+          </a:p>
+          <a:p>
+            <a:pPr marL="285705" indent="-285705">
+              <a:buFontTx/>
+              <a:buChar char="-"/>
+            </a:pPr>
+            <a:r>
+              <a:rPr lang="ko-KR" altLang="en-US" sz="1600" b="1" dirty="0">
+                <a:latin typeface="HY그래픽M" panose="02030600000101010101" pitchFamily="18" charset="-127"/>
+                <a:ea typeface="HY그래픽M" panose="02030600000101010101" pitchFamily="18" charset="-127"/>
+              </a:rPr>
               <a:t> 캐릭터는 점프하면서 </a:t>
             </a:r>
             <a:r>
@@ -7691,23 +7822,16 @@
             </a:endParaRPr>
           </a:p>
           <a:p>
-            <a:pPr marL="285750" indent="-285750">
+            <a:pPr marL="285705" indent="-285705">
               <a:buFontTx/>
               <a:buChar char="-"/>
             </a:pPr>
             <a:r>
-              <a:rPr lang="en-US" altLang="ko-KR" sz="1600" b="1" dirty="0">
-                <a:latin typeface="HY그래픽M" panose="02030600000101010101" pitchFamily="18" charset="-127"/>
-                <a:ea typeface="HY그래픽M" panose="02030600000101010101" pitchFamily="18" charset="-127"/>
-              </a:rPr>
-              <a:t> </a:t>
-            </a:r>
-            <a:r>
               <a:rPr lang="ko-KR" altLang="en-US" sz="1600" b="1" dirty="0">
                 <a:latin typeface="HY그래픽M" panose="02030600000101010101" pitchFamily="18" charset="-127"/>
                 <a:ea typeface="HY그래픽M" panose="02030600000101010101" pitchFamily="18" charset="-127"/>
               </a:rPr>
-              <a:t>캐릭터는 점프하면서 </a:t>
+              <a:t> 점프 애니메이션은 </a:t>
             </a:r>
             <a:r>
               <a:rPr lang="ko-KR" altLang="en-US" sz="1600" b="1" dirty="0">
@@ -7717,14 +7841,61 @@
                 <a:latin typeface="HY그래픽M" panose="02030600000101010101" pitchFamily="18" charset="-127"/>
                 <a:ea typeface="HY그래픽M" panose="02030600000101010101" pitchFamily="18" charset="-127"/>
               </a:rPr>
-              <a:t>사운드</a:t>
+              <a:t>점프 </a:t>
+            </a:r>
+            <a:r>
+              <a:rPr lang="en-US" altLang="ko-KR" sz="1600" b="1" dirty="0">
+                <a:solidFill>
+                  <a:schemeClr val="accent4"/>
+                </a:solidFill>
+                <a:latin typeface="HY그래픽M" panose="02030600000101010101" pitchFamily="18" charset="-127"/>
+                <a:ea typeface="HY그래픽M" panose="02030600000101010101" pitchFamily="18" charset="-127"/>
+              </a:rPr>
+              <a:t>– </a:t>
+            </a:r>
+            <a:r>
+              <a:rPr lang="ko-KR" altLang="en-US" sz="1600" b="1" dirty="0">
+                <a:solidFill>
+                  <a:schemeClr val="accent4"/>
+                </a:solidFill>
+                <a:latin typeface="HY그래픽M" panose="02030600000101010101" pitchFamily="18" charset="-127"/>
+                <a:ea typeface="HY그래픽M" panose="02030600000101010101" pitchFamily="18" charset="-127"/>
+              </a:rPr>
+              <a:t>체공 </a:t>
+            </a:r>
+            <a:r>
+              <a:rPr lang="en-US" altLang="ko-KR" sz="1600" b="1" dirty="0">
+                <a:solidFill>
+                  <a:schemeClr val="accent4"/>
+                </a:solidFill>
+                <a:latin typeface="HY그래픽M" panose="02030600000101010101" pitchFamily="18" charset="-127"/>
+                <a:ea typeface="HY그래픽M" panose="02030600000101010101" pitchFamily="18" charset="-127"/>
+              </a:rPr>
+              <a:t>– </a:t>
+            </a:r>
+            <a:r>
+              <a:rPr lang="ko-KR" altLang="en-US" sz="1600" b="1" dirty="0">
+                <a:solidFill>
+                  <a:schemeClr val="accent4"/>
+                </a:solidFill>
+                <a:latin typeface="HY그래픽M" panose="02030600000101010101" pitchFamily="18" charset="-127"/>
+                <a:ea typeface="HY그래픽M" panose="02030600000101010101" pitchFamily="18" charset="-127"/>
+              </a:rPr>
+              <a:t>착지 </a:t>
+            </a:r>
+            <a:r>
+              <a:rPr lang="en-US" altLang="ko-KR" sz="1600" b="1" dirty="0">
+                <a:latin typeface="HY그래픽M" panose="02030600000101010101" pitchFamily="18" charset="-127"/>
+                <a:ea typeface="HY그래픽M" panose="02030600000101010101" pitchFamily="18" charset="-127"/>
+              </a:rPr>
+              <a:t>3</a:t>
             </a:r>
             <a:r>
               <a:rPr lang="ko-KR" altLang="en-US" sz="1600" b="1" dirty="0">
                 <a:latin typeface="HY그래픽M" panose="02030600000101010101" pitchFamily="18" charset="-127"/>
                 <a:ea typeface="HY그래픽M" panose="02030600000101010101" pitchFamily="18" charset="-127"/>
               </a:rPr>
-              <a:t>를 재생한다</a:t>
+              <a:t>가지로 나뉜다</a:t>
             </a:r>
             <a:r>
               <a:rPr lang="en-US" altLang="ko-KR" sz="1600" b="1" dirty="0">
@@ -7733,6 +7904,251 @@
               </a:rPr>
               <a:t>.</a:t>
             </a:r>
+          </a:p>
+          <a:p>
+            <a:pPr marL="285705" indent="-285705">
+              <a:buFontTx/>
+              <a:buChar char="-"/>
+            </a:pPr>
+            <a:endParaRPr lang="en-US" altLang="ko-KR" sz="1600" b="1" dirty="0">
+              <a:latin typeface="HY그래픽M" panose="02030600000101010101" pitchFamily="18" charset="-127"/>
+              <a:ea typeface="HY그래픽M" panose="02030600000101010101" pitchFamily="18" charset="-127"/>
+            </a:endParaRPr>
+          </a:p>
+          <a:p>
+            <a:pPr marL="285750" indent="-285750">
+              <a:buFontTx/>
+              <a:buChar char="-"/>
+            </a:pPr>
+            <a:r>
+              <a:rPr lang="en-US" altLang="ko-KR" sz="1600" b="1" dirty="0">
+                <a:latin typeface="HY그래픽M" panose="02030600000101010101" pitchFamily="18" charset="-127"/>
+                <a:ea typeface="HY그래픽M" panose="02030600000101010101" pitchFamily="18" charset="-127"/>
+              </a:rPr>
+              <a:t> </a:t>
+            </a:r>
+            <a:r>
+              <a:rPr lang="ko-KR" altLang="en-US" sz="1600" b="1" dirty="0">
+                <a:latin typeface="HY그래픽M" panose="02030600000101010101" pitchFamily="18" charset="-127"/>
+                <a:ea typeface="HY그래픽M" panose="02030600000101010101" pitchFamily="18" charset="-127"/>
+              </a:rPr>
+              <a:t>캐릭터는 점프</a:t>
+            </a:r>
+            <a:r>
+              <a:rPr lang="en-US" altLang="ko-KR" sz="1600" b="1" dirty="0">
+                <a:latin typeface="HY그래픽M" panose="02030600000101010101" pitchFamily="18" charset="-127"/>
+                <a:ea typeface="HY그래픽M" panose="02030600000101010101" pitchFamily="18" charset="-127"/>
+              </a:rPr>
+              <a:t>&amp;</a:t>
+            </a:r>
+            <a:r>
+              <a:rPr lang="ko-KR" altLang="en-US" sz="1600" b="1" dirty="0">
+                <a:latin typeface="HY그래픽M" panose="02030600000101010101" pitchFamily="18" charset="-127"/>
+                <a:ea typeface="HY그래픽M" panose="02030600000101010101" pitchFamily="18" charset="-127"/>
+              </a:rPr>
+              <a:t>착지 할 때 </a:t>
+            </a:r>
+            <a:r>
+              <a:rPr lang="ko-KR" altLang="en-US" sz="1600" b="1" dirty="0">
+                <a:solidFill>
+                  <a:schemeClr val="accent4"/>
+                </a:solidFill>
+                <a:latin typeface="HY그래픽M" panose="02030600000101010101" pitchFamily="18" charset="-127"/>
+                <a:ea typeface="HY그래픽M" panose="02030600000101010101" pitchFamily="18" charset="-127"/>
+              </a:rPr>
+              <a:t>사운드</a:t>
+            </a:r>
+            <a:r>
+              <a:rPr lang="ko-KR" altLang="en-US" sz="1600" b="1" dirty="0">
+                <a:latin typeface="HY그래픽M" panose="02030600000101010101" pitchFamily="18" charset="-127"/>
+                <a:ea typeface="HY그래픽M" panose="02030600000101010101" pitchFamily="18" charset="-127"/>
+              </a:rPr>
+              <a:t>를 재생한다</a:t>
+            </a:r>
+            <a:r>
+              <a:rPr lang="en-US" altLang="ko-KR" sz="1600" b="1" dirty="0">
+                <a:latin typeface="HY그래픽M" panose="02030600000101010101" pitchFamily="18" charset="-127"/>
+                <a:ea typeface="HY그래픽M" panose="02030600000101010101" pitchFamily="18" charset="-127"/>
+              </a:rPr>
+              <a:t>.</a:t>
+            </a:r>
+          </a:p>
+          <a:p>
+            <a:endParaRPr lang="en-US" altLang="ko-KR" sz="1600" b="1" dirty="0">
+              <a:latin typeface="HY그래픽M" panose="02030600000101010101" pitchFamily="18" charset="-127"/>
+              <a:ea typeface="HY그래픽M" panose="02030600000101010101" pitchFamily="18" charset="-127"/>
+            </a:endParaRPr>
+          </a:p>
+          <a:p>
+            <a:pPr marL="285750" indent="-285750">
+              <a:buFontTx/>
+              <a:buChar char="-"/>
+            </a:pPr>
+            <a:r>
+              <a:rPr lang="en-US" altLang="ko-KR" sz="1600" b="1" dirty="0">
+                <a:latin typeface="HY그래픽M" panose="02030600000101010101" pitchFamily="18" charset="-127"/>
+                <a:ea typeface="HY그래픽M" panose="02030600000101010101" pitchFamily="18" charset="-127"/>
+              </a:rPr>
+              <a:t> </a:t>
+            </a:r>
+            <a:r>
+              <a:rPr lang="ko-KR" altLang="en-US" sz="1600" b="1" dirty="0">
+                <a:latin typeface="HY그래픽M" panose="02030600000101010101" pitchFamily="18" charset="-127"/>
+                <a:ea typeface="HY그래픽M" panose="02030600000101010101" pitchFamily="18" charset="-127"/>
+              </a:rPr>
+              <a:t>점프 높이는 </a:t>
+            </a:r>
+            <a:r>
+              <a:rPr lang="en-US" altLang="ko-KR" sz="1600" b="1" dirty="0" err="1">
+                <a:solidFill>
+                  <a:schemeClr val="bg1"/>
+                </a:solidFill>
+                <a:latin typeface="HY그래픽M" panose="02030600000101010101" pitchFamily="18" charset="-127"/>
+                <a:ea typeface="HY그래픽M" panose="02030600000101010101" pitchFamily="18" charset="-127"/>
+              </a:rPr>
+              <a:t>jump_power</a:t>
+            </a:r>
+            <a:r>
+              <a:rPr lang="en-US" altLang="ko-KR" sz="1600" b="1" dirty="0">
+                <a:latin typeface="HY그래픽M" panose="02030600000101010101" pitchFamily="18" charset="-127"/>
+                <a:ea typeface="HY그래픽M" panose="02030600000101010101" pitchFamily="18" charset="-127"/>
+              </a:rPr>
+              <a:t> </a:t>
+            </a:r>
+            <a:r>
+              <a:rPr lang="ko-KR" altLang="en-US" sz="1600" b="1" dirty="0">
+                <a:latin typeface="HY그래픽M" panose="02030600000101010101" pitchFamily="18" charset="-127"/>
+                <a:ea typeface="HY그래픽M" panose="02030600000101010101" pitchFamily="18" charset="-127"/>
+              </a:rPr>
+              <a:t>변수에 영향을 받는다</a:t>
+            </a:r>
+            <a:r>
+              <a:rPr lang="en-US" altLang="ko-KR" sz="1600" b="1" dirty="0">
+                <a:latin typeface="HY그래픽M" panose="02030600000101010101" pitchFamily="18" charset="-127"/>
+                <a:ea typeface="HY그래픽M" panose="02030600000101010101" pitchFamily="18" charset="-127"/>
+              </a:rPr>
+              <a:t>.</a:t>
+            </a:r>
+          </a:p>
+          <a:p>
+            <a:pPr marL="285750" indent="-285750">
+              <a:buFontTx/>
+              <a:buChar char="-"/>
+            </a:pPr>
+            <a:endParaRPr lang="en-US" altLang="ko-KR" sz="1600" b="1" dirty="0">
+              <a:latin typeface="HY그래픽M" panose="02030600000101010101" pitchFamily="18" charset="-127"/>
+              <a:ea typeface="HY그래픽M" panose="02030600000101010101" pitchFamily="18" charset="-127"/>
+            </a:endParaRPr>
+          </a:p>
+          <a:p>
+            <a:pPr marL="285750" indent="-285750">
+              <a:buFontTx/>
+              <a:buChar char="-"/>
+            </a:pPr>
+            <a:r>
+              <a:rPr lang="ko-KR" altLang="en-US" sz="1600" b="1" dirty="0">
+                <a:latin typeface="HY그래픽M" panose="02030600000101010101" pitchFamily="18" charset="-127"/>
+                <a:ea typeface="HY그래픽M" panose="02030600000101010101" pitchFamily="18" charset="-127"/>
+              </a:rPr>
+              <a:t> 캐릭터의 점프 로직은 </a:t>
+            </a:r>
+            <a:r>
+              <a:rPr lang="ko-KR" altLang="en-US" sz="1600" b="1" u="sng" dirty="0">
+                <a:solidFill>
+                  <a:schemeClr val="accent1">
+                    <a:lumMod val="60000"/>
+                    <a:lumOff val="40000"/>
+                  </a:schemeClr>
+                </a:solidFill>
+                <a:latin typeface="HY그래픽M" panose="02030600000101010101" pitchFamily="18" charset="-127"/>
+                <a:ea typeface="HY그래픽M" panose="02030600000101010101" pitchFamily="18" charset="-127"/>
+                <a:hlinkClick r:id="rId2" action="ppaction://hlinksldjump">
+                  <a:extLst>
+                    <a:ext uri="{A12FA001-AC4F-418D-AE19-62706E023703}">
+                      <ahyp:hlinkClr xmlns:ahyp="http://schemas.microsoft.com/office/drawing/2018/hyperlinkcolor" val="tx"/>
+                    </a:ext>
+                  </a:extLst>
+                </a:hlinkClick>
+              </a:rPr>
+              <a:t>점프</a:t>
+            </a:r>
+            <a:r>
+              <a:rPr lang="en-US" altLang="ko-KR" sz="1600" b="1" u="sng" dirty="0">
+                <a:solidFill>
+                  <a:schemeClr val="accent1">
+                    <a:lumMod val="60000"/>
+                    <a:lumOff val="40000"/>
+                  </a:schemeClr>
+                </a:solidFill>
+                <a:latin typeface="HY그래픽M" panose="02030600000101010101" pitchFamily="18" charset="-127"/>
+                <a:ea typeface="HY그래픽M" panose="02030600000101010101" pitchFamily="18" charset="-127"/>
+                <a:hlinkClick r:id="rId2" action="ppaction://hlinksldjump">
+                  <a:extLst>
+                    <a:ext uri="{A12FA001-AC4F-418D-AE19-62706E023703}">
+                      <ahyp:hlinkClr xmlns:ahyp="http://schemas.microsoft.com/office/drawing/2018/hyperlinkcolor" val="tx"/>
+                    </a:ext>
+                  </a:extLst>
+                </a:hlinkClick>
+              </a:rPr>
+              <a:t>-</a:t>
+            </a:r>
+            <a:r>
+              <a:rPr lang="ko-KR" altLang="en-US" sz="1600" b="1" u="sng" dirty="0">
+                <a:solidFill>
+                  <a:schemeClr val="accent1">
+                    <a:lumMod val="60000"/>
+                    <a:lumOff val="40000"/>
+                  </a:schemeClr>
+                </a:solidFill>
+                <a:latin typeface="HY그래픽M" panose="02030600000101010101" pitchFamily="18" charset="-127"/>
+                <a:ea typeface="HY그래픽M" panose="02030600000101010101" pitchFamily="18" charset="-127"/>
+                <a:hlinkClick r:id="rId2" action="ppaction://hlinksldjump">
+                  <a:extLst>
+                    <a:ext uri="{A12FA001-AC4F-418D-AE19-62706E023703}">
+                      <ahyp:hlinkClr xmlns:ahyp="http://schemas.microsoft.com/office/drawing/2018/hyperlinkcolor" val="tx"/>
+                    </a:ext>
+                  </a:extLst>
+                </a:hlinkClick>
+              </a:rPr>
+              <a:t>로직</a:t>
+            </a:r>
+            <a:r>
+              <a:rPr lang="ko-KR" altLang="en-US" sz="1600" b="1" dirty="0">
+                <a:solidFill>
+                  <a:schemeClr val="accent1">
+                    <a:lumMod val="60000"/>
+                    <a:lumOff val="40000"/>
+                  </a:schemeClr>
+                </a:solidFill>
+                <a:latin typeface="HY그래픽M" panose="02030600000101010101" pitchFamily="18" charset="-127"/>
+                <a:ea typeface="HY그래픽M" panose="02030600000101010101" pitchFamily="18" charset="-127"/>
+              </a:rPr>
+              <a:t> </a:t>
+            </a:r>
+            <a:r>
+              <a:rPr lang="ko-KR" altLang="en-US" sz="1600" b="1" dirty="0">
+                <a:latin typeface="HY그래픽M" panose="02030600000101010101" pitchFamily="18" charset="-127"/>
+                <a:ea typeface="HY그래픽M" panose="02030600000101010101" pitchFamily="18" charset="-127"/>
+              </a:rPr>
+              <a:t>에서 확인할 수 있다</a:t>
+            </a:r>
+            <a:r>
+              <a:rPr lang="en-US" altLang="ko-KR" sz="1600" b="1" dirty="0">
+                <a:latin typeface="HY그래픽M" panose="02030600000101010101" pitchFamily="18" charset="-127"/>
+                <a:ea typeface="HY그래픽M" panose="02030600000101010101" pitchFamily="18" charset="-127"/>
+              </a:rPr>
+              <a:t>.</a:t>
+            </a:r>
+          </a:p>
+          <a:p>
+            <a:pPr marL="285750" indent="-285750">
+              <a:buFontTx/>
+              <a:buChar char="-"/>
+            </a:pPr>
+            <a:endParaRPr lang="en-US" altLang="ko-KR" sz="1600" b="1" dirty="0">
+              <a:latin typeface="HY그래픽M" panose="02030600000101010101" pitchFamily="18" charset="-127"/>
+              <a:ea typeface="HY그래픽M" panose="02030600000101010101" pitchFamily="18" charset="-127"/>
+            </a:endParaRPr>
           </a:p>
         </p:txBody>
       </p:sp>
@@ -7750,7 +8166,7 @@
         </p:nvGrpSpPr>
         <p:grpSpPr>
           <a:xfrm>
-            <a:off x="1250735" y="2026868"/>
+            <a:off x="1250735" y="2351988"/>
             <a:ext cx="4375010" cy="2573535"/>
             <a:chOff x="280310" y="2217421"/>
             <a:chExt cx="4375010" cy="2573535"/>
@@ -7842,7 +8258,7 @@
             <p:nvPr/>
           </p:nvPicPr>
           <p:blipFill>
-            <a:blip r:embed="rId2">
+            <a:blip r:embed="rId3">
               <a:extLst>
                 <a:ext uri="{28A0092B-C50C-407E-A947-70E740481C1C}">
                   <a14:useLocalDpi xmlns:a14="http://schemas.microsoft.com/office/drawing/2010/main" val="0"/>
@@ -7875,6 +8291,49 @@
           </p:spPr>
         </p:pic>
       </p:grpSp>
+      <p:sp>
+        <p:nvSpPr>
+          <p:cNvPr id="10" name="직사각형 9">
+            <a:extLst>
+              <a:ext uri="{FF2B5EF4-FFF2-40B4-BE49-F238E27FC236}">
+                <a16:creationId xmlns:a16="http://schemas.microsoft.com/office/drawing/2014/main" id="{6221D22B-D16B-4EC9-BCD7-C68E5B66163C}"/>
+              </a:ext>
+            </a:extLst>
+          </p:cNvPr>
+          <p:cNvSpPr/>
+          <p:nvPr/>
+        </p:nvSpPr>
+        <p:spPr>
+          <a:xfrm>
+            <a:off x="2756733" y="33681"/>
+            <a:ext cx="1344535" cy="923330"/>
+          </a:xfrm>
+          <a:prstGeom prst="rect">
+            <a:avLst/>
+          </a:prstGeom>
+          <a:noFill/>
+        </p:spPr>
+        <p:txBody>
+          <a:bodyPr wrap="none" lIns="91440" tIns="45720" rIns="91440" bIns="45720">
+            <a:spAutoFit/>
+          </a:bodyPr>
+          <a:lstStyle/>
+          <a:p>
+            <a:pPr algn="ctr"/>
+            <a:r>
+              <a:rPr lang="en-US" altLang="ko-KR" sz="5400" b="1" cap="none" spc="0" dirty="0">
+                <a:ln w="0"/>
+                <a:solidFill>
+                  <a:schemeClr val="tx1"/>
+                </a:solidFill>
+                <a:latin typeface="+mj-ea"/>
+                <a:ea typeface="+mj-ea"/>
+              </a:rPr>
+              <a:t>WA</a:t>
+            </a:r>
+          </a:p>
+        </p:txBody>
+      </p:sp>
     </p:spTree>
     <p:extLst>
       <p:ext uri="{BB962C8B-B14F-4D97-AF65-F5344CB8AC3E}">
@@ -8097,6 +8556,20 @@
                 </a:rPr>
                 <a:t>- </a:t>
               </a:r>
+              <a:r>
+                <a:rPr lang="ko-KR" altLang="en-US" b="1" dirty="0">
+                  <a:latin typeface="메이플스토리" panose="02000300000000000000" pitchFamily="2" charset="-127"/>
+                  <a:ea typeface="메이플스토리" panose="02000300000000000000" pitchFamily="2" charset="-127"/>
+                </a:rPr>
+                <a:t>로직</a:t>
+              </a:r>
+              <a:r>
+                <a:rPr lang="en-US" altLang="ko-KR" b="1" dirty="0">
+                  <a:latin typeface="메이플스토리" panose="02000300000000000000" pitchFamily="2" charset="-127"/>
+                  <a:ea typeface="메이플스토리" panose="02000300000000000000" pitchFamily="2" charset="-127"/>
+                </a:rPr>
+                <a:t> </a:t>
+              </a:r>
               <a:endParaRPr lang="ko-KR" altLang="en-US" b="1" dirty="0">
                 <a:latin typeface="메이플스토리" panose="02000300000000000000" pitchFamily="2" charset="-127"/>
                 <a:ea typeface="메이플스토리" panose="02000300000000000000" pitchFamily="2" charset="-127"/>
@@ -8105,10 +8578,976 @@
           </p:txBody>
         </p:sp>
       </p:grpSp>
+      <p:sp>
+        <p:nvSpPr>
+          <p:cNvPr id="6" name="직사각형 5">
+            <a:extLst>
+              <a:ext uri="{FF2B5EF4-FFF2-40B4-BE49-F238E27FC236}">
+                <a16:creationId xmlns:a16="http://schemas.microsoft.com/office/drawing/2014/main" id="{A90F6C05-7A97-4BD4-AB8D-99F1425F89D4}"/>
+              </a:ext>
+            </a:extLst>
+          </p:cNvPr>
+          <p:cNvSpPr/>
+          <p:nvPr/>
+        </p:nvSpPr>
+        <p:spPr>
+          <a:xfrm>
+            <a:off x="2756733" y="33681"/>
+            <a:ext cx="1344535" cy="923330"/>
+          </a:xfrm>
+          <a:prstGeom prst="rect">
+            <a:avLst/>
+          </a:prstGeom>
+          <a:noFill/>
+        </p:spPr>
+        <p:txBody>
+          <a:bodyPr wrap="none" lIns="91440" tIns="45720" rIns="91440" bIns="45720">
+            <a:spAutoFit/>
+          </a:bodyPr>
+          <a:lstStyle/>
+          <a:p>
+            <a:pPr algn="ctr"/>
+            <a:r>
+              <a:rPr lang="en-US" altLang="ko-KR" sz="5400" b="1" cap="none" spc="0" dirty="0">
+                <a:ln w="0"/>
+                <a:solidFill>
+                  <a:schemeClr val="tx1"/>
+                </a:solidFill>
+                <a:latin typeface="+mj-ea"/>
+                <a:ea typeface="+mj-ea"/>
+              </a:rPr>
+              <a:t>WA</a:t>
+            </a:r>
+          </a:p>
+        </p:txBody>
+      </p:sp>
+      <p:pic>
+        <p:nvPicPr>
+          <p:cNvPr id="16" name="그림 15">
+            <a:extLst>
+              <a:ext uri="{FF2B5EF4-FFF2-40B4-BE49-F238E27FC236}">
+                <a16:creationId xmlns:a16="http://schemas.microsoft.com/office/drawing/2014/main" id="{527EC763-EA86-48B6-AFC8-3761FED0B04D}"/>
+              </a:ext>
+            </a:extLst>
+          </p:cNvPr>
+          <p:cNvPicPr>
+            <a:picLocks noChangeAspect="1"/>
+          </p:cNvPicPr>
+          <p:nvPr/>
+        </p:nvPicPr>
+        <p:blipFill>
+          <a:blip r:embed="rId2">
+            <a:extLst>
+              <a:ext uri="{28A0092B-C50C-407E-A947-70E740481C1C}">
+                <a14:useLocalDpi xmlns:a14="http://schemas.microsoft.com/office/drawing/2010/main" val="0"/>
+              </a:ext>
+            </a:extLst>
+          </a:blip>
+          <a:stretch>
+            <a:fillRect/>
+          </a:stretch>
+        </p:blipFill>
+        <p:spPr>
+          <a:xfrm>
+            <a:off x="1897194" y="2712976"/>
+            <a:ext cx="3082092" cy="5128294"/>
+          </a:xfrm>
+          <a:prstGeom prst="rect">
+            <a:avLst/>
+          </a:prstGeom>
+        </p:spPr>
+      </p:pic>
     </p:spTree>
     <p:extLst>
       <p:ext uri="{BB962C8B-B14F-4D97-AF65-F5344CB8AC3E}">
         <p14:creationId xmlns:p14="http://schemas.microsoft.com/office/powerpoint/2010/main" val="2892109379"/>
+      </p:ext>
+    </p:extLst>
+  </p:cSld>
+  <p:clrMapOvr>
+    <a:masterClrMapping/>
+  </p:clrMapOvr>
+</p:sld>
+</file>
+
+<file path=ppt/slides/slide13.xml><?xml version="1.0" encoding="utf-8"?>
+<p:sld xmlns:a="http://schemas.openxmlformats.org/drawingml/2006/main" xmlns:r="http://schemas.openxmlformats.org/officeDocument/2006/relationships" xmlns:p="http://schemas.openxmlformats.org/presentationml/2006/main">
+  <p:cSld>
+    <p:spTree>
+      <p:nvGrpSpPr>
+        <p:cNvPr id="1" name=""/>
+        <p:cNvGrpSpPr/>
+        <p:nvPr/>
+      </p:nvGrpSpPr>
+      <p:grpSpPr>
+        <a:xfrm>
+          <a:off x="0" y="0"/>
+          <a:ext cx="0" cy="0"/>
+          <a:chOff x="0" y="0"/>
+          <a:chExt cx="0" cy="0"/>
+        </a:xfrm>
+      </p:grpSpPr>
+      <p:sp>
+        <p:nvSpPr>
+          <p:cNvPr id="31" name="직사각형 30">
+            <a:extLst>
+              <a:ext uri="{FF2B5EF4-FFF2-40B4-BE49-F238E27FC236}">
+                <a16:creationId xmlns:a16="http://schemas.microsoft.com/office/drawing/2014/main" id="{408EFC51-8FFE-4ADF-89E4-7E6457F42BE2}"/>
+              </a:ext>
+            </a:extLst>
+          </p:cNvPr>
+          <p:cNvSpPr/>
+          <p:nvPr/>
+        </p:nvSpPr>
+        <p:spPr>
+          <a:xfrm>
+            <a:off x="5" y="1125001"/>
+            <a:ext cx="6876481" cy="8781003"/>
+          </a:xfrm>
+          <a:prstGeom prst="rect">
+            <a:avLst/>
+          </a:prstGeom>
+          <a:solidFill>
+            <a:schemeClr val="bg2">
+              <a:lumMod val="25000"/>
+            </a:schemeClr>
+          </a:solidFill>
+          <a:ln>
+            <a:noFill/>
+          </a:ln>
+        </p:spPr>
+        <p:style>
+          <a:lnRef idx="2">
+            <a:schemeClr val="accent1">
+              <a:shade val="50000"/>
+            </a:schemeClr>
+          </a:lnRef>
+          <a:fillRef idx="1">
+            <a:schemeClr val="accent1"/>
+          </a:fillRef>
+          <a:effectRef idx="0">
+            <a:schemeClr val="accent1"/>
+          </a:effectRef>
+          <a:fontRef idx="minor">
+            <a:schemeClr val="lt1"/>
+          </a:fontRef>
+        </p:style>
+        <p:txBody>
+          <a:bodyPr rtlCol="0" anchor="ctr"/>
+          <a:lstStyle/>
+          <a:p>
+            <a:pPr algn="ctr"/>
+            <a:endParaRPr lang="ko-KR" altLang="en-US" dirty="0"/>
+          </a:p>
+        </p:txBody>
+      </p:sp>
+      <p:grpSp>
+        <p:nvGrpSpPr>
+          <p:cNvPr id="40" name="그룹 39">
+            <a:extLst>
+              <a:ext uri="{FF2B5EF4-FFF2-40B4-BE49-F238E27FC236}">
+                <a16:creationId xmlns:a16="http://schemas.microsoft.com/office/drawing/2014/main" id="{C8ACD09A-7386-4C29-9F45-6CE4B45403BD}"/>
+              </a:ext>
+            </a:extLst>
+          </p:cNvPr>
+          <p:cNvGrpSpPr/>
+          <p:nvPr/>
+        </p:nvGrpSpPr>
+        <p:grpSpPr>
+          <a:xfrm>
+            <a:off x="0" y="1046534"/>
+            <a:ext cx="6876480" cy="455116"/>
+            <a:chOff x="121920" y="1124997"/>
+            <a:chExt cx="6614160" cy="455116"/>
+          </a:xfrm>
+        </p:grpSpPr>
+        <p:sp>
+          <p:nvSpPr>
+            <p:cNvPr id="41" name="사각형: 둥근 모서리 40">
+              <a:extLst>
+                <a:ext uri="{FF2B5EF4-FFF2-40B4-BE49-F238E27FC236}">
+                  <a16:creationId xmlns:a16="http://schemas.microsoft.com/office/drawing/2014/main" id="{A8327ED5-DF33-4946-BC4E-07774C3552C8}"/>
+                </a:ext>
+              </a:extLst>
+            </p:cNvPr>
+            <p:cNvSpPr/>
+            <p:nvPr/>
+          </p:nvSpPr>
+          <p:spPr>
+            <a:xfrm>
+              <a:off x="121920" y="1124997"/>
+              <a:ext cx="6614160" cy="455116"/>
+            </a:xfrm>
+            <a:prstGeom prst="roundRect">
+              <a:avLst/>
+            </a:prstGeom>
+            <a:solidFill>
+              <a:schemeClr val="bg2">
+                <a:lumMod val="75000"/>
+              </a:schemeClr>
+            </a:solidFill>
+            <a:ln>
+              <a:noFill/>
+            </a:ln>
+          </p:spPr>
+          <p:style>
+            <a:lnRef idx="2">
+              <a:schemeClr val="accent1">
+                <a:shade val="50000"/>
+              </a:schemeClr>
+            </a:lnRef>
+            <a:fillRef idx="1">
+              <a:schemeClr val="accent1"/>
+            </a:fillRef>
+            <a:effectRef idx="0">
+              <a:schemeClr val="accent1"/>
+            </a:effectRef>
+            <a:fontRef idx="minor">
+              <a:schemeClr val="lt1"/>
+            </a:fontRef>
+          </p:style>
+          <p:txBody>
+            <a:bodyPr rtlCol="0" anchor="ctr"/>
+            <a:lstStyle/>
+            <a:p>
+              <a:pPr algn="ctr"/>
+              <a:endParaRPr lang="ko-KR" altLang="en-US" dirty="0"/>
+            </a:p>
+          </p:txBody>
+        </p:sp>
+        <p:sp>
+          <p:nvSpPr>
+            <p:cNvPr id="42" name="사각형: 둥근 모서리 41">
+              <a:extLst>
+                <a:ext uri="{FF2B5EF4-FFF2-40B4-BE49-F238E27FC236}">
+                  <a16:creationId xmlns:a16="http://schemas.microsoft.com/office/drawing/2014/main" id="{4831C118-97F2-4994-8350-618B0EEA3610}"/>
+                </a:ext>
+              </a:extLst>
+            </p:cNvPr>
+            <p:cNvSpPr/>
+            <p:nvPr/>
+          </p:nvSpPr>
+          <p:spPr>
+            <a:xfrm>
+              <a:off x="433199" y="1195522"/>
+              <a:ext cx="5991603" cy="318170"/>
+            </a:xfrm>
+            <a:prstGeom prst="roundRect">
+              <a:avLst/>
+            </a:prstGeom>
+            <a:solidFill>
+              <a:schemeClr val="bg2">
+                <a:lumMod val="50000"/>
+              </a:schemeClr>
+            </a:solidFill>
+            <a:ln>
+              <a:noFill/>
+            </a:ln>
+          </p:spPr>
+          <p:style>
+            <a:lnRef idx="2">
+              <a:schemeClr val="accent1">
+                <a:shade val="50000"/>
+              </a:schemeClr>
+            </a:lnRef>
+            <a:fillRef idx="1">
+              <a:schemeClr val="accent1"/>
+            </a:fillRef>
+            <a:effectRef idx="0">
+              <a:schemeClr val="accent1"/>
+            </a:effectRef>
+            <a:fontRef idx="minor">
+              <a:schemeClr val="lt1"/>
+            </a:fontRef>
+          </p:style>
+          <p:txBody>
+            <a:bodyPr rtlCol="0" anchor="ctr"/>
+            <a:lstStyle/>
+            <a:p>
+              <a:pPr algn="ctr"/>
+              <a:r>
+                <a:rPr lang="ko-KR" altLang="en-US" b="1" dirty="0">
+                  <a:latin typeface="메이플스토리" panose="02000300000000000000" pitchFamily="2" charset="-127"/>
+                  <a:ea typeface="메이플스토리" panose="02000300000000000000" pitchFamily="2" charset="-127"/>
+                </a:rPr>
+                <a:t>점프 </a:t>
+              </a:r>
+              <a:r>
+                <a:rPr lang="en-US" altLang="ko-KR" b="1" dirty="0">
+                  <a:latin typeface="메이플스토리" panose="02000300000000000000" pitchFamily="2" charset="-127"/>
+                  <a:ea typeface="메이플스토리" panose="02000300000000000000" pitchFamily="2" charset="-127"/>
+                </a:rPr>
+                <a:t>– </a:t>
+              </a:r>
+              <a:r>
+                <a:rPr lang="ko-KR" altLang="en-US" b="1" dirty="0">
+                  <a:latin typeface="메이플스토리" panose="02000300000000000000" pitchFamily="2" charset="-127"/>
+                  <a:ea typeface="메이플스토리" panose="02000300000000000000" pitchFamily="2" charset="-127"/>
+                </a:rPr>
+                <a:t>애니메이션 패턴</a:t>
+              </a:r>
+              <a:r>
+                <a:rPr lang="en-US" altLang="ko-KR" b="1" dirty="0">
+                  <a:latin typeface="메이플스토리" panose="02000300000000000000" pitchFamily="2" charset="-127"/>
+                  <a:ea typeface="메이플스토리" panose="02000300000000000000" pitchFamily="2" charset="-127"/>
+                </a:rPr>
+                <a:t> </a:t>
+              </a:r>
+              <a:endParaRPr lang="ko-KR" altLang="en-US" b="1" dirty="0">
+                <a:latin typeface="메이플스토리" panose="02000300000000000000" pitchFamily="2" charset="-127"/>
+                <a:ea typeface="메이플스토리" panose="02000300000000000000" pitchFamily="2" charset="-127"/>
+              </a:endParaRPr>
+            </a:p>
+          </p:txBody>
+        </p:sp>
+      </p:grpSp>
+      <p:sp>
+        <p:nvSpPr>
+          <p:cNvPr id="6" name="직사각형 5">
+            <a:extLst>
+              <a:ext uri="{FF2B5EF4-FFF2-40B4-BE49-F238E27FC236}">
+                <a16:creationId xmlns:a16="http://schemas.microsoft.com/office/drawing/2014/main" id="{A90F6C05-7A97-4BD4-AB8D-99F1425F89D4}"/>
+              </a:ext>
+            </a:extLst>
+          </p:cNvPr>
+          <p:cNvSpPr/>
+          <p:nvPr/>
+        </p:nvSpPr>
+        <p:spPr>
+          <a:xfrm>
+            <a:off x="2756733" y="33681"/>
+            <a:ext cx="1344535" cy="923330"/>
+          </a:xfrm>
+          <a:prstGeom prst="rect">
+            <a:avLst/>
+          </a:prstGeom>
+          <a:noFill/>
+        </p:spPr>
+        <p:txBody>
+          <a:bodyPr wrap="none" lIns="91440" tIns="45720" rIns="91440" bIns="45720">
+            <a:spAutoFit/>
+          </a:bodyPr>
+          <a:lstStyle/>
+          <a:p>
+            <a:pPr algn="ctr"/>
+            <a:r>
+              <a:rPr lang="en-US" altLang="ko-KR" sz="5400" b="1" cap="none" spc="0" dirty="0">
+                <a:ln w="0"/>
+                <a:solidFill>
+                  <a:schemeClr val="tx1"/>
+                </a:solidFill>
+                <a:latin typeface="+mj-ea"/>
+                <a:ea typeface="+mj-ea"/>
+              </a:rPr>
+              <a:t>WA</a:t>
+            </a:r>
+          </a:p>
+        </p:txBody>
+      </p:sp>
+      <p:grpSp>
+        <p:nvGrpSpPr>
+          <p:cNvPr id="4" name="그룹 3">
+            <a:extLst>
+              <a:ext uri="{FF2B5EF4-FFF2-40B4-BE49-F238E27FC236}">
+                <a16:creationId xmlns:a16="http://schemas.microsoft.com/office/drawing/2014/main" id="{F35FB514-4567-4115-9A7B-BAA8A4685FF5}"/>
+              </a:ext>
+            </a:extLst>
+          </p:cNvPr>
+          <p:cNvGrpSpPr/>
+          <p:nvPr/>
+        </p:nvGrpSpPr>
+        <p:grpSpPr>
+          <a:xfrm>
+            <a:off x="0" y="2712485"/>
+            <a:ext cx="6858000" cy="5090630"/>
+            <a:chOff x="0" y="1741114"/>
+            <a:chExt cx="6858000" cy="5090630"/>
+          </a:xfrm>
+        </p:grpSpPr>
+        <p:sp>
+          <p:nvSpPr>
+            <p:cNvPr id="8" name="TextBox 7">
+              <a:extLst>
+                <a:ext uri="{FF2B5EF4-FFF2-40B4-BE49-F238E27FC236}">
+                  <a16:creationId xmlns:a16="http://schemas.microsoft.com/office/drawing/2014/main" id="{9022109C-93C6-4BFF-9BBB-CDA8B30BC83F}"/>
+                </a:ext>
+              </a:extLst>
+            </p:cNvPr>
+            <p:cNvSpPr txBox="1"/>
+            <p:nvPr/>
+          </p:nvSpPr>
+          <p:spPr>
+            <a:xfrm>
+              <a:off x="220083" y="1741114"/>
+              <a:ext cx="6417836" cy="369332"/>
+            </a:xfrm>
+            <a:prstGeom prst="rect">
+              <a:avLst/>
+            </a:prstGeom>
+            <a:solidFill>
+              <a:schemeClr val="bg1">
+                <a:alpha val="20000"/>
+              </a:schemeClr>
+            </a:solidFill>
+          </p:spPr>
+          <p:txBody>
+            <a:bodyPr wrap="square" rtlCol="0">
+              <a:spAutoFit/>
+            </a:bodyPr>
+            <a:lstStyle/>
+            <a:p>
+              <a:pPr marL="285705" indent="-285705">
+                <a:buFontTx/>
+                <a:buChar char="-"/>
+              </a:pPr>
+              <a:r>
+                <a:rPr lang="ko-KR" altLang="en-US" b="1" dirty="0">
+                  <a:latin typeface="메이플스토리" panose="02000300000000000000" pitchFamily="2" charset="-127"/>
+                  <a:ea typeface="메이플스토리" panose="02000300000000000000" pitchFamily="2" charset="-127"/>
+                </a:rPr>
+                <a:t>점프 </a:t>
+              </a:r>
+              <a:r>
+                <a:rPr lang="en-US" altLang="ko-KR" b="1" dirty="0">
+                  <a:latin typeface="메이플스토리" panose="02000300000000000000" pitchFamily="2" charset="-127"/>
+                  <a:ea typeface="메이플스토리" panose="02000300000000000000" pitchFamily="2" charset="-127"/>
+                </a:rPr>
+                <a:t>CASE 1 (</a:t>
+              </a:r>
+              <a:r>
+                <a:rPr lang="ko-KR" altLang="en-US" b="1" dirty="0">
+                  <a:latin typeface="메이플스토리" panose="02000300000000000000" pitchFamily="2" charset="-127"/>
+                  <a:ea typeface="메이플스토리" panose="02000300000000000000" pitchFamily="2" charset="-127"/>
+                </a:rPr>
+                <a:t>체공 애니메이션 반복재생 중 착지</a:t>
+              </a:r>
+              <a:r>
+                <a:rPr lang="en-US" altLang="ko-KR" b="1" dirty="0">
+                  <a:latin typeface="메이플스토리" panose="02000300000000000000" pitchFamily="2" charset="-127"/>
+                  <a:ea typeface="메이플스토리" panose="02000300000000000000" pitchFamily="2" charset="-127"/>
+                </a:rPr>
+                <a:t>)</a:t>
+              </a:r>
+            </a:p>
+          </p:txBody>
+        </p:sp>
+        <p:sp>
+          <p:nvSpPr>
+            <p:cNvPr id="9" name="TextBox 8">
+              <a:extLst>
+                <a:ext uri="{FF2B5EF4-FFF2-40B4-BE49-F238E27FC236}">
+                  <a16:creationId xmlns:a16="http://schemas.microsoft.com/office/drawing/2014/main" id="{233CEE65-23F0-430D-B348-72A10E80CBFE}"/>
+                </a:ext>
+              </a:extLst>
+            </p:cNvPr>
+            <p:cNvSpPr txBox="1"/>
+            <p:nvPr/>
+          </p:nvSpPr>
+          <p:spPr>
+            <a:xfrm>
+              <a:off x="220082" y="5279972"/>
+              <a:ext cx="6417836" cy="369332"/>
+            </a:xfrm>
+            <a:prstGeom prst="rect">
+              <a:avLst/>
+            </a:prstGeom>
+            <a:solidFill>
+              <a:schemeClr val="bg1">
+                <a:alpha val="20000"/>
+              </a:schemeClr>
+            </a:solidFill>
+          </p:spPr>
+          <p:txBody>
+            <a:bodyPr wrap="square" rtlCol="0">
+              <a:spAutoFit/>
+            </a:bodyPr>
+            <a:lstStyle/>
+            <a:p>
+              <a:pPr marL="285705" indent="-285705">
+                <a:buFontTx/>
+                <a:buChar char="-"/>
+              </a:pPr>
+              <a:r>
+                <a:rPr lang="ko-KR" altLang="en-US" b="1" dirty="0">
+                  <a:latin typeface="메이플스토리" panose="02000300000000000000" pitchFamily="2" charset="-127"/>
+                  <a:ea typeface="메이플스토리" panose="02000300000000000000" pitchFamily="2" charset="-127"/>
+                </a:rPr>
+                <a:t>절벽에서 낙하</a:t>
+              </a:r>
+              <a:r>
+                <a:rPr lang="en-US" altLang="ko-KR" b="1" dirty="0">
+                  <a:latin typeface="메이플스토리" panose="02000300000000000000" pitchFamily="2" charset="-127"/>
+                  <a:ea typeface="메이플스토리" panose="02000300000000000000" pitchFamily="2" charset="-127"/>
+                </a:rPr>
+                <a:t> (</a:t>
+              </a:r>
+              <a:r>
+                <a:rPr lang="ko-KR" altLang="en-US" b="1" dirty="0">
+                  <a:latin typeface="메이플스토리" panose="02000300000000000000" pitchFamily="2" charset="-127"/>
+                  <a:ea typeface="메이플스토리" panose="02000300000000000000" pitchFamily="2" charset="-127"/>
+                </a:rPr>
+                <a:t>점프를 하지 않고 절벽에서 낙하하는 경우</a:t>
+              </a:r>
+              <a:r>
+                <a:rPr lang="en-US" altLang="ko-KR" b="1" dirty="0">
+                  <a:latin typeface="메이플스토리" panose="02000300000000000000" pitchFamily="2" charset="-127"/>
+                  <a:ea typeface="메이플스토리" panose="02000300000000000000" pitchFamily="2" charset="-127"/>
+                </a:rPr>
+                <a:t>)</a:t>
+              </a:r>
+            </a:p>
+          </p:txBody>
+        </p:sp>
+        <p:pic>
+          <p:nvPicPr>
+            <p:cNvPr id="3" name="그림 2">
+              <a:extLst>
+                <a:ext uri="{FF2B5EF4-FFF2-40B4-BE49-F238E27FC236}">
+                  <a16:creationId xmlns:a16="http://schemas.microsoft.com/office/drawing/2014/main" id="{EB872C8F-CDEA-4732-816B-B7F0B3EF13E6}"/>
+                </a:ext>
+              </a:extLst>
+            </p:cNvPr>
+            <p:cNvPicPr>
+              <a:picLocks noChangeAspect="1"/>
+            </p:cNvPicPr>
+            <p:nvPr/>
+          </p:nvPicPr>
+          <p:blipFill rotWithShape="1">
+            <a:blip r:embed="rId2">
+              <a:extLst>
+                <a:ext uri="{28A0092B-C50C-407E-A947-70E740481C1C}">
+                  <a14:useLocalDpi xmlns:a14="http://schemas.microsoft.com/office/drawing/2010/main" val="0"/>
+                </a:ext>
+              </a:extLst>
+            </a:blip>
+            <a:srcRect b="72612"/>
+            <a:stretch/>
+          </p:blipFill>
+          <p:spPr>
+            <a:xfrm>
+              <a:off x="0" y="2349910"/>
+              <a:ext cx="6858000" cy="899362"/>
+            </a:xfrm>
+            <a:prstGeom prst="rect">
+              <a:avLst/>
+            </a:prstGeom>
+          </p:spPr>
+        </p:pic>
+        <p:pic>
+          <p:nvPicPr>
+            <p:cNvPr id="15" name="그림 14">
+              <a:extLst>
+                <a:ext uri="{FF2B5EF4-FFF2-40B4-BE49-F238E27FC236}">
+                  <a16:creationId xmlns:a16="http://schemas.microsoft.com/office/drawing/2014/main" id="{58973BA9-92EC-4C12-8BFB-F1BB13B09EAB}"/>
+                </a:ext>
+              </a:extLst>
+            </p:cNvPr>
+            <p:cNvPicPr>
+              <a:picLocks noChangeAspect="1"/>
+            </p:cNvPicPr>
+            <p:nvPr/>
+          </p:nvPicPr>
+          <p:blipFill rotWithShape="1">
+            <a:blip r:embed="rId2">
+              <a:extLst>
+                <a:ext uri="{28A0092B-C50C-407E-A947-70E740481C1C}">
+                  <a14:useLocalDpi xmlns:a14="http://schemas.microsoft.com/office/drawing/2010/main" val="0"/>
+                </a:ext>
+              </a:extLst>
+            </a:blip>
+            <a:srcRect t="35542" b="35742"/>
+            <a:stretch/>
+          </p:blipFill>
+          <p:spPr>
+            <a:xfrm>
+              <a:off x="0" y="4097532"/>
+              <a:ext cx="6858000" cy="942976"/>
+            </a:xfrm>
+            <a:prstGeom prst="rect">
+              <a:avLst/>
+            </a:prstGeom>
+          </p:spPr>
+        </p:pic>
+        <p:pic>
+          <p:nvPicPr>
+            <p:cNvPr id="17" name="그림 16">
+              <a:extLst>
+                <a:ext uri="{FF2B5EF4-FFF2-40B4-BE49-F238E27FC236}">
+                  <a16:creationId xmlns:a16="http://schemas.microsoft.com/office/drawing/2014/main" id="{151E2DE5-A671-4B5C-8559-CDF04BBABFC7}"/>
+                </a:ext>
+              </a:extLst>
+            </p:cNvPr>
+            <p:cNvPicPr>
+              <a:picLocks noChangeAspect="1"/>
+            </p:cNvPicPr>
+            <p:nvPr/>
+          </p:nvPicPr>
+          <p:blipFill rotWithShape="1">
+            <a:blip r:embed="rId2">
+              <a:extLst>
+                <a:ext uri="{28A0092B-C50C-407E-A947-70E740481C1C}">
+                  <a14:useLocalDpi xmlns:a14="http://schemas.microsoft.com/office/drawing/2010/main" val="0"/>
+                </a:ext>
+              </a:extLst>
+            </a:blip>
+            <a:srcRect t="71284"/>
+            <a:stretch/>
+          </p:blipFill>
+          <p:spPr>
+            <a:xfrm>
+              <a:off x="0" y="5888768"/>
+              <a:ext cx="6858000" cy="942976"/>
+            </a:xfrm>
+            <a:prstGeom prst="rect">
+              <a:avLst/>
+            </a:prstGeom>
+          </p:spPr>
+        </p:pic>
+        <p:sp>
+          <p:nvSpPr>
+            <p:cNvPr id="18" name="TextBox 17">
+              <a:extLst>
+                <a:ext uri="{FF2B5EF4-FFF2-40B4-BE49-F238E27FC236}">
+                  <a16:creationId xmlns:a16="http://schemas.microsoft.com/office/drawing/2014/main" id="{4275CFE8-D5A4-4B96-9578-0B55088EE316}"/>
+                </a:ext>
+              </a:extLst>
+            </p:cNvPr>
+            <p:cNvSpPr txBox="1"/>
+            <p:nvPr/>
+          </p:nvSpPr>
+          <p:spPr>
+            <a:xfrm>
+              <a:off x="220082" y="3488736"/>
+              <a:ext cx="6417836" cy="369332"/>
+            </a:xfrm>
+            <a:prstGeom prst="rect">
+              <a:avLst/>
+            </a:prstGeom>
+            <a:solidFill>
+              <a:schemeClr val="bg1">
+                <a:alpha val="20000"/>
+              </a:schemeClr>
+            </a:solidFill>
+          </p:spPr>
+          <p:txBody>
+            <a:bodyPr wrap="square" rtlCol="0">
+              <a:spAutoFit/>
+            </a:bodyPr>
+            <a:lstStyle/>
+            <a:p>
+              <a:pPr marL="285705" indent="-285705">
+                <a:buFontTx/>
+                <a:buChar char="-"/>
+              </a:pPr>
+              <a:r>
+                <a:rPr lang="ko-KR" altLang="en-US" b="1" dirty="0">
+                  <a:latin typeface="메이플스토리" panose="02000300000000000000" pitchFamily="2" charset="-127"/>
+                  <a:ea typeface="메이플스토리" panose="02000300000000000000" pitchFamily="2" charset="-127"/>
+                </a:rPr>
+                <a:t>점프 </a:t>
+              </a:r>
+              <a:r>
+                <a:rPr lang="en-US" altLang="ko-KR" b="1" dirty="0">
+                  <a:latin typeface="메이플스토리" panose="02000300000000000000" pitchFamily="2" charset="-127"/>
+                  <a:ea typeface="메이플스토리" panose="02000300000000000000" pitchFamily="2" charset="-127"/>
+                </a:rPr>
+                <a:t>CASE 2 (</a:t>
+              </a:r>
+              <a:r>
+                <a:rPr lang="ko-KR" altLang="en-US" b="1" dirty="0">
+                  <a:latin typeface="메이플스토리" panose="02000300000000000000" pitchFamily="2" charset="-127"/>
+                  <a:ea typeface="메이플스토리" panose="02000300000000000000" pitchFamily="2" charset="-127"/>
+                </a:rPr>
+                <a:t>점프 애니메이션 끝나기 전 착지</a:t>
+              </a:r>
+              <a:r>
+                <a:rPr lang="en-US" altLang="ko-KR" b="1" dirty="0">
+                  <a:latin typeface="메이플스토리" panose="02000300000000000000" pitchFamily="2" charset="-127"/>
+                  <a:ea typeface="메이플스토리" panose="02000300000000000000" pitchFamily="2" charset="-127"/>
+                </a:rPr>
+                <a:t>)</a:t>
+              </a:r>
+            </a:p>
+          </p:txBody>
+        </p:sp>
+      </p:grpSp>
+    </p:spTree>
+    <p:extLst>
+      <p:ext uri="{BB962C8B-B14F-4D97-AF65-F5344CB8AC3E}">
+        <p14:creationId xmlns:p14="http://schemas.microsoft.com/office/powerpoint/2010/main" val="3724017494"/>
+      </p:ext>
+    </p:extLst>
+  </p:cSld>
+  <p:clrMapOvr>
+    <a:masterClrMapping/>
+  </p:clrMapOvr>
+</p:sld>
+</file>
+
+<file path=ppt/slides/slide14.xml><?xml version="1.0" encoding="utf-8"?>
+<p:sld xmlns:a="http://schemas.openxmlformats.org/drawingml/2006/main" xmlns:r="http://schemas.openxmlformats.org/officeDocument/2006/relationships" xmlns:p="http://schemas.openxmlformats.org/presentationml/2006/main">
+  <p:cSld>
+    <p:spTree>
+      <p:nvGrpSpPr>
+        <p:cNvPr id="1" name=""/>
+        <p:cNvGrpSpPr/>
+        <p:nvPr/>
+      </p:nvGrpSpPr>
+      <p:grpSpPr>
+        <a:xfrm>
+          <a:off x="0" y="0"/>
+          <a:ext cx="0" cy="0"/>
+          <a:chOff x="0" y="0"/>
+          <a:chExt cx="0" cy="0"/>
+        </a:xfrm>
+      </p:grpSpPr>
+      <p:sp>
+        <p:nvSpPr>
+          <p:cNvPr id="31" name="직사각형 30">
+            <a:extLst>
+              <a:ext uri="{FF2B5EF4-FFF2-40B4-BE49-F238E27FC236}">
+                <a16:creationId xmlns:a16="http://schemas.microsoft.com/office/drawing/2014/main" id="{408EFC51-8FFE-4ADF-89E4-7E6457F42BE2}"/>
+              </a:ext>
+            </a:extLst>
+          </p:cNvPr>
+          <p:cNvSpPr/>
+          <p:nvPr/>
+        </p:nvSpPr>
+        <p:spPr>
+          <a:xfrm>
+            <a:off x="5" y="1125001"/>
+            <a:ext cx="6876481" cy="8781003"/>
+          </a:xfrm>
+          <a:prstGeom prst="rect">
+            <a:avLst/>
+          </a:prstGeom>
+          <a:solidFill>
+            <a:schemeClr val="bg2">
+              <a:lumMod val="25000"/>
+            </a:schemeClr>
+          </a:solidFill>
+          <a:ln>
+            <a:noFill/>
+          </a:ln>
+        </p:spPr>
+        <p:style>
+          <a:lnRef idx="2">
+            <a:schemeClr val="accent1">
+              <a:shade val="50000"/>
+            </a:schemeClr>
+          </a:lnRef>
+          <a:fillRef idx="1">
+            <a:schemeClr val="accent1"/>
+          </a:fillRef>
+          <a:effectRef idx="0">
+            <a:schemeClr val="accent1"/>
+          </a:effectRef>
+          <a:fontRef idx="minor">
+            <a:schemeClr val="lt1"/>
+          </a:fontRef>
+        </p:style>
+        <p:txBody>
+          <a:bodyPr rtlCol="0" anchor="ctr"/>
+          <a:lstStyle/>
+          <a:p>
+            <a:pPr algn="ctr"/>
+            <a:endParaRPr lang="ko-KR" altLang="en-US" dirty="0"/>
+          </a:p>
+        </p:txBody>
+      </p:sp>
+      <p:grpSp>
+        <p:nvGrpSpPr>
+          <p:cNvPr id="40" name="그룹 39">
+            <a:extLst>
+              <a:ext uri="{FF2B5EF4-FFF2-40B4-BE49-F238E27FC236}">
+                <a16:creationId xmlns:a16="http://schemas.microsoft.com/office/drawing/2014/main" id="{C8ACD09A-7386-4C29-9F45-6CE4B45403BD}"/>
+              </a:ext>
+            </a:extLst>
+          </p:cNvPr>
+          <p:cNvGrpSpPr/>
+          <p:nvPr/>
+        </p:nvGrpSpPr>
+        <p:grpSpPr>
+          <a:xfrm>
+            <a:off x="0" y="1046534"/>
+            <a:ext cx="6876480" cy="455116"/>
+            <a:chOff x="121920" y="1124997"/>
+            <a:chExt cx="6614160" cy="455116"/>
+          </a:xfrm>
+        </p:grpSpPr>
+        <p:sp>
+          <p:nvSpPr>
+            <p:cNvPr id="41" name="사각형: 둥근 모서리 40">
+              <a:extLst>
+                <a:ext uri="{FF2B5EF4-FFF2-40B4-BE49-F238E27FC236}">
+                  <a16:creationId xmlns:a16="http://schemas.microsoft.com/office/drawing/2014/main" id="{A8327ED5-DF33-4946-BC4E-07774C3552C8}"/>
+                </a:ext>
+              </a:extLst>
+            </p:cNvPr>
+            <p:cNvSpPr/>
+            <p:nvPr/>
+          </p:nvSpPr>
+          <p:spPr>
+            <a:xfrm>
+              <a:off x="121920" y="1124997"/>
+              <a:ext cx="6614160" cy="455116"/>
+            </a:xfrm>
+            <a:prstGeom prst="roundRect">
+              <a:avLst/>
+            </a:prstGeom>
+            <a:solidFill>
+              <a:schemeClr val="bg2">
+                <a:lumMod val="75000"/>
+              </a:schemeClr>
+            </a:solidFill>
+            <a:ln>
+              <a:noFill/>
+            </a:ln>
+          </p:spPr>
+          <p:style>
+            <a:lnRef idx="2">
+              <a:schemeClr val="accent1">
+                <a:shade val="50000"/>
+              </a:schemeClr>
+            </a:lnRef>
+            <a:fillRef idx="1">
+              <a:schemeClr val="accent1"/>
+            </a:fillRef>
+            <a:effectRef idx="0">
+              <a:schemeClr val="accent1"/>
+            </a:effectRef>
+            <a:fontRef idx="minor">
+              <a:schemeClr val="lt1"/>
+            </a:fontRef>
+          </p:style>
+          <p:txBody>
+            <a:bodyPr rtlCol="0" anchor="ctr"/>
+            <a:lstStyle/>
+            <a:p>
+              <a:pPr algn="ctr"/>
+              <a:endParaRPr lang="ko-KR" altLang="en-US" dirty="0"/>
+            </a:p>
+          </p:txBody>
+        </p:sp>
+        <p:sp>
+          <p:nvSpPr>
+            <p:cNvPr id="42" name="사각형: 둥근 모서리 41">
+              <a:extLst>
+                <a:ext uri="{FF2B5EF4-FFF2-40B4-BE49-F238E27FC236}">
+                  <a16:creationId xmlns:a16="http://schemas.microsoft.com/office/drawing/2014/main" id="{4831C118-97F2-4994-8350-618B0EEA3610}"/>
+                </a:ext>
+              </a:extLst>
+            </p:cNvPr>
+            <p:cNvSpPr/>
+            <p:nvPr/>
+          </p:nvSpPr>
+          <p:spPr>
+            <a:xfrm>
+              <a:off x="433199" y="1195522"/>
+              <a:ext cx="5991603" cy="318170"/>
+            </a:xfrm>
+            <a:prstGeom prst="roundRect">
+              <a:avLst/>
+            </a:prstGeom>
+            <a:solidFill>
+              <a:schemeClr val="bg2">
+                <a:lumMod val="50000"/>
+              </a:schemeClr>
+            </a:solidFill>
+            <a:ln>
+              <a:noFill/>
+            </a:ln>
+          </p:spPr>
+          <p:style>
+            <a:lnRef idx="2">
+              <a:schemeClr val="accent1">
+                <a:shade val="50000"/>
+              </a:schemeClr>
+            </a:lnRef>
+            <a:fillRef idx="1">
+              <a:schemeClr val="accent1"/>
+            </a:fillRef>
+            <a:effectRef idx="0">
+              <a:schemeClr val="accent1"/>
+            </a:effectRef>
+            <a:fontRef idx="minor">
+              <a:schemeClr val="lt1"/>
+            </a:fontRef>
+          </p:style>
+          <p:txBody>
+            <a:bodyPr rtlCol="0" anchor="ctr"/>
+            <a:lstStyle/>
+            <a:p>
+              <a:pPr algn="ctr"/>
+              <a:r>
+                <a:rPr lang="ko-KR" altLang="en-US" b="1" dirty="0">
+                  <a:latin typeface="메이플스토리" panose="02000300000000000000" pitchFamily="2" charset="-127"/>
+                  <a:ea typeface="메이플스토리" panose="02000300000000000000" pitchFamily="2" charset="-127"/>
+                </a:rPr>
+                <a:t>사망</a:t>
+              </a:r>
+              <a:r>
+                <a:rPr lang="en-US" altLang="ko-KR" b="1" dirty="0">
+                  <a:latin typeface="메이플스토리" panose="02000300000000000000" pitchFamily="2" charset="-127"/>
+                  <a:ea typeface="메이플스토리" panose="02000300000000000000" pitchFamily="2" charset="-127"/>
+                </a:rPr>
+                <a:t> </a:t>
+              </a:r>
+              <a:endParaRPr lang="ko-KR" altLang="en-US" b="1" dirty="0">
+                <a:latin typeface="메이플스토리" panose="02000300000000000000" pitchFamily="2" charset="-127"/>
+                <a:ea typeface="메이플스토리" panose="02000300000000000000" pitchFamily="2" charset="-127"/>
+              </a:endParaRPr>
+            </a:p>
+          </p:txBody>
+        </p:sp>
+      </p:grpSp>
+      <p:sp>
+        <p:nvSpPr>
+          <p:cNvPr id="6" name="직사각형 5">
+            <a:extLst>
+              <a:ext uri="{FF2B5EF4-FFF2-40B4-BE49-F238E27FC236}">
+                <a16:creationId xmlns:a16="http://schemas.microsoft.com/office/drawing/2014/main" id="{A90F6C05-7A97-4BD4-AB8D-99F1425F89D4}"/>
+              </a:ext>
+            </a:extLst>
+          </p:cNvPr>
+          <p:cNvSpPr/>
+          <p:nvPr/>
+        </p:nvSpPr>
+        <p:spPr>
+          <a:xfrm>
+            <a:off x="2756733" y="33681"/>
+            <a:ext cx="1344535" cy="923330"/>
+          </a:xfrm>
+          <a:prstGeom prst="rect">
+            <a:avLst/>
+          </a:prstGeom>
+          <a:noFill/>
+        </p:spPr>
+        <p:txBody>
+          <a:bodyPr wrap="none" lIns="91440" tIns="45720" rIns="91440" bIns="45720">
+            <a:spAutoFit/>
+          </a:bodyPr>
+          <a:lstStyle/>
+          <a:p>
+            <a:pPr algn="ctr"/>
+            <a:r>
+              <a:rPr lang="en-US" altLang="ko-KR" sz="5400" b="1" cap="none" spc="0" dirty="0">
+                <a:ln w="0"/>
+                <a:solidFill>
+                  <a:schemeClr val="tx1"/>
+                </a:solidFill>
+                <a:latin typeface="+mj-ea"/>
+                <a:ea typeface="+mj-ea"/>
+              </a:rPr>
+              <a:t>WA</a:t>
+            </a:r>
+          </a:p>
+        </p:txBody>
+      </p:sp>
+    </p:spTree>
+    <p:extLst>
+      <p:ext uri="{BB962C8B-B14F-4D97-AF65-F5344CB8AC3E}">
+        <p14:creationId xmlns:p14="http://schemas.microsoft.com/office/powerpoint/2010/main" val="2915582741"/>
       </p:ext>
     </p:extLst>
   </p:cSld>
@@ -8137,10 +9576,10 @@
       </p:grpSpPr>
       <p:sp>
         <p:nvSpPr>
-          <p:cNvPr id="30" name="사각형: 둥근 모서리 29">
+          <p:cNvPr id="4" name="직사각형 3">
             <a:extLst>
               <a:ext uri="{FF2B5EF4-FFF2-40B4-BE49-F238E27FC236}">
-                <a16:creationId xmlns:a16="http://schemas.microsoft.com/office/drawing/2014/main" id="{CE5D4C72-F8F7-4CBE-99AA-BD38877EF19D}"/>
+                <a16:creationId xmlns:a16="http://schemas.microsoft.com/office/drawing/2014/main" id="{1ABED4FF-1D54-4CFD-8ED4-3331C278F3EA}"/>
               </a:ext>
             </a:extLst>
           </p:cNvPr>
@@ -8149,15 +9588,58 @@
         </p:nvSpPr>
         <p:spPr>
           <a:xfrm>
-            <a:off x="53267" y="1120770"/>
-            <a:ext cx="1628537" cy="455116"/>
+            <a:off x="2756733" y="33681"/>
+            <a:ext cx="1344535" cy="923330"/>
           </a:xfrm>
-          <a:prstGeom prst="roundRect">
+          <a:prstGeom prst="rect">
+            <a:avLst/>
+          </a:prstGeom>
+          <a:noFill/>
+        </p:spPr>
+        <p:txBody>
+          <a:bodyPr wrap="none" lIns="91440" tIns="45720" rIns="91440" bIns="45720">
+            <a:spAutoFit/>
+          </a:bodyPr>
+          <a:lstStyle/>
+          <a:p>
+            <a:pPr algn="ctr"/>
+            <a:r>
+              <a:rPr lang="en-US" altLang="ko-KR" sz="5400" b="1" cap="none" spc="0" dirty="0">
+                <a:ln w="0"/>
+                <a:solidFill>
+                  <a:schemeClr val="tx1"/>
+                </a:solidFill>
+                <a:latin typeface="+mj-ea"/>
+                <a:ea typeface="+mj-ea"/>
+              </a:rPr>
+              <a:t>WA</a:t>
+            </a:r>
+          </a:p>
+        </p:txBody>
+      </p:sp>
+      <p:sp>
+        <p:nvSpPr>
+          <p:cNvPr id="5" name="직사각형 4">
+            <a:extLst>
+              <a:ext uri="{FF2B5EF4-FFF2-40B4-BE49-F238E27FC236}">
+                <a16:creationId xmlns:a16="http://schemas.microsoft.com/office/drawing/2014/main" id="{751DFE29-EF6C-430F-8803-74CC939C1D6D}"/>
+              </a:ext>
+            </a:extLst>
+          </p:cNvPr>
+          <p:cNvSpPr/>
+          <p:nvPr/>
+        </p:nvSpPr>
+        <p:spPr>
+          <a:xfrm>
+            <a:off x="5" y="1125001"/>
+            <a:ext cx="6876481" cy="8781003"/>
+          </a:xfrm>
+          <a:prstGeom prst="rect">
             <a:avLst/>
           </a:prstGeom>
           <a:solidFill>
             <a:schemeClr val="bg2">
-              <a:lumMod val="75000"/>
+              <a:lumMod val="25000"/>
             </a:schemeClr>
           </a:solidFill>
           <a:ln>
@@ -8189,66 +9671,141 @@
           </a:p>
         </p:txBody>
       </p:sp>
-      <p:sp>
-        <p:nvSpPr>
-          <p:cNvPr id="31" name="사각형: 둥근 모서리 30">
+      <p:grpSp>
+        <p:nvGrpSpPr>
+          <p:cNvPr id="6" name="그룹 5">
             <a:extLst>
               <a:ext uri="{FF2B5EF4-FFF2-40B4-BE49-F238E27FC236}">
-                <a16:creationId xmlns:a16="http://schemas.microsoft.com/office/drawing/2014/main" id="{4FF35DCF-0658-4607-90B3-A44EA8F81ECF}"/>
+                <a16:creationId xmlns:a16="http://schemas.microsoft.com/office/drawing/2014/main" id="{8E8A782D-0629-4886-B638-327FEFD4B6A1}"/>
               </a:ext>
             </a:extLst>
           </p:cNvPr>
-          <p:cNvSpPr/>
+          <p:cNvGrpSpPr/>
           <p:nvPr/>
-        </p:nvSpPr>
-        <p:spPr>
+        </p:nvGrpSpPr>
+        <p:grpSpPr>
           <a:xfrm>
-            <a:off x="310473" y="1191296"/>
-            <a:ext cx="1138505" cy="318171"/>
+            <a:off x="0" y="1046534"/>
+            <a:ext cx="6876480" cy="455116"/>
+            <a:chOff x="121920" y="1124997"/>
+            <a:chExt cx="6614160" cy="455116"/>
           </a:xfrm>
-          <a:prstGeom prst="roundRect">
-            <a:avLst/>
-          </a:prstGeom>
-          <a:solidFill>
-            <a:schemeClr val="bg2">
-              <a:lumMod val="50000"/>
-            </a:schemeClr>
-          </a:solidFill>
-          <a:ln>
-            <a:noFill/>
-          </a:ln>
-        </p:spPr>
-        <p:style>
-          <a:lnRef idx="2">
-            <a:schemeClr val="accent1">
-              <a:shade val="50000"/>
-            </a:schemeClr>
-          </a:lnRef>
-          <a:fillRef idx="1">
-            <a:schemeClr val="accent1"/>
-          </a:fillRef>
-          <a:effectRef idx="0">
-            <a:schemeClr val="accent1"/>
-          </a:effectRef>
-          <a:fontRef idx="minor">
-            <a:schemeClr val="lt1"/>
-          </a:fontRef>
-        </p:style>
-        <p:txBody>
-          <a:bodyPr rtlCol="0" anchor="ctr"/>
-          <a:lstStyle/>
-          <a:p>
-            <a:pPr algn="ctr"/>
-            <a:r>
-              <a:rPr lang="ko-KR" altLang="en-US" b="1" dirty="0">
-                <a:latin typeface="메이플스토리" panose="02000300000000000000" pitchFamily="2" charset="-127"/>
-                <a:ea typeface="메이플스토리" panose="02000300000000000000" pitchFamily="2" charset="-127"/>
-              </a:rPr>
-              <a:t>목차</a:t>
-            </a:r>
-          </a:p>
-        </p:txBody>
-      </p:sp>
+        </p:grpSpPr>
+        <p:sp>
+          <p:nvSpPr>
+            <p:cNvPr id="7" name="사각형: 둥근 모서리 6">
+              <a:extLst>
+                <a:ext uri="{FF2B5EF4-FFF2-40B4-BE49-F238E27FC236}">
+                  <a16:creationId xmlns:a16="http://schemas.microsoft.com/office/drawing/2014/main" id="{BD2F14F3-73A8-406B-983F-EC035BB840B0}"/>
+                </a:ext>
+              </a:extLst>
+            </p:cNvPr>
+            <p:cNvSpPr/>
+            <p:nvPr/>
+          </p:nvSpPr>
+          <p:spPr>
+            <a:xfrm>
+              <a:off x="121920" y="1124997"/>
+              <a:ext cx="6614160" cy="455116"/>
+            </a:xfrm>
+            <a:prstGeom prst="roundRect">
+              <a:avLst/>
+            </a:prstGeom>
+            <a:solidFill>
+              <a:schemeClr val="bg2">
+                <a:lumMod val="75000"/>
+              </a:schemeClr>
+            </a:solidFill>
+            <a:ln>
+              <a:noFill/>
+            </a:ln>
+          </p:spPr>
+          <p:style>
+            <a:lnRef idx="2">
+              <a:schemeClr val="accent1">
+                <a:shade val="50000"/>
+              </a:schemeClr>
+            </a:lnRef>
+            <a:fillRef idx="1">
+              <a:schemeClr val="accent1"/>
+            </a:fillRef>
+            <a:effectRef idx="0">
+              <a:schemeClr val="accent1"/>
+            </a:effectRef>
+            <a:fontRef idx="minor">
+              <a:schemeClr val="lt1"/>
+            </a:fontRef>
+          </p:style>
+          <p:txBody>
+            <a:bodyPr rtlCol="0" anchor="ctr"/>
+            <a:lstStyle/>
+            <a:p>
+              <a:pPr algn="ctr"/>
+              <a:endParaRPr lang="ko-KR" altLang="en-US" dirty="0"/>
+            </a:p>
+          </p:txBody>
+        </p:sp>
+        <p:sp>
+          <p:nvSpPr>
+            <p:cNvPr id="8" name="사각형: 둥근 모서리 7">
+              <a:extLst>
+                <a:ext uri="{FF2B5EF4-FFF2-40B4-BE49-F238E27FC236}">
+                  <a16:creationId xmlns:a16="http://schemas.microsoft.com/office/drawing/2014/main" id="{6621E09A-072E-4221-9694-044F1CE109E0}"/>
+                </a:ext>
+              </a:extLst>
+            </p:cNvPr>
+            <p:cNvSpPr/>
+            <p:nvPr/>
+          </p:nvSpPr>
+          <p:spPr>
+            <a:xfrm>
+              <a:off x="433199" y="1195522"/>
+              <a:ext cx="5991603" cy="318170"/>
+            </a:xfrm>
+            <a:prstGeom prst="roundRect">
+              <a:avLst/>
+            </a:prstGeom>
+            <a:solidFill>
+              <a:schemeClr val="bg2">
+                <a:lumMod val="50000"/>
+              </a:schemeClr>
+            </a:solidFill>
+            <a:ln>
+              <a:noFill/>
+            </a:ln>
+          </p:spPr>
+          <p:style>
+            <a:lnRef idx="2">
+              <a:schemeClr val="accent1">
+                <a:shade val="50000"/>
+              </a:schemeClr>
+            </a:lnRef>
+            <a:fillRef idx="1">
+              <a:schemeClr val="accent1"/>
+            </a:fillRef>
+            <a:effectRef idx="0">
+              <a:schemeClr val="accent1"/>
+            </a:effectRef>
+            <a:fontRef idx="minor">
+              <a:schemeClr val="lt1"/>
+            </a:fontRef>
+          </p:style>
+          <p:txBody>
+            <a:bodyPr rtlCol="0" anchor="ctr"/>
+            <a:lstStyle/>
+            <a:p>
+              <a:pPr algn="ctr"/>
+              <a:r>
+                <a:rPr lang="ko-KR" altLang="en-US" b="1" dirty="0">
+                  <a:latin typeface="메이플스토리" panose="02000300000000000000" pitchFamily="2" charset="-127"/>
+                  <a:ea typeface="메이플스토리" panose="02000300000000000000" pitchFamily="2" charset="-127"/>
+                </a:rPr>
+                <a:t>목차</a:t>
+              </a:r>
+            </a:p>
+          </p:txBody>
+        </p:sp>
+      </p:grpSp>
     </p:spTree>
     <p:extLst>
       <p:ext uri="{BB962C8B-B14F-4D97-AF65-F5344CB8AC3E}">
@@ -9326,6 +10883,49 @@
           </a:p>
         </p:txBody>
       </p:sp>
+      <p:sp>
+        <p:nvSpPr>
+          <p:cNvPr id="11" name="직사각형 10">
+            <a:extLst>
+              <a:ext uri="{FF2B5EF4-FFF2-40B4-BE49-F238E27FC236}">
+                <a16:creationId xmlns:a16="http://schemas.microsoft.com/office/drawing/2014/main" id="{8AA7B7EF-E893-40BE-A467-4217D73608C5}"/>
+              </a:ext>
+            </a:extLst>
+          </p:cNvPr>
+          <p:cNvSpPr/>
+          <p:nvPr/>
+        </p:nvSpPr>
+        <p:spPr>
+          <a:xfrm>
+            <a:off x="2756733" y="33681"/>
+            <a:ext cx="1344535" cy="923330"/>
+          </a:xfrm>
+          <a:prstGeom prst="rect">
+            <a:avLst/>
+          </a:prstGeom>
+          <a:noFill/>
+        </p:spPr>
+        <p:txBody>
+          <a:bodyPr wrap="none" lIns="91440" tIns="45720" rIns="91440" bIns="45720">
+            <a:spAutoFit/>
+          </a:bodyPr>
+          <a:lstStyle/>
+          <a:p>
+            <a:pPr algn="ctr"/>
+            <a:r>
+              <a:rPr lang="en-US" altLang="ko-KR" sz="5400" b="1" cap="none" spc="0" dirty="0">
+                <a:ln w="0"/>
+                <a:solidFill>
+                  <a:schemeClr val="tx1"/>
+                </a:solidFill>
+                <a:latin typeface="+mj-ea"/>
+                <a:ea typeface="+mj-ea"/>
+              </a:rPr>
+              <a:t>WA</a:t>
+            </a:r>
+          </a:p>
+        </p:txBody>
+      </p:sp>
     </p:spTree>
     <p:extLst>
       <p:ext uri="{BB962C8B-B14F-4D97-AF65-F5344CB8AC3E}">
@@ -9370,7 +10970,7 @@
         </p:nvSpPr>
         <p:spPr>
           <a:xfrm>
-            <a:off x="5" y="1125001"/>
+            <a:off x="0" y="1125000"/>
             <a:ext cx="6876481" cy="8781003"/>
           </a:xfrm>
           <a:prstGeom prst="rect">
@@ -9407,6 +11007,60 @@
           <a:p>
             <a:pPr algn="ctr"/>
             <a:endParaRPr lang="ko-KR" altLang="en-US" dirty="0"/>
+          </a:p>
+        </p:txBody>
+      </p:sp>
+      <p:sp>
+        <p:nvSpPr>
+          <p:cNvPr id="36" name="직사각형 35">
+            <a:extLst>
+              <a:ext uri="{FF2B5EF4-FFF2-40B4-BE49-F238E27FC236}">
+                <a16:creationId xmlns:a16="http://schemas.microsoft.com/office/drawing/2014/main" id="{09E39776-68B6-49F5-9304-8C32ABF49E54}"/>
+              </a:ext>
+            </a:extLst>
+          </p:cNvPr>
+          <p:cNvSpPr/>
+          <p:nvPr/>
+        </p:nvSpPr>
+        <p:spPr>
+          <a:xfrm>
+            <a:off x="372298" y="6500805"/>
+            <a:ext cx="1571625" cy="2743200"/>
+          </a:xfrm>
+          <a:prstGeom prst="rect">
+            <a:avLst/>
+          </a:prstGeom>
+          <a:solidFill>
+            <a:schemeClr val="bg1">
+              <a:alpha val="20000"/>
+            </a:schemeClr>
+          </a:solidFill>
+          <a:ln>
+            <a:noFill/>
+          </a:ln>
+        </p:spPr>
+        <p:style>
+          <a:lnRef idx="2">
+            <a:schemeClr val="accent1">
+              <a:shade val="50000"/>
+            </a:schemeClr>
+          </a:lnRef>
+          <a:fillRef idx="1">
+            <a:schemeClr val="accent1"/>
+          </a:fillRef>
+          <a:effectRef idx="0">
+            <a:schemeClr val="accent1"/>
+          </a:effectRef>
+          <a:fontRef idx="minor">
+            <a:schemeClr val="lt1"/>
+          </a:fontRef>
+        </p:style>
+        <p:txBody>
+          <a:bodyPr rtlCol="0" anchor="ctr"/>
+          <a:lstStyle/>
+          <a:p>
+            <a:pPr algn="ctr"/>
+            <a:endParaRPr lang="ko-KR" altLang="en-US"/>
           </a:p>
         </p:txBody>
       </p:sp>
@@ -9539,47 +11193,1948 @@
                   <a:latin typeface="메이플스토리" panose="02000300000000000000" pitchFamily="2" charset="-127"/>
                   <a:ea typeface="메이플스토리" panose="02000300000000000000" pitchFamily="2" charset="-127"/>
                 </a:rPr>
-                <a:t>캐릭터 규격</a:t>
+                <a:t>규격 및 설정</a:t>
               </a:r>
             </a:p>
           </p:txBody>
         </p:sp>
       </p:grpSp>
-      <p:pic>
-        <p:nvPicPr>
-          <p:cNvPr id="26" name="그림 25" descr="텍스트이(가) 표시된 사진&#10;&#10;자동 생성된 설명">
+      <p:graphicFrame>
+        <p:nvGraphicFramePr>
+          <p:cNvPr id="14" name="표 14">
             <a:extLst>
               <a:ext uri="{FF2B5EF4-FFF2-40B4-BE49-F238E27FC236}">
-                <a16:creationId xmlns:a16="http://schemas.microsoft.com/office/drawing/2014/main" id="{BE46C611-7947-4F87-A836-F90E3C5AC214}"/>
+                <a16:creationId xmlns:a16="http://schemas.microsoft.com/office/drawing/2014/main" id="{7D578612-EB12-4151-A6EC-0358E1EE3998}"/>
               </a:ext>
             </a:extLst>
           </p:cNvPr>
-          <p:cNvPicPr>
-            <a:picLocks noChangeAspect="1"/>
-          </p:cNvPicPr>
-          <p:nvPr/>
-        </p:nvPicPr>
-        <p:blipFill rotWithShape="1">
-          <a:blip r:embed="rId2">
+          <p:cNvGraphicFramePr>
+            <a:graphicFrameLocks noGrp="1"/>
+          </p:cNvGraphicFramePr>
+          <p:nvPr>
+            <p:extLst>
+              <p:ext uri="{D42A27DB-BD31-4B8C-83A1-F6EECF244321}">
+                <p14:modId xmlns:p14="http://schemas.microsoft.com/office/powerpoint/2010/main" val="3488877311"/>
+              </p:ext>
+            </p:extLst>
+          </p:nvPr>
+        </p:nvGraphicFramePr>
+        <p:xfrm>
+          <a:off x="2098938" y="6500805"/>
+          <a:ext cx="4453918" cy="2743200"/>
+        </p:xfrm>
+        <a:graphic>
+          <a:graphicData uri="http://schemas.openxmlformats.org/drawingml/2006/table">
+            <a:tbl>
+              <a:tblPr firstRow="1" bandRow="1">
+                <a:tableStyleId>{2D5ABB26-0587-4C30-8999-92F81FD0307C}</a:tableStyleId>
+              </a:tblPr>
+              <a:tblGrid>
+                <a:gridCol w="1132373">
+                  <a:extLst>
+                    <a:ext uri="{9D8B030D-6E8A-4147-A177-3AD203B41FA5}">
+                      <a16:colId xmlns:a16="http://schemas.microsoft.com/office/drawing/2014/main" val="817514289"/>
+                    </a:ext>
+                  </a:extLst>
+                </a:gridCol>
+                <a:gridCol w="3321545">
+                  <a:extLst>
+                    <a:ext uri="{9D8B030D-6E8A-4147-A177-3AD203B41FA5}">
+                      <a16:colId xmlns:a16="http://schemas.microsoft.com/office/drawing/2014/main" val="549595148"/>
+                    </a:ext>
+                  </a:extLst>
+                </a:gridCol>
+              </a:tblGrid>
+              <a:tr h="0">
+                <a:tc gridSpan="2">
+                  <a:txBody>
+                    <a:bodyPr/>
+                    <a:lstStyle/>
+                    <a:p>
+                      <a:pPr algn="ctr" latinLnBrk="1"/>
+                      <a:r>
+                        <a:rPr lang="ko-KR" altLang="en-US" sz="1050" dirty="0">
+                          <a:solidFill>
+                            <a:sysClr val="windowText" lastClr="000000"/>
+                          </a:solidFill>
+                        </a:rPr>
+                        <a:t>변수 설정</a:t>
+                      </a:r>
+                    </a:p>
+                  </a:txBody>
+                  <a:tcPr anchor="ctr">
+                    <a:lnL w="12700" cap="flat" cmpd="sng" algn="ctr">
+                      <a:solidFill>
+                        <a:schemeClr val="tx1"/>
+                      </a:solidFill>
+                      <a:prstDash val="solid"/>
+                      <a:round/>
+                      <a:headEnd type="none" w="med" len="med"/>
+                      <a:tailEnd type="none" w="med" len="med"/>
+                    </a:lnL>
+                    <a:lnR w="12700" cap="flat" cmpd="sng" algn="ctr">
+                      <a:solidFill>
+                        <a:schemeClr val="tx1"/>
+                      </a:solidFill>
+                      <a:prstDash val="solid"/>
+                      <a:round/>
+                      <a:headEnd type="none" w="med" len="med"/>
+                      <a:tailEnd type="none" w="med" len="med"/>
+                    </a:lnR>
+                    <a:lnT w="12700" cap="flat" cmpd="sng" algn="ctr">
+                      <a:solidFill>
+                        <a:schemeClr val="tx1"/>
+                      </a:solidFill>
+                      <a:prstDash val="solid"/>
+                      <a:round/>
+                      <a:headEnd type="none" w="med" len="med"/>
+                      <a:tailEnd type="none" w="med" len="med"/>
+                    </a:lnT>
+                    <a:lnB w="12700" cap="flat" cmpd="sng" algn="ctr">
+                      <a:solidFill>
+                        <a:schemeClr val="tx1"/>
+                      </a:solidFill>
+                      <a:prstDash val="solid"/>
+                      <a:round/>
+                      <a:headEnd type="none" w="med" len="med"/>
+                      <a:tailEnd type="none" w="med" len="med"/>
+                    </a:lnB>
+                    <a:solidFill>
+                      <a:schemeClr val="accent1"/>
+                    </a:solidFill>
+                  </a:tcPr>
+                </a:tc>
+                <a:tc hMerge="1">
+                  <a:txBody>
+                    <a:bodyPr/>
+                    <a:lstStyle/>
+                    <a:p>
+                      <a:pPr latinLnBrk="1"/>
+                      <a:endParaRPr lang="ko-KR" altLang="en-US"/>
+                    </a:p>
+                  </a:txBody>
+                  <a:tcPr/>
+                </a:tc>
+                <a:extLst>
+                  <a:ext uri="{0D108BD9-81ED-4DB2-BD59-A6C34878D82A}">
+                    <a16:rowId xmlns:a16="http://schemas.microsoft.com/office/drawing/2014/main" val="3971456850"/>
+                  </a:ext>
+                </a:extLst>
+              </a:tr>
+              <a:tr h="0">
+                <a:tc>
+                  <a:txBody>
+                    <a:bodyPr/>
+                    <a:lstStyle/>
+                    <a:p>
+                      <a:pPr algn="ctr" latinLnBrk="1"/>
+                      <a:r>
+                        <a:rPr lang="ko-KR" altLang="en-US" sz="1050" dirty="0" err="1"/>
+                        <a:t>변수명</a:t>
+                      </a:r>
+                      <a:endParaRPr lang="ko-KR" altLang="en-US" sz="1050" dirty="0"/>
+                    </a:p>
+                  </a:txBody>
+                  <a:tcPr anchor="ctr">
+                    <a:lnL w="12700" cap="flat" cmpd="sng" algn="ctr">
+                      <a:solidFill>
+                        <a:schemeClr val="tx1"/>
+                      </a:solidFill>
+                      <a:prstDash val="solid"/>
+                      <a:round/>
+                      <a:headEnd type="none" w="med" len="med"/>
+                      <a:tailEnd type="none" w="med" len="med"/>
+                    </a:lnL>
+                    <a:lnR w="12700" cap="flat" cmpd="sng" algn="ctr">
+                      <a:solidFill>
+                        <a:schemeClr val="tx1"/>
+                      </a:solidFill>
+                      <a:prstDash val="solid"/>
+                      <a:round/>
+                      <a:headEnd type="none" w="med" len="med"/>
+                      <a:tailEnd type="none" w="med" len="med"/>
+                    </a:lnR>
+                    <a:lnT w="12700" cap="flat" cmpd="sng" algn="ctr">
+                      <a:solidFill>
+                        <a:schemeClr val="tx1"/>
+                      </a:solidFill>
+                      <a:prstDash val="solid"/>
+                      <a:round/>
+                      <a:headEnd type="none" w="med" len="med"/>
+                      <a:tailEnd type="none" w="med" len="med"/>
+                    </a:lnT>
+                    <a:lnB w="12700" cap="flat" cmpd="sng" algn="ctr">
+                      <a:solidFill>
+                        <a:schemeClr val="tx1"/>
+                      </a:solidFill>
+                      <a:prstDash val="solid"/>
+                      <a:round/>
+                      <a:headEnd type="none" w="med" len="med"/>
+                      <a:tailEnd type="none" w="med" len="med"/>
+                    </a:lnB>
+                    <a:solidFill>
+                      <a:schemeClr val="accent1">
+                        <a:lumMod val="40000"/>
+                        <a:lumOff val="60000"/>
+                      </a:schemeClr>
+                    </a:solidFill>
+                  </a:tcPr>
+                </a:tc>
+                <a:tc>
+                  <a:txBody>
+                    <a:bodyPr/>
+                    <a:lstStyle/>
+                    <a:p>
+                      <a:pPr algn="ctr" latinLnBrk="1"/>
+                      <a:r>
+                        <a:rPr lang="ko-KR" altLang="en-US" sz="1050" dirty="0"/>
+                        <a:t>변수에 대한 설명</a:t>
+                      </a:r>
+                    </a:p>
+                  </a:txBody>
+                  <a:tcPr anchor="ctr">
+                    <a:lnL w="12700" cap="flat" cmpd="sng" algn="ctr">
+                      <a:solidFill>
+                        <a:schemeClr val="tx1"/>
+                      </a:solidFill>
+                      <a:prstDash val="solid"/>
+                      <a:round/>
+                      <a:headEnd type="none" w="med" len="med"/>
+                      <a:tailEnd type="none" w="med" len="med"/>
+                    </a:lnL>
+                    <a:lnR w="12700" cap="flat" cmpd="sng" algn="ctr">
+                      <a:solidFill>
+                        <a:schemeClr val="tx1"/>
+                      </a:solidFill>
+                      <a:prstDash val="solid"/>
+                      <a:round/>
+                      <a:headEnd type="none" w="med" len="med"/>
+                      <a:tailEnd type="none" w="med" len="med"/>
+                    </a:lnR>
+                    <a:lnT w="12700" cap="flat" cmpd="sng" algn="ctr">
+                      <a:solidFill>
+                        <a:schemeClr val="tx1"/>
+                      </a:solidFill>
+                      <a:prstDash val="solid"/>
+                      <a:round/>
+                      <a:headEnd type="none" w="med" len="med"/>
+                      <a:tailEnd type="none" w="med" len="med"/>
+                    </a:lnT>
+                    <a:lnB w="12700" cap="flat" cmpd="sng" algn="ctr">
+                      <a:solidFill>
+                        <a:schemeClr val="tx1"/>
+                      </a:solidFill>
+                      <a:prstDash val="solid"/>
+                      <a:round/>
+                      <a:headEnd type="none" w="med" len="med"/>
+                      <a:tailEnd type="none" w="med" len="med"/>
+                    </a:lnB>
+                    <a:solidFill>
+                      <a:schemeClr val="accent1">
+                        <a:lumMod val="40000"/>
+                        <a:lumOff val="60000"/>
+                      </a:schemeClr>
+                    </a:solidFill>
+                  </a:tcPr>
+                </a:tc>
+                <a:extLst>
+                  <a:ext uri="{0D108BD9-81ED-4DB2-BD59-A6C34878D82A}">
+                    <a16:rowId xmlns:a16="http://schemas.microsoft.com/office/drawing/2014/main" val="3588906995"/>
+                  </a:ext>
+                </a:extLst>
+              </a:tr>
+              <a:tr h="0">
+                <a:tc>
+                  <a:txBody>
+                    <a:bodyPr/>
+                    <a:lstStyle/>
+                    <a:p>
+                      <a:pPr algn="ctr" latinLnBrk="1"/>
+                      <a:r>
+                        <a:rPr lang="en-US" altLang="ko-KR" sz="1050" u="sng" dirty="0" err="1">
+                          <a:solidFill>
+                            <a:schemeClr val="accent6">
+                              <a:lumMod val="50000"/>
+                            </a:schemeClr>
+                          </a:solidFill>
+                        </a:rPr>
+                        <a:t>move_speed</a:t>
+                      </a:r>
+                      <a:endParaRPr lang="ko-KR" altLang="en-US" sz="1050" u="sng" dirty="0">
+                        <a:solidFill>
+                          <a:schemeClr val="accent6">
+                            <a:lumMod val="50000"/>
+                          </a:schemeClr>
+                        </a:solidFill>
+                      </a:endParaRPr>
+                    </a:p>
+                  </a:txBody>
+                  <a:tcPr anchor="ctr">
+                    <a:lnL w="12700" cap="flat" cmpd="sng" algn="ctr">
+                      <a:solidFill>
+                        <a:schemeClr val="tx1"/>
+                      </a:solidFill>
+                      <a:prstDash val="solid"/>
+                      <a:round/>
+                      <a:headEnd type="none" w="med" len="med"/>
+                      <a:tailEnd type="none" w="med" len="med"/>
+                    </a:lnL>
+                    <a:lnR w="12700" cap="flat" cmpd="sng" algn="ctr">
+                      <a:solidFill>
+                        <a:schemeClr val="tx1"/>
+                      </a:solidFill>
+                      <a:prstDash val="solid"/>
+                      <a:round/>
+                      <a:headEnd type="none" w="med" len="med"/>
+                      <a:tailEnd type="none" w="med" len="med"/>
+                    </a:lnR>
+                    <a:lnT w="12700" cap="flat" cmpd="sng" algn="ctr">
+                      <a:solidFill>
+                        <a:schemeClr val="tx1"/>
+                      </a:solidFill>
+                      <a:prstDash val="solid"/>
+                      <a:round/>
+                      <a:headEnd type="none" w="med" len="med"/>
+                      <a:tailEnd type="none" w="med" len="med"/>
+                    </a:lnT>
+                    <a:lnB w="12700" cap="flat" cmpd="sng" algn="ctr">
+                      <a:solidFill>
+                        <a:schemeClr val="tx1"/>
+                      </a:solidFill>
+                      <a:prstDash val="solid"/>
+                      <a:round/>
+                      <a:headEnd type="none" w="med" len="med"/>
+                      <a:tailEnd type="none" w="med" len="med"/>
+                    </a:lnB>
+                    <a:solidFill>
+                      <a:schemeClr val="accent6">
+                        <a:lumMod val="40000"/>
+                        <a:lumOff val="60000"/>
+                      </a:schemeClr>
+                    </a:solidFill>
+                  </a:tcPr>
+                </a:tc>
+                <a:tc>
+                  <a:txBody>
+                    <a:bodyPr/>
+                    <a:lstStyle/>
+                    <a:p>
+                      <a:pPr algn="ctr" latinLnBrk="1"/>
+                      <a:r>
+                        <a:rPr lang="ko-KR" altLang="en-US" sz="1050" dirty="0"/>
+                        <a:t>캐릭터의 이동속도</a:t>
+                      </a:r>
+                    </a:p>
+                  </a:txBody>
+                  <a:tcPr anchor="ctr">
+                    <a:lnL w="12700" cap="flat" cmpd="sng" algn="ctr">
+                      <a:solidFill>
+                        <a:schemeClr val="tx1"/>
+                      </a:solidFill>
+                      <a:prstDash val="solid"/>
+                      <a:round/>
+                      <a:headEnd type="none" w="med" len="med"/>
+                      <a:tailEnd type="none" w="med" len="med"/>
+                    </a:lnL>
+                    <a:lnR w="12700" cap="flat" cmpd="sng" algn="ctr">
+                      <a:solidFill>
+                        <a:schemeClr val="tx1"/>
+                      </a:solidFill>
+                      <a:prstDash val="solid"/>
+                      <a:round/>
+                      <a:headEnd type="none" w="med" len="med"/>
+                      <a:tailEnd type="none" w="med" len="med"/>
+                    </a:lnR>
+                    <a:lnT w="12700" cap="flat" cmpd="sng" algn="ctr">
+                      <a:solidFill>
+                        <a:schemeClr val="tx1"/>
+                      </a:solidFill>
+                      <a:prstDash val="solid"/>
+                      <a:round/>
+                      <a:headEnd type="none" w="med" len="med"/>
+                      <a:tailEnd type="none" w="med" len="med"/>
+                    </a:lnT>
+                    <a:lnB w="12700" cap="flat" cmpd="sng" algn="ctr">
+                      <a:solidFill>
+                        <a:schemeClr val="tx1"/>
+                      </a:solidFill>
+                      <a:prstDash val="solid"/>
+                      <a:round/>
+                      <a:headEnd type="none" w="med" len="med"/>
+                      <a:tailEnd type="none" w="med" len="med"/>
+                    </a:lnB>
+                    <a:solidFill>
+                      <a:schemeClr val="bg1"/>
+                    </a:solidFill>
+                  </a:tcPr>
+                </a:tc>
+                <a:extLst>
+                  <a:ext uri="{0D108BD9-81ED-4DB2-BD59-A6C34878D82A}">
+                    <a16:rowId xmlns:a16="http://schemas.microsoft.com/office/drawing/2014/main" val="413710018"/>
+                  </a:ext>
+                </a:extLst>
+              </a:tr>
+              <a:tr h="0">
+                <a:tc>
+                  <a:txBody>
+                    <a:bodyPr/>
+                    <a:lstStyle/>
+                    <a:p>
+                      <a:pPr algn="ctr" latinLnBrk="1"/>
+                      <a:r>
+                        <a:rPr lang="en-US" altLang="ko-KR" sz="1050" u="sng" dirty="0" err="1">
+                          <a:solidFill>
+                            <a:schemeClr val="accent6">
+                              <a:lumMod val="50000"/>
+                            </a:schemeClr>
+                          </a:solidFill>
+                        </a:rPr>
+                        <a:t>jump_power</a:t>
+                      </a:r>
+                      <a:endParaRPr lang="ko-KR" altLang="en-US" sz="1050" u="sng" dirty="0">
+                        <a:solidFill>
+                          <a:schemeClr val="accent6">
+                            <a:lumMod val="50000"/>
+                          </a:schemeClr>
+                        </a:solidFill>
+                      </a:endParaRPr>
+                    </a:p>
+                  </a:txBody>
+                  <a:tcPr anchor="ctr">
+                    <a:lnL w="12700" cap="flat" cmpd="sng" algn="ctr">
+                      <a:solidFill>
+                        <a:schemeClr val="tx1"/>
+                      </a:solidFill>
+                      <a:prstDash val="solid"/>
+                      <a:round/>
+                      <a:headEnd type="none" w="med" len="med"/>
+                      <a:tailEnd type="none" w="med" len="med"/>
+                    </a:lnL>
+                    <a:lnR w="12700" cap="flat" cmpd="sng" algn="ctr">
+                      <a:solidFill>
+                        <a:schemeClr val="tx1"/>
+                      </a:solidFill>
+                      <a:prstDash val="solid"/>
+                      <a:round/>
+                      <a:headEnd type="none" w="med" len="med"/>
+                      <a:tailEnd type="none" w="med" len="med"/>
+                    </a:lnR>
+                    <a:lnT w="12700" cap="flat" cmpd="sng" algn="ctr">
+                      <a:solidFill>
+                        <a:schemeClr val="tx1"/>
+                      </a:solidFill>
+                      <a:prstDash val="solid"/>
+                      <a:round/>
+                      <a:headEnd type="none" w="med" len="med"/>
+                      <a:tailEnd type="none" w="med" len="med"/>
+                    </a:lnT>
+                    <a:lnB w="12700" cap="flat" cmpd="sng" algn="ctr">
+                      <a:solidFill>
+                        <a:schemeClr val="tx1"/>
+                      </a:solidFill>
+                      <a:prstDash val="solid"/>
+                      <a:round/>
+                      <a:headEnd type="none" w="med" len="med"/>
+                      <a:tailEnd type="none" w="med" len="med"/>
+                    </a:lnB>
+                    <a:solidFill>
+                      <a:schemeClr val="accent6">
+                        <a:lumMod val="40000"/>
+                        <a:lumOff val="60000"/>
+                      </a:schemeClr>
+                    </a:solidFill>
+                  </a:tcPr>
+                </a:tc>
+                <a:tc>
+                  <a:txBody>
+                    <a:bodyPr/>
+                    <a:lstStyle/>
+                    <a:p>
+                      <a:pPr algn="ctr" latinLnBrk="1"/>
+                      <a:r>
+                        <a:rPr lang="ko-KR" altLang="en-US" sz="1050" dirty="0"/>
+                        <a:t>캐릭터의 점프력</a:t>
+                      </a:r>
+                    </a:p>
+                  </a:txBody>
+                  <a:tcPr anchor="ctr">
+                    <a:lnL w="12700" cap="flat" cmpd="sng" algn="ctr">
+                      <a:solidFill>
+                        <a:schemeClr val="tx1"/>
+                      </a:solidFill>
+                      <a:prstDash val="solid"/>
+                      <a:round/>
+                      <a:headEnd type="none" w="med" len="med"/>
+                      <a:tailEnd type="none" w="med" len="med"/>
+                    </a:lnL>
+                    <a:lnR w="12700" cap="flat" cmpd="sng" algn="ctr">
+                      <a:solidFill>
+                        <a:schemeClr val="tx1"/>
+                      </a:solidFill>
+                      <a:prstDash val="solid"/>
+                      <a:round/>
+                      <a:headEnd type="none" w="med" len="med"/>
+                      <a:tailEnd type="none" w="med" len="med"/>
+                    </a:lnR>
+                    <a:lnT w="12700" cap="flat" cmpd="sng" algn="ctr">
+                      <a:solidFill>
+                        <a:schemeClr val="tx1"/>
+                      </a:solidFill>
+                      <a:prstDash val="solid"/>
+                      <a:round/>
+                      <a:headEnd type="none" w="med" len="med"/>
+                      <a:tailEnd type="none" w="med" len="med"/>
+                    </a:lnT>
+                    <a:lnB w="12700" cap="flat" cmpd="sng" algn="ctr">
+                      <a:solidFill>
+                        <a:schemeClr val="tx1"/>
+                      </a:solidFill>
+                      <a:prstDash val="solid"/>
+                      <a:round/>
+                      <a:headEnd type="none" w="med" len="med"/>
+                      <a:tailEnd type="none" w="med" len="med"/>
+                    </a:lnB>
+                    <a:solidFill>
+                      <a:schemeClr val="bg1"/>
+                    </a:solidFill>
+                  </a:tcPr>
+                </a:tc>
+                <a:extLst>
+                  <a:ext uri="{0D108BD9-81ED-4DB2-BD59-A6C34878D82A}">
+                    <a16:rowId xmlns:a16="http://schemas.microsoft.com/office/drawing/2014/main" val="3762914073"/>
+                  </a:ext>
+                </a:extLst>
+              </a:tr>
+              <a:tr h="0">
+                <a:tc>
+                  <a:txBody>
+                    <a:bodyPr/>
+                    <a:lstStyle/>
+                    <a:p>
+                      <a:pPr algn="ctr" latinLnBrk="1"/>
+                      <a:r>
+                        <a:rPr lang="en-US" altLang="ko-KR" sz="1050" dirty="0" err="1"/>
+                        <a:t>key_stack</a:t>
+                      </a:r>
+                      <a:endParaRPr lang="ko-KR" altLang="en-US" sz="1050" dirty="0"/>
+                    </a:p>
+                  </a:txBody>
+                  <a:tcPr anchor="ctr">
+                    <a:lnL w="12700" cap="flat" cmpd="sng" algn="ctr">
+                      <a:solidFill>
+                        <a:schemeClr val="tx1"/>
+                      </a:solidFill>
+                      <a:prstDash val="solid"/>
+                      <a:round/>
+                      <a:headEnd type="none" w="med" len="med"/>
+                      <a:tailEnd type="none" w="med" len="med"/>
+                    </a:lnL>
+                    <a:lnR w="12700" cap="flat" cmpd="sng" algn="ctr">
+                      <a:solidFill>
+                        <a:schemeClr val="tx1"/>
+                      </a:solidFill>
+                      <a:prstDash val="solid"/>
+                      <a:round/>
+                      <a:headEnd type="none" w="med" len="med"/>
+                      <a:tailEnd type="none" w="med" len="med"/>
+                    </a:lnR>
+                    <a:lnT w="12700" cap="flat" cmpd="sng" algn="ctr">
+                      <a:solidFill>
+                        <a:schemeClr val="tx1"/>
+                      </a:solidFill>
+                      <a:prstDash val="solid"/>
+                      <a:round/>
+                      <a:headEnd type="none" w="med" len="med"/>
+                      <a:tailEnd type="none" w="med" len="med"/>
+                    </a:lnT>
+                    <a:lnB w="12700" cap="flat" cmpd="sng" algn="ctr">
+                      <a:solidFill>
+                        <a:schemeClr val="tx1"/>
+                      </a:solidFill>
+                      <a:prstDash val="solid"/>
+                      <a:round/>
+                      <a:headEnd type="none" w="med" len="med"/>
+                      <a:tailEnd type="none" w="med" len="med"/>
+                    </a:lnB>
+                    <a:solidFill>
+                      <a:schemeClr val="bg1"/>
+                    </a:solidFill>
+                  </a:tcPr>
+                </a:tc>
+                <a:tc>
+                  <a:txBody>
+                    <a:bodyPr/>
+                    <a:lstStyle/>
+                    <a:p>
+                      <a:pPr algn="ctr" latinLnBrk="1"/>
+                      <a:r>
+                        <a:rPr lang="ko-KR" altLang="en-US" sz="1050" dirty="0"/>
+                        <a:t>캐릭터가 가진 열쇠의 개수</a:t>
+                      </a:r>
+                      <a:endParaRPr lang="en-US" altLang="ko-KR" sz="1050" dirty="0"/>
+                    </a:p>
+                    <a:p>
+                      <a:pPr marL="0" marR="0" lvl="0" indent="0" algn="ctr" defTabSz="685692" rtl="0" eaLnBrk="1" fontAlgn="auto" latinLnBrk="1" hangingPunct="1">
+                        <a:lnSpc>
+                          <a:spcPct val="100000"/>
+                        </a:lnSpc>
+                        <a:spcBef>
+                          <a:spcPts val="0"/>
+                        </a:spcBef>
+                        <a:spcAft>
+                          <a:spcPts val="0"/>
+                        </a:spcAft>
+                        <a:buClrTx/>
+                        <a:buSzTx/>
+                        <a:buFontTx/>
+                        <a:buNone/>
+                        <a:tabLst/>
+                        <a:defRPr/>
+                      </a:pPr>
+                      <a:r>
+                        <a:rPr lang="en-US" altLang="ko-KR" sz="1050" i="1" dirty="0">
+                          <a:solidFill>
+                            <a:schemeClr val="accent5">
+                              <a:lumMod val="50000"/>
+                            </a:schemeClr>
+                          </a:solidFill>
+                        </a:rPr>
+                        <a:t>(default</a:t>
+                      </a:r>
+                      <a:r>
+                        <a:rPr lang="ko-KR" altLang="en-US" sz="1050" i="1" dirty="0">
+                          <a:solidFill>
+                            <a:schemeClr val="accent5">
+                              <a:lumMod val="50000"/>
+                            </a:schemeClr>
+                          </a:solidFill>
+                        </a:rPr>
+                        <a:t>값은 </a:t>
+                      </a:r>
+                      <a:r>
+                        <a:rPr lang="en-US" altLang="ko-KR" sz="1050" i="1" dirty="0">
+                          <a:solidFill>
+                            <a:schemeClr val="accent5">
+                              <a:lumMod val="50000"/>
+                            </a:schemeClr>
+                          </a:solidFill>
+                        </a:rPr>
+                        <a:t>0)</a:t>
+                      </a:r>
+                      <a:endParaRPr lang="ko-KR" altLang="en-US" sz="1050" i="1" dirty="0">
+                        <a:solidFill>
+                          <a:schemeClr val="accent5">
+                            <a:lumMod val="50000"/>
+                          </a:schemeClr>
+                        </a:solidFill>
+                      </a:endParaRPr>
+                    </a:p>
+                  </a:txBody>
+                  <a:tcPr anchor="ctr">
+                    <a:lnL w="12700" cap="flat" cmpd="sng" algn="ctr">
+                      <a:solidFill>
+                        <a:schemeClr val="tx1"/>
+                      </a:solidFill>
+                      <a:prstDash val="solid"/>
+                      <a:round/>
+                      <a:headEnd type="none" w="med" len="med"/>
+                      <a:tailEnd type="none" w="med" len="med"/>
+                    </a:lnL>
+                    <a:lnR w="12700" cap="flat" cmpd="sng" algn="ctr">
+                      <a:solidFill>
+                        <a:schemeClr val="tx1"/>
+                      </a:solidFill>
+                      <a:prstDash val="solid"/>
+                      <a:round/>
+                      <a:headEnd type="none" w="med" len="med"/>
+                      <a:tailEnd type="none" w="med" len="med"/>
+                    </a:lnR>
+                    <a:lnT w="12700" cap="flat" cmpd="sng" algn="ctr">
+                      <a:solidFill>
+                        <a:schemeClr val="tx1"/>
+                      </a:solidFill>
+                      <a:prstDash val="solid"/>
+                      <a:round/>
+                      <a:headEnd type="none" w="med" len="med"/>
+                      <a:tailEnd type="none" w="med" len="med"/>
+                    </a:lnT>
+                    <a:lnB w="12700" cap="flat" cmpd="sng" algn="ctr">
+                      <a:solidFill>
+                        <a:schemeClr val="tx1"/>
+                      </a:solidFill>
+                      <a:prstDash val="solid"/>
+                      <a:round/>
+                      <a:headEnd type="none" w="med" len="med"/>
+                      <a:tailEnd type="none" w="med" len="med"/>
+                    </a:lnB>
+                    <a:solidFill>
+                      <a:schemeClr val="bg1"/>
+                    </a:solidFill>
+                  </a:tcPr>
+                </a:tc>
+                <a:extLst>
+                  <a:ext uri="{0D108BD9-81ED-4DB2-BD59-A6C34878D82A}">
+                    <a16:rowId xmlns:a16="http://schemas.microsoft.com/office/drawing/2014/main" val="1964579864"/>
+                  </a:ext>
+                </a:extLst>
+              </a:tr>
+              <a:tr h="0">
+                <a:tc>
+                  <a:txBody>
+                    <a:bodyPr/>
+                    <a:lstStyle/>
+                    <a:p>
+                      <a:pPr algn="ctr" latinLnBrk="1"/>
+                      <a:r>
+                        <a:rPr lang="en-US" altLang="ko-KR" sz="1050" u="sng" dirty="0" err="1">
+                          <a:solidFill>
+                            <a:schemeClr val="accent6">
+                              <a:lumMod val="50000"/>
+                            </a:schemeClr>
+                          </a:solidFill>
+                        </a:rPr>
+                        <a:t>max_life</a:t>
+                      </a:r>
+                      <a:endParaRPr lang="ko-KR" altLang="en-US" sz="1050" u="sng" dirty="0">
+                        <a:solidFill>
+                          <a:schemeClr val="accent6">
+                            <a:lumMod val="50000"/>
+                          </a:schemeClr>
+                        </a:solidFill>
+                      </a:endParaRPr>
+                    </a:p>
+                  </a:txBody>
+                  <a:tcPr anchor="ctr">
+                    <a:lnL w="12700" cap="flat" cmpd="sng" algn="ctr">
+                      <a:solidFill>
+                        <a:schemeClr val="tx1"/>
+                      </a:solidFill>
+                      <a:prstDash val="solid"/>
+                      <a:round/>
+                      <a:headEnd type="none" w="med" len="med"/>
+                      <a:tailEnd type="none" w="med" len="med"/>
+                    </a:lnL>
+                    <a:lnR w="12700" cap="flat" cmpd="sng" algn="ctr">
+                      <a:solidFill>
+                        <a:schemeClr val="tx1"/>
+                      </a:solidFill>
+                      <a:prstDash val="solid"/>
+                      <a:round/>
+                      <a:headEnd type="none" w="med" len="med"/>
+                      <a:tailEnd type="none" w="med" len="med"/>
+                    </a:lnR>
+                    <a:lnT w="12700" cap="flat" cmpd="sng" algn="ctr">
+                      <a:solidFill>
+                        <a:schemeClr val="tx1"/>
+                      </a:solidFill>
+                      <a:prstDash val="solid"/>
+                      <a:round/>
+                      <a:headEnd type="none" w="med" len="med"/>
+                      <a:tailEnd type="none" w="med" len="med"/>
+                    </a:lnT>
+                    <a:lnB w="12700" cap="flat" cmpd="sng" algn="ctr">
+                      <a:solidFill>
+                        <a:schemeClr val="tx1"/>
+                      </a:solidFill>
+                      <a:prstDash val="solid"/>
+                      <a:round/>
+                      <a:headEnd type="none" w="med" len="med"/>
+                      <a:tailEnd type="none" w="med" len="med"/>
+                    </a:lnB>
+                    <a:solidFill>
+                      <a:schemeClr val="accent6">
+                        <a:lumMod val="40000"/>
+                        <a:lumOff val="60000"/>
+                      </a:schemeClr>
+                    </a:solidFill>
+                  </a:tcPr>
+                </a:tc>
+                <a:tc>
+                  <a:txBody>
+                    <a:bodyPr/>
+                    <a:lstStyle/>
+                    <a:p>
+                      <a:pPr algn="ctr" latinLnBrk="1"/>
+                      <a:r>
+                        <a:rPr lang="ko-KR" altLang="en-US" sz="1050" dirty="0"/>
+                        <a:t>캐릭터의 최대 생명력</a:t>
+                      </a:r>
+                    </a:p>
+                  </a:txBody>
+                  <a:tcPr anchor="ctr">
+                    <a:lnL w="12700" cap="flat" cmpd="sng" algn="ctr">
+                      <a:solidFill>
+                        <a:schemeClr val="tx1"/>
+                      </a:solidFill>
+                      <a:prstDash val="solid"/>
+                      <a:round/>
+                      <a:headEnd type="none" w="med" len="med"/>
+                      <a:tailEnd type="none" w="med" len="med"/>
+                    </a:lnL>
+                    <a:lnR w="12700" cap="flat" cmpd="sng" algn="ctr">
+                      <a:solidFill>
+                        <a:schemeClr val="tx1"/>
+                      </a:solidFill>
+                      <a:prstDash val="solid"/>
+                      <a:round/>
+                      <a:headEnd type="none" w="med" len="med"/>
+                      <a:tailEnd type="none" w="med" len="med"/>
+                    </a:lnR>
+                    <a:lnT w="12700" cap="flat" cmpd="sng" algn="ctr">
+                      <a:solidFill>
+                        <a:schemeClr val="tx1"/>
+                      </a:solidFill>
+                      <a:prstDash val="solid"/>
+                      <a:round/>
+                      <a:headEnd type="none" w="med" len="med"/>
+                      <a:tailEnd type="none" w="med" len="med"/>
+                    </a:lnT>
+                    <a:lnB w="12700" cap="flat" cmpd="sng" algn="ctr">
+                      <a:solidFill>
+                        <a:schemeClr val="tx1"/>
+                      </a:solidFill>
+                      <a:prstDash val="solid"/>
+                      <a:round/>
+                      <a:headEnd type="none" w="med" len="med"/>
+                      <a:tailEnd type="none" w="med" len="med"/>
+                    </a:lnB>
+                    <a:solidFill>
+                      <a:schemeClr val="bg1"/>
+                    </a:solidFill>
+                  </a:tcPr>
+                </a:tc>
+                <a:extLst>
+                  <a:ext uri="{0D108BD9-81ED-4DB2-BD59-A6C34878D82A}">
+                    <a16:rowId xmlns:a16="http://schemas.microsoft.com/office/drawing/2014/main" val="1531528581"/>
+                  </a:ext>
+                </a:extLst>
+              </a:tr>
+              <a:tr h="0">
+                <a:tc>
+                  <a:txBody>
+                    <a:bodyPr/>
+                    <a:lstStyle/>
+                    <a:p>
+                      <a:pPr algn="ctr" latinLnBrk="1"/>
+                      <a:r>
+                        <a:rPr lang="en-US" altLang="ko-KR" sz="1050" dirty="0"/>
+                        <a:t>life</a:t>
+                      </a:r>
+                      <a:endParaRPr lang="ko-KR" altLang="en-US" sz="1050" dirty="0"/>
+                    </a:p>
+                  </a:txBody>
+                  <a:tcPr anchor="ctr">
+                    <a:lnL w="12700" cap="flat" cmpd="sng" algn="ctr">
+                      <a:solidFill>
+                        <a:schemeClr val="tx1"/>
+                      </a:solidFill>
+                      <a:prstDash val="solid"/>
+                      <a:round/>
+                      <a:headEnd type="none" w="med" len="med"/>
+                      <a:tailEnd type="none" w="med" len="med"/>
+                    </a:lnL>
+                    <a:lnR w="12700" cap="flat" cmpd="sng" algn="ctr">
+                      <a:solidFill>
+                        <a:schemeClr val="tx1"/>
+                      </a:solidFill>
+                      <a:prstDash val="solid"/>
+                      <a:round/>
+                      <a:headEnd type="none" w="med" len="med"/>
+                      <a:tailEnd type="none" w="med" len="med"/>
+                    </a:lnR>
+                    <a:lnT w="12700" cap="flat" cmpd="sng" algn="ctr">
+                      <a:solidFill>
+                        <a:schemeClr val="tx1"/>
+                      </a:solidFill>
+                      <a:prstDash val="solid"/>
+                      <a:round/>
+                      <a:headEnd type="none" w="med" len="med"/>
+                      <a:tailEnd type="none" w="med" len="med"/>
+                    </a:lnT>
+                    <a:lnB w="12700" cap="flat" cmpd="sng" algn="ctr">
+                      <a:solidFill>
+                        <a:schemeClr val="tx1"/>
+                      </a:solidFill>
+                      <a:prstDash val="solid"/>
+                      <a:round/>
+                      <a:headEnd type="none" w="med" len="med"/>
+                      <a:tailEnd type="none" w="med" len="med"/>
+                    </a:lnB>
+                    <a:solidFill>
+                      <a:schemeClr val="bg1"/>
+                    </a:solidFill>
+                  </a:tcPr>
+                </a:tc>
+                <a:tc>
+                  <a:txBody>
+                    <a:bodyPr/>
+                    <a:lstStyle/>
+                    <a:p>
+                      <a:pPr algn="ctr" latinLnBrk="1"/>
+                      <a:r>
+                        <a:rPr lang="ko-KR" altLang="en-US" sz="1050" dirty="0"/>
+                        <a:t>캐릭터의 현재 생명력</a:t>
+                      </a:r>
+                      <a:endParaRPr lang="en-US" altLang="ko-KR" sz="1050" dirty="0"/>
+                    </a:p>
+                    <a:p>
+                      <a:pPr marL="0" marR="0" lvl="0" indent="0" algn="ctr" defTabSz="685692" rtl="0" eaLnBrk="1" fontAlgn="auto" latinLnBrk="1" hangingPunct="1">
+                        <a:lnSpc>
+                          <a:spcPct val="100000"/>
+                        </a:lnSpc>
+                        <a:spcBef>
+                          <a:spcPts val="0"/>
+                        </a:spcBef>
+                        <a:spcAft>
+                          <a:spcPts val="0"/>
+                        </a:spcAft>
+                        <a:buClrTx/>
+                        <a:buSzTx/>
+                        <a:buFontTx/>
+                        <a:buNone/>
+                        <a:tabLst/>
+                        <a:defRPr/>
+                      </a:pPr>
+                      <a:r>
+                        <a:rPr lang="en-US" altLang="ko-KR" sz="1050" i="1" dirty="0">
+                          <a:solidFill>
+                            <a:schemeClr val="accent5">
+                              <a:lumMod val="50000"/>
+                            </a:schemeClr>
+                          </a:solidFill>
+                        </a:rPr>
+                        <a:t>(default</a:t>
+                      </a:r>
+                      <a:r>
+                        <a:rPr lang="ko-KR" altLang="en-US" sz="1050" i="1" dirty="0">
+                          <a:solidFill>
+                            <a:schemeClr val="accent5">
+                              <a:lumMod val="50000"/>
+                            </a:schemeClr>
+                          </a:solidFill>
+                        </a:rPr>
+                        <a:t>값은 </a:t>
+                      </a:r>
+                      <a:r>
+                        <a:rPr lang="en-US" altLang="ko-KR" sz="1050" i="1" dirty="0" err="1">
+                          <a:solidFill>
+                            <a:schemeClr val="accent5">
+                              <a:lumMod val="50000"/>
+                            </a:schemeClr>
+                          </a:solidFill>
+                        </a:rPr>
+                        <a:t>max_life</a:t>
+                      </a:r>
+                      <a:r>
+                        <a:rPr lang="en-US" altLang="ko-KR" sz="1050" i="1" dirty="0">
+                          <a:solidFill>
+                            <a:schemeClr val="accent5">
+                              <a:lumMod val="50000"/>
+                            </a:schemeClr>
+                          </a:solidFill>
+                        </a:rPr>
+                        <a:t>)</a:t>
+                      </a:r>
+                      <a:endParaRPr lang="ko-KR" altLang="en-US" sz="1050" i="1" dirty="0">
+                        <a:solidFill>
+                          <a:schemeClr val="accent5">
+                            <a:lumMod val="50000"/>
+                          </a:schemeClr>
+                        </a:solidFill>
+                      </a:endParaRPr>
+                    </a:p>
+                  </a:txBody>
+                  <a:tcPr anchor="ctr">
+                    <a:lnL w="12700" cap="flat" cmpd="sng" algn="ctr">
+                      <a:solidFill>
+                        <a:schemeClr val="tx1"/>
+                      </a:solidFill>
+                      <a:prstDash val="solid"/>
+                      <a:round/>
+                      <a:headEnd type="none" w="med" len="med"/>
+                      <a:tailEnd type="none" w="med" len="med"/>
+                    </a:lnL>
+                    <a:lnR w="12700" cap="flat" cmpd="sng" algn="ctr">
+                      <a:solidFill>
+                        <a:schemeClr val="tx1"/>
+                      </a:solidFill>
+                      <a:prstDash val="solid"/>
+                      <a:round/>
+                      <a:headEnd type="none" w="med" len="med"/>
+                      <a:tailEnd type="none" w="med" len="med"/>
+                    </a:lnR>
+                    <a:lnT w="12700" cap="flat" cmpd="sng" algn="ctr">
+                      <a:solidFill>
+                        <a:schemeClr val="tx1"/>
+                      </a:solidFill>
+                      <a:prstDash val="solid"/>
+                      <a:round/>
+                      <a:headEnd type="none" w="med" len="med"/>
+                      <a:tailEnd type="none" w="med" len="med"/>
+                    </a:lnT>
+                    <a:lnB w="12700" cap="flat" cmpd="sng" algn="ctr">
+                      <a:solidFill>
+                        <a:schemeClr val="tx1"/>
+                      </a:solidFill>
+                      <a:prstDash val="solid"/>
+                      <a:round/>
+                      <a:headEnd type="none" w="med" len="med"/>
+                      <a:tailEnd type="none" w="med" len="med"/>
+                    </a:lnB>
+                    <a:solidFill>
+                      <a:schemeClr val="bg1"/>
+                    </a:solidFill>
+                  </a:tcPr>
+                </a:tc>
+                <a:extLst>
+                  <a:ext uri="{0D108BD9-81ED-4DB2-BD59-A6C34878D82A}">
+                    <a16:rowId xmlns:a16="http://schemas.microsoft.com/office/drawing/2014/main" val="2218489040"/>
+                  </a:ext>
+                </a:extLst>
+              </a:tr>
+              <a:tr h="0">
+                <a:tc>
+                  <a:txBody>
+                    <a:bodyPr/>
+                    <a:lstStyle/>
+                    <a:p>
+                      <a:pPr algn="ctr" latinLnBrk="1"/>
+                      <a:r>
+                        <a:rPr lang="en-US" altLang="ko-KR" sz="1050" u="sng" dirty="0" err="1">
+                          <a:solidFill>
+                            <a:schemeClr val="accent6">
+                              <a:lumMod val="50000"/>
+                            </a:schemeClr>
+                          </a:solidFill>
+                        </a:rPr>
+                        <a:t>max_mana</a:t>
+                      </a:r>
+                      <a:endParaRPr lang="ko-KR" altLang="en-US" sz="1050" u="sng" dirty="0">
+                        <a:solidFill>
+                          <a:schemeClr val="accent6">
+                            <a:lumMod val="50000"/>
+                          </a:schemeClr>
+                        </a:solidFill>
+                      </a:endParaRPr>
+                    </a:p>
+                  </a:txBody>
+                  <a:tcPr anchor="ctr">
+                    <a:lnL w="12700" cap="flat" cmpd="sng" algn="ctr">
+                      <a:solidFill>
+                        <a:schemeClr val="tx1"/>
+                      </a:solidFill>
+                      <a:prstDash val="solid"/>
+                      <a:round/>
+                      <a:headEnd type="none" w="med" len="med"/>
+                      <a:tailEnd type="none" w="med" len="med"/>
+                    </a:lnL>
+                    <a:lnR w="12700" cap="flat" cmpd="sng" algn="ctr">
+                      <a:solidFill>
+                        <a:schemeClr val="tx1"/>
+                      </a:solidFill>
+                      <a:prstDash val="solid"/>
+                      <a:round/>
+                      <a:headEnd type="none" w="med" len="med"/>
+                      <a:tailEnd type="none" w="med" len="med"/>
+                    </a:lnR>
+                    <a:lnT w="12700" cap="flat" cmpd="sng" algn="ctr">
+                      <a:solidFill>
+                        <a:schemeClr val="tx1"/>
+                      </a:solidFill>
+                      <a:prstDash val="solid"/>
+                      <a:round/>
+                      <a:headEnd type="none" w="med" len="med"/>
+                      <a:tailEnd type="none" w="med" len="med"/>
+                    </a:lnT>
+                    <a:lnB w="12700" cap="flat" cmpd="sng" algn="ctr">
+                      <a:solidFill>
+                        <a:schemeClr val="tx1"/>
+                      </a:solidFill>
+                      <a:prstDash val="solid"/>
+                      <a:round/>
+                      <a:headEnd type="none" w="med" len="med"/>
+                      <a:tailEnd type="none" w="med" len="med"/>
+                    </a:lnB>
+                    <a:solidFill>
+                      <a:schemeClr val="accent6">
+                        <a:lumMod val="40000"/>
+                        <a:lumOff val="60000"/>
+                      </a:schemeClr>
+                    </a:solidFill>
+                  </a:tcPr>
+                </a:tc>
+                <a:tc>
+                  <a:txBody>
+                    <a:bodyPr/>
+                    <a:lstStyle/>
+                    <a:p>
+                      <a:pPr algn="ctr" latinLnBrk="1"/>
+                      <a:r>
+                        <a:rPr lang="ko-KR" altLang="en-US" sz="1050" dirty="0"/>
+                        <a:t>캐릭터의 최대 특수자원</a:t>
+                      </a:r>
+                    </a:p>
+                  </a:txBody>
+                  <a:tcPr anchor="ctr">
+                    <a:lnL w="12700" cap="flat" cmpd="sng" algn="ctr">
+                      <a:solidFill>
+                        <a:schemeClr val="tx1"/>
+                      </a:solidFill>
+                      <a:prstDash val="solid"/>
+                      <a:round/>
+                      <a:headEnd type="none" w="med" len="med"/>
+                      <a:tailEnd type="none" w="med" len="med"/>
+                    </a:lnL>
+                    <a:lnR w="12700" cap="flat" cmpd="sng" algn="ctr">
+                      <a:solidFill>
+                        <a:schemeClr val="tx1"/>
+                      </a:solidFill>
+                      <a:prstDash val="solid"/>
+                      <a:round/>
+                      <a:headEnd type="none" w="med" len="med"/>
+                      <a:tailEnd type="none" w="med" len="med"/>
+                    </a:lnR>
+                    <a:lnT w="12700" cap="flat" cmpd="sng" algn="ctr">
+                      <a:solidFill>
+                        <a:schemeClr val="tx1"/>
+                      </a:solidFill>
+                      <a:prstDash val="solid"/>
+                      <a:round/>
+                      <a:headEnd type="none" w="med" len="med"/>
+                      <a:tailEnd type="none" w="med" len="med"/>
+                    </a:lnT>
+                    <a:lnB w="12700" cap="flat" cmpd="sng" algn="ctr">
+                      <a:solidFill>
+                        <a:schemeClr val="tx1"/>
+                      </a:solidFill>
+                      <a:prstDash val="solid"/>
+                      <a:round/>
+                      <a:headEnd type="none" w="med" len="med"/>
+                      <a:tailEnd type="none" w="med" len="med"/>
+                    </a:lnB>
+                    <a:solidFill>
+                      <a:schemeClr val="bg1"/>
+                    </a:solidFill>
+                  </a:tcPr>
+                </a:tc>
+                <a:extLst>
+                  <a:ext uri="{0D108BD9-81ED-4DB2-BD59-A6C34878D82A}">
+                    <a16:rowId xmlns:a16="http://schemas.microsoft.com/office/drawing/2014/main" val="2644128714"/>
+                  </a:ext>
+                </a:extLst>
+              </a:tr>
+              <a:tr h="0">
+                <a:tc>
+                  <a:txBody>
+                    <a:bodyPr/>
+                    <a:lstStyle/>
+                    <a:p>
+                      <a:pPr algn="ctr" latinLnBrk="1"/>
+                      <a:r>
+                        <a:rPr lang="en-US" altLang="ko-KR" sz="1050" dirty="0"/>
+                        <a:t>mana</a:t>
+                      </a:r>
+                      <a:endParaRPr lang="ko-KR" altLang="en-US" sz="1050" dirty="0"/>
+                    </a:p>
+                  </a:txBody>
+                  <a:tcPr anchor="ctr">
+                    <a:lnL w="12700" cap="flat" cmpd="sng" algn="ctr">
+                      <a:solidFill>
+                        <a:schemeClr val="tx1"/>
+                      </a:solidFill>
+                      <a:prstDash val="solid"/>
+                      <a:round/>
+                      <a:headEnd type="none" w="med" len="med"/>
+                      <a:tailEnd type="none" w="med" len="med"/>
+                    </a:lnL>
+                    <a:lnR w="12700" cap="flat" cmpd="sng" algn="ctr">
+                      <a:solidFill>
+                        <a:schemeClr val="tx1"/>
+                      </a:solidFill>
+                      <a:prstDash val="solid"/>
+                      <a:round/>
+                      <a:headEnd type="none" w="med" len="med"/>
+                      <a:tailEnd type="none" w="med" len="med"/>
+                    </a:lnR>
+                    <a:lnT w="12700" cap="flat" cmpd="sng" algn="ctr">
+                      <a:solidFill>
+                        <a:schemeClr val="tx1"/>
+                      </a:solidFill>
+                      <a:prstDash val="solid"/>
+                      <a:round/>
+                      <a:headEnd type="none" w="med" len="med"/>
+                      <a:tailEnd type="none" w="med" len="med"/>
+                    </a:lnT>
+                    <a:lnB w="12700" cap="flat" cmpd="sng" algn="ctr">
+                      <a:solidFill>
+                        <a:schemeClr val="tx1"/>
+                      </a:solidFill>
+                      <a:prstDash val="solid"/>
+                      <a:round/>
+                      <a:headEnd type="none" w="med" len="med"/>
+                      <a:tailEnd type="none" w="med" len="med"/>
+                    </a:lnB>
+                    <a:solidFill>
+                      <a:schemeClr val="bg1"/>
+                    </a:solidFill>
+                  </a:tcPr>
+                </a:tc>
+                <a:tc>
+                  <a:txBody>
+                    <a:bodyPr/>
+                    <a:lstStyle/>
+                    <a:p>
+                      <a:pPr algn="ctr" latinLnBrk="1"/>
+                      <a:r>
+                        <a:rPr lang="ko-KR" altLang="en-US" sz="1050" dirty="0"/>
+                        <a:t>캐릭터의 현재 특수자원</a:t>
+                      </a:r>
+                      <a:endParaRPr lang="en-US" altLang="ko-KR" sz="1050" dirty="0"/>
+                    </a:p>
+                    <a:p>
+                      <a:pPr marL="0" marR="0" lvl="0" indent="0" algn="ctr" defTabSz="685692" rtl="0" eaLnBrk="1" fontAlgn="auto" latinLnBrk="1" hangingPunct="1">
+                        <a:lnSpc>
+                          <a:spcPct val="100000"/>
+                        </a:lnSpc>
+                        <a:spcBef>
+                          <a:spcPts val="0"/>
+                        </a:spcBef>
+                        <a:spcAft>
+                          <a:spcPts val="0"/>
+                        </a:spcAft>
+                        <a:buClrTx/>
+                        <a:buSzTx/>
+                        <a:buFontTx/>
+                        <a:buNone/>
+                        <a:tabLst/>
+                        <a:defRPr/>
+                      </a:pPr>
+                      <a:r>
+                        <a:rPr lang="en-US" altLang="ko-KR" sz="1050" i="1" dirty="0">
+                          <a:solidFill>
+                            <a:schemeClr val="accent5">
+                              <a:lumMod val="50000"/>
+                            </a:schemeClr>
+                          </a:solidFill>
+                        </a:rPr>
+                        <a:t>(default</a:t>
+                      </a:r>
+                      <a:r>
+                        <a:rPr lang="ko-KR" altLang="en-US" sz="1050" i="1" dirty="0">
+                          <a:solidFill>
+                            <a:schemeClr val="accent5">
+                              <a:lumMod val="50000"/>
+                            </a:schemeClr>
+                          </a:solidFill>
+                        </a:rPr>
+                        <a:t>값은 </a:t>
+                      </a:r>
+                      <a:r>
+                        <a:rPr lang="en-US" altLang="ko-KR" sz="1050" i="1" dirty="0" err="1">
+                          <a:solidFill>
+                            <a:schemeClr val="accent5">
+                              <a:lumMod val="50000"/>
+                            </a:schemeClr>
+                          </a:solidFill>
+                        </a:rPr>
+                        <a:t>max_mana</a:t>
+                      </a:r>
+                      <a:r>
+                        <a:rPr lang="en-US" altLang="ko-KR" sz="1050" i="1" dirty="0">
+                          <a:solidFill>
+                            <a:schemeClr val="accent5">
+                              <a:lumMod val="50000"/>
+                            </a:schemeClr>
+                          </a:solidFill>
+                        </a:rPr>
+                        <a:t>)</a:t>
+                      </a:r>
+                      <a:endParaRPr lang="ko-KR" altLang="en-US" sz="1050" i="1" dirty="0">
+                        <a:solidFill>
+                          <a:schemeClr val="accent5">
+                            <a:lumMod val="50000"/>
+                          </a:schemeClr>
+                        </a:solidFill>
+                      </a:endParaRPr>
+                    </a:p>
+                  </a:txBody>
+                  <a:tcPr anchor="ctr">
+                    <a:lnL w="12700" cap="flat" cmpd="sng" algn="ctr">
+                      <a:solidFill>
+                        <a:schemeClr val="tx1"/>
+                      </a:solidFill>
+                      <a:prstDash val="solid"/>
+                      <a:round/>
+                      <a:headEnd type="none" w="med" len="med"/>
+                      <a:tailEnd type="none" w="med" len="med"/>
+                    </a:lnL>
+                    <a:lnR w="12700" cap="flat" cmpd="sng" algn="ctr">
+                      <a:solidFill>
+                        <a:schemeClr val="tx1"/>
+                      </a:solidFill>
+                      <a:prstDash val="solid"/>
+                      <a:round/>
+                      <a:headEnd type="none" w="med" len="med"/>
+                      <a:tailEnd type="none" w="med" len="med"/>
+                    </a:lnR>
+                    <a:lnT w="12700" cap="flat" cmpd="sng" algn="ctr">
+                      <a:solidFill>
+                        <a:schemeClr val="tx1"/>
+                      </a:solidFill>
+                      <a:prstDash val="solid"/>
+                      <a:round/>
+                      <a:headEnd type="none" w="med" len="med"/>
+                      <a:tailEnd type="none" w="med" len="med"/>
+                    </a:lnT>
+                    <a:lnB w="12700" cap="flat" cmpd="sng" algn="ctr">
+                      <a:solidFill>
+                        <a:schemeClr val="tx1"/>
+                      </a:solidFill>
+                      <a:prstDash val="solid"/>
+                      <a:round/>
+                      <a:headEnd type="none" w="med" len="med"/>
+                      <a:tailEnd type="none" w="med" len="med"/>
+                    </a:lnB>
+                    <a:solidFill>
+                      <a:schemeClr val="bg1"/>
+                    </a:solidFill>
+                  </a:tcPr>
+                </a:tc>
+                <a:extLst>
+                  <a:ext uri="{0D108BD9-81ED-4DB2-BD59-A6C34878D82A}">
+                    <a16:rowId xmlns:a16="http://schemas.microsoft.com/office/drawing/2014/main" val="2460914715"/>
+                  </a:ext>
+                </a:extLst>
+              </a:tr>
+            </a:tbl>
+          </a:graphicData>
+        </a:graphic>
+      </p:graphicFrame>
+      <p:sp>
+        <p:nvSpPr>
+          <p:cNvPr id="20" name="직사각형 19">
             <a:extLst>
-              <a:ext uri="{28A0092B-C50C-407E-A947-70E740481C1C}">
-                <a14:useLocalDpi xmlns:a14="http://schemas.microsoft.com/office/drawing/2010/main" val="0"/>
+              <a:ext uri="{FF2B5EF4-FFF2-40B4-BE49-F238E27FC236}">
+                <a16:creationId xmlns:a16="http://schemas.microsoft.com/office/drawing/2014/main" id="{00D855E7-3EE9-4660-ABEE-0C9A0A0A2E13}"/>
               </a:ext>
             </a:extLst>
-          </a:blip>
-          <a:srcRect l="27870" t="16649" r="52963" b="6716"/>
-          <a:stretch/>
-        </p:blipFill>
+          </p:cNvPr>
+          <p:cNvSpPr/>
+          <p:nvPr/>
+        </p:nvSpPr>
         <p:spPr>
           <a:xfrm>
-            <a:off x="1825374" y="2492379"/>
-            <a:ext cx="1080000" cy="2034783"/>
+            <a:off x="2756733" y="33681"/>
+            <a:ext cx="1344535" cy="923330"/>
           </a:xfrm>
           <a:prstGeom prst="rect">
             <a:avLst/>
           </a:prstGeom>
+          <a:noFill/>
         </p:spPr>
-      </p:pic>
+        <p:txBody>
+          <a:bodyPr wrap="none" lIns="91440" tIns="45720" rIns="91440" bIns="45720">
+            <a:spAutoFit/>
+          </a:bodyPr>
+          <a:lstStyle/>
+          <a:p>
+            <a:pPr algn="ctr"/>
+            <a:r>
+              <a:rPr lang="en-US" altLang="ko-KR" sz="5400" b="1" cap="none" spc="0" dirty="0">
+                <a:ln w="0"/>
+                <a:solidFill>
+                  <a:schemeClr val="tx1"/>
+                </a:solidFill>
+                <a:latin typeface="+mj-ea"/>
+                <a:ea typeface="+mj-ea"/>
+              </a:rPr>
+              <a:t>WA</a:t>
+            </a:r>
+          </a:p>
+        </p:txBody>
+      </p:sp>
+      <p:sp>
+        <p:nvSpPr>
+          <p:cNvPr id="17" name="직사각형 16">
+            <a:extLst>
+              <a:ext uri="{FF2B5EF4-FFF2-40B4-BE49-F238E27FC236}">
+                <a16:creationId xmlns:a16="http://schemas.microsoft.com/office/drawing/2014/main" id="{2A358B12-6E53-4AC9-B571-7366172A4C62}"/>
+              </a:ext>
+            </a:extLst>
+          </p:cNvPr>
+          <p:cNvSpPr/>
+          <p:nvPr/>
+        </p:nvSpPr>
+        <p:spPr>
+          <a:xfrm>
+            <a:off x="548569" y="7685270"/>
+            <a:ext cx="1219081" cy="374269"/>
+          </a:xfrm>
+          <a:prstGeom prst="rect">
+            <a:avLst/>
+          </a:prstGeom>
+          <a:solidFill>
+            <a:schemeClr val="accent6">
+              <a:lumMod val="40000"/>
+              <a:lumOff val="60000"/>
+            </a:schemeClr>
+          </a:solidFill>
+          <a:ln>
+            <a:noFill/>
+          </a:ln>
+        </p:spPr>
+        <p:style>
+          <a:lnRef idx="2">
+            <a:schemeClr val="accent1">
+              <a:shade val="50000"/>
+            </a:schemeClr>
+          </a:lnRef>
+          <a:fillRef idx="1">
+            <a:schemeClr val="accent1"/>
+          </a:fillRef>
+          <a:effectRef idx="0">
+            <a:schemeClr val="accent1"/>
+          </a:effectRef>
+          <a:fontRef idx="minor">
+            <a:schemeClr val="lt1"/>
+          </a:fontRef>
+        </p:style>
+        <p:txBody>
+          <a:bodyPr rtlCol="0" anchor="ctr"/>
+          <a:lstStyle/>
+          <a:p>
+            <a:pPr algn="ctr"/>
+            <a:r>
+              <a:rPr lang="ko-KR" altLang="en-US" sz="1000" u="sng" dirty="0">
+                <a:solidFill>
+                  <a:schemeClr val="accent6">
+                    <a:lumMod val="50000"/>
+                  </a:schemeClr>
+                </a:solidFill>
+              </a:rPr>
+              <a:t>엔진에서</a:t>
+            </a:r>
+            <a:endParaRPr lang="en-US" altLang="ko-KR" sz="1000" u="sng" dirty="0">
+              <a:solidFill>
+                <a:schemeClr val="accent6">
+                  <a:lumMod val="50000"/>
+                </a:schemeClr>
+              </a:solidFill>
+            </a:endParaRPr>
+          </a:p>
+          <a:p>
+            <a:pPr algn="ctr"/>
+            <a:r>
+              <a:rPr lang="ko-KR" altLang="en-US" sz="1000" u="sng" dirty="0">
+                <a:solidFill>
+                  <a:schemeClr val="accent6">
+                    <a:lumMod val="50000"/>
+                  </a:schemeClr>
+                </a:solidFill>
+              </a:rPr>
+              <a:t>수정 가능</a:t>
+            </a:r>
+          </a:p>
+        </p:txBody>
+      </p:sp>
+      <p:grpSp>
+        <p:nvGrpSpPr>
+          <p:cNvPr id="34" name="그룹 33">
+            <a:extLst>
+              <a:ext uri="{FF2B5EF4-FFF2-40B4-BE49-F238E27FC236}">
+                <a16:creationId xmlns:a16="http://schemas.microsoft.com/office/drawing/2014/main" id="{A05FAEB1-CFBC-4C0A-8DC2-DD0445C64527}"/>
+              </a:ext>
+            </a:extLst>
+          </p:cNvPr>
+          <p:cNvGrpSpPr/>
+          <p:nvPr/>
+        </p:nvGrpSpPr>
+        <p:grpSpPr>
+          <a:xfrm>
+            <a:off x="323624" y="1922559"/>
+            <a:ext cx="1624792" cy="4456046"/>
+            <a:chOff x="677013" y="1877569"/>
+            <a:chExt cx="1624792" cy="4456046"/>
+          </a:xfrm>
+        </p:grpSpPr>
+        <p:grpSp>
+          <p:nvGrpSpPr>
+            <p:cNvPr id="32" name="그룹 31">
+              <a:extLst>
+                <a:ext uri="{FF2B5EF4-FFF2-40B4-BE49-F238E27FC236}">
+                  <a16:creationId xmlns:a16="http://schemas.microsoft.com/office/drawing/2014/main" id="{1A71D4B4-12FF-4F4B-99CD-06003EF4F528}"/>
+                </a:ext>
+              </a:extLst>
+            </p:cNvPr>
+            <p:cNvGrpSpPr/>
+            <p:nvPr/>
+          </p:nvGrpSpPr>
+          <p:grpSpPr>
+            <a:xfrm>
+              <a:off x="730180" y="1877569"/>
+              <a:ext cx="1571625" cy="4456046"/>
+              <a:chOff x="85725" y="186882"/>
+              <a:chExt cx="1571625" cy="4456046"/>
+            </a:xfrm>
+          </p:grpSpPr>
+          <p:sp>
+            <p:nvSpPr>
+              <p:cNvPr id="28" name="직사각형 27">
+                <a:extLst>
+                  <a:ext uri="{FF2B5EF4-FFF2-40B4-BE49-F238E27FC236}">
+                    <a16:creationId xmlns:a16="http://schemas.microsoft.com/office/drawing/2014/main" id="{EC2A7D8A-35CA-4C89-BD3C-C2D535BB5D6B}"/>
+                  </a:ext>
+                </a:extLst>
+              </p:cNvPr>
+              <p:cNvSpPr/>
+              <p:nvPr/>
+            </p:nvSpPr>
+            <p:spPr>
+              <a:xfrm>
+                <a:off x="85725" y="186882"/>
+                <a:ext cx="1571625" cy="4456046"/>
+              </a:xfrm>
+              <a:prstGeom prst="rect">
+                <a:avLst/>
+              </a:prstGeom>
+              <a:solidFill>
+                <a:schemeClr val="bg1">
+                  <a:alpha val="20000"/>
+                </a:schemeClr>
+              </a:solidFill>
+              <a:ln>
+                <a:noFill/>
+              </a:ln>
+            </p:spPr>
+            <p:style>
+              <a:lnRef idx="2">
+                <a:schemeClr val="accent1">
+                  <a:shade val="50000"/>
+                </a:schemeClr>
+              </a:lnRef>
+              <a:fillRef idx="1">
+                <a:schemeClr val="accent1"/>
+              </a:fillRef>
+              <a:effectRef idx="0">
+                <a:schemeClr val="accent1"/>
+              </a:effectRef>
+              <a:fontRef idx="minor">
+                <a:schemeClr val="lt1"/>
+              </a:fontRef>
+            </p:style>
+            <p:txBody>
+              <a:bodyPr rtlCol="0" anchor="ctr"/>
+              <a:lstStyle/>
+              <a:p>
+                <a:pPr algn="ctr"/>
+                <a:endParaRPr lang="ko-KR" altLang="en-US"/>
+              </a:p>
+            </p:txBody>
+          </p:sp>
+          <p:grpSp>
+            <p:nvGrpSpPr>
+              <p:cNvPr id="29" name="그룹 28">
+                <a:extLst>
+                  <a:ext uri="{FF2B5EF4-FFF2-40B4-BE49-F238E27FC236}">
+                    <a16:creationId xmlns:a16="http://schemas.microsoft.com/office/drawing/2014/main" id="{5FF6EE55-6D9B-4578-9E69-D6A302F00286}"/>
+                  </a:ext>
+                </a:extLst>
+              </p:cNvPr>
+              <p:cNvGrpSpPr/>
+              <p:nvPr/>
+            </p:nvGrpSpPr>
+            <p:grpSpPr>
+              <a:xfrm>
+                <a:off x="278762" y="2166162"/>
+                <a:ext cx="1185550" cy="2192299"/>
+                <a:chOff x="239308" y="2147926"/>
+                <a:chExt cx="1185550" cy="2192299"/>
+              </a:xfrm>
+            </p:grpSpPr>
+            <p:pic>
+              <p:nvPicPr>
+                <p:cNvPr id="23" name="그림 22" descr="텍스트이(가) 표시된 사진&#10;&#10;자동 생성된 설명">
+                  <a:extLst>
+                    <a:ext uri="{FF2B5EF4-FFF2-40B4-BE49-F238E27FC236}">
+                      <a16:creationId xmlns:a16="http://schemas.microsoft.com/office/drawing/2014/main" id="{340FA2F0-4859-4548-88B4-9B1E4373DFCA}"/>
+                    </a:ext>
+                  </a:extLst>
+                </p:cNvPr>
+                <p:cNvPicPr>
+                  <a:picLocks noChangeAspect="1"/>
+                </p:cNvPicPr>
+                <p:nvPr/>
+              </p:nvPicPr>
+              <p:blipFill rotWithShape="1">
+                <a:blip r:embed="rId2">
+                  <a:extLst>
+                    <a:ext uri="{BEBA8EAE-BF5A-486C-A8C5-ECC9F3942E4B}">
+                      <a14:imgProps xmlns:a14="http://schemas.microsoft.com/office/drawing/2010/main">
+                        <a14:imgLayer r:embed="rId3">
+                          <a14:imgEffect>
+                            <a14:backgroundRemoval t="13175" b="90794" l="3067" r="20269">
+                              <a14:foregroundMark x1="5011" y1="39048" x2="7853" y2="25397"/>
+                              <a14:foregroundMark x1="11818" y1="21270" x2="15482" y2="25873"/>
+                              <a14:foregroundMark x1="10696" y1="28413" x2="6956" y2="38095"/>
+                              <a14:foregroundMark x1="14286" y1="31270" x2="17203" y2="35238"/>
+                              <a14:foregroundMark x1="6956" y1="17619" x2="15557" y2="16032"/>
+                              <a14:foregroundMark x1="15557" y1="16032" x2="15557" y2="16032"/>
+                              <a14:foregroundMark x1="11668" y1="13651" x2="11294" y2="13492"/>
+                              <a14:foregroundMark x1="14061" y1="34762" x2="16230" y2="38095"/>
+                              <a14:foregroundMark x1="10471" y1="35079" x2="9274" y2="37619"/>
+                              <a14:foregroundMark x1="11743" y1="46032" x2="11668" y2="59841"/>
+                              <a14:foregroundMark x1="10655" y1="73492" x2="10471" y2="76349"/>
+                              <a14:foregroundMark x1="10747" y1="72063" x2="10655" y2="73492"/>
+                              <a14:foregroundMark x1="10889" y1="69841" x2="10747" y2="72063"/>
+                              <a14:foregroundMark x1="11144" y1="65873" x2="10889" y2="69841"/>
+                              <a14:foregroundMark x1="13463" y1="65397" x2="13463" y2="74762"/>
+                              <a14:foregroundMark x1="10396" y1="80635" x2="10396" y2="88095"/>
+                              <a14:foregroundMark x1="10471" y1="90794" x2="10471" y2="90794"/>
+                              <a14:foregroundMark x1="14061" y1="52698" x2="15408" y2="54444"/>
+                              <a14:foregroundMark x1="16679" y1="59683" x2="16679" y2="59683"/>
+                              <a14:foregroundMark x1="18399" y1="62540" x2="18399" y2="62540"/>
+                              <a14:foregroundMark x1="19521" y1="63492" x2="19521" y2="63492"/>
+                              <a14:foregroundMark x1="19147" y1="65397" x2="19147" y2="65397"/>
+                              <a14:foregroundMark x1="20344" y1="64127" x2="20344" y2="64127"/>
+                              <a14:foregroundMark x1="8527" y1="57619" x2="8527" y2="57619"/>
+                              <a14:foregroundMark x1="9424" y1="53651" x2="7629" y2="56984"/>
+                              <a14:foregroundMark x1="5236" y1="62381" x2="5385" y2="62381"/>
+                              <a14:foregroundMark x1="3067" y1="64444" x2="3067" y2="64444"/>
+                              <a14:foregroundMark x1="7255" y1="45714" x2="7779" y2="46032"/>
+                              <a14:foregroundMark x1="4413" y1="46825" x2="4413" y2="46825"/>
+                              <a14:foregroundMark x1="19222" y1="47143" x2="19222" y2="47143"/>
+                              <a14:foregroundMark x1="16679" y1="48095" x2="16679" y2="48095"/>
+                              <a14:backgroundMark x1="12117" y1="87778" x2="12117" y2="90000"/>
+                              <a14:backgroundMark x1="12117" y1="84762" x2="12117" y2="85079"/>
+                              <a14:backgroundMark x1="11818" y1="69841" x2="11818" y2="69841"/>
+                              <a14:backgroundMark x1="11818" y1="76508" x2="11818" y2="76508"/>
+                              <a14:backgroundMark x1="11892" y1="73492" x2="11892" y2="73492"/>
+                              <a14:backgroundMark x1="11967" y1="72063" x2="11967" y2="72063"/>
+                            </a14:backgroundRemoval>
+                          </a14:imgEffect>
+                        </a14:imgLayer>
+                      </a14:imgProps>
+                    </a:ext>
+                    <a:ext uri="{28A0092B-C50C-407E-A947-70E740481C1C}">
+                      <a14:useLocalDpi xmlns:a14="http://schemas.microsoft.com/office/drawing/2010/main" val="0"/>
+                    </a:ext>
+                  </a:extLst>
+                </a:blip>
+                <a:srcRect l="1242" t="10517" r="77718" b="6915"/>
+                <a:stretch/>
+              </p:blipFill>
+              <p:spPr>
+                <a:xfrm>
+                  <a:off x="239308" y="2147926"/>
+                  <a:ext cx="1185550" cy="2192299"/>
+                </a:xfrm>
+                <a:prstGeom prst="rect">
+                  <a:avLst/>
+                </a:prstGeom>
+              </p:spPr>
+            </p:pic>
+            <p:sp>
+              <p:nvSpPr>
+                <p:cNvPr id="19" name="사각형: 둥근 모서리 18">
+                  <a:extLst>
+                    <a:ext uri="{FF2B5EF4-FFF2-40B4-BE49-F238E27FC236}">
+                      <a16:creationId xmlns:a16="http://schemas.microsoft.com/office/drawing/2014/main" id="{7F86C33D-13C3-48CF-9A74-8D3F92F6F9F1}"/>
+                    </a:ext>
+                  </a:extLst>
+                </p:cNvPr>
+                <p:cNvSpPr/>
+                <p:nvPr/>
+              </p:nvSpPr>
+              <p:spPr>
+                <a:xfrm>
+                  <a:off x="365717" y="2147926"/>
+                  <a:ext cx="951783" cy="2192299"/>
+                </a:xfrm>
+                <a:prstGeom prst="roundRect">
+                  <a:avLst>
+                    <a:gd name="adj" fmla="val 50000"/>
+                  </a:avLst>
+                </a:prstGeom>
+                <a:noFill/>
+                <a:ln w="38100"/>
+              </p:spPr>
+              <p:style>
+                <a:lnRef idx="2">
+                  <a:schemeClr val="dk1">
+                    <a:shade val="50000"/>
+                  </a:schemeClr>
+                </a:lnRef>
+                <a:fillRef idx="1">
+                  <a:schemeClr val="dk1"/>
+                </a:fillRef>
+                <a:effectRef idx="0">
+                  <a:schemeClr val="dk1"/>
+                </a:effectRef>
+                <a:fontRef idx="minor">
+                  <a:schemeClr val="lt1"/>
+                </a:fontRef>
+              </p:style>
+              <p:txBody>
+                <a:bodyPr rtlCol="0" anchor="ctr"/>
+                <a:lstStyle/>
+                <a:p>
+                  <a:pPr algn="ctr"/>
+                  <a:endParaRPr lang="ko-KR" altLang="en-US"/>
+                </a:p>
+              </p:txBody>
+            </p:sp>
+          </p:grpSp>
+        </p:grpSp>
+        <p:pic>
+          <p:nvPicPr>
+            <p:cNvPr id="33" name="Picture 4" descr="Movie Camera Icon Graphic by Hoeda80 · Creative Fabrica">
+              <a:extLst>
+                <a:ext uri="{FF2B5EF4-FFF2-40B4-BE49-F238E27FC236}">
+                  <a16:creationId xmlns:a16="http://schemas.microsoft.com/office/drawing/2014/main" id="{7279AF68-418A-4A29-97E5-04D8E21030F1}"/>
+                </a:ext>
+              </a:extLst>
+            </p:cNvPr>
+            <p:cNvPicPr>
+              <a:picLocks noChangeAspect="1" noChangeArrowheads="1"/>
+            </p:cNvPicPr>
+            <p:nvPr/>
+          </p:nvPicPr>
+          <p:blipFill rotWithShape="1">
+            <a:blip r:embed="rId4">
+              <a:extLst>
+                <a:ext uri="{BEBA8EAE-BF5A-486C-A8C5-ECC9F3942E4B}">
+                  <a14:imgProps xmlns:a14="http://schemas.microsoft.com/office/drawing/2010/main">
+                    <a14:imgLayer r:embed="rId5">
+                      <a14:imgEffect>
+                        <a14:backgroundRemoval t="10000" b="90000" l="10000" r="90000"/>
+                      </a14:imgEffect>
+                    </a14:imgLayer>
+                  </a14:imgProps>
+                </a:ext>
+                <a:ext uri="{28A0092B-C50C-407E-A947-70E740481C1C}">
+                  <a14:useLocalDpi xmlns:a14="http://schemas.microsoft.com/office/drawing/2010/main" val="0"/>
+                </a:ext>
+              </a:extLst>
+            </a:blip>
+            <a:srcRect l="25633" t="22712" r="28441" b="21202"/>
+            <a:stretch/>
+          </p:blipFill>
+          <p:spPr bwMode="auto">
+            <a:xfrm rot="4500000">
+              <a:off x="563069" y="2032354"/>
+              <a:ext cx="1216955" cy="989067"/>
+            </a:xfrm>
+            <a:prstGeom prst="rect">
+              <a:avLst/>
+            </a:prstGeom>
+            <a:noFill/>
+            <a:extLst>
+              <a:ext uri="{909E8E84-426E-40DD-AFC4-6F175D3DCCD1}">
+                <a14:hiddenFill xmlns:a14="http://schemas.microsoft.com/office/drawing/2010/main">
+                  <a:solidFill>
+                    <a:srgbClr val="FFFFFF"/>
+                  </a:solidFill>
+                </a14:hiddenFill>
+              </a:ext>
+            </a:extLst>
+          </p:spPr>
+        </p:pic>
+      </p:grpSp>
+      <p:sp>
+        <p:nvSpPr>
+          <p:cNvPr id="37" name="TextBox 36">
+            <a:extLst>
+              <a:ext uri="{FF2B5EF4-FFF2-40B4-BE49-F238E27FC236}">
+                <a16:creationId xmlns:a16="http://schemas.microsoft.com/office/drawing/2014/main" id="{E475A921-ECF9-42E5-B4C7-DF8F09BE8E0C}"/>
+              </a:ext>
+            </a:extLst>
+          </p:cNvPr>
+          <p:cNvSpPr txBox="1"/>
+          <p:nvPr/>
+        </p:nvSpPr>
+        <p:spPr>
+          <a:xfrm>
+            <a:off x="2098937" y="1922559"/>
+            <a:ext cx="4453917" cy="369332"/>
+          </a:xfrm>
+          <a:prstGeom prst="rect">
+            <a:avLst/>
+          </a:prstGeom>
+          <a:solidFill>
+            <a:schemeClr val="bg1">
+              <a:alpha val="20000"/>
+            </a:schemeClr>
+          </a:solidFill>
+        </p:spPr>
+        <p:txBody>
+          <a:bodyPr wrap="square" rtlCol="0">
+            <a:spAutoFit/>
+          </a:bodyPr>
+          <a:lstStyle/>
+          <a:p>
+            <a:pPr algn="ctr"/>
+            <a:r>
+              <a:rPr lang="ko-KR" altLang="en-US" dirty="0"/>
+              <a:t>캐릭터를 구성하는 요소</a:t>
+            </a:r>
+            <a:endParaRPr lang="en-US" altLang="ko-KR" dirty="0"/>
+          </a:p>
+        </p:txBody>
+      </p:sp>
+      <p:sp>
+        <p:nvSpPr>
+          <p:cNvPr id="38" name="TextBox 37">
+            <a:extLst>
+              <a:ext uri="{FF2B5EF4-FFF2-40B4-BE49-F238E27FC236}">
+                <a16:creationId xmlns:a16="http://schemas.microsoft.com/office/drawing/2014/main" id="{93B2DB48-3AFA-42D4-B85E-21F569B84937}"/>
+              </a:ext>
+            </a:extLst>
+          </p:cNvPr>
+          <p:cNvSpPr txBox="1"/>
+          <p:nvPr/>
+        </p:nvSpPr>
+        <p:spPr>
+          <a:xfrm>
+            <a:off x="2098936" y="2408287"/>
+            <a:ext cx="4453917" cy="3970318"/>
+          </a:xfrm>
+          <a:prstGeom prst="rect">
+            <a:avLst/>
+          </a:prstGeom>
+          <a:solidFill>
+            <a:schemeClr val="bg1">
+              <a:alpha val="20000"/>
+            </a:schemeClr>
+          </a:solidFill>
+        </p:spPr>
+        <p:txBody>
+          <a:bodyPr wrap="square" rtlCol="0">
+            <a:spAutoFit/>
+          </a:bodyPr>
+          <a:lstStyle/>
+          <a:p>
+            <a:pPr marL="285750" indent="-285750">
+              <a:buFont typeface="Calibri" panose="020F0502020204030204" pitchFamily="34" charset="0"/>
+              <a:buChar char="‐"/>
+            </a:pPr>
+            <a:r>
+              <a:rPr lang="ko-KR" altLang="en-US" dirty="0"/>
+              <a:t>캐릭터 </a:t>
+            </a:r>
+            <a:r>
+              <a:rPr lang="ko-KR" altLang="en-US" dirty="0" err="1"/>
+              <a:t>매쉬</a:t>
+            </a:r>
+            <a:r>
+              <a:rPr lang="en-US" altLang="ko-KR" dirty="0"/>
+              <a:t>(</a:t>
+            </a:r>
+            <a:r>
+              <a:rPr lang="ko-KR" altLang="en-US" dirty="0"/>
+              <a:t>모델</a:t>
+            </a:r>
+            <a:r>
+              <a:rPr lang="en-US" altLang="ko-KR" dirty="0"/>
+              <a:t>)</a:t>
+            </a:r>
+          </a:p>
+          <a:p>
+            <a:endParaRPr lang="en-US" altLang="ko-KR" dirty="0"/>
+          </a:p>
+          <a:p>
+            <a:pPr marL="285750" indent="-285750">
+              <a:buFont typeface="Calibri" panose="020F0502020204030204" pitchFamily="34" charset="0"/>
+              <a:buChar char="‐"/>
+            </a:pPr>
+            <a:r>
+              <a:rPr lang="ko-KR" altLang="en-US" dirty="0"/>
+              <a:t>캐릭터 </a:t>
+            </a:r>
+            <a:r>
+              <a:rPr lang="ko-KR" altLang="en-US" dirty="0" err="1"/>
+              <a:t>충돌체</a:t>
+            </a:r>
+            <a:endParaRPr lang="en-US" altLang="ko-KR" dirty="0"/>
+          </a:p>
+          <a:p>
+            <a:endParaRPr lang="en-US" altLang="ko-KR" dirty="0"/>
+          </a:p>
+          <a:p>
+            <a:pPr marL="285750" indent="-285750">
+              <a:buFont typeface="Calibri" panose="020F0502020204030204" pitchFamily="34" charset="0"/>
+              <a:buChar char="‐"/>
+            </a:pPr>
+            <a:r>
+              <a:rPr lang="ko-KR" altLang="en-US" dirty="0"/>
+              <a:t>메인 카메라</a:t>
+            </a:r>
+            <a:endParaRPr lang="en-US" altLang="ko-KR" dirty="0"/>
+          </a:p>
+          <a:p>
+            <a:pPr marL="285750" indent="-285750">
+              <a:buFont typeface="Calibri" panose="020F0502020204030204" pitchFamily="34" charset="0"/>
+              <a:buChar char="‐"/>
+            </a:pPr>
+            <a:endParaRPr lang="en-US" altLang="ko-KR" dirty="0"/>
+          </a:p>
+          <a:p>
+            <a:pPr marL="285750" indent="-285750">
+              <a:buFont typeface="Calibri" panose="020F0502020204030204" pitchFamily="34" charset="0"/>
+              <a:buChar char="‐"/>
+            </a:pPr>
+            <a:endParaRPr lang="en-US" altLang="ko-KR" dirty="0"/>
+          </a:p>
+          <a:p>
+            <a:pPr marL="285750" indent="-285750">
+              <a:buFont typeface="Calibri" panose="020F0502020204030204" pitchFamily="34" charset="0"/>
+              <a:buChar char="‐"/>
+            </a:pPr>
+            <a:endParaRPr lang="en-US" altLang="ko-KR" dirty="0"/>
+          </a:p>
+          <a:p>
+            <a:pPr marL="285750" indent="-285750">
+              <a:buFont typeface="Calibri" panose="020F0502020204030204" pitchFamily="34" charset="0"/>
+              <a:buChar char="‐"/>
+            </a:pPr>
+            <a:endParaRPr lang="en-US" altLang="ko-KR" dirty="0"/>
+          </a:p>
+          <a:p>
+            <a:pPr marL="285750" indent="-285750">
+              <a:buFont typeface="Calibri" panose="020F0502020204030204" pitchFamily="34" charset="0"/>
+              <a:buChar char="‐"/>
+            </a:pPr>
+            <a:endParaRPr lang="en-US" altLang="ko-KR" dirty="0"/>
+          </a:p>
+          <a:p>
+            <a:pPr marL="285750" indent="-285750">
+              <a:buFont typeface="Calibri" panose="020F0502020204030204" pitchFamily="34" charset="0"/>
+              <a:buChar char="‐"/>
+            </a:pPr>
+            <a:endParaRPr lang="en-US" altLang="ko-KR" dirty="0"/>
+          </a:p>
+          <a:p>
+            <a:pPr marL="285750" indent="-285750">
+              <a:buFont typeface="Calibri" panose="020F0502020204030204" pitchFamily="34" charset="0"/>
+              <a:buChar char="‐"/>
+            </a:pPr>
+            <a:endParaRPr lang="en-US" altLang="ko-KR" dirty="0"/>
+          </a:p>
+          <a:p>
+            <a:pPr marL="285750" indent="-285750">
+              <a:buFont typeface="Calibri" panose="020F0502020204030204" pitchFamily="34" charset="0"/>
+              <a:buChar char="‐"/>
+            </a:pPr>
+            <a:endParaRPr lang="en-US" altLang="ko-KR" dirty="0"/>
+          </a:p>
+          <a:p>
+            <a:pPr marL="285750" indent="-285750">
+              <a:buFont typeface="Calibri" panose="020F0502020204030204" pitchFamily="34" charset="0"/>
+              <a:buChar char="‐"/>
+            </a:pPr>
+            <a:endParaRPr lang="en-US" altLang="ko-KR" dirty="0"/>
+          </a:p>
+        </p:txBody>
+      </p:sp>
     </p:spTree>
     <p:extLst>
       <p:ext uri="{BB962C8B-B14F-4D97-AF65-F5344CB8AC3E}">
@@ -9594,6 +13149,268 @@
 </file>
 
 <file path=ppt/slides/slide5.xml><?xml version="1.0" encoding="utf-8"?>
+<p:sld xmlns:a="http://schemas.openxmlformats.org/drawingml/2006/main" xmlns:r="http://schemas.openxmlformats.org/officeDocument/2006/relationships" xmlns:p="http://schemas.openxmlformats.org/presentationml/2006/main">
+  <p:cSld>
+    <p:spTree>
+      <p:nvGrpSpPr>
+        <p:cNvPr id="1" name=""/>
+        <p:cNvGrpSpPr/>
+        <p:nvPr/>
+      </p:nvGrpSpPr>
+      <p:grpSpPr>
+        <a:xfrm>
+          <a:off x="0" y="0"/>
+          <a:ext cx="0" cy="0"/>
+          <a:chOff x="0" y="0"/>
+          <a:chExt cx="0" cy="0"/>
+        </a:xfrm>
+      </p:grpSpPr>
+      <p:sp>
+        <p:nvSpPr>
+          <p:cNvPr id="5" name="직사각형 4">
+            <a:extLst>
+              <a:ext uri="{FF2B5EF4-FFF2-40B4-BE49-F238E27FC236}">
+                <a16:creationId xmlns:a16="http://schemas.microsoft.com/office/drawing/2014/main" id="{9D5C8F1C-618E-453B-B0D8-4FC03B7C54E4}"/>
+              </a:ext>
+            </a:extLst>
+          </p:cNvPr>
+          <p:cNvSpPr/>
+          <p:nvPr/>
+        </p:nvSpPr>
+        <p:spPr>
+          <a:xfrm>
+            <a:off x="0" y="1125000"/>
+            <a:ext cx="6876481" cy="8781003"/>
+          </a:xfrm>
+          <a:prstGeom prst="rect">
+            <a:avLst/>
+          </a:prstGeom>
+          <a:solidFill>
+            <a:schemeClr val="bg2">
+              <a:lumMod val="25000"/>
+            </a:schemeClr>
+          </a:solidFill>
+          <a:ln>
+            <a:noFill/>
+          </a:ln>
+        </p:spPr>
+        <p:style>
+          <a:lnRef idx="2">
+            <a:schemeClr val="accent1">
+              <a:shade val="50000"/>
+            </a:schemeClr>
+          </a:lnRef>
+          <a:fillRef idx="1">
+            <a:schemeClr val="accent1"/>
+          </a:fillRef>
+          <a:effectRef idx="0">
+            <a:schemeClr val="accent1"/>
+          </a:effectRef>
+          <a:fontRef idx="minor">
+            <a:schemeClr val="lt1"/>
+          </a:fontRef>
+        </p:style>
+        <p:txBody>
+          <a:bodyPr rtlCol="0" anchor="ctr"/>
+          <a:lstStyle/>
+          <a:p>
+            <a:pPr algn="ctr"/>
+            <a:endParaRPr lang="ko-KR" altLang="en-US" dirty="0"/>
+          </a:p>
+        </p:txBody>
+      </p:sp>
+      <p:grpSp>
+        <p:nvGrpSpPr>
+          <p:cNvPr id="4" name="그룹 3">
+            <a:extLst>
+              <a:ext uri="{FF2B5EF4-FFF2-40B4-BE49-F238E27FC236}">
+                <a16:creationId xmlns:a16="http://schemas.microsoft.com/office/drawing/2014/main" id="{2FF68A75-4CAD-4048-86E3-091D26B4CFC4}"/>
+              </a:ext>
+            </a:extLst>
+          </p:cNvPr>
+          <p:cNvGrpSpPr/>
+          <p:nvPr/>
+        </p:nvGrpSpPr>
+        <p:grpSpPr>
+          <a:xfrm>
+            <a:off x="0" y="1046534"/>
+            <a:ext cx="6876480" cy="455116"/>
+            <a:chOff x="121920" y="1124997"/>
+            <a:chExt cx="6614160" cy="455116"/>
+          </a:xfrm>
+        </p:grpSpPr>
+        <p:sp>
+          <p:nvSpPr>
+            <p:cNvPr id="30" name="사각형: 둥근 모서리 29">
+              <a:extLst>
+                <a:ext uri="{FF2B5EF4-FFF2-40B4-BE49-F238E27FC236}">
+                  <a16:creationId xmlns:a16="http://schemas.microsoft.com/office/drawing/2014/main" id="{CE5D4C72-F8F7-4CBE-99AA-BD38877EF19D}"/>
+                </a:ext>
+              </a:extLst>
+            </p:cNvPr>
+            <p:cNvSpPr/>
+            <p:nvPr/>
+          </p:nvSpPr>
+          <p:spPr>
+            <a:xfrm>
+              <a:off x="121920" y="1124997"/>
+              <a:ext cx="6614160" cy="455116"/>
+            </a:xfrm>
+            <a:prstGeom prst="roundRect">
+              <a:avLst/>
+            </a:prstGeom>
+            <a:solidFill>
+              <a:schemeClr val="bg2">
+                <a:lumMod val="75000"/>
+              </a:schemeClr>
+            </a:solidFill>
+            <a:ln>
+              <a:noFill/>
+            </a:ln>
+          </p:spPr>
+          <p:style>
+            <a:lnRef idx="2">
+              <a:schemeClr val="accent1">
+                <a:shade val="50000"/>
+              </a:schemeClr>
+            </a:lnRef>
+            <a:fillRef idx="1">
+              <a:schemeClr val="accent1"/>
+            </a:fillRef>
+            <a:effectRef idx="0">
+              <a:schemeClr val="accent1"/>
+            </a:effectRef>
+            <a:fontRef idx="minor">
+              <a:schemeClr val="lt1"/>
+            </a:fontRef>
+          </p:style>
+          <p:txBody>
+            <a:bodyPr rtlCol="0" anchor="ctr"/>
+            <a:lstStyle/>
+            <a:p>
+              <a:pPr algn="ctr"/>
+              <a:endParaRPr lang="ko-KR" altLang="en-US" dirty="0"/>
+            </a:p>
+          </p:txBody>
+        </p:sp>
+        <p:sp>
+          <p:nvSpPr>
+            <p:cNvPr id="31" name="사각형: 둥근 모서리 30">
+              <a:extLst>
+                <a:ext uri="{FF2B5EF4-FFF2-40B4-BE49-F238E27FC236}">
+                  <a16:creationId xmlns:a16="http://schemas.microsoft.com/office/drawing/2014/main" id="{4FF35DCF-0658-4607-90B3-A44EA8F81ECF}"/>
+                </a:ext>
+              </a:extLst>
+            </p:cNvPr>
+            <p:cNvSpPr/>
+            <p:nvPr/>
+          </p:nvSpPr>
+          <p:spPr>
+            <a:xfrm>
+              <a:off x="433199" y="1195522"/>
+              <a:ext cx="5991603" cy="318170"/>
+            </a:xfrm>
+            <a:prstGeom prst="roundRect">
+              <a:avLst/>
+            </a:prstGeom>
+            <a:solidFill>
+              <a:schemeClr val="bg2">
+                <a:lumMod val="50000"/>
+              </a:schemeClr>
+            </a:solidFill>
+            <a:ln>
+              <a:noFill/>
+            </a:ln>
+          </p:spPr>
+          <p:style>
+            <a:lnRef idx="2">
+              <a:schemeClr val="accent1">
+                <a:shade val="50000"/>
+              </a:schemeClr>
+            </a:lnRef>
+            <a:fillRef idx="1">
+              <a:schemeClr val="accent1"/>
+            </a:fillRef>
+            <a:effectRef idx="0">
+              <a:schemeClr val="accent1"/>
+            </a:effectRef>
+            <a:fontRef idx="minor">
+              <a:schemeClr val="lt1"/>
+            </a:fontRef>
+          </p:style>
+          <p:txBody>
+            <a:bodyPr rtlCol="0" anchor="ctr"/>
+            <a:lstStyle/>
+            <a:p>
+              <a:pPr algn="ctr"/>
+              <a:r>
+                <a:rPr lang="ko-KR" altLang="en-US" b="1" dirty="0">
+                  <a:latin typeface="메이플스토리" panose="02000300000000000000" pitchFamily="2" charset="-127"/>
+                  <a:ea typeface="메이플스토리" panose="02000300000000000000" pitchFamily="2" charset="-127"/>
+                </a:rPr>
+                <a:t>필요 리소스</a:t>
+              </a:r>
+            </a:p>
+          </p:txBody>
+        </p:sp>
+      </p:grpSp>
+      <p:sp>
+        <p:nvSpPr>
+          <p:cNvPr id="20" name="직사각형 19">
+            <a:extLst>
+              <a:ext uri="{FF2B5EF4-FFF2-40B4-BE49-F238E27FC236}">
+                <a16:creationId xmlns:a16="http://schemas.microsoft.com/office/drawing/2014/main" id="{00D855E7-3EE9-4660-ABEE-0C9A0A0A2E13}"/>
+              </a:ext>
+            </a:extLst>
+          </p:cNvPr>
+          <p:cNvSpPr/>
+          <p:nvPr/>
+        </p:nvSpPr>
+        <p:spPr>
+          <a:xfrm>
+            <a:off x="2756733" y="33681"/>
+            <a:ext cx="1344535" cy="923330"/>
+          </a:xfrm>
+          <a:prstGeom prst="rect">
+            <a:avLst/>
+          </a:prstGeom>
+          <a:noFill/>
+        </p:spPr>
+        <p:txBody>
+          <a:bodyPr wrap="none" lIns="91440" tIns="45720" rIns="91440" bIns="45720">
+            <a:spAutoFit/>
+          </a:bodyPr>
+          <a:lstStyle/>
+          <a:p>
+            <a:pPr algn="ctr"/>
+            <a:r>
+              <a:rPr lang="en-US" altLang="ko-KR" sz="5400" b="1" cap="none" spc="0" dirty="0">
+                <a:ln w="0"/>
+                <a:solidFill>
+                  <a:schemeClr val="tx1"/>
+                </a:solidFill>
+                <a:latin typeface="+mj-ea"/>
+                <a:ea typeface="+mj-ea"/>
+              </a:rPr>
+              <a:t>WA</a:t>
+            </a:r>
+          </a:p>
+        </p:txBody>
+      </p:sp>
+    </p:spTree>
+    <p:extLst>
+      <p:ext uri="{BB962C8B-B14F-4D97-AF65-F5344CB8AC3E}">
+        <p14:creationId xmlns:p14="http://schemas.microsoft.com/office/powerpoint/2010/main" val="1769233464"/>
+      </p:ext>
+    </p:extLst>
+  </p:cSld>
+  <p:clrMapOvr>
+    <a:masterClrMapping/>
+  </p:clrMapOvr>
+</p:sld>
+</file>
+
+<file path=ppt/slides/slide6.xml><?xml version="1.0" encoding="utf-8"?>
 <p:sld xmlns:a="http://schemas.openxmlformats.org/drawingml/2006/main" xmlns:r="http://schemas.openxmlformats.org/officeDocument/2006/relationships" xmlns:p="http://schemas.openxmlformats.org/presentationml/2006/main">
   <p:cSld>
     <p:spTree>
@@ -10187,6 +14004,49 @@
           </p:txBody>
         </p:sp>
       </p:grpSp>
+      <p:sp>
+        <p:nvSpPr>
+          <p:cNvPr id="11" name="직사각형 10">
+            <a:extLst>
+              <a:ext uri="{FF2B5EF4-FFF2-40B4-BE49-F238E27FC236}">
+                <a16:creationId xmlns:a16="http://schemas.microsoft.com/office/drawing/2014/main" id="{FB72557A-8282-4C7B-8EFE-735F2A789930}"/>
+              </a:ext>
+            </a:extLst>
+          </p:cNvPr>
+          <p:cNvSpPr/>
+          <p:nvPr/>
+        </p:nvSpPr>
+        <p:spPr>
+          <a:xfrm>
+            <a:off x="2756733" y="33681"/>
+            <a:ext cx="1344535" cy="923330"/>
+          </a:xfrm>
+          <a:prstGeom prst="rect">
+            <a:avLst/>
+          </a:prstGeom>
+          <a:noFill/>
+        </p:spPr>
+        <p:txBody>
+          <a:bodyPr wrap="none" lIns="91440" tIns="45720" rIns="91440" bIns="45720">
+            <a:spAutoFit/>
+          </a:bodyPr>
+          <a:lstStyle/>
+          <a:p>
+            <a:pPr algn="ctr"/>
+            <a:r>
+              <a:rPr lang="en-US" altLang="ko-KR" sz="5400" b="1" cap="none" spc="0" dirty="0">
+                <a:ln w="0"/>
+                <a:solidFill>
+                  <a:schemeClr val="tx1"/>
+                </a:solidFill>
+                <a:latin typeface="+mj-ea"/>
+                <a:ea typeface="+mj-ea"/>
+              </a:rPr>
+              <a:t>WA</a:t>
+            </a:r>
+          </a:p>
+        </p:txBody>
+      </p:sp>
     </p:spTree>
     <p:extLst>
       <p:ext uri="{BB962C8B-B14F-4D97-AF65-F5344CB8AC3E}">
@@ -10200,7 +14060,7 @@
 </p:sld>
 </file>
 
-<file path=ppt/slides/slide6.xml><?xml version="1.0" encoding="utf-8"?>
+<file path=ppt/slides/slide7.xml><?xml version="1.0" encoding="utf-8"?>
 <p:sld xmlns:a="http://schemas.openxmlformats.org/drawingml/2006/main" xmlns:r="http://schemas.openxmlformats.org/officeDocument/2006/relationships" xmlns:p="http://schemas.openxmlformats.org/presentationml/2006/main">
   <p:cSld>
     <p:spTree>
@@ -10434,7 +14294,7 @@
         </p:nvSpPr>
         <p:spPr>
           <a:xfrm>
-            <a:off x="255481" y="7213934"/>
+            <a:off x="255481" y="6957902"/>
             <a:ext cx="6297381" cy="1292662"/>
           </a:xfrm>
           <a:prstGeom prst="rect">
@@ -10656,7 +14516,7 @@
         </p:nvGrpSpPr>
         <p:grpSpPr>
           <a:xfrm>
-            <a:off x="154031" y="2942315"/>
+            <a:off x="154031" y="2686283"/>
             <a:ext cx="3149600" cy="4078668"/>
             <a:chOff x="154031" y="1685015"/>
             <a:chExt cx="3149600" cy="4078667"/>
@@ -11103,7 +14963,7 @@
         </p:nvGrpSpPr>
         <p:grpSpPr>
           <a:xfrm>
-            <a:off x="3554369" y="2942315"/>
+            <a:off x="3554369" y="2686283"/>
             <a:ext cx="3149600" cy="4078668"/>
             <a:chOff x="3554369" y="1685015"/>
             <a:chExt cx="3149600" cy="4078667"/>
@@ -11600,42 +15460,12 @@
           </p:txBody>
         </p:sp>
       </p:grpSp>
-    </p:spTree>
-    <p:extLst>
-      <p:ext uri="{BB962C8B-B14F-4D97-AF65-F5344CB8AC3E}">
-        <p14:creationId xmlns:p14="http://schemas.microsoft.com/office/powerpoint/2010/main" val="2781172530"/>
-      </p:ext>
-    </p:extLst>
-  </p:cSld>
-  <p:clrMapOvr>
-    <a:masterClrMapping/>
-  </p:clrMapOvr>
-</p:sld>
-</file>
-
-<file path=ppt/slides/slide7.xml><?xml version="1.0" encoding="utf-8"?>
-<p:sld xmlns:a="http://schemas.openxmlformats.org/drawingml/2006/main" xmlns:r="http://schemas.openxmlformats.org/officeDocument/2006/relationships" xmlns:p="http://schemas.openxmlformats.org/presentationml/2006/main">
-  <p:cSld>
-    <p:spTree>
-      <p:nvGrpSpPr>
-        <p:cNvPr id="1" name=""/>
-        <p:cNvGrpSpPr/>
-        <p:nvPr/>
-      </p:nvGrpSpPr>
-      <p:grpSpPr>
-        <a:xfrm>
-          <a:off x="0" y="0"/>
-          <a:ext cx="0" cy="0"/>
-          <a:chOff x="0" y="0"/>
-          <a:chExt cx="0" cy="0"/>
-        </a:xfrm>
-      </p:grpSpPr>
       <p:sp>
         <p:nvSpPr>
-          <p:cNvPr id="31" name="직사각형 30">
+          <p:cNvPr id="30" name="직사각형 29">
             <a:extLst>
               <a:ext uri="{FF2B5EF4-FFF2-40B4-BE49-F238E27FC236}">
-                <a16:creationId xmlns:a16="http://schemas.microsoft.com/office/drawing/2014/main" id="{408EFC51-8FFE-4ADF-89E4-7E6457F42BE2}"/>
+                <a16:creationId xmlns:a16="http://schemas.microsoft.com/office/drawing/2014/main" id="{CE6D56EF-766C-42D8-AD05-0F89A2126FDE}"/>
               </a:ext>
             </a:extLst>
           </p:cNvPr>
@@ -11644,199 +15474,39 @@
         </p:nvSpPr>
         <p:spPr>
           <a:xfrm>
-            <a:off x="5" y="1125001"/>
-            <a:ext cx="6876481" cy="8781003"/>
+            <a:off x="2756733" y="33681"/>
+            <a:ext cx="1344535" cy="923330"/>
           </a:xfrm>
           <a:prstGeom prst="rect">
             <a:avLst/>
           </a:prstGeom>
-          <a:solidFill>
-            <a:schemeClr val="bg2">
-              <a:lumMod val="25000"/>
-            </a:schemeClr>
-          </a:solidFill>
-          <a:ln>
-            <a:noFill/>
-          </a:ln>
+          <a:noFill/>
         </p:spPr>
-        <p:style>
-          <a:lnRef idx="2">
-            <a:schemeClr val="accent1">
-              <a:shade val="50000"/>
-            </a:schemeClr>
-          </a:lnRef>
-          <a:fillRef idx="1">
-            <a:schemeClr val="accent1"/>
-          </a:fillRef>
-          <a:effectRef idx="0">
-            <a:schemeClr val="accent1"/>
-          </a:effectRef>
-          <a:fontRef idx="minor">
-            <a:schemeClr val="lt1"/>
-          </a:fontRef>
-        </p:style>
         <p:txBody>
-          <a:bodyPr rtlCol="0" anchor="ctr"/>
+          <a:bodyPr wrap="none" lIns="91440" tIns="45720" rIns="91440" bIns="45720">
+            <a:spAutoFit/>
+          </a:bodyPr>
           <a:lstStyle/>
           <a:p>
             <a:pPr algn="ctr"/>
-            <a:endParaRPr lang="ko-KR" altLang="en-US" dirty="0"/>
+            <a:r>
+              <a:rPr lang="en-US" altLang="ko-KR" sz="5400" b="1" cap="none" spc="0" dirty="0">
+                <a:ln w="0"/>
+                <a:solidFill>
+                  <a:schemeClr val="tx1"/>
+                </a:solidFill>
+                <a:latin typeface="+mj-ea"/>
+                <a:ea typeface="+mj-ea"/>
+              </a:rPr>
+              <a:t>WA</a:t>
+            </a:r>
           </a:p>
         </p:txBody>
       </p:sp>
-      <p:grpSp>
-        <p:nvGrpSpPr>
-          <p:cNvPr id="48" name="그룹 47">
-            <a:extLst>
-              <a:ext uri="{FF2B5EF4-FFF2-40B4-BE49-F238E27FC236}">
-                <a16:creationId xmlns:a16="http://schemas.microsoft.com/office/drawing/2014/main" id="{5F81BAD5-5816-4FCF-8474-BB3D63A02951}"/>
-              </a:ext>
-            </a:extLst>
-          </p:cNvPr>
-          <p:cNvGrpSpPr/>
-          <p:nvPr/>
-        </p:nvGrpSpPr>
-        <p:grpSpPr>
-          <a:xfrm>
-            <a:off x="0" y="1046534"/>
-            <a:ext cx="6876480" cy="455116"/>
-            <a:chOff x="121920" y="1124997"/>
-            <a:chExt cx="6614160" cy="455116"/>
-          </a:xfrm>
-        </p:grpSpPr>
-        <p:sp>
-          <p:nvSpPr>
-            <p:cNvPr id="49" name="사각형: 둥근 모서리 48">
-              <a:extLst>
-                <a:ext uri="{FF2B5EF4-FFF2-40B4-BE49-F238E27FC236}">
-                  <a16:creationId xmlns:a16="http://schemas.microsoft.com/office/drawing/2014/main" id="{38110464-CEF5-4BD1-BE78-BECC49E498AB}"/>
-                </a:ext>
-              </a:extLst>
-            </p:cNvPr>
-            <p:cNvSpPr/>
-            <p:nvPr/>
-          </p:nvSpPr>
-          <p:spPr>
-            <a:xfrm>
-              <a:off x="121920" y="1124997"/>
-              <a:ext cx="6614160" cy="455116"/>
-            </a:xfrm>
-            <a:prstGeom prst="roundRect">
-              <a:avLst/>
-            </a:prstGeom>
-            <a:solidFill>
-              <a:schemeClr val="bg2">
-                <a:lumMod val="75000"/>
-              </a:schemeClr>
-            </a:solidFill>
-            <a:ln>
-              <a:noFill/>
-            </a:ln>
-          </p:spPr>
-          <p:style>
-            <a:lnRef idx="2">
-              <a:schemeClr val="accent1">
-                <a:shade val="50000"/>
-              </a:schemeClr>
-            </a:lnRef>
-            <a:fillRef idx="1">
-              <a:schemeClr val="accent1"/>
-            </a:fillRef>
-            <a:effectRef idx="0">
-              <a:schemeClr val="accent1"/>
-            </a:effectRef>
-            <a:fontRef idx="minor">
-              <a:schemeClr val="lt1"/>
-            </a:fontRef>
-          </p:style>
-          <p:txBody>
-            <a:bodyPr rtlCol="0" anchor="ctr"/>
-            <a:lstStyle/>
-            <a:p>
-              <a:pPr algn="ctr"/>
-              <a:endParaRPr lang="ko-KR" altLang="en-US" dirty="0"/>
-            </a:p>
-          </p:txBody>
-        </p:sp>
-        <p:sp>
-          <p:nvSpPr>
-            <p:cNvPr id="50" name="사각형: 둥근 모서리 49">
-              <a:extLst>
-                <a:ext uri="{FF2B5EF4-FFF2-40B4-BE49-F238E27FC236}">
-                  <a16:creationId xmlns:a16="http://schemas.microsoft.com/office/drawing/2014/main" id="{95635ADE-9FB9-4161-B441-501D5774BE0B}"/>
-                </a:ext>
-              </a:extLst>
-            </p:cNvPr>
-            <p:cNvSpPr/>
-            <p:nvPr/>
-          </p:nvSpPr>
-          <p:spPr>
-            <a:xfrm>
-              <a:off x="433199" y="1195522"/>
-              <a:ext cx="5991603" cy="318170"/>
-            </a:xfrm>
-            <a:prstGeom prst="roundRect">
-              <a:avLst/>
-            </a:prstGeom>
-            <a:solidFill>
-              <a:schemeClr val="bg2">
-                <a:lumMod val="50000"/>
-              </a:schemeClr>
-            </a:solidFill>
-            <a:ln>
-              <a:noFill/>
-            </a:ln>
-          </p:spPr>
-          <p:style>
-            <a:lnRef idx="2">
-              <a:schemeClr val="accent1">
-                <a:shade val="50000"/>
-              </a:schemeClr>
-            </a:lnRef>
-            <a:fillRef idx="1">
-              <a:schemeClr val="accent1"/>
-            </a:fillRef>
-            <a:effectRef idx="0">
-              <a:schemeClr val="accent1"/>
-            </a:effectRef>
-            <a:fontRef idx="minor">
-              <a:schemeClr val="lt1"/>
-            </a:fontRef>
-          </p:style>
-          <p:txBody>
-            <a:bodyPr rtlCol="0" anchor="ctr"/>
-            <a:lstStyle/>
-            <a:p>
-              <a:pPr algn="ctr"/>
-              <a:r>
-                <a:rPr lang="ko-KR" altLang="en-US" b="1" dirty="0">
-                  <a:latin typeface="메이플스토리" panose="02000300000000000000" pitchFamily="2" charset="-127"/>
-                  <a:ea typeface="메이플스토리" panose="02000300000000000000" pitchFamily="2" charset="-127"/>
-                </a:rPr>
-                <a:t>카메라 </a:t>
-              </a:r>
-              <a:r>
-                <a:rPr lang="en-US" altLang="ko-KR" b="1" dirty="0">
-                  <a:latin typeface="메이플스토리" panose="02000300000000000000" pitchFamily="2" charset="-127"/>
-                  <a:ea typeface="메이플스토리" panose="02000300000000000000" pitchFamily="2" charset="-127"/>
-                </a:rPr>
-                <a:t>- </a:t>
-              </a:r>
-              <a:r>
-                <a:rPr lang="ko-KR" altLang="en-US" b="1" dirty="0">
-                  <a:latin typeface="메이플스토리" panose="02000300000000000000" pitchFamily="2" charset="-127"/>
-                  <a:ea typeface="메이플스토리" panose="02000300000000000000" pitchFamily="2" charset="-127"/>
-                </a:rPr>
-                <a:t>시야</a:t>
-              </a:r>
-            </a:p>
-          </p:txBody>
-        </p:sp>
-      </p:grpSp>
     </p:spTree>
     <p:extLst>
       <p:ext uri="{BB962C8B-B14F-4D97-AF65-F5344CB8AC3E}">
-        <p14:creationId xmlns:p14="http://schemas.microsoft.com/office/powerpoint/2010/main" val="2145646247"/>
+        <p14:creationId xmlns:p14="http://schemas.microsoft.com/office/powerpoint/2010/main" val="2781172530"/>
       </p:ext>
     </p:extLst>
   </p:cSld>
@@ -12470,7 +16140,7 @@
         <p:spPr>
           <a:xfrm>
             <a:off x="280315" y="5058493"/>
-            <a:ext cx="6297381" cy="3293209"/>
+            <a:ext cx="6297381" cy="4278094"/>
           </a:xfrm>
           <a:prstGeom prst="rect">
             <a:avLst/>
@@ -12664,6 +16334,135 @@
                 <a:ea typeface="HY그래픽M" panose="02030600000101010101" pitchFamily="18" charset="-127"/>
               </a:rPr>
               <a:t>를 재생한다</a:t>
+            </a:r>
+            <a:r>
+              <a:rPr lang="en-US" altLang="ko-KR" sz="1600" b="1" dirty="0">
+                <a:latin typeface="HY그래픽M" panose="02030600000101010101" pitchFamily="18" charset="-127"/>
+                <a:ea typeface="HY그래픽M" panose="02030600000101010101" pitchFamily="18" charset="-127"/>
+              </a:rPr>
+              <a:t>.</a:t>
+            </a:r>
+          </a:p>
+          <a:p>
+            <a:pPr marL="285705" indent="-285705">
+              <a:buFontTx/>
+              <a:buChar char="-"/>
+            </a:pPr>
+            <a:endParaRPr lang="en-US" altLang="ko-KR" sz="1600" b="1" dirty="0">
+              <a:latin typeface="HY그래픽M" panose="02030600000101010101" pitchFamily="18" charset="-127"/>
+              <a:ea typeface="HY그래픽M" panose="02030600000101010101" pitchFamily="18" charset="-127"/>
+            </a:endParaRPr>
+          </a:p>
+          <a:p>
+            <a:pPr marL="285705" indent="-285705">
+              <a:buFontTx/>
+              <a:buChar char="-"/>
+            </a:pPr>
+            <a:r>
+              <a:rPr lang="en-US" altLang="ko-KR" sz="1600" b="1" dirty="0">
+                <a:latin typeface="HY그래픽M" panose="02030600000101010101" pitchFamily="18" charset="-127"/>
+                <a:ea typeface="HY그래픽M" panose="02030600000101010101" pitchFamily="18" charset="-127"/>
+              </a:rPr>
+              <a:t> </a:t>
+            </a:r>
+            <a:r>
+              <a:rPr lang="ko-KR" altLang="en-US" sz="1600" b="1" dirty="0">
+                <a:latin typeface="HY그래픽M" panose="02030600000101010101" pitchFamily="18" charset="-127"/>
+                <a:ea typeface="HY그래픽M" panose="02030600000101010101" pitchFamily="18" charset="-127"/>
+              </a:rPr>
+              <a:t>캐릭터의 이동속도는 </a:t>
+            </a:r>
+            <a:r>
+              <a:rPr lang="en-US" altLang="ko-KR" sz="1600" b="1" dirty="0" err="1">
+                <a:solidFill>
+                  <a:schemeClr val="bg1"/>
+                </a:solidFill>
+                <a:latin typeface="HY그래픽M" panose="02030600000101010101" pitchFamily="18" charset="-127"/>
+                <a:ea typeface="HY그래픽M" panose="02030600000101010101" pitchFamily="18" charset="-127"/>
+              </a:rPr>
+              <a:t>move_speed</a:t>
+            </a:r>
+            <a:r>
+              <a:rPr lang="en-US" altLang="ko-KR" sz="1600" b="1" dirty="0">
+                <a:solidFill>
+                  <a:schemeClr val="bg1"/>
+                </a:solidFill>
+                <a:latin typeface="HY그래픽M" panose="02030600000101010101" pitchFamily="18" charset="-127"/>
+                <a:ea typeface="HY그래픽M" panose="02030600000101010101" pitchFamily="18" charset="-127"/>
+              </a:rPr>
+              <a:t> </a:t>
+            </a:r>
+            <a:r>
+              <a:rPr lang="ko-KR" altLang="en-US" sz="1600" b="1" dirty="0">
+                <a:latin typeface="HY그래픽M" panose="02030600000101010101" pitchFamily="18" charset="-127"/>
+                <a:ea typeface="HY그래픽M" panose="02030600000101010101" pitchFamily="18" charset="-127"/>
+              </a:rPr>
+              <a:t>변수의</a:t>
+            </a:r>
+            <a:r>
+              <a:rPr lang="en-US" altLang="ko-KR" sz="1600" b="1" dirty="0">
+                <a:latin typeface="HY그래픽M" panose="02030600000101010101" pitchFamily="18" charset="-127"/>
+                <a:ea typeface="HY그래픽M" panose="02030600000101010101" pitchFamily="18" charset="-127"/>
+              </a:rPr>
+              <a:t> </a:t>
+            </a:r>
+            <a:r>
+              <a:rPr lang="ko-KR" altLang="en-US" sz="1600" b="1" dirty="0">
+                <a:latin typeface="HY그래픽M" panose="02030600000101010101" pitchFamily="18" charset="-127"/>
+                <a:ea typeface="HY그래픽M" panose="02030600000101010101" pitchFamily="18" charset="-127"/>
+              </a:rPr>
+              <a:t>영향을 받는다</a:t>
+            </a:r>
+            <a:r>
+              <a:rPr lang="en-US" altLang="ko-KR" sz="1600" b="1" dirty="0">
+                <a:latin typeface="HY그래픽M" panose="02030600000101010101" pitchFamily="18" charset="-127"/>
+                <a:ea typeface="HY그래픽M" panose="02030600000101010101" pitchFamily="18" charset="-127"/>
+              </a:rPr>
+              <a:t>.</a:t>
+            </a:r>
+          </a:p>
+          <a:p>
+            <a:pPr marL="285705" indent="-285705">
+              <a:buFontTx/>
+              <a:buChar char="-"/>
+            </a:pPr>
+            <a:endParaRPr lang="en-US" altLang="ko-KR" sz="1600" b="1" dirty="0">
+              <a:latin typeface="HY그래픽M" panose="02030600000101010101" pitchFamily="18" charset="-127"/>
+              <a:ea typeface="HY그래픽M" panose="02030600000101010101" pitchFamily="18" charset="-127"/>
+            </a:endParaRPr>
+          </a:p>
+          <a:p>
+            <a:pPr marL="285705" indent="-285705">
+              <a:buFontTx/>
+              <a:buChar char="-"/>
+            </a:pPr>
+            <a:r>
+              <a:rPr lang="en-US" altLang="ko-KR" sz="1600" b="1" dirty="0">
+                <a:latin typeface="HY그래픽M" panose="02030600000101010101" pitchFamily="18" charset="-127"/>
+                <a:ea typeface="HY그래픽M" panose="02030600000101010101" pitchFamily="18" charset="-127"/>
+              </a:rPr>
+              <a:t> </a:t>
+            </a:r>
+            <a:r>
+              <a:rPr lang="ko-KR" altLang="en-US" sz="1600" b="1" dirty="0">
+                <a:latin typeface="HY그래픽M" panose="02030600000101010101" pitchFamily="18" charset="-127"/>
+                <a:ea typeface="HY그래픽M" panose="02030600000101010101" pitchFamily="18" charset="-127"/>
+              </a:rPr>
+              <a:t>방해물이 이동방향에 있는 경우</a:t>
+            </a:r>
+            <a:r>
+              <a:rPr lang="en-US" altLang="ko-KR" sz="1600" b="1" dirty="0">
+                <a:latin typeface="HY그래픽M" panose="02030600000101010101" pitchFamily="18" charset="-127"/>
+                <a:ea typeface="HY그래픽M" panose="02030600000101010101" pitchFamily="18" charset="-127"/>
+              </a:rPr>
+              <a:t>, </a:t>
+            </a:r>
+            <a:r>
+              <a:rPr lang="ko-KR" altLang="en-US" sz="1600" b="1" dirty="0">
+                <a:latin typeface="HY그래픽M" panose="02030600000101010101" pitchFamily="18" charset="-127"/>
+                <a:ea typeface="HY그래픽M" panose="02030600000101010101" pitchFamily="18" charset="-127"/>
+              </a:rPr>
+              <a:t>캐릭터는 이동을 멈춘다</a:t>
             </a:r>
             <a:r>
               <a:rPr lang="en-US" altLang="ko-KR" sz="1600" b="1" dirty="0">
@@ -13043,6 +16842,49 @@
           </p:txBody>
         </p:sp>
       </p:grpSp>
+      <p:sp>
+        <p:nvSpPr>
+          <p:cNvPr id="19" name="직사각형 18">
+            <a:extLst>
+              <a:ext uri="{FF2B5EF4-FFF2-40B4-BE49-F238E27FC236}">
+                <a16:creationId xmlns:a16="http://schemas.microsoft.com/office/drawing/2014/main" id="{F0E41072-211A-482D-BDCE-090BEC6F2F16}"/>
+              </a:ext>
+            </a:extLst>
+          </p:cNvPr>
+          <p:cNvSpPr/>
+          <p:nvPr/>
+        </p:nvSpPr>
+        <p:spPr>
+          <a:xfrm>
+            <a:off x="2756733" y="33681"/>
+            <a:ext cx="1344535" cy="923330"/>
+          </a:xfrm>
+          <a:prstGeom prst="rect">
+            <a:avLst/>
+          </a:prstGeom>
+          <a:noFill/>
+        </p:spPr>
+        <p:txBody>
+          <a:bodyPr wrap="none" lIns="91440" tIns="45720" rIns="91440" bIns="45720">
+            <a:spAutoFit/>
+          </a:bodyPr>
+          <a:lstStyle/>
+          <a:p>
+            <a:pPr algn="ctr"/>
+            <a:r>
+              <a:rPr lang="en-US" altLang="ko-KR" sz="5400" b="1" cap="none" spc="0" dirty="0">
+                <a:ln w="0"/>
+                <a:solidFill>
+                  <a:schemeClr val="tx1"/>
+                </a:solidFill>
+                <a:latin typeface="+mj-ea"/>
+                <a:ea typeface="+mj-ea"/>
+              </a:rPr>
+              <a:t>WA</a:t>
+            </a:r>
+          </a:p>
+        </p:txBody>
+      </p:sp>
     </p:spTree>
     <p:extLst>
       <p:ext uri="{BB962C8B-B14F-4D97-AF65-F5344CB8AC3E}">
@@ -13127,42 +16969,6 @@
           </a:p>
         </p:txBody>
       </p:sp>
-      <p:pic>
-        <p:nvPicPr>
-          <p:cNvPr id="3" name="그림 2">
-            <a:extLst>
-              <a:ext uri="{FF2B5EF4-FFF2-40B4-BE49-F238E27FC236}">
-                <a16:creationId xmlns:a16="http://schemas.microsoft.com/office/drawing/2014/main" id="{D34209E3-4F49-479F-ADB1-C2B863E81A1C}"/>
-              </a:ext>
-            </a:extLst>
-          </p:cNvPr>
-          <p:cNvPicPr>
-            <a:picLocks noChangeAspect="1"/>
-          </p:cNvPicPr>
-          <p:nvPr/>
-        </p:nvPicPr>
-        <p:blipFill>
-          <a:blip r:embed="rId2">
-            <a:extLst>
-              <a:ext uri="{28A0092B-C50C-407E-A947-70E740481C1C}">
-                <a14:useLocalDpi xmlns:a14="http://schemas.microsoft.com/office/drawing/2010/main" val="0"/>
-              </a:ext>
-            </a:extLst>
-          </a:blip>
-          <a:stretch>
-            <a:fillRect/>
-          </a:stretch>
-        </p:blipFill>
-        <p:spPr>
-          <a:xfrm>
-            <a:off x="828567" y="1681887"/>
-            <a:ext cx="5200875" cy="7877796"/>
-          </a:xfrm>
-          <a:prstGeom prst="rect">
-            <a:avLst/>
-          </a:prstGeom>
-        </p:spPr>
-      </p:pic>
       <p:grpSp>
         <p:nvGrpSpPr>
           <p:cNvPr id="43" name="그룹 42">
@@ -13312,6 +17118,85 @@
           </p:txBody>
         </p:sp>
       </p:grpSp>
+      <p:sp>
+        <p:nvSpPr>
+          <p:cNvPr id="7" name="직사각형 6">
+            <a:extLst>
+              <a:ext uri="{FF2B5EF4-FFF2-40B4-BE49-F238E27FC236}">
+                <a16:creationId xmlns:a16="http://schemas.microsoft.com/office/drawing/2014/main" id="{24BDF080-B661-4C76-B889-007AD4543013}"/>
+              </a:ext>
+            </a:extLst>
+          </p:cNvPr>
+          <p:cNvSpPr/>
+          <p:nvPr/>
+        </p:nvSpPr>
+        <p:spPr>
+          <a:xfrm>
+            <a:off x="2756733" y="33681"/>
+            <a:ext cx="1344535" cy="923330"/>
+          </a:xfrm>
+          <a:prstGeom prst="rect">
+            <a:avLst/>
+          </a:prstGeom>
+          <a:noFill/>
+        </p:spPr>
+        <p:txBody>
+          <a:bodyPr wrap="none" lIns="91440" tIns="45720" rIns="91440" bIns="45720">
+            <a:spAutoFit/>
+          </a:bodyPr>
+          <a:lstStyle/>
+          <a:p>
+            <a:pPr algn="ctr"/>
+            <a:r>
+              <a:rPr lang="en-US" altLang="ko-KR" sz="5400" b="1" cap="none" spc="0" dirty="0">
+                <a:ln w="0"/>
+                <a:solidFill>
+                  <a:schemeClr val="tx1"/>
+                </a:solidFill>
+                <a:latin typeface="+mj-ea"/>
+                <a:ea typeface="+mj-ea"/>
+              </a:rPr>
+              <a:t>WA</a:t>
+            </a:r>
+          </a:p>
+        </p:txBody>
+      </p:sp>
+      <p:pic>
+        <p:nvPicPr>
+          <p:cNvPr id="4" name="그림 3">
+            <a:extLst>
+              <a:ext uri="{FF2B5EF4-FFF2-40B4-BE49-F238E27FC236}">
+                <a16:creationId xmlns:a16="http://schemas.microsoft.com/office/drawing/2014/main" id="{2E5BA2DE-2437-4E7D-BD17-FA63251503FE}"/>
+              </a:ext>
+            </a:extLst>
+          </p:cNvPr>
+          <p:cNvPicPr>
+            <a:picLocks noChangeAspect="1"/>
+          </p:cNvPicPr>
+          <p:nvPr/>
+        </p:nvPicPr>
+        <p:blipFill>
+          <a:blip r:embed="rId2">
+            <a:extLst>
+              <a:ext uri="{28A0092B-C50C-407E-A947-70E740481C1C}">
+                <a14:useLocalDpi xmlns:a14="http://schemas.microsoft.com/office/drawing/2010/main" val="0"/>
+              </a:ext>
+            </a:extLst>
+          </a:blip>
+          <a:stretch>
+            <a:fillRect/>
+          </a:stretch>
+        </p:blipFill>
+        <p:spPr>
+          <a:xfrm>
+            <a:off x="853962" y="1827025"/>
+            <a:ext cx="5150076" cy="7800850"/>
+          </a:xfrm>
+          <a:prstGeom prst="rect">
+            <a:avLst/>
+          </a:prstGeom>
+        </p:spPr>
+      </p:pic>
     </p:spTree>
     <p:extLst>
       <p:ext uri="{BB962C8B-B14F-4D97-AF65-F5344CB8AC3E}">

--- a/기획서/신버전/캐릭터시스템.pptx
+++ b/기획서/신버전/캐릭터시스템.pptx
@@ -5,10 +5,10 @@
     <p:sldMasterId id="2147483660" r:id="rId1"/>
   </p:sldMasterIdLst>
   <p:notesMasterIdLst>
-    <p:notesMasterId r:id="rId16"/>
+    <p:notesMasterId r:id="rId20"/>
   </p:notesMasterIdLst>
   <p:handoutMasterIdLst>
-    <p:handoutMasterId r:id="rId17"/>
+    <p:handoutMasterId r:id="rId21"/>
   </p:handoutMasterIdLst>
   <p:sldIdLst>
     <p:sldId id="256" r:id="rId2"/>
@@ -24,7 +24,11 @@
     <p:sldId id="264" r:id="rId12"/>
     <p:sldId id="267" r:id="rId13"/>
     <p:sldId id="269" r:id="rId14"/>
-    <p:sldId id="270" r:id="rId15"/>
+    <p:sldId id="272" r:id="rId15"/>
+    <p:sldId id="273" r:id="rId16"/>
+    <p:sldId id="274" r:id="rId17"/>
+    <p:sldId id="271" r:id="rId18"/>
+    <p:sldId id="270" r:id="rId19"/>
   </p:sldIdLst>
   <p:sldSz cx="6858000" cy="9906000" type="A4"/>
   <p:notesSz cx="6858000" cy="9144000"/>
@@ -225,7 +229,7 @@
           <a:p>
             <a:fld id="{D686C50E-113A-4B4A-8A5C-9EE1E9DBA064}" type="datetimeFigureOut">
               <a:rPr lang="ko-KR" altLang="en-US" smtClean="0"/>
-              <a:t>2021-03-19</a:t>
+              <a:t>2021-03-22</a:t>
             </a:fld>
             <a:endParaRPr lang="ko-KR" altLang="en-US" dirty="0"/>
           </a:p>
@@ -402,7 +406,7 @@
           <a:p>
             <a:fld id="{40EC3B2E-CA71-40FC-A78E-FA212ABD0BB7}" type="datetimeFigureOut">
               <a:rPr lang="ko-KR" altLang="en-US" smtClean="0"/>
-              <a:t>2021-03-19</a:t>
+              <a:t>2021-03-22</a:t>
             </a:fld>
             <a:endParaRPr lang="ko-KR" altLang="en-US" dirty="0"/>
           </a:p>
@@ -800,7 +804,7 @@
           <a:p>
             <a:fld id="{F8CAAD71-D53C-4447-AAA3-BC9075A67E69}" type="datetimeFigureOut">
               <a:rPr lang="ko-KR" altLang="en-US" smtClean="0"/>
-              <a:t>2021-03-19</a:t>
+              <a:t>2021-03-22</a:t>
             </a:fld>
             <a:endParaRPr lang="ko-KR" altLang="en-US" dirty="0"/>
           </a:p>
@@ -970,7 +974,7 @@
           <a:p>
             <a:fld id="{F8CAAD71-D53C-4447-AAA3-BC9075A67E69}" type="datetimeFigureOut">
               <a:rPr lang="ko-KR" altLang="en-US" smtClean="0"/>
-              <a:t>2021-03-19</a:t>
+              <a:t>2021-03-22</a:t>
             </a:fld>
             <a:endParaRPr lang="ko-KR" altLang="en-US" dirty="0"/>
           </a:p>
@@ -1150,7 +1154,7 @@
           <a:p>
             <a:fld id="{F8CAAD71-D53C-4447-AAA3-BC9075A67E69}" type="datetimeFigureOut">
               <a:rPr lang="ko-KR" altLang="en-US" smtClean="0"/>
-              <a:t>2021-03-19</a:t>
+              <a:t>2021-03-22</a:t>
             </a:fld>
             <a:endParaRPr lang="ko-KR" altLang="en-US" dirty="0"/>
           </a:p>
@@ -1320,7 +1324,7 @@
           <a:p>
             <a:fld id="{F8CAAD71-D53C-4447-AAA3-BC9075A67E69}" type="datetimeFigureOut">
               <a:rPr lang="ko-KR" altLang="en-US" smtClean="0"/>
-              <a:t>2021-03-19</a:t>
+              <a:t>2021-03-22</a:t>
             </a:fld>
             <a:endParaRPr lang="ko-KR" altLang="en-US" dirty="0"/>
           </a:p>
@@ -1564,7 +1568,7 @@
           <a:p>
             <a:fld id="{F8CAAD71-D53C-4447-AAA3-BC9075A67E69}" type="datetimeFigureOut">
               <a:rPr lang="ko-KR" altLang="en-US" smtClean="0"/>
-              <a:t>2021-03-19</a:t>
+              <a:t>2021-03-22</a:t>
             </a:fld>
             <a:endParaRPr lang="ko-KR" altLang="en-US" dirty="0"/>
           </a:p>
@@ -1796,7 +1800,7 @@
           <a:p>
             <a:fld id="{F8CAAD71-D53C-4447-AAA3-BC9075A67E69}" type="datetimeFigureOut">
               <a:rPr lang="ko-KR" altLang="en-US" smtClean="0"/>
-              <a:t>2021-03-19</a:t>
+              <a:t>2021-03-22</a:t>
             </a:fld>
             <a:endParaRPr lang="ko-KR" altLang="en-US" dirty="0"/>
           </a:p>
@@ -2163,7 +2167,7 @@
           <a:p>
             <a:fld id="{F8CAAD71-D53C-4447-AAA3-BC9075A67E69}" type="datetimeFigureOut">
               <a:rPr lang="ko-KR" altLang="en-US" smtClean="0"/>
-              <a:t>2021-03-19</a:t>
+              <a:t>2021-03-22</a:t>
             </a:fld>
             <a:endParaRPr lang="ko-KR" altLang="en-US" dirty="0"/>
           </a:p>
@@ -2281,7 +2285,7 @@
           <a:p>
             <a:fld id="{F8CAAD71-D53C-4447-AAA3-BC9075A67E69}" type="datetimeFigureOut">
               <a:rPr lang="ko-KR" altLang="en-US" smtClean="0"/>
-              <a:t>2021-03-19</a:t>
+              <a:t>2021-03-22</a:t>
             </a:fld>
             <a:endParaRPr lang="ko-KR" altLang="en-US" dirty="0"/>
           </a:p>
@@ -2376,7 +2380,7 @@
           <a:p>
             <a:fld id="{F8CAAD71-D53C-4447-AAA3-BC9075A67E69}" type="datetimeFigureOut">
               <a:rPr lang="ko-KR" altLang="en-US" smtClean="0"/>
-              <a:t>2021-03-19</a:t>
+              <a:t>2021-03-22</a:t>
             </a:fld>
             <a:endParaRPr lang="ko-KR" altLang="en-US" dirty="0"/>
           </a:p>
@@ -2653,7 +2657,7 @@
           <a:p>
             <a:fld id="{F8CAAD71-D53C-4447-AAA3-BC9075A67E69}" type="datetimeFigureOut">
               <a:rPr lang="ko-KR" altLang="en-US" smtClean="0"/>
-              <a:t>2021-03-19</a:t>
+              <a:t>2021-03-22</a:t>
             </a:fld>
             <a:endParaRPr lang="ko-KR" altLang="en-US" dirty="0"/>
           </a:p>
@@ -2910,7 +2914,7 @@
           <a:p>
             <a:fld id="{F8CAAD71-D53C-4447-AAA3-BC9075A67E69}" type="datetimeFigureOut">
               <a:rPr lang="ko-KR" altLang="en-US" smtClean="0"/>
-              <a:t>2021-03-19</a:t>
+              <a:t>2021-03-22</a:t>
             </a:fld>
             <a:endParaRPr lang="ko-KR" altLang="en-US" dirty="0"/>
           </a:p>
@@ -3123,7 +3127,7 @@
           <a:p>
             <a:fld id="{F8CAAD71-D53C-4447-AAA3-BC9075A67E69}" type="datetimeFigureOut">
               <a:rPr lang="ko-KR" altLang="en-US" smtClean="0"/>
-              <a:t>2021-03-19</a:t>
+              <a:t>2021-03-22</a:t>
             </a:fld>
             <a:endParaRPr lang="ko-KR" altLang="en-US" dirty="0"/>
           </a:p>
@@ -9480,6 +9484,3129 @@
             <a:p>
               <a:pPr algn="ctr"/>
               <a:r>
+                <a:rPr lang="ko-KR" altLang="en-US" b="1" dirty="0" err="1">
+                  <a:latin typeface="메이플스토리" panose="02000300000000000000" pitchFamily="2" charset="-127"/>
+                  <a:ea typeface="메이플스토리" panose="02000300000000000000" pitchFamily="2" charset="-127"/>
+                </a:rPr>
+                <a:t>대쉬</a:t>
+              </a:r>
+              <a:r>
+                <a:rPr lang="ko-KR" altLang="en-US" b="1" dirty="0">
+                  <a:latin typeface="메이플스토리" panose="02000300000000000000" pitchFamily="2" charset="-127"/>
+                  <a:ea typeface="메이플스토리" panose="02000300000000000000" pitchFamily="2" charset="-127"/>
+                </a:rPr>
+                <a:t> </a:t>
+              </a:r>
+              <a:r>
+                <a:rPr lang="en-US" altLang="ko-KR" b="1" dirty="0">
+                  <a:latin typeface="메이플스토리" panose="02000300000000000000" pitchFamily="2" charset="-127"/>
+                  <a:ea typeface="메이플스토리" panose="02000300000000000000" pitchFamily="2" charset="-127"/>
+                </a:rPr>
+                <a:t>- </a:t>
+              </a:r>
+              <a:r>
+                <a:rPr lang="ko-KR" altLang="en-US" b="1" dirty="0">
+                  <a:latin typeface="메이플스토리" panose="02000300000000000000" pitchFamily="2" charset="-127"/>
+                  <a:ea typeface="메이플스토리" panose="02000300000000000000" pitchFamily="2" charset="-127"/>
+                </a:rPr>
+                <a:t>개요</a:t>
+              </a:r>
+            </a:p>
+          </p:txBody>
+        </p:sp>
+      </p:grpSp>
+      <p:sp>
+        <p:nvSpPr>
+          <p:cNvPr id="6" name="직사각형 5">
+            <a:extLst>
+              <a:ext uri="{FF2B5EF4-FFF2-40B4-BE49-F238E27FC236}">
+                <a16:creationId xmlns:a16="http://schemas.microsoft.com/office/drawing/2014/main" id="{A90F6C05-7A97-4BD4-AB8D-99F1425F89D4}"/>
+              </a:ext>
+            </a:extLst>
+          </p:cNvPr>
+          <p:cNvSpPr/>
+          <p:nvPr/>
+        </p:nvSpPr>
+        <p:spPr>
+          <a:xfrm>
+            <a:off x="2756733" y="33681"/>
+            <a:ext cx="1344535" cy="923330"/>
+          </a:xfrm>
+          <a:prstGeom prst="rect">
+            <a:avLst/>
+          </a:prstGeom>
+          <a:noFill/>
+        </p:spPr>
+        <p:txBody>
+          <a:bodyPr wrap="none" lIns="91440" tIns="45720" rIns="91440" bIns="45720">
+            <a:spAutoFit/>
+          </a:bodyPr>
+          <a:lstStyle/>
+          <a:p>
+            <a:pPr algn="ctr"/>
+            <a:r>
+              <a:rPr lang="en-US" altLang="ko-KR" sz="5400" b="1" cap="none" spc="0" dirty="0">
+                <a:ln w="0"/>
+                <a:solidFill>
+                  <a:schemeClr val="tx1"/>
+                </a:solidFill>
+                <a:latin typeface="+mj-ea"/>
+                <a:ea typeface="+mj-ea"/>
+              </a:rPr>
+              <a:t>WA</a:t>
+            </a:r>
+          </a:p>
+        </p:txBody>
+      </p:sp>
+      <p:pic>
+        <p:nvPicPr>
+          <p:cNvPr id="1026" name="Picture 2" descr="불 dash 아이콘">
+            <a:extLst>
+              <a:ext uri="{FF2B5EF4-FFF2-40B4-BE49-F238E27FC236}">
+                <a16:creationId xmlns:a16="http://schemas.microsoft.com/office/drawing/2014/main" id="{DCD4BB47-AFE9-4EF9-846D-00BE3EE72AA1}"/>
+              </a:ext>
+            </a:extLst>
+          </p:cNvPr>
+          <p:cNvPicPr>
+            <a:picLocks noChangeAspect="1" noChangeArrowheads="1"/>
+          </p:cNvPicPr>
+          <p:nvPr/>
+        </p:nvPicPr>
+        <p:blipFill>
+          <a:blip r:embed="rId2">
+            <a:extLst>
+              <a:ext uri="{28A0092B-C50C-407E-A947-70E740481C1C}">
+                <a14:useLocalDpi xmlns:a14="http://schemas.microsoft.com/office/drawing/2010/main" val="0"/>
+              </a:ext>
+            </a:extLst>
+          </a:blip>
+          <a:srcRect/>
+          <a:stretch>
+            <a:fillRect/>
+          </a:stretch>
+        </p:blipFill>
+        <p:spPr bwMode="auto">
+          <a:xfrm>
+            <a:off x="3429000" y="1580117"/>
+            <a:ext cx="1306345" cy="1306345"/>
+          </a:xfrm>
+          <a:prstGeom prst="rect">
+            <a:avLst/>
+          </a:prstGeom>
+          <a:noFill/>
+          <a:extLst>
+            <a:ext uri="{909E8E84-426E-40DD-AFC4-6F175D3DCCD1}">
+              <a14:hiddenFill xmlns:a14="http://schemas.microsoft.com/office/drawing/2010/main">
+                <a:solidFill>
+                  <a:srgbClr val="FFFFFF"/>
+                </a:solidFill>
+              </a14:hiddenFill>
+            </a:ext>
+          </a:extLst>
+        </p:spPr>
+      </p:pic>
+      <p:sp>
+        <p:nvSpPr>
+          <p:cNvPr id="9" name="TextBox 8">
+            <a:extLst>
+              <a:ext uri="{FF2B5EF4-FFF2-40B4-BE49-F238E27FC236}">
+                <a16:creationId xmlns:a16="http://schemas.microsoft.com/office/drawing/2014/main" id="{C064D4B7-633F-4F08-A111-F397EEADE2BA}"/>
+              </a:ext>
+            </a:extLst>
+          </p:cNvPr>
+          <p:cNvSpPr txBox="1"/>
+          <p:nvPr/>
+        </p:nvSpPr>
+        <p:spPr>
+          <a:xfrm>
+            <a:off x="280315" y="2964929"/>
+            <a:ext cx="6297381" cy="6247864"/>
+          </a:xfrm>
+          <a:prstGeom prst="rect">
+            <a:avLst/>
+          </a:prstGeom>
+          <a:solidFill>
+            <a:schemeClr val="bg1">
+              <a:alpha val="20000"/>
+            </a:schemeClr>
+          </a:solidFill>
+        </p:spPr>
+        <p:txBody>
+          <a:bodyPr wrap="square" rtlCol="0">
+            <a:spAutoFit/>
+          </a:bodyPr>
+          <a:lstStyle/>
+          <a:p>
+            <a:pPr marL="285705" indent="-285705">
+              <a:buFontTx/>
+              <a:buChar char="-"/>
+            </a:pPr>
+            <a:r>
+              <a:rPr lang="ko-KR" altLang="en-US" sz="1600" b="1" dirty="0">
+                <a:latin typeface="HY그래픽M" panose="02030600000101010101" pitchFamily="18" charset="-127"/>
+                <a:ea typeface="HY그래픽M" panose="02030600000101010101" pitchFamily="18" charset="-127"/>
+              </a:rPr>
+              <a:t>  </a:t>
+            </a:r>
+            <a:r>
+              <a:rPr lang="ko-KR" altLang="en-US" sz="1600" b="1" dirty="0" err="1">
+                <a:latin typeface="HY그래픽M" panose="02030600000101010101" pitchFamily="18" charset="-127"/>
+                <a:ea typeface="HY그래픽M" panose="02030600000101010101" pitchFamily="18" charset="-127"/>
+              </a:rPr>
+              <a:t>대쉬는</a:t>
+            </a:r>
+            <a:r>
+              <a:rPr lang="ko-KR" altLang="en-US" sz="1600" b="1" dirty="0">
+                <a:latin typeface="HY그래픽M" panose="02030600000101010101" pitchFamily="18" charset="-127"/>
+                <a:ea typeface="HY그래픽M" panose="02030600000101010101" pitchFamily="18" charset="-127"/>
+              </a:rPr>
+              <a:t> 캐릭터의 방향으로 </a:t>
+            </a:r>
+            <a:r>
+              <a:rPr lang="en-US" altLang="ko-KR" sz="1600" b="1" dirty="0" err="1">
+                <a:solidFill>
+                  <a:schemeClr val="bg1"/>
+                </a:solidFill>
+                <a:latin typeface="HY그래픽M" panose="02030600000101010101" pitchFamily="18" charset="-127"/>
+                <a:ea typeface="HY그래픽M" panose="02030600000101010101" pitchFamily="18" charset="-127"/>
+              </a:rPr>
+              <a:t>dash_speed</a:t>
+            </a:r>
+            <a:r>
+              <a:rPr lang="ko-KR" altLang="en-US" sz="1600" b="1" dirty="0">
+                <a:latin typeface="HY그래픽M" panose="02030600000101010101" pitchFamily="18" charset="-127"/>
+                <a:ea typeface="HY그래픽M" panose="02030600000101010101" pitchFamily="18" charset="-127"/>
+              </a:rPr>
+              <a:t>에 영향을 받아 이동하는 것이다</a:t>
+            </a:r>
+            <a:r>
+              <a:rPr lang="en-US" altLang="ko-KR" sz="1600" b="1" dirty="0">
+                <a:latin typeface="HY그래픽M" panose="02030600000101010101" pitchFamily="18" charset="-127"/>
+                <a:ea typeface="HY그래픽M" panose="02030600000101010101" pitchFamily="18" charset="-127"/>
+              </a:rPr>
+              <a:t>.</a:t>
+            </a:r>
+          </a:p>
+          <a:p>
+            <a:pPr marL="285705" indent="-285705">
+              <a:buFontTx/>
+              <a:buChar char="-"/>
+            </a:pPr>
+            <a:endParaRPr lang="en-US" altLang="ko-KR" sz="1600" b="1" dirty="0">
+              <a:latin typeface="HY그래픽M" panose="02030600000101010101" pitchFamily="18" charset="-127"/>
+              <a:ea typeface="HY그래픽M" panose="02030600000101010101" pitchFamily="18" charset="-127"/>
+            </a:endParaRPr>
+          </a:p>
+          <a:p>
+            <a:pPr marL="285705" indent="-285705">
+              <a:buFontTx/>
+              <a:buChar char="-"/>
+            </a:pPr>
+            <a:r>
+              <a:rPr lang="ko-KR" altLang="en-US" sz="1600" b="1" dirty="0">
+                <a:latin typeface="HY그래픽M" panose="02030600000101010101" pitchFamily="18" charset="-127"/>
+                <a:ea typeface="HY그래픽M" panose="02030600000101010101" pitchFamily="18" charset="-127"/>
+              </a:rPr>
+              <a:t>캐릭터는 </a:t>
+            </a:r>
+            <a:r>
+              <a:rPr lang="ko-KR" altLang="en-US" sz="1600" b="1" dirty="0">
+                <a:solidFill>
+                  <a:schemeClr val="accent4"/>
+                </a:solidFill>
+                <a:latin typeface="HY그래픽M" panose="02030600000101010101" pitchFamily="18" charset="-127"/>
+                <a:ea typeface="HY그래픽M" panose="02030600000101010101" pitchFamily="18" charset="-127"/>
+              </a:rPr>
+              <a:t>기력이 있을 때</a:t>
+            </a:r>
+            <a:r>
+              <a:rPr lang="ko-KR" altLang="en-US" sz="1600" b="1" dirty="0">
+                <a:latin typeface="HY그래픽M" panose="02030600000101010101" pitchFamily="18" charset="-127"/>
+                <a:ea typeface="HY그래픽M" panose="02030600000101010101" pitchFamily="18" charset="-127"/>
+              </a:rPr>
+              <a:t> 키보드 </a:t>
+            </a:r>
+            <a:r>
+              <a:rPr lang="en-US" altLang="ko-KR" sz="1600" b="1" dirty="0">
+                <a:solidFill>
+                  <a:schemeClr val="accent4"/>
+                </a:solidFill>
+                <a:latin typeface="HY그래픽M" panose="02030600000101010101" pitchFamily="18" charset="-127"/>
+                <a:ea typeface="HY그래픽M" panose="02030600000101010101" pitchFamily="18" charset="-127"/>
+              </a:rPr>
+              <a:t>X</a:t>
+            </a:r>
+            <a:r>
+              <a:rPr lang="ko-KR" altLang="en-US" sz="1600" b="1" dirty="0">
+                <a:solidFill>
+                  <a:schemeClr val="accent4"/>
+                </a:solidFill>
+                <a:latin typeface="HY그래픽M" panose="02030600000101010101" pitchFamily="18" charset="-127"/>
+                <a:ea typeface="HY그래픽M" panose="02030600000101010101" pitchFamily="18" charset="-127"/>
+              </a:rPr>
+              <a:t>키를 </a:t>
+            </a:r>
+            <a:r>
+              <a:rPr lang="ko-KR" altLang="en-US" sz="1600" b="1" dirty="0" err="1">
+                <a:solidFill>
+                  <a:schemeClr val="accent4"/>
+                </a:solidFill>
+                <a:latin typeface="HY그래픽M" panose="02030600000101010101" pitchFamily="18" charset="-127"/>
+                <a:ea typeface="HY그래픽M" panose="02030600000101010101" pitchFamily="18" charset="-127"/>
+              </a:rPr>
+              <a:t>입력</a:t>
+            </a:r>
+            <a:r>
+              <a:rPr lang="ko-KR" altLang="en-US" sz="1600" b="1" dirty="0" err="1">
+                <a:latin typeface="HY그래픽M" panose="02030600000101010101" pitchFamily="18" charset="-127"/>
+                <a:ea typeface="HY그래픽M" panose="02030600000101010101" pitchFamily="18" charset="-127"/>
+              </a:rPr>
+              <a:t>받아</a:t>
+            </a:r>
+            <a:r>
+              <a:rPr lang="ko-KR" altLang="en-US" sz="1600" b="1" dirty="0">
+                <a:latin typeface="HY그래픽M" panose="02030600000101010101" pitchFamily="18" charset="-127"/>
+                <a:ea typeface="HY그래픽M" panose="02030600000101010101" pitchFamily="18" charset="-127"/>
+              </a:rPr>
+              <a:t> </a:t>
+            </a:r>
+            <a:r>
+              <a:rPr lang="ko-KR" altLang="en-US" sz="1600" b="1" dirty="0" err="1">
+                <a:solidFill>
+                  <a:schemeClr val="accent4"/>
+                </a:solidFill>
+                <a:latin typeface="HY그래픽M" panose="02030600000101010101" pitchFamily="18" charset="-127"/>
+                <a:ea typeface="HY그래픽M" panose="02030600000101010101" pitchFamily="18" charset="-127"/>
+              </a:rPr>
+              <a:t>대쉬</a:t>
+            </a:r>
+            <a:r>
+              <a:rPr lang="ko-KR" altLang="en-US" sz="1600" b="1" dirty="0" err="1">
+                <a:latin typeface="HY그래픽M" panose="02030600000101010101" pitchFamily="18" charset="-127"/>
+                <a:ea typeface="HY그래픽M" panose="02030600000101010101" pitchFamily="18" charset="-127"/>
+              </a:rPr>
+              <a:t>할</a:t>
+            </a:r>
+            <a:r>
+              <a:rPr lang="ko-KR" altLang="en-US" sz="1600" b="1" dirty="0">
+                <a:latin typeface="HY그래픽M" panose="02030600000101010101" pitchFamily="18" charset="-127"/>
+                <a:ea typeface="HY그래픽M" panose="02030600000101010101" pitchFamily="18" charset="-127"/>
+              </a:rPr>
+              <a:t> 수 있다</a:t>
+            </a:r>
+            <a:r>
+              <a:rPr lang="en-US" altLang="ko-KR" sz="1600" b="1" dirty="0">
+                <a:latin typeface="HY그래픽M" panose="02030600000101010101" pitchFamily="18" charset="-127"/>
+                <a:ea typeface="HY그래픽M" panose="02030600000101010101" pitchFamily="18" charset="-127"/>
+              </a:rPr>
+              <a:t>.</a:t>
+            </a:r>
+          </a:p>
+          <a:p>
+            <a:pPr marL="285705" indent="-285705">
+              <a:buFontTx/>
+              <a:buChar char="-"/>
+            </a:pPr>
+            <a:endParaRPr lang="en-US" altLang="ko-KR" sz="1600" b="1" dirty="0">
+              <a:latin typeface="HY그래픽M" panose="02030600000101010101" pitchFamily="18" charset="-127"/>
+              <a:ea typeface="HY그래픽M" panose="02030600000101010101" pitchFamily="18" charset="-127"/>
+            </a:endParaRPr>
+          </a:p>
+          <a:p>
+            <a:pPr marL="285705" indent="-285705">
+              <a:buFontTx/>
+              <a:buChar char="-"/>
+            </a:pPr>
+            <a:r>
+              <a:rPr lang="en-US" altLang="ko-KR" sz="1600" b="1" dirty="0">
+                <a:latin typeface="HY그래픽M" panose="02030600000101010101" pitchFamily="18" charset="-127"/>
+                <a:ea typeface="HY그래픽M" panose="02030600000101010101" pitchFamily="18" charset="-127"/>
+              </a:rPr>
+              <a:t> </a:t>
+            </a:r>
+            <a:r>
+              <a:rPr lang="ko-KR" altLang="en-US" sz="1600" b="1" dirty="0" err="1">
+                <a:latin typeface="HY그래픽M" panose="02030600000101010101" pitchFamily="18" charset="-127"/>
+                <a:ea typeface="HY그래픽M" panose="02030600000101010101" pitchFamily="18" charset="-127"/>
+              </a:rPr>
+              <a:t>대쉬는</a:t>
+            </a:r>
+            <a:r>
+              <a:rPr lang="ko-KR" altLang="en-US" sz="1600" b="1" dirty="0">
+                <a:latin typeface="HY그래픽M" panose="02030600000101010101" pitchFamily="18" charset="-127"/>
+                <a:ea typeface="HY그래픽M" panose="02030600000101010101" pitchFamily="18" charset="-127"/>
+              </a:rPr>
+              <a:t> </a:t>
+            </a:r>
+            <a:r>
+              <a:rPr lang="en-US" altLang="ko-KR" sz="1600" b="1" dirty="0">
+                <a:solidFill>
+                  <a:schemeClr val="accent4"/>
+                </a:solidFill>
+                <a:latin typeface="HY그래픽M" panose="02030600000101010101" pitchFamily="18" charset="-127"/>
+                <a:ea typeface="HY그래픽M" panose="02030600000101010101" pitchFamily="18" charset="-127"/>
+              </a:rPr>
+              <a:t>X</a:t>
+            </a:r>
+            <a:r>
+              <a:rPr lang="ko-KR" altLang="en-US" sz="1600" b="1" dirty="0">
+                <a:solidFill>
+                  <a:schemeClr val="accent4"/>
+                </a:solidFill>
+                <a:latin typeface="HY그래픽M" panose="02030600000101010101" pitchFamily="18" charset="-127"/>
+                <a:ea typeface="HY그래픽M" panose="02030600000101010101" pitchFamily="18" charset="-127"/>
+              </a:rPr>
+              <a:t>키를 입력 중 지속</a:t>
+            </a:r>
+            <a:r>
+              <a:rPr lang="ko-KR" altLang="en-US" sz="1600" b="1" dirty="0">
+                <a:latin typeface="HY그래픽M" panose="02030600000101010101" pitchFamily="18" charset="-127"/>
+                <a:ea typeface="HY그래픽M" panose="02030600000101010101" pitchFamily="18" charset="-127"/>
+              </a:rPr>
+              <a:t>되며 </a:t>
+            </a:r>
+            <a:r>
+              <a:rPr lang="ko-KR" altLang="en-US" sz="1600" b="1" dirty="0">
+                <a:solidFill>
+                  <a:schemeClr val="accent4"/>
+                </a:solidFill>
+                <a:latin typeface="HY그래픽M" panose="02030600000101010101" pitchFamily="18" charset="-127"/>
+                <a:ea typeface="HY그래픽M" panose="02030600000101010101" pitchFamily="18" charset="-127"/>
+              </a:rPr>
+              <a:t>키 입력해제 시 끝</a:t>
+            </a:r>
+            <a:r>
+              <a:rPr lang="ko-KR" altLang="en-US" sz="1600" b="1" dirty="0">
+                <a:latin typeface="HY그래픽M" panose="02030600000101010101" pitchFamily="18" charset="-127"/>
+                <a:ea typeface="HY그래픽M" panose="02030600000101010101" pitchFamily="18" charset="-127"/>
+              </a:rPr>
+              <a:t>난다</a:t>
+            </a:r>
+            <a:r>
+              <a:rPr lang="en-US" altLang="ko-KR" sz="1600" b="1" dirty="0">
+                <a:latin typeface="HY그래픽M" panose="02030600000101010101" pitchFamily="18" charset="-127"/>
+                <a:ea typeface="HY그래픽M" panose="02030600000101010101" pitchFamily="18" charset="-127"/>
+              </a:rPr>
+              <a:t>.</a:t>
+            </a:r>
+          </a:p>
+          <a:p>
+            <a:endParaRPr lang="en-US" altLang="ko-KR" sz="1600" b="1" dirty="0">
+              <a:latin typeface="HY그래픽M" panose="02030600000101010101" pitchFamily="18" charset="-127"/>
+              <a:ea typeface="HY그래픽M" panose="02030600000101010101" pitchFamily="18" charset="-127"/>
+            </a:endParaRPr>
+          </a:p>
+          <a:p>
+            <a:pPr marL="285705" indent="-285705">
+              <a:buFontTx/>
+              <a:buChar char="-"/>
+            </a:pPr>
+            <a:r>
+              <a:rPr lang="en-US" altLang="ko-KR" sz="1600" b="1" dirty="0">
+                <a:latin typeface="HY그래픽M" panose="02030600000101010101" pitchFamily="18" charset="-127"/>
+                <a:ea typeface="HY그래픽M" panose="02030600000101010101" pitchFamily="18" charset="-127"/>
+              </a:rPr>
+              <a:t> </a:t>
+            </a:r>
+            <a:r>
+              <a:rPr lang="ko-KR" altLang="en-US" sz="1600" b="1" dirty="0" err="1">
+                <a:latin typeface="HY그래픽M" panose="02030600000101010101" pitchFamily="18" charset="-127"/>
+                <a:ea typeface="HY그래픽M" panose="02030600000101010101" pitchFamily="18" charset="-127"/>
+              </a:rPr>
+              <a:t>대쉬</a:t>
+            </a:r>
+            <a:r>
+              <a:rPr lang="ko-KR" altLang="en-US" sz="1600" b="1" dirty="0">
+                <a:latin typeface="HY그래픽M" panose="02030600000101010101" pitchFamily="18" charset="-127"/>
+                <a:ea typeface="HY그래픽M" panose="02030600000101010101" pitchFamily="18" charset="-127"/>
+              </a:rPr>
+              <a:t> 도중에는 </a:t>
+            </a:r>
+            <a:r>
+              <a:rPr lang="ko-KR" altLang="en-US" sz="1600" b="1" dirty="0">
+                <a:solidFill>
+                  <a:schemeClr val="accent4"/>
+                </a:solidFill>
+                <a:latin typeface="HY그래픽M" panose="02030600000101010101" pitchFamily="18" charset="-127"/>
+                <a:ea typeface="HY그래픽M" panose="02030600000101010101" pitchFamily="18" charset="-127"/>
+              </a:rPr>
+              <a:t>방향전환이 되지 않는다</a:t>
+            </a:r>
+            <a:r>
+              <a:rPr lang="en-US" altLang="ko-KR" sz="1600" b="1" dirty="0">
+                <a:solidFill>
+                  <a:schemeClr val="accent4"/>
+                </a:solidFill>
+                <a:latin typeface="HY그래픽M" panose="02030600000101010101" pitchFamily="18" charset="-127"/>
+                <a:ea typeface="HY그래픽M" panose="02030600000101010101" pitchFamily="18" charset="-127"/>
+              </a:rPr>
+              <a:t>.</a:t>
+            </a:r>
+          </a:p>
+          <a:p>
+            <a:pPr marL="285705" indent="-285705">
+              <a:buFontTx/>
+              <a:buChar char="-"/>
+            </a:pPr>
+            <a:endParaRPr lang="en-US" altLang="ko-KR" sz="1600" b="1" dirty="0">
+              <a:latin typeface="HY그래픽M" panose="02030600000101010101" pitchFamily="18" charset="-127"/>
+              <a:ea typeface="HY그래픽M" panose="02030600000101010101" pitchFamily="18" charset="-127"/>
+            </a:endParaRPr>
+          </a:p>
+          <a:p>
+            <a:pPr marL="285705" indent="-285705">
+              <a:buFontTx/>
+              <a:buChar char="-"/>
+            </a:pPr>
+            <a:r>
+              <a:rPr lang="en-US" altLang="ko-KR" sz="1600" b="1" dirty="0">
+                <a:latin typeface="HY그래픽M" panose="02030600000101010101" pitchFamily="18" charset="-127"/>
+                <a:ea typeface="HY그래픽M" panose="02030600000101010101" pitchFamily="18" charset="-127"/>
+              </a:rPr>
+              <a:t> </a:t>
+            </a:r>
+            <a:r>
+              <a:rPr lang="ko-KR" altLang="en-US" sz="1600" b="1" dirty="0">
+                <a:latin typeface="HY그래픽M" panose="02030600000101010101" pitchFamily="18" charset="-127"/>
+                <a:ea typeface="HY그래픽M" panose="02030600000101010101" pitchFamily="18" charset="-127"/>
+              </a:rPr>
+              <a:t>캐릭터는 </a:t>
+            </a:r>
+            <a:r>
+              <a:rPr lang="ko-KR" altLang="en-US" sz="1600" b="1" dirty="0">
+                <a:solidFill>
+                  <a:schemeClr val="accent4"/>
+                </a:solidFill>
+                <a:latin typeface="HY그래픽M" panose="02030600000101010101" pitchFamily="18" charset="-127"/>
+                <a:ea typeface="HY그래픽M" panose="02030600000101010101" pitchFamily="18" charset="-127"/>
+              </a:rPr>
+              <a:t>공중에서도 </a:t>
+            </a:r>
+            <a:r>
+              <a:rPr lang="ko-KR" altLang="en-US" sz="1600" b="1" dirty="0" err="1">
+                <a:solidFill>
+                  <a:schemeClr val="accent4"/>
+                </a:solidFill>
+                <a:latin typeface="HY그래픽M" panose="02030600000101010101" pitchFamily="18" charset="-127"/>
+                <a:ea typeface="HY그래픽M" panose="02030600000101010101" pitchFamily="18" charset="-127"/>
+              </a:rPr>
+              <a:t>대쉬</a:t>
+            </a:r>
+            <a:r>
+              <a:rPr lang="ko-KR" altLang="en-US" sz="1600" b="1" dirty="0" err="1">
+                <a:latin typeface="HY그래픽M" panose="02030600000101010101" pitchFamily="18" charset="-127"/>
+                <a:ea typeface="HY그래픽M" panose="02030600000101010101" pitchFamily="18" charset="-127"/>
+              </a:rPr>
+              <a:t>할</a:t>
+            </a:r>
+            <a:r>
+              <a:rPr lang="ko-KR" altLang="en-US" sz="1600" b="1" dirty="0">
+                <a:latin typeface="HY그래픽M" panose="02030600000101010101" pitchFamily="18" charset="-127"/>
+                <a:ea typeface="HY그래픽M" panose="02030600000101010101" pitchFamily="18" charset="-127"/>
+              </a:rPr>
+              <a:t> 수 있다</a:t>
+            </a:r>
+            <a:r>
+              <a:rPr lang="en-US" altLang="ko-KR" sz="1600" b="1" dirty="0">
+                <a:latin typeface="HY그래픽M" panose="02030600000101010101" pitchFamily="18" charset="-127"/>
+                <a:ea typeface="HY그래픽M" panose="02030600000101010101" pitchFamily="18" charset="-127"/>
+              </a:rPr>
+              <a:t>.</a:t>
+            </a:r>
+          </a:p>
+          <a:p>
+            <a:pPr marL="285705" indent="-285705">
+              <a:buFontTx/>
+              <a:buChar char="-"/>
+            </a:pPr>
+            <a:endParaRPr lang="en-US" altLang="ko-KR" sz="1600" b="1" dirty="0">
+              <a:latin typeface="HY그래픽M" panose="02030600000101010101" pitchFamily="18" charset="-127"/>
+              <a:ea typeface="HY그래픽M" panose="02030600000101010101" pitchFamily="18" charset="-127"/>
+            </a:endParaRPr>
+          </a:p>
+          <a:p>
+            <a:pPr marL="285705" indent="-285705">
+              <a:buFontTx/>
+              <a:buChar char="-"/>
+            </a:pPr>
+            <a:r>
+              <a:rPr lang="en-US" altLang="ko-KR" sz="1600" b="1" dirty="0">
+                <a:latin typeface="HY그래픽M" panose="02030600000101010101" pitchFamily="18" charset="-127"/>
+                <a:ea typeface="HY그래픽M" panose="02030600000101010101" pitchFamily="18" charset="-127"/>
+              </a:rPr>
+              <a:t> </a:t>
+            </a:r>
+            <a:r>
+              <a:rPr lang="ko-KR" altLang="en-US" sz="1600" b="1" dirty="0" err="1">
+                <a:latin typeface="HY그래픽M" panose="02030600000101010101" pitchFamily="18" charset="-127"/>
+                <a:ea typeface="HY그래픽M" panose="02030600000101010101" pitchFamily="18" charset="-127"/>
+              </a:rPr>
+              <a:t>대쉬하는</a:t>
+            </a:r>
+            <a:r>
+              <a:rPr lang="ko-KR" altLang="en-US" sz="1600" b="1" dirty="0">
+                <a:latin typeface="HY그래픽M" panose="02030600000101010101" pitchFamily="18" charset="-127"/>
+                <a:ea typeface="HY그래픽M" panose="02030600000101010101" pitchFamily="18" charset="-127"/>
+              </a:rPr>
+              <a:t> 동안에는 </a:t>
+            </a:r>
+            <a:r>
+              <a:rPr lang="ko-KR" altLang="en-US" sz="1600" b="1" dirty="0">
+                <a:solidFill>
+                  <a:schemeClr val="accent4"/>
+                </a:solidFill>
+                <a:latin typeface="HY그래픽M" panose="02030600000101010101" pitchFamily="18" charset="-127"/>
+                <a:ea typeface="HY그래픽M" panose="02030600000101010101" pitchFamily="18" charset="-127"/>
+              </a:rPr>
+              <a:t>중력에 영향을 받지 않는다</a:t>
+            </a:r>
+            <a:r>
+              <a:rPr lang="en-US" altLang="ko-KR" sz="1600" b="1" dirty="0">
+                <a:solidFill>
+                  <a:schemeClr val="accent4"/>
+                </a:solidFill>
+                <a:latin typeface="HY그래픽M" panose="02030600000101010101" pitchFamily="18" charset="-127"/>
+                <a:ea typeface="HY그래픽M" panose="02030600000101010101" pitchFamily="18" charset="-127"/>
+              </a:rPr>
+              <a:t>.</a:t>
+            </a:r>
+          </a:p>
+          <a:p>
+            <a:pPr marL="285705" indent="-285705">
+              <a:buFontTx/>
+              <a:buChar char="-"/>
+            </a:pPr>
+            <a:endParaRPr lang="en-US" altLang="ko-KR" sz="1600" b="1" dirty="0">
+              <a:latin typeface="HY그래픽M" panose="02030600000101010101" pitchFamily="18" charset="-127"/>
+              <a:ea typeface="HY그래픽M" panose="02030600000101010101" pitchFamily="18" charset="-127"/>
+            </a:endParaRPr>
+          </a:p>
+          <a:p>
+            <a:pPr marL="285705" indent="-285705">
+              <a:buFontTx/>
+              <a:buChar char="-"/>
+            </a:pPr>
+            <a:r>
+              <a:rPr lang="en-US" altLang="ko-KR" sz="1600" b="1" dirty="0">
+                <a:latin typeface="HY그래픽M" panose="02030600000101010101" pitchFamily="18" charset="-127"/>
+                <a:ea typeface="HY그래픽M" panose="02030600000101010101" pitchFamily="18" charset="-127"/>
+              </a:rPr>
+              <a:t> </a:t>
+            </a:r>
+            <a:r>
+              <a:rPr lang="ko-KR" altLang="en-US" sz="1600" b="1" dirty="0" err="1">
+                <a:latin typeface="HY그래픽M" panose="02030600000101010101" pitchFamily="18" charset="-127"/>
+                <a:ea typeface="HY그래픽M" panose="02030600000101010101" pitchFamily="18" charset="-127"/>
+              </a:rPr>
+              <a:t>대쉬는</a:t>
+            </a:r>
+            <a:r>
+              <a:rPr lang="ko-KR" altLang="en-US" sz="1600" b="1" dirty="0">
+                <a:latin typeface="HY그래픽M" panose="02030600000101010101" pitchFamily="18" charset="-127"/>
+                <a:ea typeface="HY그래픽M" panose="02030600000101010101" pitchFamily="18" charset="-127"/>
+              </a:rPr>
+              <a:t> </a:t>
+            </a:r>
+            <a:r>
+              <a:rPr lang="ko-KR" altLang="en-US" sz="1600" b="1" dirty="0">
+                <a:solidFill>
+                  <a:schemeClr val="accent4"/>
+                </a:solidFill>
+                <a:latin typeface="HY그래픽M" panose="02030600000101010101" pitchFamily="18" charset="-127"/>
+                <a:ea typeface="HY그래픽M" panose="02030600000101010101" pitchFamily="18" charset="-127"/>
+              </a:rPr>
+              <a:t>짧은 재사용 대기시간</a:t>
+            </a:r>
+            <a:r>
+              <a:rPr lang="ko-KR" altLang="en-US" sz="1600" b="1" dirty="0">
+                <a:latin typeface="HY그래픽M" panose="02030600000101010101" pitchFamily="18" charset="-127"/>
+                <a:ea typeface="HY그래픽M" panose="02030600000101010101" pitchFamily="18" charset="-127"/>
+              </a:rPr>
+              <a:t>을 갖고</a:t>
+            </a:r>
+            <a:r>
+              <a:rPr lang="en-US" altLang="ko-KR" sz="1600" b="1" dirty="0">
+                <a:latin typeface="HY그래픽M" panose="02030600000101010101" pitchFamily="18" charset="-127"/>
+                <a:ea typeface="HY그래픽M" panose="02030600000101010101" pitchFamily="18" charset="-127"/>
+              </a:rPr>
+              <a:t>, </a:t>
+            </a:r>
+            <a:r>
+              <a:rPr lang="ko-KR" altLang="en-US" sz="1600" b="1" dirty="0">
+                <a:latin typeface="HY그래픽M" panose="02030600000101010101" pitchFamily="18" charset="-127"/>
+                <a:ea typeface="HY그래픽M" panose="02030600000101010101" pitchFamily="18" charset="-127"/>
+              </a:rPr>
+              <a:t>이는 </a:t>
+            </a:r>
+            <a:r>
+              <a:rPr lang="en-US" altLang="ko-KR" sz="1600" b="1" dirty="0" err="1">
+                <a:solidFill>
+                  <a:schemeClr val="bg1"/>
+                </a:solidFill>
+                <a:latin typeface="HY그래픽M" panose="02030600000101010101" pitchFamily="18" charset="-127"/>
+                <a:ea typeface="HY그래픽M" panose="02030600000101010101" pitchFamily="18" charset="-127"/>
+              </a:rPr>
+              <a:t>dash_cooldown</a:t>
+            </a:r>
+            <a:r>
+              <a:rPr lang="ko-KR" altLang="en-US" sz="1600" b="1" dirty="0">
+                <a:latin typeface="HY그래픽M" panose="02030600000101010101" pitchFamily="18" charset="-127"/>
+                <a:ea typeface="HY그래픽M" panose="02030600000101010101" pitchFamily="18" charset="-127"/>
+              </a:rPr>
+              <a:t>에 영향을 받는다</a:t>
+            </a:r>
+            <a:r>
+              <a:rPr lang="en-US" altLang="ko-KR" sz="1600" b="1" dirty="0">
+                <a:latin typeface="HY그래픽M" panose="02030600000101010101" pitchFamily="18" charset="-127"/>
+                <a:ea typeface="HY그래픽M" panose="02030600000101010101" pitchFamily="18" charset="-127"/>
+              </a:rPr>
+              <a:t>.</a:t>
+            </a:r>
+          </a:p>
+          <a:p>
+            <a:pPr marL="285705" indent="-285705">
+              <a:buFontTx/>
+              <a:buChar char="-"/>
+            </a:pPr>
+            <a:endParaRPr lang="en-US" altLang="ko-KR" sz="1600" b="1" dirty="0">
+              <a:latin typeface="HY그래픽M" panose="02030600000101010101" pitchFamily="18" charset="-127"/>
+              <a:ea typeface="HY그래픽M" panose="02030600000101010101" pitchFamily="18" charset="-127"/>
+            </a:endParaRPr>
+          </a:p>
+          <a:p>
+            <a:pPr marL="285705" indent="-285705">
+              <a:buFontTx/>
+              <a:buChar char="-"/>
+            </a:pPr>
+            <a:r>
+              <a:rPr lang="en-US" altLang="ko-KR" sz="1600" b="1" dirty="0">
+                <a:latin typeface="HY그래픽M" panose="02030600000101010101" pitchFamily="18" charset="-127"/>
+                <a:ea typeface="HY그래픽M" panose="02030600000101010101" pitchFamily="18" charset="-127"/>
+              </a:rPr>
+              <a:t> </a:t>
+            </a:r>
+            <a:r>
+              <a:rPr lang="ko-KR" altLang="en-US" sz="1600" b="1" dirty="0">
+                <a:latin typeface="HY그래픽M" panose="02030600000101010101" pitchFamily="18" charset="-127"/>
+                <a:ea typeface="HY그래픽M" panose="02030600000101010101" pitchFamily="18" charset="-127"/>
+              </a:rPr>
+              <a:t>캐릭터는 </a:t>
+            </a:r>
+            <a:r>
+              <a:rPr lang="ko-KR" altLang="en-US" sz="1600" b="1" dirty="0" err="1">
+                <a:latin typeface="HY그래픽M" panose="02030600000101010101" pitchFamily="18" charset="-127"/>
+                <a:ea typeface="HY그래픽M" panose="02030600000101010101" pitchFamily="18" charset="-127"/>
+              </a:rPr>
+              <a:t>대쉬하면서</a:t>
+            </a:r>
+            <a:r>
+              <a:rPr lang="ko-KR" altLang="en-US" sz="1600" b="1" dirty="0">
+                <a:latin typeface="HY그래픽M" panose="02030600000101010101" pitchFamily="18" charset="-127"/>
+                <a:ea typeface="HY그래픽M" panose="02030600000101010101" pitchFamily="18" charset="-127"/>
+              </a:rPr>
+              <a:t> </a:t>
+            </a:r>
+            <a:r>
+              <a:rPr lang="ko-KR" altLang="en-US" sz="1600" b="1" dirty="0">
+                <a:solidFill>
+                  <a:schemeClr val="accent4"/>
+                </a:solidFill>
+                <a:latin typeface="HY그래픽M" panose="02030600000101010101" pitchFamily="18" charset="-127"/>
+                <a:ea typeface="HY그래픽M" panose="02030600000101010101" pitchFamily="18" charset="-127"/>
+              </a:rPr>
+              <a:t>애니메이션</a:t>
+            </a:r>
+            <a:r>
+              <a:rPr lang="en-US" altLang="ko-KR" sz="1600" b="1" dirty="0">
+                <a:solidFill>
+                  <a:schemeClr val="accent4"/>
+                </a:solidFill>
+                <a:latin typeface="HY그래픽M" panose="02030600000101010101" pitchFamily="18" charset="-127"/>
+                <a:ea typeface="HY그래픽M" panose="02030600000101010101" pitchFamily="18" charset="-127"/>
+              </a:rPr>
+              <a:t>&amp;</a:t>
+            </a:r>
+            <a:r>
+              <a:rPr lang="ko-KR" altLang="en-US" sz="1600" b="1" dirty="0">
+                <a:solidFill>
+                  <a:schemeClr val="accent4"/>
+                </a:solidFill>
+                <a:latin typeface="HY그래픽M" panose="02030600000101010101" pitchFamily="18" charset="-127"/>
+                <a:ea typeface="HY그래픽M" panose="02030600000101010101" pitchFamily="18" charset="-127"/>
+              </a:rPr>
+              <a:t>사운드</a:t>
+            </a:r>
+            <a:r>
+              <a:rPr lang="ko-KR" altLang="en-US" sz="1600" b="1" dirty="0">
+                <a:latin typeface="HY그래픽M" panose="02030600000101010101" pitchFamily="18" charset="-127"/>
+                <a:ea typeface="HY그래픽M" panose="02030600000101010101" pitchFamily="18" charset="-127"/>
+              </a:rPr>
+              <a:t>를 재생한다</a:t>
+            </a:r>
+            <a:r>
+              <a:rPr lang="en-US" altLang="ko-KR" sz="1600" b="1" dirty="0">
+                <a:latin typeface="HY그래픽M" panose="02030600000101010101" pitchFamily="18" charset="-127"/>
+                <a:ea typeface="HY그래픽M" panose="02030600000101010101" pitchFamily="18" charset="-127"/>
+              </a:rPr>
+              <a:t>.</a:t>
+            </a:r>
+          </a:p>
+          <a:p>
+            <a:pPr marL="285705" indent="-285705">
+              <a:buFontTx/>
+              <a:buChar char="-"/>
+            </a:pPr>
+            <a:endParaRPr lang="en-US" altLang="ko-KR" sz="1600" b="1" dirty="0">
+              <a:latin typeface="HY그래픽M" panose="02030600000101010101" pitchFamily="18" charset="-127"/>
+              <a:ea typeface="HY그래픽M" panose="02030600000101010101" pitchFamily="18" charset="-127"/>
+            </a:endParaRPr>
+          </a:p>
+          <a:p>
+            <a:pPr marL="285705" indent="-285705">
+              <a:buFontTx/>
+              <a:buChar char="-"/>
+            </a:pPr>
+            <a:r>
+              <a:rPr lang="en-US" altLang="ko-KR" sz="1600" b="1" dirty="0">
+                <a:latin typeface="HY그래픽M" panose="02030600000101010101" pitchFamily="18" charset="-127"/>
+                <a:ea typeface="HY그래픽M" panose="02030600000101010101" pitchFamily="18" charset="-127"/>
+              </a:rPr>
+              <a:t> </a:t>
+            </a:r>
+            <a:r>
+              <a:rPr lang="ko-KR" altLang="en-US" sz="1600" b="1" dirty="0">
+                <a:latin typeface="HY그래픽M" panose="02030600000101010101" pitchFamily="18" charset="-127"/>
+                <a:ea typeface="HY그래픽M" panose="02030600000101010101" pitchFamily="18" charset="-127"/>
+              </a:rPr>
+              <a:t>기력은 </a:t>
+            </a:r>
+            <a:r>
+              <a:rPr lang="en-US" altLang="ko-KR" sz="1600" b="1" dirty="0" err="1">
+                <a:solidFill>
+                  <a:schemeClr val="bg1"/>
+                </a:solidFill>
+                <a:latin typeface="HY그래픽M" panose="02030600000101010101" pitchFamily="18" charset="-127"/>
+                <a:ea typeface="HY그래픽M" panose="02030600000101010101" pitchFamily="18" charset="-127"/>
+              </a:rPr>
+              <a:t>sta</a:t>
+            </a:r>
+            <a:r>
+              <a:rPr lang="en-US" altLang="ko-KR" sz="1600" b="1" dirty="0">
+                <a:solidFill>
+                  <a:schemeClr val="bg1"/>
+                </a:solidFill>
+                <a:latin typeface="HY그래픽M" panose="02030600000101010101" pitchFamily="18" charset="-127"/>
+                <a:ea typeface="HY그래픽M" panose="02030600000101010101" pitchFamily="18" charset="-127"/>
+              </a:rPr>
+              <a:t> </a:t>
+            </a:r>
+            <a:r>
+              <a:rPr lang="ko-KR" altLang="en-US" sz="1600" b="1" dirty="0" err="1">
+                <a:latin typeface="HY그래픽M" panose="02030600000101010101" pitchFamily="18" charset="-127"/>
+                <a:ea typeface="HY그래픽M" panose="02030600000101010101" pitchFamily="18" charset="-127"/>
+              </a:rPr>
+              <a:t>변수값이며</a:t>
+            </a:r>
+            <a:r>
+              <a:rPr lang="en-US" altLang="ko-KR" sz="1600" b="1" dirty="0">
+                <a:latin typeface="HY그래픽M" panose="02030600000101010101" pitchFamily="18" charset="-127"/>
+                <a:ea typeface="HY그래픽M" panose="02030600000101010101" pitchFamily="18" charset="-127"/>
+              </a:rPr>
+              <a:t> </a:t>
+            </a:r>
+            <a:r>
+              <a:rPr lang="en-US" altLang="ko-KR" sz="1600" b="1" dirty="0" err="1">
+                <a:solidFill>
+                  <a:schemeClr val="bg1"/>
+                </a:solidFill>
+                <a:latin typeface="HY그래픽M" panose="02030600000101010101" pitchFamily="18" charset="-127"/>
+                <a:ea typeface="HY그래픽M" panose="02030600000101010101" pitchFamily="18" charset="-127"/>
+              </a:rPr>
+              <a:t>sta_regen</a:t>
+            </a:r>
+            <a:r>
+              <a:rPr lang="ko-KR" altLang="en-US" sz="1600" b="1" dirty="0">
+                <a:latin typeface="HY그래픽M" panose="02030600000101010101" pitchFamily="18" charset="-127"/>
+                <a:ea typeface="HY그래픽M" panose="02030600000101010101" pitchFamily="18" charset="-127"/>
+              </a:rPr>
+              <a:t>에 영향을 받아 주기적으로 재생된다</a:t>
+            </a:r>
+            <a:r>
+              <a:rPr lang="en-US" altLang="ko-KR" sz="1600" b="1" dirty="0">
+                <a:latin typeface="HY그래픽M" panose="02030600000101010101" pitchFamily="18" charset="-127"/>
+                <a:ea typeface="HY그래픽M" panose="02030600000101010101" pitchFamily="18" charset="-127"/>
+              </a:rPr>
+              <a:t>.</a:t>
+            </a:r>
+          </a:p>
+          <a:p>
+            <a:endParaRPr lang="en-US" altLang="ko-KR" sz="1600" b="1" dirty="0">
+              <a:latin typeface="HY그래픽M" panose="02030600000101010101" pitchFamily="18" charset="-127"/>
+              <a:ea typeface="HY그래픽M" panose="02030600000101010101" pitchFamily="18" charset="-127"/>
+            </a:endParaRPr>
+          </a:p>
+          <a:p>
+            <a:pPr marL="285705" indent="-285705">
+              <a:buFontTx/>
+              <a:buChar char="-"/>
+            </a:pPr>
+            <a:r>
+              <a:rPr lang="en-US" altLang="ko-KR" sz="1600" b="1" dirty="0">
+                <a:latin typeface="HY그래픽M" panose="02030600000101010101" pitchFamily="18" charset="-127"/>
+                <a:ea typeface="HY그래픽M" panose="02030600000101010101" pitchFamily="18" charset="-127"/>
+              </a:rPr>
+              <a:t> </a:t>
+            </a:r>
+            <a:r>
+              <a:rPr lang="ko-KR" altLang="en-US" sz="1600" b="1" dirty="0">
+                <a:latin typeface="HY그래픽M" panose="02030600000101010101" pitchFamily="18" charset="-127"/>
+                <a:ea typeface="HY그래픽M" panose="02030600000101010101" pitchFamily="18" charset="-127"/>
+              </a:rPr>
+              <a:t>기력은 </a:t>
+            </a:r>
+            <a:r>
+              <a:rPr lang="ko-KR" altLang="en-US" sz="1600" b="1" dirty="0" err="1">
+                <a:solidFill>
+                  <a:schemeClr val="accent4"/>
+                </a:solidFill>
+                <a:latin typeface="HY그래픽M" panose="02030600000101010101" pitchFamily="18" charset="-127"/>
+                <a:ea typeface="HY그래픽M" panose="02030600000101010101" pitchFamily="18" charset="-127"/>
+              </a:rPr>
+              <a:t>대쉬</a:t>
+            </a:r>
+            <a:r>
+              <a:rPr lang="ko-KR" altLang="en-US" sz="1600" b="1" dirty="0">
+                <a:solidFill>
+                  <a:schemeClr val="accent4"/>
+                </a:solidFill>
+                <a:latin typeface="HY그래픽M" panose="02030600000101010101" pitchFamily="18" charset="-127"/>
+                <a:ea typeface="HY그래픽M" panose="02030600000101010101" pitchFamily="18" charset="-127"/>
+              </a:rPr>
+              <a:t> 도중이나 재사용 대기중일때는 재생되지 않는다</a:t>
+            </a:r>
+            <a:r>
+              <a:rPr lang="en-US" altLang="ko-KR" sz="1600" b="1" dirty="0">
+                <a:solidFill>
+                  <a:schemeClr val="accent4"/>
+                </a:solidFill>
+                <a:latin typeface="HY그래픽M" panose="02030600000101010101" pitchFamily="18" charset="-127"/>
+                <a:ea typeface="HY그래픽M" panose="02030600000101010101" pitchFamily="18" charset="-127"/>
+              </a:rPr>
+              <a:t>.</a:t>
+            </a:r>
+          </a:p>
+          <a:p>
+            <a:pPr marL="285705" indent="-285705">
+              <a:buFontTx/>
+              <a:buChar char="-"/>
+            </a:pPr>
+            <a:endParaRPr lang="en-US" altLang="ko-KR" sz="1600" b="1" dirty="0">
+              <a:latin typeface="HY그래픽M" panose="02030600000101010101" pitchFamily="18" charset="-127"/>
+              <a:ea typeface="HY그래픽M" panose="02030600000101010101" pitchFamily="18" charset="-127"/>
+            </a:endParaRPr>
+          </a:p>
+          <a:p>
+            <a:pPr marL="285705" indent="-285705">
+              <a:buFontTx/>
+              <a:buChar char="-"/>
+            </a:pPr>
+            <a:r>
+              <a:rPr lang="ko-KR" altLang="en-US" sz="1600" b="1" dirty="0">
+                <a:latin typeface="HY그래픽M" panose="02030600000101010101" pitchFamily="18" charset="-127"/>
+                <a:ea typeface="HY그래픽M" panose="02030600000101010101" pitchFamily="18" charset="-127"/>
+              </a:rPr>
+              <a:t> 캐릭터의 </a:t>
+            </a:r>
+            <a:r>
+              <a:rPr lang="ko-KR" altLang="en-US" sz="1600" b="1" dirty="0" err="1">
+                <a:latin typeface="HY그래픽M" panose="02030600000101010101" pitchFamily="18" charset="-127"/>
+                <a:ea typeface="HY그래픽M" panose="02030600000101010101" pitchFamily="18" charset="-127"/>
+              </a:rPr>
+              <a:t>대쉬</a:t>
+            </a:r>
+            <a:r>
+              <a:rPr lang="ko-KR" altLang="en-US" sz="1600" b="1" dirty="0">
+                <a:latin typeface="HY그래픽M" panose="02030600000101010101" pitchFamily="18" charset="-127"/>
+                <a:ea typeface="HY그래픽M" panose="02030600000101010101" pitchFamily="18" charset="-127"/>
+              </a:rPr>
+              <a:t> 로직은 </a:t>
+            </a:r>
+            <a:r>
+              <a:rPr lang="ko-KR" altLang="en-US" sz="1600" b="1" dirty="0" err="1">
+                <a:latin typeface="HY그래픽M" panose="02030600000101010101" pitchFamily="18" charset="-127"/>
+                <a:ea typeface="HY그래픽M" panose="02030600000101010101" pitchFamily="18" charset="-127"/>
+              </a:rPr>
+              <a:t>대쉬</a:t>
+            </a:r>
+            <a:r>
+              <a:rPr lang="en-US" altLang="ko-KR" sz="1600" b="1" dirty="0">
+                <a:latin typeface="HY그래픽M" panose="02030600000101010101" pitchFamily="18" charset="-127"/>
+                <a:ea typeface="HY그래픽M" panose="02030600000101010101" pitchFamily="18" charset="-127"/>
+              </a:rPr>
+              <a:t>-</a:t>
+            </a:r>
+            <a:r>
+              <a:rPr lang="ko-KR" altLang="en-US" sz="1600" b="1" dirty="0">
+                <a:latin typeface="HY그래픽M" panose="02030600000101010101" pitchFamily="18" charset="-127"/>
+                <a:ea typeface="HY그래픽M" panose="02030600000101010101" pitchFamily="18" charset="-127"/>
+              </a:rPr>
+              <a:t>로직 에서 확인할 수 있다</a:t>
+            </a:r>
+            <a:r>
+              <a:rPr lang="en-US" altLang="ko-KR" sz="1600" b="1" dirty="0">
+                <a:latin typeface="HY그래픽M" panose="02030600000101010101" pitchFamily="18" charset="-127"/>
+                <a:ea typeface="HY그래픽M" panose="02030600000101010101" pitchFamily="18" charset="-127"/>
+              </a:rPr>
+              <a:t>.</a:t>
+            </a:r>
+          </a:p>
+          <a:p>
+            <a:pPr marL="285705" indent="-285705">
+              <a:buFontTx/>
+              <a:buChar char="-"/>
+            </a:pPr>
+            <a:endParaRPr lang="en-US" altLang="ko-KR" sz="1600" b="1" dirty="0">
+              <a:latin typeface="HY그래픽M" panose="02030600000101010101" pitchFamily="18" charset="-127"/>
+              <a:ea typeface="HY그래픽M" panose="02030600000101010101" pitchFamily="18" charset="-127"/>
+            </a:endParaRPr>
+          </a:p>
+        </p:txBody>
+      </p:sp>
+      <p:sp>
+        <p:nvSpPr>
+          <p:cNvPr id="10" name="직사각형 9">
+            <a:extLst>
+              <a:ext uri="{FF2B5EF4-FFF2-40B4-BE49-F238E27FC236}">
+                <a16:creationId xmlns:a16="http://schemas.microsoft.com/office/drawing/2014/main" id="{9241833E-05C1-4327-BABE-5880BD7B8BC4}"/>
+              </a:ext>
+            </a:extLst>
+          </p:cNvPr>
+          <p:cNvSpPr/>
+          <p:nvPr/>
+        </p:nvSpPr>
+        <p:spPr>
+          <a:xfrm>
+            <a:off x="2503016" y="1919268"/>
+            <a:ext cx="734551" cy="734551"/>
+          </a:xfrm>
+          <a:prstGeom prst="rect">
+            <a:avLst/>
+          </a:prstGeom>
+          <a:solidFill>
+            <a:schemeClr val="accent1">
+              <a:lumMod val="40000"/>
+              <a:lumOff val="60000"/>
+            </a:schemeClr>
+          </a:solidFill>
+          <a:ln>
+            <a:solidFill>
+              <a:schemeClr val="bg2">
+                <a:lumMod val="90000"/>
+              </a:schemeClr>
+            </a:solidFill>
+          </a:ln>
+        </p:spPr>
+        <p:style>
+          <a:lnRef idx="2">
+            <a:schemeClr val="accent1">
+              <a:shade val="50000"/>
+            </a:schemeClr>
+          </a:lnRef>
+          <a:fillRef idx="1">
+            <a:schemeClr val="accent1"/>
+          </a:fillRef>
+          <a:effectRef idx="0">
+            <a:schemeClr val="accent1"/>
+          </a:effectRef>
+          <a:fontRef idx="minor">
+            <a:schemeClr val="lt1"/>
+          </a:fontRef>
+        </p:style>
+        <p:txBody>
+          <a:bodyPr rtlCol="0" anchor="ctr"/>
+          <a:lstStyle/>
+          <a:p>
+            <a:pPr algn="ctr"/>
+            <a:r>
+              <a:rPr lang="en-US" altLang="ko-KR" sz="2799" dirty="0">
+                <a:solidFill>
+                  <a:schemeClr val="tx1"/>
+                </a:solidFill>
+              </a:rPr>
+              <a:t>X</a:t>
+            </a:r>
+            <a:endParaRPr lang="ko-KR" altLang="en-US" sz="2799" dirty="0">
+              <a:solidFill>
+                <a:schemeClr val="tx1"/>
+              </a:solidFill>
+            </a:endParaRPr>
+          </a:p>
+        </p:txBody>
+      </p:sp>
+    </p:spTree>
+    <p:extLst>
+      <p:ext uri="{BB962C8B-B14F-4D97-AF65-F5344CB8AC3E}">
+        <p14:creationId xmlns:p14="http://schemas.microsoft.com/office/powerpoint/2010/main" val="2022715680"/>
+      </p:ext>
+    </p:extLst>
+  </p:cSld>
+  <p:clrMapOvr>
+    <a:masterClrMapping/>
+  </p:clrMapOvr>
+</p:sld>
+</file>
+
+<file path=ppt/slides/slide15.xml><?xml version="1.0" encoding="utf-8"?>
+<p:sld xmlns:a="http://schemas.openxmlformats.org/drawingml/2006/main" xmlns:r="http://schemas.openxmlformats.org/officeDocument/2006/relationships" xmlns:p="http://schemas.openxmlformats.org/presentationml/2006/main">
+  <p:cSld>
+    <p:spTree>
+      <p:nvGrpSpPr>
+        <p:cNvPr id="1" name=""/>
+        <p:cNvGrpSpPr/>
+        <p:nvPr/>
+      </p:nvGrpSpPr>
+      <p:grpSpPr>
+        <a:xfrm>
+          <a:off x="0" y="0"/>
+          <a:ext cx="0" cy="0"/>
+          <a:chOff x="0" y="0"/>
+          <a:chExt cx="0" cy="0"/>
+        </a:xfrm>
+      </p:grpSpPr>
+      <p:sp>
+        <p:nvSpPr>
+          <p:cNvPr id="31" name="직사각형 30">
+            <a:extLst>
+              <a:ext uri="{FF2B5EF4-FFF2-40B4-BE49-F238E27FC236}">
+                <a16:creationId xmlns:a16="http://schemas.microsoft.com/office/drawing/2014/main" id="{408EFC51-8FFE-4ADF-89E4-7E6457F42BE2}"/>
+              </a:ext>
+            </a:extLst>
+          </p:cNvPr>
+          <p:cNvSpPr/>
+          <p:nvPr/>
+        </p:nvSpPr>
+        <p:spPr>
+          <a:xfrm>
+            <a:off x="5" y="1125001"/>
+            <a:ext cx="6876481" cy="8781003"/>
+          </a:xfrm>
+          <a:prstGeom prst="rect">
+            <a:avLst/>
+          </a:prstGeom>
+          <a:solidFill>
+            <a:schemeClr val="bg2">
+              <a:lumMod val="25000"/>
+            </a:schemeClr>
+          </a:solidFill>
+          <a:ln>
+            <a:noFill/>
+          </a:ln>
+        </p:spPr>
+        <p:style>
+          <a:lnRef idx="2">
+            <a:schemeClr val="accent1">
+              <a:shade val="50000"/>
+            </a:schemeClr>
+          </a:lnRef>
+          <a:fillRef idx="1">
+            <a:schemeClr val="accent1"/>
+          </a:fillRef>
+          <a:effectRef idx="0">
+            <a:schemeClr val="accent1"/>
+          </a:effectRef>
+          <a:fontRef idx="minor">
+            <a:schemeClr val="lt1"/>
+          </a:fontRef>
+        </p:style>
+        <p:txBody>
+          <a:bodyPr rtlCol="0" anchor="ctr"/>
+          <a:lstStyle/>
+          <a:p>
+            <a:pPr algn="ctr"/>
+            <a:endParaRPr lang="ko-KR" altLang="en-US" dirty="0"/>
+          </a:p>
+        </p:txBody>
+      </p:sp>
+      <p:grpSp>
+        <p:nvGrpSpPr>
+          <p:cNvPr id="40" name="그룹 39">
+            <a:extLst>
+              <a:ext uri="{FF2B5EF4-FFF2-40B4-BE49-F238E27FC236}">
+                <a16:creationId xmlns:a16="http://schemas.microsoft.com/office/drawing/2014/main" id="{C8ACD09A-7386-4C29-9F45-6CE4B45403BD}"/>
+              </a:ext>
+            </a:extLst>
+          </p:cNvPr>
+          <p:cNvGrpSpPr/>
+          <p:nvPr/>
+        </p:nvGrpSpPr>
+        <p:grpSpPr>
+          <a:xfrm>
+            <a:off x="0" y="1046534"/>
+            <a:ext cx="6876480" cy="455116"/>
+            <a:chOff x="121920" y="1124997"/>
+            <a:chExt cx="6614160" cy="455116"/>
+          </a:xfrm>
+        </p:grpSpPr>
+        <p:sp>
+          <p:nvSpPr>
+            <p:cNvPr id="41" name="사각형: 둥근 모서리 40">
+              <a:extLst>
+                <a:ext uri="{FF2B5EF4-FFF2-40B4-BE49-F238E27FC236}">
+                  <a16:creationId xmlns:a16="http://schemas.microsoft.com/office/drawing/2014/main" id="{A8327ED5-DF33-4946-BC4E-07774C3552C8}"/>
+                </a:ext>
+              </a:extLst>
+            </p:cNvPr>
+            <p:cNvSpPr/>
+            <p:nvPr/>
+          </p:nvSpPr>
+          <p:spPr>
+            <a:xfrm>
+              <a:off x="121920" y="1124997"/>
+              <a:ext cx="6614160" cy="455116"/>
+            </a:xfrm>
+            <a:prstGeom prst="roundRect">
+              <a:avLst/>
+            </a:prstGeom>
+            <a:solidFill>
+              <a:schemeClr val="bg2">
+                <a:lumMod val="75000"/>
+              </a:schemeClr>
+            </a:solidFill>
+            <a:ln>
+              <a:noFill/>
+            </a:ln>
+          </p:spPr>
+          <p:style>
+            <a:lnRef idx="2">
+              <a:schemeClr val="accent1">
+                <a:shade val="50000"/>
+              </a:schemeClr>
+            </a:lnRef>
+            <a:fillRef idx="1">
+              <a:schemeClr val="accent1"/>
+            </a:fillRef>
+            <a:effectRef idx="0">
+              <a:schemeClr val="accent1"/>
+            </a:effectRef>
+            <a:fontRef idx="minor">
+              <a:schemeClr val="lt1"/>
+            </a:fontRef>
+          </p:style>
+          <p:txBody>
+            <a:bodyPr rtlCol="0" anchor="ctr"/>
+            <a:lstStyle/>
+            <a:p>
+              <a:pPr algn="ctr"/>
+              <a:endParaRPr lang="ko-KR" altLang="en-US" dirty="0"/>
+            </a:p>
+          </p:txBody>
+        </p:sp>
+        <p:sp>
+          <p:nvSpPr>
+            <p:cNvPr id="42" name="사각형: 둥근 모서리 41">
+              <a:extLst>
+                <a:ext uri="{FF2B5EF4-FFF2-40B4-BE49-F238E27FC236}">
+                  <a16:creationId xmlns:a16="http://schemas.microsoft.com/office/drawing/2014/main" id="{4831C118-97F2-4994-8350-618B0EEA3610}"/>
+                </a:ext>
+              </a:extLst>
+            </p:cNvPr>
+            <p:cNvSpPr/>
+            <p:nvPr/>
+          </p:nvSpPr>
+          <p:spPr>
+            <a:xfrm>
+              <a:off x="433199" y="1195522"/>
+              <a:ext cx="5991603" cy="318170"/>
+            </a:xfrm>
+            <a:prstGeom prst="roundRect">
+              <a:avLst/>
+            </a:prstGeom>
+            <a:solidFill>
+              <a:schemeClr val="bg2">
+                <a:lumMod val="50000"/>
+              </a:schemeClr>
+            </a:solidFill>
+            <a:ln>
+              <a:noFill/>
+            </a:ln>
+          </p:spPr>
+          <p:style>
+            <a:lnRef idx="2">
+              <a:schemeClr val="accent1">
+                <a:shade val="50000"/>
+              </a:schemeClr>
+            </a:lnRef>
+            <a:fillRef idx="1">
+              <a:schemeClr val="accent1"/>
+            </a:fillRef>
+            <a:effectRef idx="0">
+              <a:schemeClr val="accent1"/>
+            </a:effectRef>
+            <a:fontRef idx="minor">
+              <a:schemeClr val="lt1"/>
+            </a:fontRef>
+          </p:style>
+          <p:txBody>
+            <a:bodyPr rtlCol="0" anchor="ctr"/>
+            <a:lstStyle/>
+            <a:p>
+              <a:pPr algn="ctr"/>
+              <a:r>
+                <a:rPr lang="ko-KR" altLang="en-US" b="1" dirty="0" err="1">
+                  <a:latin typeface="메이플스토리" panose="02000300000000000000" pitchFamily="2" charset="-127"/>
+                  <a:ea typeface="메이플스토리" panose="02000300000000000000" pitchFamily="2" charset="-127"/>
+                </a:rPr>
+                <a:t>대쉬</a:t>
+              </a:r>
+              <a:r>
+                <a:rPr lang="ko-KR" altLang="en-US" b="1" dirty="0">
+                  <a:latin typeface="메이플스토리" panose="02000300000000000000" pitchFamily="2" charset="-127"/>
+                  <a:ea typeface="메이플스토리" panose="02000300000000000000" pitchFamily="2" charset="-127"/>
+                </a:rPr>
+                <a:t> </a:t>
+              </a:r>
+              <a:r>
+                <a:rPr lang="en-US" altLang="ko-KR" b="1" dirty="0">
+                  <a:latin typeface="메이플스토리" panose="02000300000000000000" pitchFamily="2" charset="-127"/>
+                  <a:ea typeface="메이플스토리" panose="02000300000000000000" pitchFamily="2" charset="-127"/>
+                </a:rPr>
+                <a:t>- </a:t>
+              </a:r>
+              <a:r>
+                <a:rPr lang="ko-KR" altLang="en-US" b="1" dirty="0">
+                  <a:latin typeface="메이플스토리" panose="02000300000000000000" pitchFamily="2" charset="-127"/>
+                  <a:ea typeface="메이플스토리" panose="02000300000000000000" pitchFamily="2" charset="-127"/>
+                </a:rPr>
+                <a:t>로직</a:t>
+              </a:r>
+            </a:p>
+          </p:txBody>
+        </p:sp>
+      </p:grpSp>
+      <p:sp>
+        <p:nvSpPr>
+          <p:cNvPr id="6" name="직사각형 5">
+            <a:extLst>
+              <a:ext uri="{FF2B5EF4-FFF2-40B4-BE49-F238E27FC236}">
+                <a16:creationId xmlns:a16="http://schemas.microsoft.com/office/drawing/2014/main" id="{A90F6C05-7A97-4BD4-AB8D-99F1425F89D4}"/>
+              </a:ext>
+            </a:extLst>
+          </p:cNvPr>
+          <p:cNvSpPr/>
+          <p:nvPr/>
+        </p:nvSpPr>
+        <p:spPr>
+          <a:xfrm>
+            <a:off x="2756733" y="33681"/>
+            <a:ext cx="1344535" cy="923330"/>
+          </a:xfrm>
+          <a:prstGeom prst="rect">
+            <a:avLst/>
+          </a:prstGeom>
+          <a:noFill/>
+        </p:spPr>
+        <p:txBody>
+          <a:bodyPr wrap="none" lIns="91440" tIns="45720" rIns="91440" bIns="45720">
+            <a:spAutoFit/>
+          </a:bodyPr>
+          <a:lstStyle/>
+          <a:p>
+            <a:pPr algn="ctr"/>
+            <a:r>
+              <a:rPr lang="en-US" altLang="ko-KR" sz="5400" b="1" cap="none" spc="0" dirty="0">
+                <a:ln w="0"/>
+                <a:solidFill>
+                  <a:schemeClr val="tx1"/>
+                </a:solidFill>
+                <a:latin typeface="+mj-ea"/>
+                <a:ea typeface="+mj-ea"/>
+              </a:rPr>
+              <a:t>WA</a:t>
+            </a:r>
+          </a:p>
+        </p:txBody>
+      </p:sp>
+    </p:spTree>
+    <p:extLst>
+      <p:ext uri="{BB962C8B-B14F-4D97-AF65-F5344CB8AC3E}">
+        <p14:creationId xmlns:p14="http://schemas.microsoft.com/office/powerpoint/2010/main" val="3128464063"/>
+      </p:ext>
+    </p:extLst>
+  </p:cSld>
+  <p:clrMapOvr>
+    <a:masterClrMapping/>
+  </p:clrMapOvr>
+</p:sld>
+</file>
+
+<file path=ppt/slides/slide16.xml><?xml version="1.0" encoding="utf-8"?>
+<p:sld xmlns:a="http://schemas.openxmlformats.org/drawingml/2006/main" xmlns:r="http://schemas.openxmlformats.org/officeDocument/2006/relationships" xmlns:p="http://schemas.openxmlformats.org/presentationml/2006/main">
+  <p:cSld>
+    <p:spTree>
+      <p:nvGrpSpPr>
+        <p:cNvPr id="1" name=""/>
+        <p:cNvGrpSpPr/>
+        <p:nvPr/>
+      </p:nvGrpSpPr>
+      <p:grpSpPr>
+        <a:xfrm>
+          <a:off x="0" y="0"/>
+          <a:ext cx="0" cy="0"/>
+          <a:chOff x="0" y="0"/>
+          <a:chExt cx="0" cy="0"/>
+        </a:xfrm>
+      </p:grpSpPr>
+      <p:sp>
+        <p:nvSpPr>
+          <p:cNvPr id="31" name="직사각형 30">
+            <a:extLst>
+              <a:ext uri="{FF2B5EF4-FFF2-40B4-BE49-F238E27FC236}">
+                <a16:creationId xmlns:a16="http://schemas.microsoft.com/office/drawing/2014/main" id="{408EFC51-8FFE-4ADF-89E4-7E6457F42BE2}"/>
+              </a:ext>
+            </a:extLst>
+          </p:cNvPr>
+          <p:cNvSpPr/>
+          <p:nvPr/>
+        </p:nvSpPr>
+        <p:spPr>
+          <a:xfrm>
+            <a:off x="5" y="1125001"/>
+            <a:ext cx="6876481" cy="8781003"/>
+          </a:xfrm>
+          <a:prstGeom prst="rect">
+            <a:avLst/>
+          </a:prstGeom>
+          <a:solidFill>
+            <a:schemeClr val="bg2">
+              <a:lumMod val="25000"/>
+            </a:schemeClr>
+          </a:solidFill>
+          <a:ln>
+            <a:noFill/>
+          </a:ln>
+        </p:spPr>
+        <p:style>
+          <a:lnRef idx="2">
+            <a:schemeClr val="accent1">
+              <a:shade val="50000"/>
+            </a:schemeClr>
+          </a:lnRef>
+          <a:fillRef idx="1">
+            <a:schemeClr val="accent1"/>
+          </a:fillRef>
+          <a:effectRef idx="0">
+            <a:schemeClr val="accent1"/>
+          </a:effectRef>
+          <a:fontRef idx="minor">
+            <a:schemeClr val="lt1"/>
+          </a:fontRef>
+        </p:style>
+        <p:txBody>
+          <a:bodyPr rtlCol="0" anchor="ctr"/>
+          <a:lstStyle/>
+          <a:p>
+            <a:pPr algn="ctr"/>
+            <a:endParaRPr lang="ko-KR" altLang="en-US" dirty="0"/>
+          </a:p>
+        </p:txBody>
+      </p:sp>
+      <p:grpSp>
+        <p:nvGrpSpPr>
+          <p:cNvPr id="40" name="그룹 39">
+            <a:extLst>
+              <a:ext uri="{FF2B5EF4-FFF2-40B4-BE49-F238E27FC236}">
+                <a16:creationId xmlns:a16="http://schemas.microsoft.com/office/drawing/2014/main" id="{C8ACD09A-7386-4C29-9F45-6CE4B45403BD}"/>
+              </a:ext>
+            </a:extLst>
+          </p:cNvPr>
+          <p:cNvGrpSpPr/>
+          <p:nvPr/>
+        </p:nvGrpSpPr>
+        <p:grpSpPr>
+          <a:xfrm>
+            <a:off x="0" y="1046534"/>
+            <a:ext cx="6876480" cy="455116"/>
+            <a:chOff x="121920" y="1124997"/>
+            <a:chExt cx="6614160" cy="455116"/>
+          </a:xfrm>
+        </p:grpSpPr>
+        <p:sp>
+          <p:nvSpPr>
+            <p:cNvPr id="41" name="사각형: 둥근 모서리 40">
+              <a:extLst>
+                <a:ext uri="{FF2B5EF4-FFF2-40B4-BE49-F238E27FC236}">
+                  <a16:creationId xmlns:a16="http://schemas.microsoft.com/office/drawing/2014/main" id="{A8327ED5-DF33-4946-BC4E-07774C3552C8}"/>
+                </a:ext>
+              </a:extLst>
+            </p:cNvPr>
+            <p:cNvSpPr/>
+            <p:nvPr/>
+          </p:nvSpPr>
+          <p:spPr>
+            <a:xfrm>
+              <a:off x="121920" y="1124997"/>
+              <a:ext cx="6614160" cy="455116"/>
+            </a:xfrm>
+            <a:prstGeom prst="roundRect">
+              <a:avLst/>
+            </a:prstGeom>
+            <a:solidFill>
+              <a:schemeClr val="bg2">
+                <a:lumMod val="75000"/>
+              </a:schemeClr>
+            </a:solidFill>
+            <a:ln>
+              <a:noFill/>
+            </a:ln>
+          </p:spPr>
+          <p:style>
+            <a:lnRef idx="2">
+              <a:schemeClr val="accent1">
+                <a:shade val="50000"/>
+              </a:schemeClr>
+            </a:lnRef>
+            <a:fillRef idx="1">
+              <a:schemeClr val="accent1"/>
+            </a:fillRef>
+            <a:effectRef idx="0">
+              <a:schemeClr val="accent1"/>
+            </a:effectRef>
+            <a:fontRef idx="minor">
+              <a:schemeClr val="lt1"/>
+            </a:fontRef>
+          </p:style>
+          <p:txBody>
+            <a:bodyPr rtlCol="0" anchor="ctr"/>
+            <a:lstStyle/>
+            <a:p>
+              <a:pPr algn="ctr"/>
+              <a:endParaRPr lang="ko-KR" altLang="en-US" dirty="0"/>
+            </a:p>
+          </p:txBody>
+        </p:sp>
+        <p:sp>
+          <p:nvSpPr>
+            <p:cNvPr id="42" name="사각형: 둥근 모서리 41">
+              <a:extLst>
+                <a:ext uri="{FF2B5EF4-FFF2-40B4-BE49-F238E27FC236}">
+                  <a16:creationId xmlns:a16="http://schemas.microsoft.com/office/drawing/2014/main" id="{4831C118-97F2-4994-8350-618B0EEA3610}"/>
+                </a:ext>
+              </a:extLst>
+            </p:cNvPr>
+            <p:cNvSpPr/>
+            <p:nvPr/>
+          </p:nvSpPr>
+          <p:spPr>
+            <a:xfrm>
+              <a:off x="433199" y="1195522"/>
+              <a:ext cx="5991603" cy="318170"/>
+            </a:xfrm>
+            <a:prstGeom prst="roundRect">
+              <a:avLst/>
+            </a:prstGeom>
+            <a:solidFill>
+              <a:schemeClr val="bg2">
+                <a:lumMod val="50000"/>
+              </a:schemeClr>
+            </a:solidFill>
+            <a:ln>
+              <a:noFill/>
+            </a:ln>
+          </p:spPr>
+          <p:style>
+            <a:lnRef idx="2">
+              <a:schemeClr val="accent1">
+                <a:shade val="50000"/>
+              </a:schemeClr>
+            </a:lnRef>
+            <a:fillRef idx="1">
+              <a:schemeClr val="accent1"/>
+            </a:fillRef>
+            <a:effectRef idx="0">
+              <a:schemeClr val="accent1"/>
+            </a:effectRef>
+            <a:fontRef idx="minor">
+              <a:schemeClr val="lt1"/>
+            </a:fontRef>
+          </p:style>
+          <p:txBody>
+            <a:bodyPr rtlCol="0" anchor="ctr"/>
+            <a:lstStyle/>
+            <a:p>
+              <a:pPr algn="ctr"/>
+              <a:r>
+                <a:rPr lang="ko-KR" altLang="en-US" b="1" dirty="0">
+                  <a:latin typeface="메이플스토리" panose="02000300000000000000" pitchFamily="2" charset="-127"/>
+                  <a:ea typeface="메이플스토리" panose="02000300000000000000" pitchFamily="2" charset="-127"/>
+                </a:rPr>
+                <a:t>상호작용</a:t>
+              </a:r>
+            </a:p>
+          </p:txBody>
+        </p:sp>
+      </p:grpSp>
+      <p:sp>
+        <p:nvSpPr>
+          <p:cNvPr id="6" name="직사각형 5">
+            <a:extLst>
+              <a:ext uri="{FF2B5EF4-FFF2-40B4-BE49-F238E27FC236}">
+                <a16:creationId xmlns:a16="http://schemas.microsoft.com/office/drawing/2014/main" id="{A90F6C05-7A97-4BD4-AB8D-99F1425F89D4}"/>
+              </a:ext>
+            </a:extLst>
+          </p:cNvPr>
+          <p:cNvSpPr/>
+          <p:nvPr/>
+        </p:nvSpPr>
+        <p:spPr>
+          <a:xfrm>
+            <a:off x="2756733" y="33681"/>
+            <a:ext cx="1344535" cy="923330"/>
+          </a:xfrm>
+          <a:prstGeom prst="rect">
+            <a:avLst/>
+          </a:prstGeom>
+          <a:noFill/>
+        </p:spPr>
+        <p:txBody>
+          <a:bodyPr wrap="none" lIns="91440" tIns="45720" rIns="91440" bIns="45720">
+            <a:spAutoFit/>
+          </a:bodyPr>
+          <a:lstStyle/>
+          <a:p>
+            <a:pPr algn="ctr"/>
+            <a:r>
+              <a:rPr lang="en-US" altLang="ko-KR" sz="5400" b="1" cap="none" spc="0" dirty="0">
+                <a:ln w="0"/>
+                <a:solidFill>
+                  <a:schemeClr val="tx1"/>
+                </a:solidFill>
+                <a:latin typeface="+mj-ea"/>
+                <a:ea typeface="+mj-ea"/>
+              </a:rPr>
+              <a:t>WA</a:t>
+            </a:r>
+          </a:p>
+        </p:txBody>
+      </p:sp>
+      <p:grpSp>
+        <p:nvGrpSpPr>
+          <p:cNvPr id="11" name="그룹 10">
+            <a:extLst>
+              <a:ext uri="{FF2B5EF4-FFF2-40B4-BE49-F238E27FC236}">
+                <a16:creationId xmlns:a16="http://schemas.microsoft.com/office/drawing/2014/main" id="{63D8CFB6-C7F4-4E69-B1C9-AEE586B56459}"/>
+              </a:ext>
+            </a:extLst>
+          </p:cNvPr>
+          <p:cNvGrpSpPr/>
+          <p:nvPr/>
+        </p:nvGrpSpPr>
+        <p:grpSpPr>
+          <a:xfrm>
+            <a:off x="2756733" y="1734873"/>
+            <a:ext cx="2049693" cy="1119378"/>
+            <a:chOff x="2426208" y="1750789"/>
+            <a:chExt cx="2049693" cy="1119378"/>
+          </a:xfrm>
+        </p:grpSpPr>
+        <p:sp>
+          <p:nvSpPr>
+            <p:cNvPr id="8" name="직사각형 7">
+              <a:extLst>
+                <a:ext uri="{FF2B5EF4-FFF2-40B4-BE49-F238E27FC236}">
+                  <a16:creationId xmlns:a16="http://schemas.microsoft.com/office/drawing/2014/main" id="{D16450CC-0064-4118-AAB2-998F2FE493DF}"/>
+                </a:ext>
+              </a:extLst>
+            </p:cNvPr>
+            <p:cNvSpPr/>
+            <p:nvPr/>
+          </p:nvSpPr>
+          <p:spPr>
+            <a:xfrm>
+              <a:off x="3438240" y="1797744"/>
+              <a:ext cx="1037661" cy="1037661"/>
+            </a:xfrm>
+            <a:prstGeom prst="rect">
+              <a:avLst/>
+            </a:prstGeom>
+            <a:solidFill>
+              <a:schemeClr val="tx1">
+                <a:lumMod val="85000"/>
+                <a:lumOff val="15000"/>
+              </a:schemeClr>
+            </a:solidFill>
+            <a:ln>
+              <a:noFill/>
+            </a:ln>
+          </p:spPr>
+          <p:style>
+            <a:lnRef idx="2">
+              <a:schemeClr val="dk1">
+                <a:shade val="50000"/>
+              </a:schemeClr>
+            </a:lnRef>
+            <a:fillRef idx="1">
+              <a:schemeClr val="dk1"/>
+            </a:fillRef>
+            <a:effectRef idx="0">
+              <a:schemeClr val="dk1"/>
+            </a:effectRef>
+            <a:fontRef idx="minor">
+              <a:schemeClr val="lt1"/>
+            </a:fontRef>
+          </p:style>
+          <p:txBody>
+            <a:bodyPr rtlCol="0" anchor="ctr"/>
+            <a:lstStyle/>
+            <a:p>
+              <a:pPr algn="ctr"/>
+              <a:endParaRPr lang="ko-KR" altLang="en-US"/>
+            </a:p>
+          </p:txBody>
+        </p:sp>
+        <p:pic>
+          <p:nvPicPr>
+            <p:cNvPr id="1036" name="Picture 12" descr="푸시 아이콘 - 무료 다운로드, PNG 및 벡터">
+              <a:extLst>
+                <a:ext uri="{FF2B5EF4-FFF2-40B4-BE49-F238E27FC236}">
+                  <a16:creationId xmlns:a16="http://schemas.microsoft.com/office/drawing/2014/main" id="{5B564A38-39DD-4202-9D17-9B9CC2046060}"/>
+                </a:ext>
+              </a:extLst>
+            </p:cNvPr>
+            <p:cNvPicPr>
+              <a:picLocks noChangeAspect="1" noChangeArrowheads="1"/>
+            </p:cNvPicPr>
+            <p:nvPr/>
+          </p:nvPicPr>
+          <p:blipFill>
+            <a:blip r:embed="rId2">
+              <a:extLst>
+                <a:ext uri="{28A0092B-C50C-407E-A947-70E740481C1C}">
+                  <a14:useLocalDpi xmlns:a14="http://schemas.microsoft.com/office/drawing/2010/main" val="0"/>
+                </a:ext>
+              </a:extLst>
+            </a:blip>
+            <a:srcRect/>
+            <a:stretch>
+              <a:fillRect/>
+            </a:stretch>
+          </p:blipFill>
+          <p:spPr bwMode="auto">
+            <a:xfrm>
+              <a:off x="2426208" y="1750789"/>
+              <a:ext cx="1119378" cy="1119378"/>
+            </a:xfrm>
+            <a:prstGeom prst="rect">
+              <a:avLst/>
+            </a:prstGeom>
+            <a:noFill/>
+            <a:extLst>
+              <a:ext uri="{909E8E84-426E-40DD-AFC4-6F175D3DCCD1}">
+                <a14:hiddenFill xmlns:a14="http://schemas.microsoft.com/office/drawing/2010/main">
+                  <a:solidFill>
+                    <a:srgbClr val="FFFFFF"/>
+                  </a:solidFill>
+                </a14:hiddenFill>
+              </a:ext>
+            </a:extLst>
+          </p:spPr>
+        </p:pic>
+      </p:grpSp>
+      <p:sp>
+        <p:nvSpPr>
+          <p:cNvPr id="18" name="직사각형 17">
+            <a:extLst>
+              <a:ext uri="{FF2B5EF4-FFF2-40B4-BE49-F238E27FC236}">
+                <a16:creationId xmlns:a16="http://schemas.microsoft.com/office/drawing/2014/main" id="{8CA934E8-65FD-4F6A-B4AB-0EDEE0140C7F}"/>
+              </a:ext>
+            </a:extLst>
+          </p:cNvPr>
+          <p:cNvSpPr/>
+          <p:nvPr/>
+        </p:nvSpPr>
+        <p:spPr>
+          <a:xfrm>
+            <a:off x="2022182" y="1919268"/>
+            <a:ext cx="734551" cy="734551"/>
+          </a:xfrm>
+          <a:prstGeom prst="rect">
+            <a:avLst/>
+          </a:prstGeom>
+          <a:solidFill>
+            <a:schemeClr val="accent1">
+              <a:lumMod val="40000"/>
+              <a:lumOff val="60000"/>
+            </a:schemeClr>
+          </a:solidFill>
+          <a:ln>
+            <a:solidFill>
+              <a:schemeClr val="bg2">
+                <a:lumMod val="90000"/>
+              </a:schemeClr>
+            </a:solidFill>
+          </a:ln>
+        </p:spPr>
+        <p:style>
+          <a:lnRef idx="2">
+            <a:schemeClr val="accent1">
+              <a:shade val="50000"/>
+            </a:schemeClr>
+          </a:lnRef>
+          <a:fillRef idx="1">
+            <a:schemeClr val="accent1"/>
+          </a:fillRef>
+          <a:effectRef idx="0">
+            <a:schemeClr val="accent1"/>
+          </a:effectRef>
+          <a:fontRef idx="minor">
+            <a:schemeClr val="lt1"/>
+          </a:fontRef>
+        </p:style>
+        <p:txBody>
+          <a:bodyPr rtlCol="0" anchor="ctr"/>
+          <a:lstStyle/>
+          <a:p>
+            <a:pPr algn="ctr"/>
+            <a:r>
+              <a:rPr lang="en-US" altLang="ko-KR" sz="2799" dirty="0">
+                <a:solidFill>
+                  <a:schemeClr val="tx1"/>
+                </a:solidFill>
+              </a:rPr>
+              <a:t>C</a:t>
+            </a:r>
+            <a:endParaRPr lang="ko-KR" altLang="en-US" sz="2799" dirty="0">
+              <a:solidFill>
+                <a:schemeClr val="tx1"/>
+              </a:solidFill>
+            </a:endParaRPr>
+          </a:p>
+        </p:txBody>
+      </p:sp>
+      <p:sp>
+        <p:nvSpPr>
+          <p:cNvPr id="20" name="TextBox 8">
+            <a:extLst>
+              <a:ext uri="{FF2B5EF4-FFF2-40B4-BE49-F238E27FC236}">
+                <a16:creationId xmlns:a16="http://schemas.microsoft.com/office/drawing/2014/main" id="{C064D4B7-633F-4F08-A111-F397EEADE2BA}"/>
+              </a:ext>
+            </a:extLst>
+          </p:cNvPr>
+          <p:cNvSpPr txBox="1"/>
+          <p:nvPr/>
+        </p:nvSpPr>
+        <p:spPr>
+          <a:xfrm>
+            <a:off x="280310" y="2999500"/>
+            <a:ext cx="6297381" cy="338554"/>
+          </a:xfrm>
+          <a:prstGeom prst="rect">
+            <a:avLst/>
+          </a:prstGeom>
+          <a:solidFill>
+            <a:schemeClr val="bg1">
+              <a:alpha val="20000"/>
+            </a:schemeClr>
+          </a:solidFill>
+        </p:spPr>
+        <p:txBody>
+          <a:bodyPr wrap="square" rtlCol="0">
+            <a:spAutoFit/>
+          </a:bodyPr>
+          <a:lstStyle>
+            <a:defPPr>
+              <a:defRPr lang="en-US"/>
+            </a:defPPr>
+            <a:lvl1pPr marL="0" algn="l" defTabSz="457200" rtl="0" eaLnBrk="1" latinLnBrk="0" hangingPunct="1">
+              <a:defRPr sz="1800" kern="1200">
+                <a:solidFill>
+                  <a:schemeClr val="tx1"/>
+                </a:solidFill>
+                <a:latin typeface="+mn-lt"/>
+                <a:ea typeface="+mn-ea"/>
+                <a:cs typeface="+mn-cs"/>
+              </a:defRPr>
+            </a:lvl1pPr>
+            <a:lvl2pPr marL="457200" algn="l" defTabSz="457200" rtl="0" eaLnBrk="1" latinLnBrk="0" hangingPunct="1">
+              <a:defRPr sz="1800" kern="1200">
+                <a:solidFill>
+                  <a:schemeClr val="tx1"/>
+                </a:solidFill>
+                <a:latin typeface="+mn-lt"/>
+                <a:ea typeface="+mn-ea"/>
+                <a:cs typeface="+mn-cs"/>
+              </a:defRPr>
+            </a:lvl2pPr>
+            <a:lvl3pPr marL="914400" algn="l" defTabSz="457200" rtl="0" eaLnBrk="1" latinLnBrk="0" hangingPunct="1">
+              <a:defRPr sz="1800" kern="1200">
+                <a:solidFill>
+                  <a:schemeClr val="tx1"/>
+                </a:solidFill>
+                <a:latin typeface="+mn-lt"/>
+                <a:ea typeface="+mn-ea"/>
+                <a:cs typeface="+mn-cs"/>
+              </a:defRPr>
+            </a:lvl3pPr>
+            <a:lvl4pPr marL="1371600" algn="l" defTabSz="457200" rtl="0" eaLnBrk="1" latinLnBrk="0" hangingPunct="1">
+              <a:defRPr sz="1800" kern="1200">
+                <a:solidFill>
+                  <a:schemeClr val="tx1"/>
+                </a:solidFill>
+                <a:latin typeface="+mn-lt"/>
+                <a:ea typeface="+mn-ea"/>
+                <a:cs typeface="+mn-cs"/>
+              </a:defRPr>
+            </a:lvl4pPr>
+            <a:lvl5pPr marL="1828800" algn="l" defTabSz="457200" rtl="0" eaLnBrk="1" latinLnBrk="0" hangingPunct="1">
+              <a:defRPr sz="1800" kern="1200">
+                <a:solidFill>
+                  <a:schemeClr val="tx1"/>
+                </a:solidFill>
+                <a:latin typeface="+mn-lt"/>
+                <a:ea typeface="+mn-ea"/>
+                <a:cs typeface="+mn-cs"/>
+              </a:defRPr>
+            </a:lvl5pPr>
+            <a:lvl6pPr marL="2286000" algn="l" defTabSz="457200" rtl="0" eaLnBrk="1" latinLnBrk="0" hangingPunct="1">
+              <a:defRPr sz="1800" kern="1200">
+                <a:solidFill>
+                  <a:schemeClr val="tx1"/>
+                </a:solidFill>
+                <a:latin typeface="+mn-lt"/>
+                <a:ea typeface="+mn-ea"/>
+                <a:cs typeface="+mn-cs"/>
+              </a:defRPr>
+            </a:lvl6pPr>
+            <a:lvl7pPr marL="2743200" algn="l" defTabSz="457200" rtl="0" eaLnBrk="1" latinLnBrk="0" hangingPunct="1">
+              <a:defRPr sz="1800" kern="1200">
+                <a:solidFill>
+                  <a:schemeClr val="tx1"/>
+                </a:solidFill>
+                <a:latin typeface="+mn-lt"/>
+                <a:ea typeface="+mn-ea"/>
+                <a:cs typeface="+mn-cs"/>
+              </a:defRPr>
+            </a:lvl7pPr>
+            <a:lvl8pPr marL="3200400" algn="l" defTabSz="457200" rtl="0" eaLnBrk="1" latinLnBrk="0" hangingPunct="1">
+              <a:defRPr sz="1800" kern="1200">
+                <a:solidFill>
+                  <a:schemeClr val="tx1"/>
+                </a:solidFill>
+                <a:latin typeface="+mn-lt"/>
+                <a:ea typeface="+mn-ea"/>
+                <a:cs typeface="+mn-cs"/>
+              </a:defRPr>
+            </a:lvl8pPr>
+            <a:lvl9pPr marL="3657600" algn="l" defTabSz="457200" rtl="0" eaLnBrk="1" latinLnBrk="0" hangingPunct="1">
+              <a:defRPr sz="1800" kern="1200">
+                <a:solidFill>
+                  <a:schemeClr val="tx1"/>
+                </a:solidFill>
+                <a:latin typeface="+mn-lt"/>
+                <a:ea typeface="+mn-ea"/>
+                <a:cs typeface="+mn-cs"/>
+              </a:defRPr>
+            </a:lvl9pPr>
+          </a:lstStyle>
+          <a:p>
+            <a:pPr marL="285705" indent="-285705">
+              <a:buFontTx/>
+              <a:buChar char="-"/>
+            </a:pPr>
+            <a:r>
+              <a:rPr lang="ko-KR" altLang="en-US" sz="1600" b="1" dirty="0">
+                <a:latin typeface="HY그래픽M" panose="02030600000101010101" pitchFamily="18" charset="-127"/>
+                <a:ea typeface="HY그래픽M" panose="02030600000101010101" pitchFamily="18" charset="-127"/>
+              </a:rPr>
+              <a:t>  </a:t>
+            </a:r>
+            <a:endParaRPr lang="en-US" altLang="ko-KR" sz="1600" b="1" dirty="0">
+              <a:latin typeface="HY그래픽M" panose="02030600000101010101" pitchFamily="18" charset="-127"/>
+              <a:ea typeface="HY그래픽M" panose="02030600000101010101" pitchFamily="18" charset="-127"/>
+            </a:endParaRPr>
+          </a:p>
+        </p:txBody>
+      </p:sp>
+    </p:spTree>
+    <p:extLst>
+      <p:ext uri="{BB962C8B-B14F-4D97-AF65-F5344CB8AC3E}">
+        <p14:creationId xmlns:p14="http://schemas.microsoft.com/office/powerpoint/2010/main" val="1532923729"/>
+      </p:ext>
+    </p:extLst>
+  </p:cSld>
+  <p:clrMapOvr>
+    <a:masterClrMapping/>
+  </p:clrMapOvr>
+</p:sld>
+</file>
+
+<file path=ppt/slides/slide17.xml><?xml version="1.0" encoding="utf-8"?>
+<p:sld xmlns:a="http://schemas.openxmlformats.org/drawingml/2006/main" xmlns:r="http://schemas.openxmlformats.org/officeDocument/2006/relationships" xmlns:p="http://schemas.openxmlformats.org/presentationml/2006/main">
+  <p:cSld>
+    <p:spTree>
+      <p:nvGrpSpPr>
+        <p:cNvPr id="1" name=""/>
+        <p:cNvGrpSpPr/>
+        <p:nvPr/>
+      </p:nvGrpSpPr>
+      <p:grpSpPr>
+        <a:xfrm>
+          <a:off x="0" y="0"/>
+          <a:ext cx="0" cy="0"/>
+          <a:chOff x="0" y="0"/>
+          <a:chExt cx="0" cy="0"/>
+        </a:xfrm>
+      </p:grpSpPr>
+      <p:sp>
+        <p:nvSpPr>
+          <p:cNvPr id="31" name="직사각형 30">
+            <a:extLst>
+              <a:ext uri="{FF2B5EF4-FFF2-40B4-BE49-F238E27FC236}">
+                <a16:creationId xmlns:a16="http://schemas.microsoft.com/office/drawing/2014/main" id="{408EFC51-8FFE-4ADF-89E4-7E6457F42BE2}"/>
+              </a:ext>
+            </a:extLst>
+          </p:cNvPr>
+          <p:cNvSpPr/>
+          <p:nvPr/>
+        </p:nvSpPr>
+        <p:spPr>
+          <a:xfrm>
+            <a:off x="5" y="1125001"/>
+            <a:ext cx="6876481" cy="8781003"/>
+          </a:xfrm>
+          <a:prstGeom prst="rect">
+            <a:avLst/>
+          </a:prstGeom>
+          <a:solidFill>
+            <a:schemeClr val="bg2">
+              <a:lumMod val="25000"/>
+            </a:schemeClr>
+          </a:solidFill>
+          <a:ln>
+            <a:noFill/>
+          </a:ln>
+        </p:spPr>
+        <p:style>
+          <a:lnRef idx="2">
+            <a:schemeClr val="accent1">
+              <a:shade val="50000"/>
+            </a:schemeClr>
+          </a:lnRef>
+          <a:fillRef idx="1">
+            <a:schemeClr val="accent1"/>
+          </a:fillRef>
+          <a:effectRef idx="0">
+            <a:schemeClr val="accent1"/>
+          </a:effectRef>
+          <a:fontRef idx="minor">
+            <a:schemeClr val="lt1"/>
+          </a:fontRef>
+        </p:style>
+        <p:txBody>
+          <a:bodyPr rtlCol="0" anchor="ctr"/>
+          <a:lstStyle/>
+          <a:p>
+            <a:pPr algn="ctr"/>
+            <a:endParaRPr lang="ko-KR" altLang="en-US" dirty="0"/>
+          </a:p>
+        </p:txBody>
+      </p:sp>
+      <p:grpSp>
+        <p:nvGrpSpPr>
+          <p:cNvPr id="40" name="그룹 39">
+            <a:extLst>
+              <a:ext uri="{FF2B5EF4-FFF2-40B4-BE49-F238E27FC236}">
+                <a16:creationId xmlns:a16="http://schemas.microsoft.com/office/drawing/2014/main" id="{C8ACD09A-7386-4C29-9F45-6CE4B45403BD}"/>
+              </a:ext>
+            </a:extLst>
+          </p:cNvPr>
+          <p:cNvGrpSpPr/>
+          <p:nvPr/>
+        </p:nvGrpSpPr>
+        <p:grpSpPr>
+          <a:xfrm>
+            <a:off x="0" y="1046534"/>
+            <a:ext cx="6876480" cy="455116"/>
+            <a:chOff x="121920" y="1124997"/>
+            <a:chExt cx="6614160" cy="455116"/>
+          </a:xfrm>
+        </p:grpSpPr>
+        <p:sp>
+          <p:nvSpPr>
+            <p:cNvPr id="41" name="사각형: 둥근 모서리 40">
+              <a:extLst>
+                <a:ext uri="{FF2B5EF4-FFF2-40B4-BE49-F238E27FC236}">
+                  <a16:creationId xmlns:a16="http://schemas.microsoft.com/office/drawing/2014/main" id="{A8327ED5-DF33-4946-BC4E-07774C3552C8}"/>
+                </a:ext>
+              </a:extLst>
+            </p:cNvPr>
+            <p:cNvSpPr/>
+            <p:nvPr/>
+          </p:nvSpPr>
+          <p:spPr>
+            <a:xfrm>
+              <a:off x="121920" y="1124997"/>
+              <a:ext cx="6614160" cy="455116"/>
+            </a:xfrm>
+            <a:prstGeom prst="roundRect">
+              <a:avLst/>
+            </a:prstGeom>
+            <a:solidFill>
+              <a:schemeClr val="bg2">
+                <a:lumMod val="75000"/>
+              </a:schemeClr>
+            </a:solidFill>
+            <a:ln>
+              <a:noFill/>
+            </a:ln>
+          </p:spPr>
+          <p:style>
+            <a:lnRef idx="2">
+              <a:schemeClr val="accent1">
+                <a:shade val="50000"/>
+              </a:schemeClr>
+            </a:lnRef>
+            <a:fillRef idx="1">
+              <a:schemeClr val="accent1"/>
+            </a:fillRef>
+            <a:effectRef idx="0">
+              <a:schemeClr val="accent1"/>
+            </a:effectRef>
+            <a:fontRef idx="minor">
+              <a:schemeClr val="lt1"/>
+            </a:fontRef>
+          </p:style>
+          <p:txBody>
+            <a:bodyPr rtlCol="0" anchor="ctr"/>
+            <a:lstStyle/>
+            <a:p>
+              <a:pPr algn="ctr"/>
+              <a:endParaRPr lang="ko-KR" altLang="en-US" dirty="0"/>
+            </a:p>
+          </p:txBody>
+        </p:sp>
+        <p:sp>
+          <p:nvSpPr>
+            <p:cNvPr id="42" name="사각형: 둥근 모서리 41">
+              <a:extLst>
+                <a:ext uri="{FF2B5EF4-FFF2-40B4-BE49-F238E27FC236}">
+                  <a16:creationId xmlns:a16="http://schemas.microsoft.com/office/drawing/2014/main" id="{4831C118-97F2-4994-8350-618B0EEA3610}"/>
+                </a:ext>
+              </a:extLst>
+            </p:cNvPr>
+            <p:cNvSpPr/>
+            <p:nvPr/>
+          </p:nvSpPr>
+          <p:spPr>
+            <a:xfrm>
+              <a:off x="433199" y="1195522"/>
+              <a:ext cx="5991603" cy="318170"/>
+            </a:xfrm>
+            <a:prstGeom prst="roundRect">
+              <a:avLst/>
+            </a:prstGeom>
+            <a:solidFill>
+              <a:schemeClr val="bg2">
+                <a:lumMod val="50000"/>
+              </a:schemeClr>
+            </a:solidFill>
+            <a:ln>
+              <a:noFill/>
+            </a:ln>
+          </p:spPr>
+          <p:style>
+            <a:lnRef idx="2">
+              <a:schemeClr val="accent1">
+                <a:shade val="50000"/>
+              </a:schemeClr>
+            </a:lnRef>
+            <a:fillRef idx="1">
+              <a:schemeClr val="accent1"/>
+            </a:fillRef>
+            <a:effectRef idx="0">
+              <a:schemeClr val="accent1"/>
+            </a:effectRef>
+            <a:fontRef idx="minor">
+              <a:schemeClr val="lt1"/>
+            </a:fontRef>
+          </p:style>
+          <p:txBody>
+            <a:bodyPr rtlCol="0" anchor="ctr"/>
+            <a:lstStyle/>
+            <a:p>
+              <a:pPr algn="ctr"/>
+              <a:r>
+                <a:rPr lang="ko-KR" altLang="en-US" b="1" dirty="0">
+                  <a:latin typeface="메이플스토리" panose="02000300000000000000" pitchFamily="2" charset="-127"/>
+                  <a:ea typeface="메이플스토리" panose="02000300000000000000" pitchFamily="2" charset="-127"/>
+                </a:rPr>
+                <a:t>피격</a:t>
+              </a:r>
+              <a:r>
+                <a:rPr lang="en-US" altLang="ko-KR" b="1" dirty="0">
+                  <a:latin typeface="메이플스토리" panose="02000300000000000000" pitchFamily="2" charset="-127"/>
+                  <a:ea typeface="메이플스토리" panose="02000300000000000000" pitchFamily="2" charset="-127"/>
+                </a:rPr>
+                <a:t> </a:t>
+              </a:r>
+              <a:endParaRPr lang="ko-KR" altLang="en-US" b="1" dirty="0">
+                <a:latin typeface="메이플스토리" panose="02000300000000000000" pitchFamily="2" charset="-127"/>
+                <a:ea typeface="메이플스토리" panose="02000300000000000000" pitchFamily="2" charset="-127"/>
+              </a:endParaRPr>
+            </a:p>
+          </p:txBody>
+        </p:sp>
+      </p:grpSp>
+      <p:sp>
+        <p:nvSpPr>
+          <p:cNvPr id="6" name="직사각형 5">
+            <a:extLst>
+              <a:ext uri="{FF2B5EF4-FFF2-40B4-BE49-F238E27FC236}">
+                <a16:creationId xmlns:a16="http://schemas.microsoft.com/office/drawing/2014/main" id="{A90F6C05-7A97-4BD4-AB8D-99F1425F89D4}"/>
+              </a:ext>
+            </a:extLst>
+          </p:cNvPr>
+          <p:cNvSpPr/>
+          <p:nvPr/>
+        </p:nvSpPr>
+        <p:spPr>
+          <a:xfrm>
+            <a:off x="2756733" y="33681"/>
+            <a:ext cx="1344535" cy="923330"/>
+          </a:xfrm>
+          <a:prstGeom prst="rect">
+            <a:avLst/>
+          </a:prstGeom>
+          <a:noFill/>
+        </p:spPr>
+        <p:txBody>
+          <a:bodyPr wrap="none" lIns="91440" tIns="45720" rIns="91440" bIns="45720">
+            <a:spAutoFit/>
+          </a:bodyPr>
+          <a:lstStyle/>
+          <a:p>
+            <a:pPr algn="ctr"/>
+            <a:r>
+              <a:rPr lang="en-US" altLang="ko-KR" sz="5400" b="1" cap="none" spc="0" dirty="0">
+                <a:ln w="0"/>
+                <a:solidFill>
+                  <a:schemeClr val="tx1"/>
+                </a:solidFill>
+                <a:latin typeface="+mj-ea"/>
+                <a:ea typeface="+mj-ea"/>
+              </a:rPr>
+              <a:t>WA</a:t>
+            </a:r>
+          </a:p>
+        </p:txBody>
+      </p:sp>
+      <p:sp>
+        <p:nvSpPr>
+          <p:cNvPr id="8" name="TextBox 7">
+            <a:extLst>
+              <a:ext uri="{FF2B5EF4-FFF2-40B4-BE49-F238E27FC236}">
+                <a16:creationId xmlns:a16="http://schemas.microsoft.com/office/drawing/2014/main" id="{1B258EE4-CC48-44E7-A31E-729EDD597F44}"/>
+              </a:ext>
+            </a:extLst>
+          </p:cNvPr>
+          <p:cNvSpPr txBox="1"/>
+          <p:nvPr/>
+        </p:nvSpPr>
+        <p:spPr>
+          <a:xfrm>
+            <a:off x="280315" y="4696005"/>
+            <a:ext cx="6297381" cy="4524315"/>
+          </a:xfrm>
+          <a:prstGeom prst="rect">
+            <a:avLst/>
+          </a:prstGeom>
+          <a:solidFill>
+            <a:schemeClr val="bg1">
+              <a:alpha val="20000"/>
+            </a:schemeClr>
+          </a:solidFill>
+        </p:spPr>
+        <p:txBody>
+          <a:bodyPr wrap="square" rtlCol="0">
+            <a:spAutoFit/>
+          </a:bodyPr>
+          <a:lstStyle/>
+          <a:p>
+            <a:pPr marL="285705" indent="-285705">
+              <a:buFontTx/>
+              <a:buChar char="-"/>
+            </a:pPr>
+            <a:r>
+              <a:rPr lang="ko-KR" altLang="en-US" sz="1600" b="1" dirty="0">
+                <a:latin typeface="HY그래픽M" panose="02030600000101010101" pitchFamily="18" charset="-127"/>
+                <a:ea typeface="HY그래픽M" panose="02030600000101010101" pitchFamily="18" charset="-127"/>
+              </a:rPr>
+              <a:t> 캐릭터는 적 혹은 지형지물에 의해 피해를 입을 수 있다</a:t>
+            </a:r>
+            <a:r>
+              <a:rPr lang="en-US" altLang="ko-KR" sz="1600" b="1" dirty="0">
+                <a:latin typeface="HY그래픽M" panose="02030600000101010101" pitchFamily="18" charset="-127"/>
+                <a:ea typeface="HY그래픽M" panose="02030600000101010101" pitchFamily="18" charset="-127"/>
+              </a:rPr>
+              <a:t>.</a:t>
+            </a:r>
+          </a:p>
+          <a:p>
+            <a:pPr marL="285705" indent="-285705">
+              <a:buFontTx/>
+              <a:buChar char="-"/>
+            </a:pPr>
+            <a:endParaRPr lang="en-US" altLang="ko-KR" sz="1600" b="1" dirty="0">
+              <a:latin typeface="HY그래픽M" panose="02030600000101010101" pitchFamily="18" charset="-127"/>
+              <a:ea typeface="HY그래픽M" panose="02030600000101010101" pitchFamily="18" charset="-127"/>
+            </a:endParaRPr>
+          </a:p>
+          <a:p>
+            <a:pPr marL="285705" indent="-285705">
+              <a:buFontTx/>
+              <a:buChar char="-"/>
+            </a:pPr>
+            <a:r>
+              <a:rPr lang="ko-KR" altLang="en-US" sz="1600" b="1" dirty="0">
+                <a:latin typeface="HY그래픽M" panose="02030600000101010101" pitchFamily="18" charset="-127"/>
+                <a:ea typeface="HY그래픽M" panose="02030600000101010101" pitchFamily="18" charset="-127"/>
+              </a:rPr>
+              <a:t> 피해를 입을 때 캐릭터는 피격 </a:t>
+            </a:r>
+            <a:r>
+              <a:rPr lang="ko-KR" altLang="en-US" sz="1600" b="1" dirty="0">
+                <a:solidFill>
+                  <a:schemeClr val="accent4"/>
+                </a:solidFill>
+                <a:latin typeface="HY그래픽M" panose="02030600000101010101" pitchFamily="18" charset="-127"/>
+                <a:ea typeface="HY그래픽M" panose="02030600000101010101" pitchFamily="18" charset="-127"/>
+              </a:rPr>
+              <a:t>애니메이션</a:t>
+            </a:r>
+            <a:r>
+              <a:rPr lang="ko-KR" altLang="en-US" sz="1600" b="1" dirty="0">
+                <a:latin typeface="HY그래픽M" panose="02030600000101010101" pitchFamily="18" charset="-127"/>
+                <a:ea typeface="HY그래픽M" panose="02030600000101010101" pitchFamily="18" charset="-127"/>
+              </a:rPr>
+              <a:t>을 재생한다</a:t>
+            </a:r>
+            <a:r>
+              <a:rPr lang="en-US" altLang="ko-KR" sz="1600" b="1" dirty="0">
+                <a:latin typeface="HY그래픽M" panose="02030600000101010101" pitchFamily="18" charset="-127"/>
+                <a:ea typeface="HY그래픽M" panose="02030600000101010101" pitchFamily="18" charset="-127"/>
+              </a:rPr>
+              <a:t>.</a:t>
+            </a:r>
+          </a:p>
+          <a:p>
+            <a:pPr marL="285705" indent="-285705">
+              <a:buFontTx/>
+              <a:buChar char="-"/>
+            </a:pPr>
+            <a:endParaRPr lang="en-US" altLang="ko-KR" sz="1600" b="1" i="1" dirty="0">
+              <a:solidFill>
+                <a:schemeClr val="bg1"/>
+              </a:solidFill>
+              <a:latin typeface="HY그래픽M" panose="02030600000101010101" pitchFamily="18" charset="-127"/>
+              <a:ea typeface="HY그래픽M" panose="02030600000101010101" pitchFamily="18" charset="-127"/>
+            </a:endParaRPr>
+          </a:p>
+          <a:p>
+            <a:pPr marL="285705" indent="-285705">
+              <a:buFontTx/>
+              <a:buChar char="-"/>
+            </a:pPr>
+            <a:r>
+              <a:rPr lang="en-US" altLang="ko-KR" sz="1600" b="1" dirty="0">
+                <a:latin typeface="HY그래픽M" panose="02030600000101010101" pitchFamily="18" charset="-127"/>
+                <a:ea typeface="HY그래픽M" panose="02030600000101010101" pitchFamily="18" charset="-127"/>
+              </a:rPr>
+              <a:t> </a:t>
+            </a:r>
+            <a:r>
+              <a:rPr lang="ko-KR" altLang="en-US" sz="1600" b="1" dirty="0">
+                <a:latin typeface="HY그래픽M" panose="02030600000101010101" pitchFamily="18" charset="-127"/>
+                <a:ea typeface="HY그래픽M" panose="02030600000101010101" pitchFamily="18" charset="-127"/>
+              </a:rPr>
+              <a:t>피해를 입을 때 캐릭터는 피격 </a:t>
+            </a:r>
+            <a:r>
+              <a:rPr lang="ko-KR" altLang="en-US" sz="1600" b="1" dirty="0">
+                <a:solidFill>
+                  <a:schemeClr val="accent4"/>
+                </a:solidFill>
+                <a:latin typeface="HY그래픽M" panose="02030600000101010101" pitchFamily="18" charset="-127"/>
+                <a:ea typeface="HY그래픽M" panose="02030600000101010101" pitchFamily="18" charset="-127"/>
+              </a:rPr>
+              <a:t>사운드</a:t>
+            </a:r>
+            <a:r>
+              <a:rPr lang="ko-KR" altLang="en-US" sz="1600" b="1" dirty="0">
+                <a:latin typeface="HY그래픽M" panose="02030600000101010101" pitchFamily="18" charset="-127"/>
+                <a:ea typeface="HY그래픽M" panose="02030600000101010101" pitchFamily="18" charset="-127"/>
+              </a:rPr>
+              <a:t>를 재생한다</a:t>
+            </a:r>
+            <a:r>
+              <a:rPr lang="en-US" altLang="ko-KR" sz="1600" b="1" dirty="0">
+                <a:latin typeface="HY그래픽M" panose="02030600000101010101" pitchFamily="18" charset="-127"/>
+                <a:ea typeface="HY그래픽M" panose="02030600000101010101" pitchFamily="18" charset="-127"/>
+              </a:rPr>
+              <a:t>.</a:t>
+            </a:r>
+          </a:p>
+          <a:p>
+            <a:pPr marL="285705" indent="-285705">
+              <a:buFontTx/>
+              <a:buChar char="-"/>
+            </a:pPr>
+            <a:endParaRPr lang="en-US" altLang="ko-KR" sz="1600" b="1" dirty="0">
+              <a:latin typeface="HY그래픽M" panose="02030600000101010101" pitchFamily="18" charset="-127"/>
+              <a:ea typeface="HY그래픽M" panose="02030600000101010101" pitchFamily="18" charset="-127"/>
+            </a:endParaRPr>
+          </a:p>
+          <a:p>
+            <a:pPr marL="285705" indent="-285705">
+              <a:buFontTx/>
+              <a:buChar char="-"/>
+            </a:pPr>
+            <a:r>
+              <a:rPr lang="en-US" altLang="ko-KR" sz="1600" b="1" dirty="0">
+                <a:latin typeface="HY그래픽M" panose="02030600000101010101" pitchFamily="18" charset="-127"/>
+                <a:ea typeface="HY그래픽M" panose="02030600000101010101" pitchFamily="18" charset="-127"/>
+              </a:rPr>
+              <a:t> </a:t>
+            </a:r>
+            <a:r>
+              <a:rPr lang="ko-KR" altLang="en-US" sz="1600" b="1" dirty="0">
+                <a:latin typeface="HY그래픽M" panose="02030600000101010101" pitchFamily="18" charset="-127"/>
+                <a:ea typeface="HY그래픽M" panose="02030600000101010101" pitchFamily="18" charset="-127"/>
+              </a:rPr>
+              <a:t>피해를 입을 때 캐릭터는 체력을 </a:t>
+            </a:r>
+            <a:r>
+              <a:rPr lang="en-US" altLang="ko-KR" sz="1600" b="1" dirty="0">
+                <a:latin typeface="HY그래픽M" panose="02030600000101010101" pitchFamily="18" charset="-127"/>
+                <a:ea typeface="HY그래픽M" panose="02030600000101010101" pitchFamily="18" charset="-127"/>
+              </a:rPr>
+              <a:t>1</a:t>
+            </a:r>
+            <a:r>
+              <a:rPr lang="ko-KR" altLang="en-US" sz="1600" b="1" dirty="0">
+                <a:latin typeface="HY그래픽M" panose="02030600000101010101" pitchFamily="18" charset="-127"/>
+                <a:ea typeface="HY그래픽M" panose="02030600000101010101" pitchFamily="18" charset="-127"/>
+              </a:rPr>
+              <a:t> 소모한다</a:t>
+            </a:r>
+            <a:r>
+              <a:rPr lang="en-US" altLang="ko-KR" sz="1600" b="1" dirty="0">
+                <a:latin typeface="HY그래픽M" panose="02030600000101010101" pitchFamily="18" charset="-127"/>
+                <a:ea typeface="HY그래픽M" panose="02030600000101010101" pitchFamily="18" charset="-127"/>
+              </a:rPr>
+              <a:t>.</a:t>
+            </a:r>
+          </a:p>
+          <a:p>
+            <a:pPr marL="285705" indent="-285705">
+              <a:buFontTx/>
+              <a:buChar char="-"/>
+            </a:pPr>
+            <a:endParaRPr lang="en-US" altLang="ko-KR" sz="1600" b="1" dirty="0">
+              <a:latin typeface="HY그래픽M" panose="02030600000101010101" pitchFamily="18" charset="-127"/>
+              <a:ea typeface="HY그래픽M" panose="02030600000101010101" pitchFamily="18" charset="-127"/>
+            </a:endParaRPr>
+          </a:p>
+          <a:p>
+            <a:pPr marL="285705" indent="-285705">
+              <a:buFontTx/>
+              <a:buChar char="-"/>
+            </a:pPr>
+            <a:r>
+              <a:rPr lang="ko-KR" altLang="en-US" sz="1600" b="1" dirty="0">
+                <a:latin typeface="HY그래픽M" panose="02030600000101010101" pitchFamily="18" charset="-127"/>
+                <a:ea typeface="HY그래픽M" panose="02030600000101010101" pitchFamily="18" charset="-127"/>
+              </a:rPr>
+              <a:t> 캐릭터의 체력은 </a:t>
+            </a:r>
+            <a:r>
+              <a:rPr lang="en-US" altLang="ko-KR" sz="1600" b="1" dirty="0">
+                <a:solidFill>
+                  <a:schemeClr val="bg1"/>
+                </a:solidFill>
+                <a:latin typeface="HY그래픽M" panose="02030600000101010101" pitchFamily="18" charset="-127"/>
+                <a:ea typeface="HY그래픽M" panose="02030600000101010101" pitchFamily="18" charset="-127"/>
+              </a:rPr>
+              <a:t>life</a:t>
+            </a:r>
+            <a:r>
+              <a:rPr lang="en-US" altLang="ko-KR" sz="1600" b="1" dirty="0">
+                <a:latin typeface="HY그래픽M" panose="02030600000101010101" pitchFamily="18" charset="-127"/>
+                <a:ea typeface="HY그래픽M" panose="02030600000101010101" pitchFamily="18" charset="-127"/>
+              </a:rPr>
+              <a:t> </a:t>
+            </a:r>
+            <a:r>
+              <a:rPr lang="ko-KR" altLang="en-US" sz="1600" b="1" dirty="0" err="1">
+                <a:latin typeface="HY그래픽M" panose="02030600000101010101" pitchFamily="18" charset="-127"/>
+                <a:ea typeface="HY그래픽M" panose="02030600000101010101" pitchFamily="18" charset="-127"/>
+              </a:rPr>
+              <a:t>변수값이다</a:t>
+            </a:r>
+            <a:r>
+              <a:rPr lang="en-US" altLang="ko-KR" sz="1600" b="1" dirty="0">
+                <a:latin typeface="HY그래픽M" panose="02030600000101010101" pitchFamily="18" charset="-127"/>
+                <a:ea typeface="HY그래픽M" panose="02030600000101010101" pitchFamily="18" charset="-127"/>
+              </a:rPr>
+              <a:t>.</a:t>
+            </a:r>
+          </a:p>
+          <a:p>
+            <a:pPr marL="285705" indent="-285705">
+              <a:buFontTx/>
+              <a:buChar char="-"/>
+            </a:pPr>
+            <a:endParaRPr lang="en-US" altLang="ko-KR" sz="1600" b="1" dirty="0">
+              <a:latin typeface="HY그래픽M" panose="02030600000101010101" pitchFamily="18" charset="-127"/>
+              <a:ea typeface="HY그래픽M" panose="02030600000101010101" pitchFamily="18" charset="-127"/>
+            </a:endParaRPr>
+          </a:p>
+          <a:p>
+            <a:pPr marL="285705" indent="-285705">
+              <a:buFontTx/>
+              <a:buChar char="-"/>
+            </a:pPr>
+            <a:r>
+              <a:rPr lang="en-US" altLang="ko-KR" sz="1600" b="1" dirty="0">
+                <a:latin typeface="HY그래픽M" panose="02030600000101010101" pitchFamily="18" charset="-127"/>
+                <a:ea typeface="HY그래픽M" panose="02030600000101010101" pitchFamily="18" charset="-127"/>
+              </a:rPr>
+              <a:t> </a:t>
+            </a:r>
+            <a:r>
+              <a:rPr lang="ko-KR" altLang="en-US" sz="1600" b="1" dirty="0">
+                <a:latin typeface="HY그래픽M" panose="02030600000101010101" pitchFamily="18" charset="-127"/>
+                <a:ea typeface="HY그래픽M" panose="02030600000101010101" pitchFamily="18" charset="-127"/>
+              </a:rPr>
+              <a:t>캐릭터는 피해를 입은 후 잠시 </a:t>
+            </a:r>
+            <a:r>
+              <a:rPr lang="ko-KR" altLang="en-US" sz="1600" b="1" dirty="0">
+                <a:solidFill>
+                  <a:schemeClr val="accent4"/>
+                </a:solidFill>
+                <a:latin typeface="HY그래픽M" panose="02030600000101010101" pitchFamily="18" charset="-127"/>
+                <a:ea typeface="HY그래픽M" panose="02030600000101010101" pitchFamily="18" charset="-127"/>
+              </a:rPr>
+              <a:t>무적시간</a:t>
+            </a:r>
+            <a:r>
+              <a:rPr lang="ko-KR" altLang="en-US" sz="1600" b="1" dirty="0">
+                <a:latin typeface="HY그래픽M" panose="02030600000101010101" pitchFamily="18" charset="-127"/>
+                <a:ea typeface="HY그래픽M" panose="02030600000101010101" pitchFamily="18" charset="-127"/>
+              </a:rPr>
+              <a:t>을 가진다</a:t>
+            </a:r>
+            <a:r>
+              <a:rPr lang="en-US" altLang="ko-KR" sz="1600" b="1" dirty="0">
+                <a:latin typeface="HY그래픽M" panose="02030600000101010101" pitchFamily="18" charset="-127"/>
+                <a:ea typeface="HY그래픽M" panose="02030600000101010101" pitchFamily="18" charset="-127"/>
+              </a:rPr>
+              <a:t>.</a:t>
+            </a:r>
+          </a:p>
+          <a:p>
+            <a:pPr marL="285705" indent="-285705">
+              <a:buFontTx/>
+              <a:buChar char="-"/>
+            </a:pPr>
+            <a:endParaRPr lang="en-US" altLang="ko-KR" sz="1600" b="1" dirty="0">
+              <a:latin typeface="HY그래픽M" panose="02030600000101010101" pitchFamily="18" charset="-127"/>
+              <a:ea typeface="HY그래픽M" panose="02030600000101010101" pitchFamily="18" charset="-127"/>
+            </a:endParaRPr>
+          </a:p>
+          <a:p>
+            <a:pPr marL="285705" indent="-285705">
+              <a:buFontTx/>
+              <a:buChar char="-"/>
+            </a:pPr>
+            <a:r>
+              <a:rPr lang="en-US" altLang="ko-KR" sz="1600" b="1" dirty="0">
+                <a:latin typeface="HY그래픽M" panose="02030600000101010101" pitchFamily="18" charset="-127"/>
+                <a:ea typeface="HY그래픽M" panose="02030600000101010101" pitchFamily="18" charset="-127"/>
+              </a:rPr>
+              <a:t> </a:t>
+            </a:r>
+            <a:r>
+              <a:rPr lang="ko-KR" altLang="en-US" sz="1600" b="1" dirty="0">
+                <a:latin typeface="HY그래픽M" panose="02030600000101010101" pitchFamily="18" charset="-127"/>
+                <a:ea typeface="HY그래픽M" panose="02030600000101010101" pitchFamily="18" charset="-127"/>
+              </a:rPr>
+              <a:t>이 무적시간은 </a:t>
+            </a:r>
+            <a:r>
+              <a:rPr lang="en-US" altLang="ko-KR" sz="1600" b="1" dirty="0" err="1">
+                <a:solidFill>
+                  <a:schemeClr val="bg1"/>
+                </a:solidFill>
+                <a:latin typeface="HY그래픽M" panose="02030600000101010101" pitchFamily="18" charset="-127"/>
+                <a:ea typeface="HY그래픽M" panose="02030600000101010101" pitchFamily="18" charset="-127"/>
+              </a:rPr>
+              <a:t>invincible_time</a:t>
+            </a:r>
+            <a:r>
+              <a:rPr lang="en-US" altLang="ko-KR" sz="1600" b="1" dirty="0">
+                <a:solidFill>
+                  <a:schemeClr val="bg1"/>
+                </a:solidFill>
+                <a:latin typeface="HY그래픽M" panose="02030600000101010101" pitchFamily="18" charset="-127"/>
+                <a:ea typeface="HY그래픽M" panose="02030600000101010101" pitchFamily="18" charset="-127"/>
+              </a:rPr>
+              <a:t> </a:t>
+            </a:r>
+            <a:r>
+              <a:rPr lang="ko-KR" altLang="en-US" sz="1600" b="1" dirty="0" err="1">
+                <a:latin typeface="HY그래픽M" panose="02030600000101010101" pitchFamily="18" charset="-127"/>
+                <a:ea typeface="HY그래픽M" panose="02030600000101010101" pitchFamily="18" charset="-127"/>
+              </a:rPr>
+              <a:t>변수값에</a:t>
+            </a:r>
+            <a:r>
+              <a:rPr lang="ko-KR" altLang="en-US" sz="1600" b="1" dirty="0">
+                <a:latin typeface="HY그래픽M" panose="02030600000101010101" pitchFamily="18" charset="-127"/>
+                <a:ea typeface="HY그래픽M" panose="02030600000101010101" pitchFamily="18" charset="-127"/>
+              </a:rPr>
+              <a:t> 영향을 받는다</a:t>
+            </a:r>
+            <a:r>
+              <a:rPr lang="en-US" altLang="ko-KR" sz="1600" b="1" dirty="0">
+                <a:latin typeface="HY그래픽M" panose="02030600000101010101" pitchFamily="18" charset="-127"/>
+                <a:ea typeface="HY그래픽M" panose="02030600000101010101" pitchFamily="18" charset="-127"/>
+              </a:rPr>
+              <a:t>.</a:t>
+            </a:r>
+          </a:p>
+          <a:p>
+            <a:pPr marL="285705" indent="-285705">
+              <a:buFontTx/>
+              <a:buChar char="-"/>
+            </a:pPr>
+            <a:endParaRPr lang="en-US" altLang="ko-KR" sz="1600" b="1" dirty="0">
+              <a:latin typeface="HY그래픽M" panose="02030600000101010101" pitchFamily="18" charset="-127"/>
+              <a:ea typeface="HY그래픽M" panose="02030600000101010101" pitchFamily="18" charset="-127"/>
+            </a:endParaRPr>
+          </a:p>
+          <a:p>
+            <a:pPr marL="285705" indent="-285705">
+              <a:buFontTx/>
+              <a:buChar char="-"/>
+            </a:pPr>
+            <a:r>
+              <a:rPr lang="en-US" altLang="ko-KR" sz="1600" b="1" dirty="0">
+                <a:latin typeface="HY그래픽M" panose="02030600000101010101" pitchFamily="18" charset="-127"/>
+                <a:ea typeface="HY그래픽M" panose="02030600000101010101" pitchFamily="18" charset="-127"/>
+              </a:rPr>
+              <a:t> </a:t>
+            </a:r>
+            <a:r>
+              <a:rPr lang="ko-KR" altLang="en-US" sz="1600" b="1" dirty="0">
+                <a:latin typeface="HY그래픽M" panose="02030600000101010101" pitchFamily="18" charset="-127"/>
+                <a:ea typeface="HY그래픽M" panose="02030600000101010101" pitchFamily="18" charset="-127"/>
+              </a:rPr>
+              <a:t>캐릭터는 피해를 입으면 무적시간동안 </a:t>
+            </a:r>
+            <a:r>
+              <a:rPr lang="ko-KR" altLang="en-US" sz="1600" b="1" dirty="0">
+                <a:solidFill>
+                  <a:schemeClr val="accent4"/>
+                </a:solidFill>
+                <a:latin typeface="HY그래픽M" panose="02030600000101010101" pitchFamily="18" charset="-127"/>
+                <a:ea typeface="HY그래픽M" panose="02030600000101010101" pitchFamily="18" charset="-127"/>
+              </a:rPr>
+              <a:t>모든 행동이 불가능하고 </a:t>
+            </a:r>
+            <a:r>
+              <a:rPr lang="ko-KR" altLang="en-US" sz="1600" b="1" dirty="0" err="1">
+                <a:solidFill>
+                  <a:schemeClr val="accent4"/>
+                </a:solidFill>
+                <a:latin typeface="HY그래픽M" panose="02030600000101010101" pitchFamily="18" charset="-127"/>
+                <a:ea typeface="HY그래픽M" panose="02030600000101010101" pitchFamily="18" charset="-127"/>
+              </a:rPr>
+              <a:t>넉백</a:t>
+            </a:r>
+            <a:r>
+              <a:rPr lang="ko-KR" altLang="en-US" sz="1600" b="1" dirty="0">
+                <a:solidFill>
+                  <a:schemeClr val="accent4"/>
+                </a:solidFill>
+                <a:latin typeface="HY그래픽M" panose="02030600000101010101" pitchFamily="18" charset="-127"/>
+                <a:ea typeface="HY그래픽M" panose="02030600000101010101" pitchFamily="18" charset="-127"/>
+              </a:rPr>
+              <a:t> </a:t>
+            </a:r>
+            <a:r>
+              <a:rPr lang="ko-KR" altLang="en-US" sz="1600" b="1" dirty="0">
+                <a:latin typeface="HY그래픽M" panose="02030600000101010101" pitchFamily="18" charset="-127"/>
+                <a:ea typeface="HY그래픽M" panose="02030600000101010101" pitchFamily="18" charset="-127"/>
+              </a:rPr>
+              <a:t>된다</a:t>
+            </a:r>
+            <a:r>
+              <a:rPr lang="en-US" altLang="ko-KR" sz="1600" b="1" dirty="0">
+                <a:latin typeface="HY그래픽M" panose="02030600000101010101" pitchFamily="18" charset="-127"/>
+                <a:ea typeface="HY그래픽M" panose="02030600000101010101" pitchFamily="18" charset="-127"/>
+              </a:rPr>
+              <a:t>.</a:t>
+            </a:r>
+          </a:p>
+          <a:p>
+            <a:pPr marL="285705" indent="-285705">
+              <a:buFontTx/>
+              <a:buChar char="-"/>
+            </a:pPr>
+            <a:endParaRPr lang="en-US" altLang="ko-KR" sz="1600" b="1" dirty="0">
+              <a:latin typeface="HY그래픽M" panose="02030600000101010101" pitchFamily="18" charset="-127"/>
+              <a:ea typeface="HY그래픽M" panose="02030600000101010101" pitchFamily="18" charset="-127"/>
+            </a:endParaRPr>
+          </a:p>
+          <a:p>
+            <a:pPr marL="285705" indent="-285705">
+              <a:buFontTx/>
+              <a:buChar char="-"/>
+            </a:pPr>
+            <a:r>
+              <a:rPr lang="ko-KR" altLang="en-US" sz="1600" b="1" dirty="0">
+                <a:latin typeface="HY그래픽M" panose="02030600000101010101" pitchFamily="18" charset="-127"/>
+                <a:ea typeface="HY그래픽M" panose="02030600000101010101" pitchFamily="18" charset="-127"/>
+              </a:rPr>
+              <a:t> </a:t>
+            </a:r>
+            <a:r>
+              <a:rPr lang="ko-KR" altLang="en-US" sz="1600" b="1" dirty="0" err="1">
+                <a:latin typeface="HY그래픽M" panose="02030600000101010101" pitchFamily="18" charset="-127"/>
+                <a:ea typeface="HY그래픽M" panose="02030600000101010101" pitchFamily="18" charset="-127"/>
+              </a:rPr>
+              <a:t>넉백의</a:t>
+            </a:r>
+            <a:r>
+              <a:rPr lang="ko-KR" altLang="en-US" sz="1600" b="1" dirty="0">
+                <a:latin typeface="HY그래픽M" panose="02030600000101010101" pitchFamily="18" charset="-127"/>
+                <a:ea typeface="HY그래픽M" panose="02030600000101010101" pitchFamily="18" charset="-127"/>
+              </a:rPr>
+              <a:t> 방향은 캐릭터가 보는 방향의 </a:t>
+            </a:r>
+            <a:r>
+              <a:rPr lang="ko-KR" altLang="en-US" sz="1600" b="1" dirty="0">
+                <a:solidFill>
+                  <a:schemeClr val="accent4"/>
+                </a:solidFill>
+                <a:latin typeface="HY그래픽M" panose="02030600000101010101" pitchFamily="18" charset="-127"/>
+                <a:ea typeface="HY그래픽M" panose="02030600000101010101" pitchFamily="18" charset="-127"/>
+              </a:rPr>
+              <a:t>반대 방향</a:t>
+            </a:r>
+            <a:r>
+              <a:rPr lang="ko-KR" altLang="en-US" sz="1600" b="1" dirty="0">
+                <a:latin typeface="HY그래픽M" panose="02030600000101010101" pitchFamily="18" charset="-127"/>
+                <a:ea typeface="HY그래픽M" panose="02030600000101010101" pitchFamily="18" charset="-127"/>
+              </a:rPr>
+              <a:t>으로 행해진다</a:t>
+            </a:r>
+            <a:r>
+              <a:rPr lang="en-US" altLang="ko-KR" sz="1600" b="1" dirty="0">
+                <a:latin typeface="HY그래픽M" panose="02030600000101010101" pitchFamily="18" charset="-127"/>
+                <a:ea typeface="HY그래픽M" panose="02030600000101010101" pitchFamily="18" charset="-127"/>
+              </a:rPr>
+              <a:t>.</a:t>
+            </a:r>
+          </a:p>
+        </p:txBody>
+      </p:sp>
+      <p:pic>
+        <p:nvPicPr>
+          <p:cNvPr id="1026" name="Picture 2" descr="Dispute, fight, fighting, hit icon - Download on Iconfinder">
+            <a:extLst>
+              <a:ext uri="{FF2B5EF4-FFF2-40B4-BE49-F238E27FC236}">
+                <a16:creationId xmlns:a16="http://schemas.microsoft.com/office/drawing/2014/main" id="{23F25CF8-34FA-4A12-9FE1-CC38DA9CC61C}"/>
+              </a:ext>
+            </a:extLst>
+          </p:cNvPr>
+          <p:cNvPicPr>
+            <a:picLocks noChangeAspect="1" noChangeArrowheads="1"/>
+          </p:cNvPicPr>
+          <p:nvPr/>
+        </p:nvPicPr>
+        <p:blipFill>
+          <a:blip r:embed="rId2">
+            <a:extLst>
+              <a:ext uri="{28A0092B-C50C-407E-A947-70E740481C1C}">
+                <a14:useLocalDpi xmlns:a14="http://schemas.microsoft.com/office/drawing/2010/main" val="0"/>
+              </a:ext>
+            </a:extLst>
+          </a:blip>
+          <a:srcRect/>
+          <a:stretch>
+            <a:fillRect/>
+          </a:stretch>
+        </p:blipFill>
+        <p:spPr bwMode="auto">
+          <a:xfrm>
+            <a:off x="2223660" y="1903406"/>
+            <a:ext cx="2429160" cy="2429160"/>
+          </a:xfrm>
+          <a:prstGeom prst="rect">
+            <a:avLst/>
+          </a:prstGeom>
+          <a:noFill/>
+          <a:extLst>
+            <a:ext uri="{909E8E84-426E-40DD-AFC4-6F175D3DCCD1}">
+              <a14:hiddenFill xmlns:a14="http://schemas.microsoft.com/office/drawing/2010/main">
+                <a:solidFill>
+                  <a:srgbClr val="FFFFFF"/>
+                </a:solidFill>
+              </a14:hiddenFill>
+            </a:ext>
+          </a:extLst>
+        </p:spPr>
+      </p:pic>
+      <p:grpSp>
+        <p:nvGrpSpPr>
+          <p:cNvPr id="9" name="그룹 8">
+            <a:extLst>
+              <a:ext uri="{FF2B5EF4-FFF2-40B4-BE49-F238E27FC236}">
+                <a16:creationId xmlns:a16="http://schemas.microsoft.com/office/drawing/2014/main" id="{E3FAB392-A1F2-4B01-9ED8-CD70A723BB4E}"/>
+              </a:ext>
+            </a:extLst>
+          </p:cNvPr>
+          <p:cNvGrpSpPr/>
+          <p:nvPr/>
+        </p:nvGrpSpPr>
+        <p:grpSpPr>
+          <a:xfrm>
+            <a:off x="325125" y="1703265"/>
+            <a:ext cx="6226230" cy="2749976"/>
+            <a:chOff x="447872" y="1483011"/>
+            <a:chExt cx="5597701" cy="2086330"/>
+          </a:xfrm>
+        </p:grpSpPr>
+        <p:sp>
+          <p:nvSpPr>
+            <p:cNvPr id="11" name="화살표: 왼쪽 10">
+              <a:extLst>
+                <a:ext uri="{FF2B5EF4-FFF2-40B4-BE49-F238E27FC236}">
+                  <a16:creationId xmlns:a16="http://schemas.microsoft.com/office/drawing/2014/main" id="{467AA791-5A19-41AA-B7FB-0C279EEFEA14}"/>
+                </a:ext>
+              </a:extLst>
+            </p:cNvPr>
+            <p:cNvSpPr/>
+            <p:nvPr/>
+          </p:nvSpPr>
+          <p:spPr>
+            <a:xfrm>
+              <a:off x="447872" y="1483011"/>
+              <a:ext cx="1706880" cy="455116"/>
+            </a:xfrm>
+            <a:prstGeom prst="leftArrow">
+              <a:avLst/>
+            </a:prstGeom>
+            <a:ln>
+              <a:solidFill>
+                <a:schemeClr val="tx1"/>
+              </a:solidFill>
+            </a:ln>
+          </p:spPr>
+          <p:style>
+            <a:lnRef idx="2">
+              <a:schemeClr val="accent1">
+                <a:shade val="50000"/>
+              </a:schemeClr>
+            </a:lnRef>
+            <a:fillRef idx="1">
+              <a:schemeClr val="accent1"/>
+            </a:fillRef>
+            <a:effectRef idx="0">
+              <a:schemeClr val="accent1"/>
+            </a:effectRef>
+            <a:fontRef idx="minor">
+              <a:schemeClr val="lt1"/>
+            </a:fontRef>
+          </p:style>
+          <p:txBody>
+            <a:bodyPr rtlCol="0" anchor="ctr"/>
+            <a:lstStyle/>
+            <a:p>
+              <a:pPr algn="ctr"/>
+              <a:r>
+                <a:rPr lang="ko-KR" altLang="en-US" sz="1100" dirty="0"/>
+                <a:t>캐릭터 방향</a:t>
+              </a:r>
+            </a:p>
+          </p:txBody>
+        </p:sp>
+        <p:sp>
+          <p:nvSpPr>
+            <p:cNvPr id="12" name="화살표: 왼쪽 11">
+              <a:extLst>
+                <a:ext uri="{FF2B5EF4-FFF2-40B4-BE49-F238E27FC236}">
+                  <a16:creationId xmlns:a16="http://schemas.microsoft.com/office/drawing/2014/main" id="{A64DA1CB-2D09-461F-9C93-734D377117A0}"/>
+                </a:ext>
+              </a:extLst>
+            </p:cNvPr>
+            <p:cNvSpPr/>
+            <p:nvPr/>
+          </p:nvSpPr>
+          <p:spPr>
+            <a:xfrm flipH="1">
+              <a:off x="4338693" y="3114225"/>
+              <a:ext cx="1706880" cy="455116"/>
+            </a:xfrm>
+            <a:prstGeom prst="leftArrow">
+              <a:avLst/>
+            </a:prstGeom>
+            <a:ln>
+              <a:solidFill>
+                <a:schemeClr val="tx1"/>
+              </a:solidFill>
+            </a:ln>
+          </p:spPr>
+          <p:style>
+            <a:lnRef idx="2">
+              <a:schemeClr val="accent1">
+                <a:shade val="50000"/>
+              </a:schemeClr>
+            </a:lnRef>
+            <a:fillRef idx="1">
+              <a:schemeClr val="accent1"/>
+            </a:fillRef>
+            <a:effectRef idx="0">
+              <a:schemeClr val="accent1"/>
+            </a:effectRef>
+            <a:fontRef idx="minor">
+              <a:schemeClr val="lt1"/>
+            </a:fontRef>
+          </p:style>
+          <p:txBody>
+            <a:bodyPr rtlCol="0" anchor="ctr"/>
+            <a:lstStyle/>
+            <a:p>
+              <a:pPr algn="ctr"/>
+              <a:r>
+                <a:rPr lang="ko-KR" altLang="en-US" sz="1100" dirty="0" err="1"/>
+                <a:t>넉백의방향</a:t>
+              </a:r>
+              <a:endParaRPr lang="ko-KR" altLang="en-US" sz="1100" dirty="0"/>
+            </a:p>
+          </p:txBody>
+        </p:sp>
+      </p:grpSp>
+    </p:spTree>
+    <p:extLst>
+      <p:ext uri="{BB962C8B-B14F-4D97-AF65-F5344CB8AC3E}">
+        <p14:creationId xmlns:p14="http://schemas.microsoft.com/office/powerpoint/2010/main" val="3328126984"/>
+      </p:ext>
+    </p:extLst>
+  </p:cSld>
+  <p:clrMapOvr>
+    <a:masterClrMapping/>
+  </p:clrMapOvr>
+</p:sld>
+</file>
+
+<file path=ppt/slides/slide18.xml><?xml version="1.0" encoding="utf-8"?>
+<p:sld xmlns:a="http://schemas.openxmlformats.org/drawingml/2006/main" xmlns:r="http://schemas.openxmlformats.org/officeDocument/2006/relationships" xmlns:p="http://schemas.openxmlformats.org/presentationml/2006/main">
+  <p:cSld>
+    <p:spTree>
+      <p:nvGrpSpPr>
+        <p:cNvPr id="1" name=""/>
+        <p:cNvGrpSpPr/>
+        <p:nvPr/>
+      </p:nvGrpSpPr>
+      <p:grpSpPr>
+        <a:xfrm>
+          <a:off x="0" y="0"/>
+          <a:ext cx="0" cy="0"/>
+          <a:chOff x="0" y="0"/>
+          <a:chExt cx="0" cy="0"/>
+        </a:xfrm>
+      </p:grpSpPr>
+      <p:sp>
+        <p:nvSpPr>
+          <p:cNvPr id="31" name="직사각형 30">
+            <a:extLst>
+              <a:ext uri="{FF2B5EF4-FFF2-40B4-BE49-F238E27FC236}">
+                <a16:creationId xmlns:a16="http://schemas.microsoft.com/office/drawing/2014/main" id="{408EFC51-8FFE-4ADF-89E4-7E6457F42BE2}"/>
+              </a:ext>
+            </a:extLst>
+          </p:cNvPr>
+          <p:cNvSpPr/>
+          <p:nvPr/>
+        </p:nvSpPr>
+        <p:spPr>
+          <a:xfrm>
+            <a:off x="5" y="1125001"/>
+            <a:ext cx="6876481" cy="8781003"/>
+          </a:xfrm>
+          <a:prstGeom prst="rect">
+            <a:avLst/>
+          </a:prstGeom>
+          <a:solidFill>
+            <a:schemeClr val="bg2">
+              <a:lumMod val="25000"/>
+            </a:schemeClr>
+          </a:solidFill>
+          <a:ln>
+            <a:noFill/>
+          </a:ln>
+        </p:spPr>
+        <p:style>
+          <a:lnRef idx="2">
+            <a:schemeClr val="accent1">
+              <a:shade val="50000"/>
+            </a:schemeClr>
+          </a:lnRef>
+          <a:fillRef idx="1">
+            <a:schemeClr val="accent1"/>
+          </a:fillRef>
+          <a:effectRef idx="0">
+            <a:schemeClr val="accent1"/>
+          </a:effectRef>
+          <a:fontRef idx="minor">
+            <a:schemeClr val="lt1"/>
+          </a:fontRef>
+        </p:style>
+        <p:txBody>
+          <a:bodyPr rtlCol="0" anchor="ctr"/>
+          <a:lstStyle/>
+          <a:p>
+            <a:pPr algn="ctr"/>
+            <a:endParaRPr lang="ko-KR" altLang="en-US" dirty="0"/>
+          </a:p>
+        </p:txBody>
+      </p:sp>
+      <p:grpSp>
+        <p:nvGrpSpPr>
+          <p:cNvPr id="40" name="그룹 39">
+            <a:extLst>
+              <a:ext uri="{FF2B5EF4-FFF2-40B4-BE49-F238E27FC236}">
+                <a16:creationId xmlns:a16="http://schemas.microsoft.com/office/drawing/2014/main" id="{C8ACD09A-7386-4C29-9F45-6CE4B45403BD}"/>
+              </a:ext>
+            </a:extLst>
+          </p:cNvPr>
+          <p:cNvGrpSpPr/>
+          <p:nvPr/>
+        </p:nvGrpSpPr>
+        <p:grpSpPr>
+          <a:xfrm>
+            <a:off x="0" y="1046534"/>
+            <a:ext cx="6876480" cy="455116"/>
+            <a:chOff x="121920" y="1124997"/>
+            <a:chExt cx="6614160" cy="455116"/>
+          </a:xfrm>
+        </p:grpSpPr>
+        <p:sp>
+          <p:nvSpPr>
+            <p:cNvPr id="41" name="사각형: 둥근 모서리 40">
+              <a:extLst>
+                <a:ext uri="{FF2B5EF4-FFF2-40B4-BE49-F238E27FC236}">
+                  <a16:creationId xmlns:a16="http://schemas.microsoft.com/office/drawing/2014/main" id="{A8327ED5-DF33-4946-BC4E-07774C3552C8}"/>
+                </a:ext>
+              </a:extLst>
+            </p:cNvPr>
+            <p:cNvSpPr/>
+            <p:nvPr/>
+          </p:nvSpPr>
+          <p:spPr>
+            <a:xfrm>
+              <a:off x="121920" y="1124997"/>
+              <a:ext cx="6614160" cy="455116"/>
+            </a:xfrm>
+            <a:prstGeom prst="roundRect">
+              <a:avLst/>
+            </a:prstGeom>
+            <a:solidFill>
+              <a:schemeClr val="bg2">
+                <a:lumMod val="75000"/>
+              </a:schemeClr>
+            </a:solidFill>
+            <a:ln>
+              <a:noFill/>
+            </a:ln>
+          </p:spPr>
+          <p:style>
+            <a:lnRef idx="2">
+              <a:schemeClr val="accent1">
+                <a:shade val="50000"/>
+              </a:schemeClr>
+            </a:lnRef>
+            <a:fillRef idx="1">
+              <a:schemeClr val="accent1"/>
+            </a:fillRef>
+            <a:effectRef idx="0">
+              <a:schemeClr val="accent1"/>
+            </a:effectRef>
+            <a:fontRef idx="minor">
+              <a:schemeClr val="lt1"/>
+            </a:fontRef>
+          </p:style>
+          <p:txBody>
+            <a:bodyPr rtlCol="0" anchor="ctr"/>
+            <a:lstStyle/>
+            <a:p>
+              <a:pPr algn="ctr"/>
+              <a:endParaRPr lang="ko-KR" altLang="en-US" dirty="0"/>
+            </a:p>
+          </p:txBody>
+        </p:sp>
+        <p:sp>
+          <p:nvSpPr>
+            <p:cNvPr id="42" name="사각형: 둥근 모서리 41">
+              <a:extLst>
+                <a:ext uri="{FF2B5EF4-FFF2-40B4-BE49-F238E27FC236}">
+                  <a16:creationId xmlns:a16="http://schemas.microsoft.com/office/drawing/2014/main" id="{4831C118-97F2-4994-8350-618B0EEA3610}"/>
+                </a:ext>
+              </a:extLst>
+            </p:cNvPr>
+            <p:cNvSpPr/>
+            <p:nvPr/>
+          </p:nvSpPr>
+          <p:spPr>
+            <a:xfrm>
+              <a:off x="433199" y="1195522"/>
+              <a:ext cx="5991603" cy="318170"/>
+            </a:xfrm>
+            <a:prstGeom prst="roundRect">
+              <a:avLst/>
+            </a:prstGeom>
+            <a:solidFill>
+              <a:schemeClr val="bg2">
+                <a:lumMod val="50000"/>
+              </a:schemeClr>
+            </a:solidFill>
+            <a:ln>
+              <a:noFill/>
+            </a:ln>
+          </p:spPr>
+          <p:style>
+            <a:lnRef idx="2">
+              <a:schemeClr val="accent1">
+                <a:shade val="50000"/>
+              </a:schemeClr>
+            </a:lnRef>
+            <a:fillRef idx="1">
+              <a:schemeClr val="accent1"/>
+            </a:fillRef>
+            <a:effectRef idx="0">
+              <a:schemeClr val="accent1"/>
+            </a:effectRef>
+            <a:fontRef idx="minor">
+              <a:schemeClr val="lt1"/>
+            </a:fontRef>
+          </p:style>
+          <p:txBody>
+            <a:bodyPr rtlCol="0" anchor="ctr"/>
+            <a:lstStyle/>
+            <a:p>
+              <a:pPr algn="ctr"/>
+              <a:r>
                 <a:rPr lang="ko-KR" altLang="en-US" b="1" dirty="0">
                   <a:latin typeface="메이플스토리" panose="02000300000000000000" pitchFamily="2" charset="-127"/>
                   <a:ea typeface="메이플스토리" panose="02000300000000000000" pitchFamily="2" charset="-127"/>
@@ -9541,6 +12668,404 @@
               </a:rPr>
               <a:t>WA</a:t>
             </a:r>
+          </a:p>
+        </p:txBody>
+      </p:sp>
+      <p:pic>
+        <p:nvPicPr>
+          <p:cNvPr id="1026" name="Picture 2" descr="Death Funeral Grave Gravestone Graveyard Rip Svg Png Icon Free Download  (#556297) - OnlineWebFonts.COM">
+            <a:extLst>
+              <a:ext uri="{FF2B5EF4-FFF2-40B4-BE49-F238E27FC236}">
+                <a16:creationId xmlns:a16="http://schemas.microsoft.com/office/drawing/2014/main" id="{CAEE796B-B7BD-4C7B-8EDD-AA56E62149F5}"/>
+              </a:ext>
+            </a:extLst>
+          </p:cNvPr>
+          <p:cNvPicPr>
+            <a:picLocks noChangeAspect="1" noChangeArrowheads="1"/>
+          </p:cNvPicPr>
+          <p:nvPr/>
+        </p:nvPicPr>
+        <p:blipFill>
+          <a:blip r:embed="rId2">
+            <a:extLst>
+              <a:ext uri="{28A0092B-C50C-407E-A947-70E740481C1C}">
+                <a14:useLocalDpi xmlns:a14="http://schemas.microsoft.com/office/drawing/2010/main" val="0"/>
+              </a:ext>
+            </a:extLst>
+          </a:blip>
+          <a:srcRect/>
+          <a:stretch>
+            <a:fillRect/>
+          </a:stretch>
+        </p:blipFill>
+        <p:spPr bwMode="auto">
+          <a:xfrm>
+            <a:off x="2080260" y="2132928"/>
+            <a:ext cx="2697480" cy="2937256"/>
+          </a:xfrm>
+          <a:prstGeom prst="rect">
+            <a:avLst/>
+          </a:prstGeom>
+          <a:noFill/>
+          <a:extLst>
+            <a:ext uri="{909E8E84-426E-40DD-AFC4-6F175D3DCCD1}">
+              <a14:hiddenFill xmlns:a14="http://schemas.microsoft.com/office/drawing/2010/main">
+                <a:solidFill>
+                  <a:srgbClr val="FFFFFF"/>
+                </a:solidFill>
+              </a14:hiddenFill>
+            </a:ext>
+          </a:extLst>
+        </p:spPr>
+      </p:pic>
+      <p:sp>
+        <p:nvSpPr>
+          <p:cNvPr id="8" name="TextBox 7">
+            <a:extLst>
+              <a:ext uri="{FF2B5EF4-FFF2-40B4-BE49-F238E27FC236}">
+                <a16:creationId xmlns:a16="http://schemas.microsoft.com/office/drawing/2014/main" id="{1B258EE4-CC48-44E7-A31E-729EDD597F44}"/>
+              </a:ext>
+            </a:extLst>
+          </p:cNvPr>
+          <p:cNvSpPr txBox="1"/>
+          <p:nvPr/>
+        </p:nvSpPr>
+        <p:spPr>
+          <a:xfrm>
+            <a:off x="280315" y="5447115"/>
+            <a:ext cx="6297381" cy="2985433"/>
+          </a:xfrm>
+          <a:prstGeom prst="rect">
+            <a:avLst/>
+          </a:prstGeom>
+          <a:solidFill>
+            <a:schemeClr val="bg1">
+              <a:alpha val="20000"/>
+            </a:schemeClr>
+          </a:solidFill>
+        </p:spPr>
+        <p:txBody>
+          <a:bodyPr wrap="square" rtlCol="0">
+            <a:spAutoFit/>
+          </a:bodyPr>
+          <a:lstStyle/>
+          <a:p>
+            <a:pPr marL="285705" indent="-285705">
+              <a:buFontTx/>
+              <a:buChar char="-"/>
+            </a:pPr>
+            <a:r>
+              <a:rPr lang="ko-KR" altLang="en-US" sz="1600" b="1" dirty="0">
+                <a:latin typeface="HY그래픽M" panose="02030600000101010101" pitchFamily="18" charset="-127"/>
+                <a:ea typeface="HY그래픽M" panose="02030600000101010101" pitchFamily="18" charset="-127"/>
+              </a:rPr>
+              <a:t> 캐릭터는 체력이 </a:t>
+            </a:r>
+            <a:r>
+              <a:rPr lang="en-US" altLang="ko-KR" sz="1600" b="1" dirty="0">
+                <a:latin typeface="HY그래픽M" panose="02030600000101010101" pitchFamily="18" charset="-127"/>
+                <a:ea typeface="HY그래픽M" panose="02030600000101010101" pitchFamily="18" charset="-127"/>
+              </a:rPr>
+              <a:t>0</a:t>
+            </a:r>
+            <a:r>
+              <a:rPr lang="ko-KR" altLang="en-US" sz="1600" b="1" dirty="0">
+                <a:latin typeface="HY그래픽M" panose="02030600000101010101" pitchFamily="18" charset="-127"/>
+                <a:ea typeface="HY그래픽M" panose="02030600000101010101" pitchFamily="18" charset="-127"/>
+              </a:rPr>
+              <a:t>이하가 되면 사망한다</a:t>
+            </a:r>
+            <a:r>
+              <a:rPr lang="en-US" altLang="ko-KR" sz="1600" b="1" dirty="0">
+                <a:latin typeface="HY그래픽M" panose="02030600000101010101" pitchFamily="18" charset="-127"/>
+                <a:ea typeface="HY그래픽M" panose="02030600000101010101" pitchFamily="18" charset="-127"/>
+              </a:rPr>
+              <a:t>.</a:t>
+            </a:r>
+          </a:p>
+          <a:p>
+            <a:endParaRPr lang="en-US" altLang="ko-KR" sz="1600" b="1" dirty="0">
+              <a:latin typeface="HY그래픽M" panose="02030600000101010101" pitchFamily="18" charset="-127"/>
+              <a:ea typeface="HY그래픽M" panose="02030600000101010101" pitchFamily="18" charset="-127"/>
+            </a:endParaRPr>
+          </a:p>
+          <a:p>
+            <a:pPr marL="285705" indent="-285705">
+              <a:buFontTx/>
+              <a:buChar char="-"/>
+            </a:pPr>
+            <a:r>
+              <a:rPr lang="ko-KR" altLang="en-US" sz="1600" b="1" dirty="0">
+                <a:latin typeface="HY그래픽M" panose="02030600000101010101" pitchFamily="18" charset="-127"/>
+                <a:ea typeface="HY그래픽M" panose="02030600000101010101" pitchFamily="18" charset="-127"/>
+              </a:rPr>
+              <a:t> 캐릭터의 체력은 </a:t>
+            </a:r>
+            <a:r>
+              <a:rPr lang="en-US" altLang="ko-KR" sz="1600" b="1" dirty="0">
+                <a:solidFill>
+                  <a:schemeClr val="bg1"/>
+                </a:solidFill>
+                <a:latin typeface="HY그래픽M" panose="02030600000101010101" pitchFamily="18" charset="-127"/>
+                <a:ea typeface="HY그래픽M" panose="02030600000101010101" pitchFamily="18" charset="-127"/>
+              </a:rPr>
+              <a:t>life</a:t>
+            </a:r>
+            <a:r>
+              <a:rPr lang="en-US" altLang="ko-KR" sz="1600" b="1" dirty="0">
+                <a:latin typeface="HY그래픽M" panose="02030600000101010101" pitchFamily="18" charset="-127"/>
+                <a:ea typeface="HY그래픽M" panose="02030600000101010101" pitchFamily="18" charset="-127"/>
+              </a:rPr>
+              <a:t> </a:t>
+            </a:r>
+            <a:r>
+              <a:rPr lang="ko-KR" altLang="en-US" sz="1600" b="1" dirty="0" err="1">
+                <a:latin typeface="HY그래픽M" panose="02030600000101010101" pitchFamily="18" charset="-127"/>
+                <a:ea typeface="HY그래픽M" panose="02030600000101010101" pitchFamily="18" charset="-127"/>
+              </a:rPr>
+              <a:t>변수값이다</a:t>
+            </a:r>
+            <a:r>
+              <a:rPr lang="en-US" altLang="ko-KR" sz="1600" b="1" dirty="0">
+                <a:latin typeface="HY그래픽M" panose="02030600000101010101" pitchFamily="18" charset="-127"/>
+                <a:ea typeface="HY그래픽M" panose="02030600000101010101" pitchFamily="18" charset="-127"/>
+              </a:rPr>
+              <a:t>.</a:t>
+            </a:r>
+          </a:p>
+          <a:p>
+            <a:endParaRPr lang="en-US" altLang="ko-KR" sz="1600" b="1" dirty="0">
+              <a:latin typeface="HY그래픽M" panose="02030600000101010101" pitchFamily="18" charset="-127"/>
+              <a:ea typeface="HY그래픽M" panose="02030600000101010101" pitchFamily="18" charset="-127"/>
+            </a:endParaRPr>
+          </a:p>
+          <a:p>
+            <a:pPr marL="285705" indent="-285705">
+              <a:buFontTx/>
+              <a:buChar char="-"/>
+            </a:pPr>
+            <a:r>
+              <a:rPr lang="ko-KR" altLang="en-US" sz="1600" b="1" dirty="0">
+                <a:latin typeface="HY그래픽M" panose="02030600000101010101" pitchFamily="18" charset="-127"/>
+                <a:ea typeface="HY그래픽M" panose="02030600000101010101" pitchFamily="18" charset="-127"/>
+              </a:rPr>
+              <a:t> 캐릭터는 사망하면서 </a:t>
+            </a:r>
+            <a:r>
+              <a:rPr lang="ko-KR" altLang="en-US" sz="1600" b="1" dirty="0">
+                <a:solidFill>
+                  <a:schemeClr val="accent4"/>
+                </a:solidFill>
+                <a:latin typeface="HY그래픽M" panose="02030600000101010101" pitchFamily="18" charset="-127"/>
+                <a:ea typeface="HY그래픽M" panose="02030600000101010101" pitchFamily="18" charset="-127"/>
+              </a:rPr>
+              <a:t>사운드</a:t>
+            </a:r>
+            <a:r>
+              <a:rPr lang="ko-KR" altLang="en-US" sz="1600" b="1" dirty="0">
+                <a:latin typeface="HY그래픽M" panose="02030600000101010101" pitchFamily="18" charset="-127"/>
+                <a:ea typeface="HY그래픽M" panose="02030600000101010101" pitchFamily="18" charset="-127"/>
+              </a:rPr>
+              <a:t>를 재생한다</a:t>
+            </a:r>
+            <a:r>
+              <a:rPr lang="en-US" altLang="ko-KR" sz="1600" b="1" dirty="0">
+                <a:latin typeface="HY그래픽M" panose="02030600000101010101" pitchFamily="18" charset="-127"/>
+                <a:ea typeface="HY그래픽M" panose="02030600000101010101" pitchFamily="18" charset="-127"/>
+              </a:rPr>
+              <a:t>.</a:t>
+            </a:r>
+          </a:p>
+          <a:p>
+            <a:pPr marL="285705" indent="-285705">
+              <a:buFontTx/>
+              <a:buChar char="-"/>
+            </a:pPr>
+            <a:endParaRPr lang="en-US" altLang="ko-KR" sz="1600" b="1" dirty="0">
+              <a:latin typeface="HY그래픽M" panose="02030600000101010101" pitchFamily="18" charset="-127"/>
+              <a:ea typeface="HY그래픽M" panose="02030600000101010101" pitchFamily="18" charset="-127"/>
+            </a:endParaRPr>
+          </a:p>
+          <a:p>
+            <a:pPr marL="285705" indent="-285705">
+              <a:buFontTx/>
+              <a:buChar char="-"/>
+            </a:pPr>
+            <a:r>
+              <a:rPr lang="ko-KR" altLang="en-US" sz="1600" b="1" dirty="0">
+                <a:latin typeface="HY그래픽M" panose="02030600000101010101" pitchFamily="18" charset="-127"/>
+                <a:ea typeface="HY그래픽M" panose="02030600000101010101" pitchFamily="18" charset="-127"/>
+              </a:rPr>
+              <a:t> 캐릭터 사망에는 연출 목적 상 </a:t>
+            </a:r>
+            <a:r>
+              <a:rPr lang="ko-KR" altLang="en-US" sz="1600" b="1" dirty="0">
+                <a:solidFill>
+                  <a:schemeClr val="accent4"/>
+                </a:solidFill>
+                <a:latin typeface="HY그래픽M" panose="02030600000101010101" pitchFamily="18" charset="-127"/>
+                <a:ea typeface="HY그래픽M" panose="02030600000101010101" pitchFamily="18" charset="-127"/>
+              </a:rPr>
+              <a:t>애니메이션</a:t>
+            </a:r>
+            <a:r>
+              <a:rPr lang="ko-KR" altLang="en-US" sz="1600" b="1" dirty="0">
+                <a:latin typeface="HY그래픽M" panose="02030600000101010101" pitchFamily="18" charset="-127"/>
+                <a:ea typeface="HY그래픽M" panose="02030600000101010101" pitchFamily="18" charset="-127"/>
+              </a:rPr>
+              <a:t>이 필요 없다</a:t>
+            </a:r>
+            <a:r>
+              <a:rPr lang="en-US" altLang="ko-KR" sz="1600" b="1" dirty="0">
+                <a:latin typeface="HY그래픽M" panose="02030600000101010101" pitchFamily="18" charset="-127"/>
+                <a:ea typeface="HY그래픽M" panose="02030600000101010101" pitchFamily="18" charset="-127"/>
+              </a:rPr>
+              <a:t>.</a:t>
+            </a:r>
+          </a:p>
+          <a:p>
+            <a:pPr marL="285705" indent="-285705">
+              <a:buFontTx/>
+              <a:buChar char="-"/>
+            </a:pPr>
+            <a:endParaRPr lang="en-US" altLang="ko-KR" sz="1600" b="1" dirty="0">
+              <a:latin typeface="HY그래픽M" panose="02030600000101010101" pitchFamily="18" charset="-127"/>
+              <a:ea typeface="HY그래픽M" panose="02030600000101010101" pitchFamily="18" charset="-127"/>
+            </a:endParaRPr>
+          </a:p>
+          <a:p>
+            <a:pPr marL="285705" indent="-285705">
+              <a:buFontTx/>
+              <a:buChar char="-"/>
+            </a:pPr>
+            <a:r>
+              <a:rPr lang="en-US" altLang="ko-KR" sz="1600" b="1" dirty="0">
+                <a:latin typeface="HY그래픽M" panose="02030600000101010101" pitchFamily="18" charset="-127"/>
+                <a:ea typeface="HY그래픽M" panose="02030600000101010101" pitchFamily="18" charset="-127"/>
+              </a:rPr>
+              <a:t> </a:t>
+            </a:r>
+            <a:r>
+              <a:rPr lang="ko-KR" altLang="en-US" sz="1600" b="1" dirty="0">
+                <a:latin typeface="HY그래픽M" panose="02030600000101010101" pitchFamily="18" charset="-127"/>
+                <a:ea typeface="HY그래픽M" panose="02030600000101010101" pitchFamily="18" charset="-127"/>
+              </a:rPr>
+              <a:t>캐릭터가 사망하여 제거되면 해결 중이던 </a:t>
+            </a:r>
+            <a:r>
+              <a:rPr lang="ko-KR" altLang="en-US" sz="1600" b="1" dirty="0">
+                <a:solidFill>
+                  <a:schemeClr val="accent4"/>
+                </a:solidFill>
+                <a:latin typeface="HY그래픽M" panose="02030600000101010101" pitchFamily="18" charset="-127"/>
+                <a:ea typeface="HY그래픽M" panose="02030600000101010101" pitchFamily="18" charset="-127"/>
+              </a:rPr>
+              <a:t>퍼즐이 리셋 </a:t>
+            </a:r>
+            <a:r>
+              <a:rPr lang="ko-KR" altLang="en-US" sz="1600" b="1" dirty="0">
+                <a:latin typeface="HY그래픽M" panose="02030600000101010101" pitchFamily="18" charset="-127"/>
+                <a:ea typeface="HY그래픽M" panose="02030600000101010101" pitchFamily="18" charset="-127"/>
+              </a:rPr>
+              <a:t>되고</a:t>
+            </a:r>
+            <a:r>
+              <a:rPr lang="en-US" altLang="ko-KR" sz="1600" b="1" dirty="0">
+                <a:latin typeface="HY그래픽M" panose="02030600000101010101" pitchFamily="18" charset="-127"/>
+                <a:ea typeface="HY그래픽M" panose="02030600000101010101" pitchFamily="18" charset="-127"/>
+              </a:rPr>
+              <a:t>, </a:t>
+            </a:r>
+            <a:r>
+              <a:rPr lang="ko-KR" altLang="en-US" sz="1600" b="1" dirty="0">
+                <a:latin typeface="HY그래픽M" panose="02030600000101010101" pitchFamily="18" charset="-127"/>
+                <a:ea typeface="HY그래픽M" panose="02030600000101010101" pitchFamily="18" charset="-127"/>
+              </a:rPr>
+              <a:t>캐릭터는 해당 룸의 </a:t>
+            </a:r>
+            <a:r>
+              <a:rPr lang="ko-KR" altLang="en-US" sz="1600" b="1" dirty="0">
+                <a:solidFill>
+                  <a:schemeClr val="accent4"/>
+                </a:solidFill>
+                <a:latin typeface="HY그래픽M" panose="02030600000101010101" pitchFamily="18" charset="-127"/>
+                <a:ea typeface="HY그래픽M" panose="02030600000101010101" pitchFamily="18" charset="-127"/>
+              </a:rPr>
+              <a:t>초기 위치에서 </a:t>
+            </a:r>
+            <a:r>
+              <a:rPr lang="ko-KR" altLang="en-US" sz="1600" b="1" dirty="0" err="1">
+                <a:solidFill>
+                  <a:schemeClr val="accent4"/>
+                </a:solidFill>
+                <a:latin typeface="HY그래픽M" panose="02030600000101010101" pitchFamily="18" charset="-127"/>
+                <a:ea typeface="HY그래픽M" panose="02030600000101010101" pitchFamily="18" charset="-127"/>
+              </a:rPr>
+              <a:t>리스폰</a:t>
+            </a:r>
+            <a:r>
+              <a:rPr lang="ko-KR" altLang="en-US" sz="1600" b="1" dirty="0">
+                <a:solidFill>
+                  <a:schemeClr val="accent4"/>
+                </a:solidFill>
+                <a:latin typeface="HY그래픽M" panose="02030600000101010101" pitchFamily="18" charset="-127"/>
+                <a:ea typeface="HY그래픽M" panose="02030600000101010101" pitchFamily="18" charset="-127"/>
+              </a:rPr>
+              <a:t> </a:t>
+            </a:r>
+            <a:r>
+              <a:rPr lang="ko-KR" altLang="en-US" sz="1600" b="1" dirty="0">
+                <a:latin typeface="HY그래픽M" panose="02030600000101010101" pitchFamily="18" charset="-127"/>
+                <a:ea typeface="HY그래픽M" panose="02030600000101010101" pitchFamily="18" charset="-127"/>
+              </a:rPr>
+              <a:t>된다</a:t>
+            </a:r>
+            <a:r>
+              <a:rPr lang="en-US" altLang="ko-KR" sz="1600" b="1" dirty="0">
+                <a:latin typeface="HY그래픽M" panose="02030600000101010101" pitchFamily="18" charset="-127"/>
+                <a:ea typeface="HY그래픽M" panose="02030600000101010101" pitchFamily="18" charset="-127"/>
+              </a:rPr>
+              <a:t>.</a:t>
+            </a:r>
+          </a:p>
+          <a:p>
+            <a:r>
+              <a:rPr lang="en-US" altLang="ko-KR" sz="1400" i="1" dirty="0">
+                <a:solidFill>
+                  <a:schemeClr val="bg1"/>
+                </a:solidFill>
+                <a:latin typeface="HY그래픽M" panose="02030600000101010101" pitchFamily="18" charset="-127"/>
+                <a:ea typeface="HY그래픽M" panose="02030600000101010101" pitchFamily="18" charset="-127"/>
+              </a:rPr>
+              <a:t>(</a:t>
+            </a:r>
+            <a:r>
+              <a:rPr lang="ko-KR" altLang="en-US" sz="1400" i="1" dirty="0">
+                <a:solidFill>
+                  <a:schemeClr val="bg1"/>
+                </a:solidFill>
+                <a:latin typeface="HY그래픽M" panose="02030600000101010101" pitchFamily="18" charset="-127"/>
+                <a:ea typeface="HY그래픽M" panose="02030600000101010101" pitchFamily="18" charset="-127"/>
+              </a:rPr>
+              <a:t>이 시스템의 세부사항에 대해선 레벨 제어 시스템 기획서에서 작성할 예정이다</a:t>
+            </a:r>
+            <a:r>
+              <a:rPr lang="en-US" altLang="ko-KR" sz="1400" i="1" dirty="0">
+                <a:solidFill>
+                  <a:schemeClr val="bg1"/>
+                </a:solidFill>
+                <a:latin typeface="HY그래픽M" panose="02030600000101010101" pitchFamily="18" charset="-127"/>
+                <a:ea typeface="HY그래픽M" panose="02030600000101010101" pitchFamily="18" charset="-127"/>
+              </a:rPr>
+              <a:t>.)</a:t>
+            </a:r>
+            <a:endParaRPr lang="en-US" altLang="ko-KR" sz="1600" i="1" dirty="0">
+              <a:solidFill>
+                <a:schemeClr val="bg1"/>
+              </a:solidFill>
+              <a:latin typeface="HY그래픽M" panose="02030600000101010101" pitchFamily="18" charset="-127"/>
+              <a:ea typeface="HY그래픽M" panose="02030600000101010101" pitchFamily="18" charset="-127"/>
+            </a:endParaRPr>
           </a:p>
         </p:txBody>
       </p:sp>
@@ -11024,8 +14549,8 @@
         </p:nvSpPr>
         <p:spPr>
           <a:xfrm>
-            <a:off x="372298" y="6500805"/>
-            <a:ext cx="1571625" cy="2743200"/>
+            <a:off x="372298" y="6135044"/>
+            <a:ext cx="1571625" cy="3749040"/>
           </a:xfrm>
           <a:prstGeom prst="rect">
             <a:avLst/>
@@ -11214,14 +14739,14 @@
           <p:nvPr>
             <p:extLst>
               <p:ext uri="{D42A27DB-BD31-4B8C-83A1-F6EECF244321}">
-                <p14:modId xmlns:p14="http://schemas.microsoft.com/office/powerpoint/2010/main" val="3488877311"/>
+                <p14:modId xmlns:p14="http://schemas.microsoft.com/office/powerpoint/2010/main" val="1193036897"/>
               </p:ext>
             </p:extLst>
           </p:nvPr>
         </p:nvGraphicFramePr>
         <p:xfrm>
-          <a:off x="2098938" y="6500805"/>
-          <a:ext cx="4453918" cy="2743200"/>
+          <a:off x="2098938" y="6135045"/>
+          <a:ext cx="4453918" cy="3749040"/>
         </p:xfrm>
         <a:graphic>
           <a:graphicData uri="http://schemas.openxmlformats.org/drawingml/2006/table">
@@ -12207,7 +15732,7 @@
                             </a:schemeClr>
                           </a:solidFill>
                         </a:rPr>
-                        <a:t>max_mana</a:t>
+                        <a:t>max_sta</a:t>
                       </a:r>
                       <a:endParaRPr lang="ko-KR" altLang="en-US" sz="1050" u="sng" dirty="0">
                         <a:solidFill>
@@ -12271,7 +15796,7 @@
                       <a:pPr algn="ctr" latinLnBrk="1"/>
                       <a:r>
                         <a:rPr lang="ko-KR" altLang="en-US" sz="1050" dirty="0"/>
-                        <a:t>캐릭터의 최대 특수자원</a:t>
+                        <a:t>캐릭터의 최대 기력</a:t>
                       </a:r>
                     </a:p>
                   </a:txBody>
@@ -12331,8 +15856,8 @@
                     <a:p>
                       <a:pPr algn="ctr" latinLnBrk="1"/>
                       <a:r>
-                        <a:rPr lang="en-US" altLang="ko-KR" sz="1050" dirty="0"/>
-                        <a:t>mana</a:t>
+                        <a:rPr lang="en-US" altLang="ko-KR" sz="1050" dirty="0" err="1"/>
+                        <a:t>sta</a:t>
                       </a:r>
                       <a:endParaRPr lang="ko-KR" altLang="en-US" sz="1050" dirty="0"/>
                     </a:p>
@@ -12387,7 +15912,7 @@
                       <a:pPr algn="ctr" latinLnBrk="1"/>
                       <a:r>
                         <a:rPr lang="ko-KR" altLang="en-US" sz="1050" dirty="0"/>
-                        <a:t>캐릭터의 현재 특수자원</a:t>
+                        <a:t>캐릭터의 현재 기력</a:t>
                       </a:r>
                       <a:endParaRPr lang="en-US" altLang="ko-KR" sz="1050" dirty="0"/>
                     </a:p>
@@ -12437,7 +15962,7 @@
                             </a:schemeClr>
                           </a:solidFill>
                         </a:rPr>
-                        <a:t>max_mana</a:t>
+                        <a:t>max_sta</a:t>
                       </a:r>
                       <a:r>
                         <a:rPr lang="en-US" altLang="ko-KR" sz="1050" i="1" dirty="0">
@@ -12503,6 +16028,644 @@
                 <a:extLst>
                   <a:ext uri="{0D108BD9-81ED-4DB2-BD59-A6C34878D82A}">
                     <a16:rowId xmlns:a16="http://schemas.microsoft.com/office/drawing/2014/main" val="2460914715"/>
+                  </a:ext>
+                </a:extLst>
+              </a:tr>
+              <a:tr h="0">
+                <a:tc>
+                  <a:txBody>
+                    <a:bodyPr/>
+                    <a:lstStyle/>
+                    <a:p>
+                      <a:pPr algn="ctr" latinLnBrk="1"/>
+                      <a:r>
+                        <a:rPr lang="en-US" altLang="ko-KR" sz="1050" u="sng" dirty="0" err="1">
+                          <a:solidFill>
+                            <a:schemeClr val="accent6">
+                              <a:lumMod val="50000"/>
+                            </a:schemeClr>
+                          </a:solidFill>
+                        </a:rPr>
+                        <a:t>sta_regen</a:t>
+                      </a:r>
+                      <a:endParaRPr lang="ko-KR" altLang="en-US" sz="1050" u="sng" dirty="0">
+                        <a:solidFill>
+                          <a:schemeClr val="accent6">
+                            <a:lumMod val="50000"/>
+                          </a:schemeClr>
+                        </a:solidFill>
+                      </a:endParaRPr>
+                    </a:p>
+                  </a:txBody>
+                  <a:tcPr anchor="ctr">
+                    <a:lnL w="12700" cap="flat" cmpd="sng" algn="ctr">
+                      <a:solidFill>
+                        <a:schemeClr val="tx1"/>
+                      </a:solidFill>
+                      <a:prstDash val="solid"/>
+                      <a:round/>
+                      <a:headEnd type="none" w="med" len="med"/>
+                      <a:tailEnd type="none" w="med" len="med"/>
+                    </a:lnL>
+                    <a:lnR w="12700" cap="flat" cmpd="sng" algn="ctr">
+                      <a:solidFill>
+                        <a:schemeClr val="tx1"/>
+                      </a:solidFill>
+                      <a:prstDash val="solid"/>
+                      <a:round/>
+                      <a:headEnd type="none" w="med" len="med"/>
+                      <a:tailEnd type="none" w="med" len="med"/>
+                    </a:lnR>
+                    <a:lnT w="12700" cap="flat" cmpd="sng" algn="ctr">
+                      <a:solidFill>
+                        <a:schemeClr val="tx1"/>
+                      </a:solidFill>
+                      <a:prstDash val="solid"/>
+                      <a:round/>
+                      <a:headEnd type="none" w="med" len="med"/>
+                      <a:tailEnd type="none" w="med" len="med"/>
+                    </a:lnT>
+                    <a:lnB w="12700" cap="flat" cmpd="sng" algn="ctr">
+                      <a:solidFill>
+                        <a:schemeClr val="tx1"/>
+                      </a:solidFill>
+                      <a:prstDash val="solid"/>
+                      <a:round/>
+                      <a:headEnd type="none" w="med" len="med"/>
+                      <a:tailEnd type="none" w="med" len="med"/>
+                    </a:lnB>
+                    <a:solidFill>
+                      <a:schemeClr val="accent6">
+                        <a:lumMod val="40000"/>
+                        <a:lumOff val="60000"/>
+                      </a:schemeClr>
+                    </a:solidFill>
+                  </a:tcPr>
+                </a:tc>
+                <a:tc>
+                  <a:txBody>
+                    <a:bodyPr/>
+                    <a:lstStyle/>
+                    <a:p>
+                      <a:pPr marL="0" marR="0" lvl="0" indent="0" algn="ctr" defTabSz="685692" rtl="0" eaLnBrk="1" fontAlgn="auto" latinLnBrk="1" hangingPunct="1">
+                        <a:lnSpc>
+                          <a:spcPct val="100000"/>
+                        </a:lnSpc>
+                        <a:spcBef>
+                          <a:spcPts val="0"/>
+                        </a:spcBef>
+                        <a:spcAft>
+                          <a:spcPts val="0"/>
+                        </a:spcAft>
+                        <a:buClrTx/>
+                        <a:buSzTx/>
+                        <a:buFontTx/>
+                        <a:buNone/>
+                        <a:tabLst/>
+                        <a:defRPr/>
+                      </a:pPr>
+                      <a:r>
+                        <a:rPr lang="ko-KR" altLang="en-US" sz="1050" i="0" dirty="0">
+                          <a:solidFill>
+                            <a:schemeClr val="tx1"/>
+                          </a:solidFill>
+                        </a:rPr>
+                        <a:t>캐릭터의 기력</a:t>
+                      </a:r>
+                      <a:r>
+                        <a:rPr lang="en-US" altLang="ko-KR" sz="1050" i="0" dirty="0">
+                          <a:solidFill>
+                            <a:schemeClr val="tx1"/>
+                          </a:solidFill>
+                        </a:rPr>
+                        <a:t> </a:t>
+                      </a:r>
+                      <a:r>
+                        <a:rPr lang="ko-KR" altLang="en-US" sz="1050" i="0" dirty="0" err="1">
+                          <a:solidFill>
+                            <a:schemeClr val="tx1"/>
+                          </a:solidFill>
+                        </a:rPr>
+                        <a:t>재생량</a:t>
+                      </a:r>
+                      <a:endParaRPr lang="ko-KR" altLang="en-US" sz="1050" i="0" dirty="0">
+                        <a:solidFill>
+                          <a:schemeClr val="tx1"/>
+                        </a:solidFill>
+                      </a:endParaRPr>
+                    </a:p>
+                  </a:txBody>
+                  <a:tcPr anchor="ctr">
+                    <a:lnL w="12700" cap="flat" cmpd="sng" algn="ctr">
+                      <a:solidFill>
+                        <a:schemeClr val="tx1"/>
+                      </a:solidFill>
+                      <a:prstDash val="solid"/>
+                      <a:round/>
+                      <a:headEnd type="none" w="med" len="med"/>
+                      <a:tailEnd type="none" w="med" len="med"/>
+                    </a:lnL>
+                    <a:lnR w="12700" cap="flat" cmpd="sng" algn="ctr">
+                      <a:solidFill>
+                        <a:schemeClr val="tx1"/>
+                      </a:solidFill>
+                      <a:prstDash val="solid"/>
+                      <a:round/>
+                      <a:headEnd type="none" w="med" len="med"/>
+                      <a:tailEnd type="none" w="med" len="med"/>
+                    </a:lnR>
+                    <a:lnT w="12700" cap="flat" cmpd="sng" algn="ctr">
+                      <a:solidFill>
+                        <a:schemeClr val="tx1"/>
+                      </a:solidFill>
+                      <a:prstDash val="solid"/>
+                      <a:round/>
+                      <a:headEnd type="none" w="med" len="med"/>
+                      <a:tailEnd type="none" w="med" len="med"/>
+                    </a:lnT>
+                    <a:lnB w="12700" cap="flat" cmpd="sng" algn="ctr">
+                      <a:solidFill>
+                        <a:schemeClr val="tx1"/>
+                      </a:solidFill>
+                      <a:prstDash val="solid"/>
+                      <a:round/>
+                      <a:headEnd type="none" w="med" len="med"/>
+                      <a:tailEnd type="none" w="med" len="med"/>
+                    </a:lnB>
+                    <a:solidFill>
+                      <a:schemeClr val="bg1"/>
+                    </a:solidFill>
+                  </a:tcPr>
+                </a:tc>
+                <a:extLst>
+                  <a:ext uri="{0D108BD9-81ED-4DB2-BD59-A6C34878D82A}">
+                    <a16:rowId xmlns:a16="http://schemas.microsoft.com/office/drawing/2014/main" val="736105006"/>
+                  </a:ext>
+                </a:extLst>
+              </a:tr>
+              <a:tr h="0">
+                <a:tc>
+                  <a:txBody>
+                    <a:bodyPr/>
+                    <a:lstStyle/>
+                    <a:p>
+                      <a:pPr algn="ctr" latinLnBrk="1"/>
+                      <a:r>
+                        <a:rPr lang="en-US" altLang="ko-KR" sz="1050" u="sng" dirty="0" err="1">
+                          <a:solidFill>
+                            <a:schemeClr val="accent6">
+                              <a:lumMod val="50000"/>
+                            </a:schemeClr>
+                          </a:solidFill>
+                        </a:rPr>
+                        <a:t>dash_speed</a:t>
+                      </a:r>
+                      <a:endParaRPr lang="ko-KR" altLang="en-US" sz="1050" u="sng" dirty="0">
+                        <a:solidFill>
+                          <a:schemeClr val="accent6">
+                            <a:lumMod val="50000"/>
+                          </a:schemeClr>
+                        </a:solidFill>
+                      </a:endParaRPr>
+                    </a:p>
+                  </a:txBody>
+                  <a:tcPr anchor="ctr">
+                    <a:lnL w="12700" cap="flat" cmpd="sng" algn="ctr">
+                      <a:solidFill>
+                        <a:schemeClr val="tx1"/>
+                      </a:solidFill>
+                      <a:prstDash val="solid"/>
+                      <a:round/>
+                      <a:headEnd type="none" w="med" len="med"/>
+                      <a:tailEnd type="none" w="med" len="med"/>
+                    </a:lnL>
+                    <a:lnR w="12700" cap="flat" cmpd="sng" algn="ctr">
+                      <a:solidFill>
+                        <a:schemeClr val="tx1"/>
+                      </a:solidFill>
+                      <a:prstDash val="solid"/>
+                      <a:round/>
+                      <a:headEnd type="none" w="med" len="med"/>
+                      <a:tailEnd type="none" w="med" len="med"/>
+                    </a:lnR>
+                    <a:lnT w="12700" cap="flat" cmpd="sng" algn="ctr">
+                      <a:solidFill>
+                        <a:schemeClr val="tx1"/>
+                      </a:solidFill>
+                      <a:prstDash val="solid"/>
+                      <a:round/>
+                      <a:headEnd type="none" w="med" len="med"/>
+                      <a:tailEnd type="none" w="med" len="med"/>
+                    </a:lnT>
+                    <a:lnB w="12700" cap="flat" cmpd="sng" algn="ctr">
+                      <a:solidFill>
+                        <a:schemeClr val="tx1"/>
+                      </a:solidFill>
+                      <a:prstDash val="solid"/>
+                      <a:round/>
+                      <a:headEnd type="none" w="med" len="med"/>
+                      <a:tailEnd type="none" w="med" len="med"/>
+                    </a:lnB>
+                    <a:solidFill>
+                      <a:schemeClr val="accent6">
+                        <a:lumMod val="40000"/>
+                        <a:lumOff val="60000"/>
+                      </a:schemeClr>
+                    </a:solidFill>
+                  </a:tcPr>
+                </a:tc>
+                <a:tc>
+                  <a:txBody>
+                    <a:bodyPr/>
+                    <a:lstStyle/>
+                    <a:p>
+                      <a:pPr marL="0" marR="0" lvl="0" indent="0" algn="ctr" defTabSz="685692" rtl="0" eaLnBrk="1" fontAlgn="auto" latinLnBrk="1" hangingPunct="1">
+                        <a:lnSpc>
+                          <a:spcPct val="100000"/>
+                        </a:lnSpc>
+                        <a:spcBef>
+                          <a:spcPts val="0"/>
+                        </a:spcBef>
+                        <a:spcAft>
+                          <a:spcPts val="0"/>
+                        </a:spcAft>
+                        <a:buClrTx/>
+                        <a:buSzTx/>
+                        <a:buFontTx/>
+                        <a:buNone/>
+                        <a:tabLst/>
+                        <a:defRPr/>
+                      </a:pPr>
+                      <a:r>
+                        <a:rPr lang="ko-KR" altLang="en-US" sz="1050" i="0" dirty="0">
+                          <a:solidFill>
+                            <a:schemeClr val="tx1"/>
+                          </a:solidFill>
+                        </a:rPr>
+                        <a:t>캐릭터의 대시속도</a:t>
+                      </a:r>
+                    </a:p>
+                  </a:txBody>
+                  <a:tcPr anchor="ctr">
+                    <a:lnL w="12700" cap="flat" cmpd="sng" algn="ctr">
+                      <a:solidFill>
+                        <a:schemeClr val="tx1"/>
+                      </a:solidFill>
+                      <a:prstDash val="solid"/>
+                      <a:round/>
+                      <a:headEnd type="none" w="med" len="med"/>
+                      <a:tailEnd type="none" w="med" len="med"/>
+                    </a:lnL>
+                    <a:lnR w="12700" cap="flat" cmpd="sng" algn="ctr">
+                      <a:solidFill>
+                        <a:schemeClr val="tx1"/>
+                      </a:solidFill>
+                      <a:prstDash val="solid"/>
+                      <a:round/>
+                      <a:headEnd type="none" w="med" len="med"/>
+                      <a:tailEnd type="none" w="med" len="med"/>
+                    </a:lnR>
+                    <a:lnT w="12700" cap="flat" cmpd="sng" algn="ctr">
+                      <a:solidFill>
+                        <a:schemeClr val="tx1"/>
+                      </a:solidFill>
+                      <a:prstDash val="solid"/>
+                      <a:round/>
+                      <a:headEnd type="none" w="med" len="med"/>
+                      <a:tailEnd type="none" w="med" len="med"/>
+                    </a:lnT>
+                    <a:lnB w="12700" cap="flat" cmpd="sng" algn="ctr">
+                      <a:solidFill>
+                        <a:schemeClr val="tx1"/>
+                      </a:solidFill>
+                      <a:prstDash val="solid"/>
+                      <a:round/>
+                      <a:headEnd type="none" w="med" len="med"/>
+                      <a:tailEnd type="none" w="med" len="med"/>
+                    </a:lnB>
+                    <a:solidFill>
+                      <a:schemeClr val="bg1"/>
+                    </a:solidFill>
+                  </a:tcPr>
+                </a:tc>
+                <a:extLst>
+                  <a:ext uri="{0D108BD9-81ED-4DB2-BD59-A6C34878D82A}">
+                    <a16:rowId xmlns:a16="http://schemas.microsoft.com/office/drawing/2014/main" val="1786541393"/>
+                  </a:ext>
+                </a:extLst>
+              </a:tr>
+              <a:tr h="0">
+                <a:tc>
+                  <a:txBody>
+                    <a:bodyPr/>
+                    <a:lstStyle/>
+                    <a:p>
+                      <a:pPr algn="ctr" latinLnBrk="1"/>
+                      <a:r>
+                        <a:rPr lang="en-US" altLang="ko-KR" sz="1050" u="sng" dirty="0" err="1">
+                          <a:solidFill>
+                            <a:schemeClr val="accent6">
+                              <a:lumMod val="50000"/>
+                            </a:schemeClr>
+                          </a:solidFill>
+                        </a:rPr>
+                        <a:t>dash_cooldown</a:t>
+                      </a:r>
+                      <a:endParaRPr lang="ko-KR" altLang="en-US" sz="1050" u="sng" dirty="0">
+                        <a:solidFill>
+                          <a:schemeClr val="accent6">
+                            <a:lumMod val="50000"/>
+                          </a:schemeClr>
+                        </a:solidFill>
+                      </a:endParaRPr>
+                    </a:p>
+                  </a:txBody>
+                  <a:tcPr anchor="ctr">
+                    <a:lnL w="12700" cap="flat" cmpd="sng" algn="ctr">
+                      <a:solidFill>
+                        <a:schemeClr val="tx1"/>
+                      </a:solidFill>
+                      <a:prstDash val="solid"/>
+                      <a:round/>
+                      <a:headEnd type="none" w="med" len="med"/>
+                      <a:tailEnd type="none" w="med" len="med"/>
+                    </a:lnL>
+                    <a:lnR w="12700" cap="flat" cmpd="sng" algn="ctr">
+                      <a:solidFill>
+                        <a:schemeClr val="tx1"/>
+                      </a:solidFill>
+                      <a:prstDash val="solid"/>
+                      <a:round/>
+                      <a:headEnd type="none" w="med" len="med"/>
+                      <a:tailEnd type="none" w="med" len="med"/>
+                    </a:lnR>
+                    <a:lnT w="12700" cap="flat" cmpd="sng" algn="ctr">
+                      <a:solidFill>
+                        <a:schemeClr val="tx1"/>
+                      </a:solidFill>
+                      <a:prstDash val="solid"/>
+                      <a:round/>
+                      <a:headEnd type="none" w="med" len="med"/>
+                      <a:tailEnd type="none" w="med" len="med"/>
+                    </a:lnT>
+                    <a:lnB w="12700" cap="flat" cmpd="sng" algn="ctr">
+                      <a:solidFill>
+                        <a:schemeClr val="tx1"/>
+                      </a:solidFill>
+                      <a:prstDash val="solid"/>
+                      <a:round/>
+                      <a:headEnd type="none" w="med" len="med"/>
+                      <a:tailEnd type="none" w="med" len="med"/>
+                    </a:lnB>
+                    <a:solidFill>
+                      <a:schemeClr val="accent6">
+                        <a:lumMod val="40000"/>
+                        <a:lumOff val="60000"/>
+                      </a:schemeClr>
+                    </a:solidFill>
+                  </a:tcPr>
+                </a:tc>
+                <a:tc>
+                  <a:txBody>
+                    <a:bodyPr/>
+                    <a:lstStyle/>
+                    <a:p>
+                      <a:pPr marL="0" marR="0" lvl="0" indent="0" algn="ctr" defTabSz="685692" rtl="0" eaLnBrk="1" fontAlgn="auto" latinLnBrk="1" hangingPunct="1">
+                        <a:lnSpc>
+                          <a:spcPct val="100000"/>
+                        </a:lnSpc>
+                        <a:spcBef>
+                          <a:spcPts val="0"/>
+                        </a:spcBef>
+                        <a:spcAft>
+                          <a:spcPts val="0"/>
+                        </a:spcAft>
+                        <a:buClrTx/>
+                        <a:buSzTx/>
+                        <a:buFontTx/>
+                        <a:buNone/>
+                        <a:tabLst/>
+                        <a:defRPr/>
+                      </a:pPr>
+                      <a:r>
+                        <a:rPr lang="ko-KR" altLang="en-US" sz="1050" i="0" dirty="0">
+                          <a:solidFill>
+                            <a:schemeClr val="tx1"/>
+                          </a:solidFill>
+                        </a:rPr>
+                        <a:t>캐릭터 대시의 재사용 대기시간</a:t>
+                      </a:r>
+                    </a:p>
+                  </a:txBody>
+                  <a:tcPr anchor="ctr">
+                    <a:lnL w="12700" cap="flat" cmpd="sng" algn="ctr">
+                      <a:solidFill>
+                        <a:schemeClr val="tx1"/>
+                      </a:solidFill>
+                      <a:prstDash val="solid"/>
+                      <a:round/>
+                      <a:headEnd type="none" w="med" len="med"/>
+                      <a:tailEnd type="none" w="med" len="med"/>
+                    </a:lnL>
+                    <a:lnR w="12700" cap="flat" cmpd="sng" algn="ctr">
+                      <a:solidFill>
+                        <a:schemeClr val="tx1"/>
+                      </a:solidFill>
+                      <a:prstDash val="solid"/>
+                      <a:round/>
+                      <a:headEnd type="none" w="med" len="med"/>
+                      <a:tailEnd type="none" w="med" len="med"/>
+                    </a:lnR>
+                    <a:lnT w="12700" cap="flat" cmpd="sng" algn="ctr">
+                      <a:solidFill>
+                        <a:schemeClr val="tx1"/>
+                      </a:solidFill>
+                      <a:prstDash val="solid"/>
+                      <a:round/>
+                      <a:headEnd type="none" w="med" len="med"/>
+                      <a:tailEnd type="none" w="med" len="med"/>
+                    </a:lnT>
+                    <a:lnB w="12700" cap="flat" cmpd="sng" algn="ctr">
+                      <a:solidFill>
+                        <a:schemeClr val="tx1"/>
+                      </a:solidFill>
+                      <a:prstDash val="solid"/>
+                      <a:round/>
+                      <a:headEnd type="none" w="med" len="med"/>
+                      <a:tailEnd type="none" w="med" len="med"/>
+                    </a:lnB>
+                    <a:solidFill>
+                      <a:schemeClr val="bg1"/>
+                    </a:solidFill>
+                  </a:tcPr>
+                </a:tc>
+                <a:extLst>
+                  <a:ext uri="{0D108BD9-81ED-4DB2-BD59-A6C34878D82A}">
+                    <a16:rowId xmlns:a16="http://schemas.microsoft.com/office/drawing/2014/main" val="953456360"/>
+                  </a:ext>
+                </a:extLst>
+              </a:tr>
+              <a:tr h="0">
+                <a:tc>
+                  <a:txBody>
+                    <a:bodyPr/>
+                    <a:lstStyle/>
+                    <a:p>
+                      <a:pPr algn="ctr" latinLnBrk="1"/>
+                      <a:r>
+                        <a:rPr lang="en-US" altLang="ko-KR" sz="1050" u="none" kern="1200" dirty="0" err="1">
+                          <a:solidFill>
+                            <a:schemeClr val="accent6">
+                              <a:lumMod val="50000"/>
+                            </a:schemeClr>
+                          </a:solidFill>
+                          <a:latin typeface="+mn-lt"/>
+                          <a:ea typeface="+mn-ea"/>
+                          <a:cs typeface="+mn-cs"/>
+                        </a:rPr>
+                        <a:t>Invincible</a:t>
+                      </a:r>
+                      <a:r>
+                        <a:rPr lang="en-US" altLang="ko-KR" sz="1050" u="none" dirty="0" err="1">
+                          <a:solidFill>
+                            <a:schemeClr val="accent6">
+                              <a:lumMod val="50000"/>
+                            </a:schemeClr>
+                          </a:solidFill>
+                        </a:rPr>
+                        <a:t>_time</a:t>
+                      </a:r>
+                      <a:endParaRPr lang="ko-KR" altLang="en-US" sz="1050" u="none" dirty="0">
+                        <a:solidFill>
+                          <a:schemeClr val="accent6">
+                            <a:lumMod val="50000"/>
+                          </a:schemeClr>
+                        </a:solidFill>
+                      </a:endParaRPr>
+                    </a:p>
+                  </a:txBody>
+                  <a:tcPr anchor="ctr">
+                    <a:lnL w="12700" cap="flat" cmpd="sng" algn="ctr">
+                      <a:solidFill>
+                        <a:schemeClr val="tx1"/>
+                      </a:solidFill>
+                      <a:prstDash val="solid"/>
+                      <a:round/>
+                      <a:headEnd type="none" w="med" len="med"/>
+                      <a:tailEnd type="none" w="med" len="med"/>
+                    </a:lnL>
+                    <a:lnR w="12700" cap="flat" cmpd="sng" algn="ctr">
+                      <a:solidFill>
+                        <a:schemeClr val="tx1"/>
+                      </a:solidFill>
+                      <a:prstDash val="solid"/>
+                      <a:round/>
+                      <a:headEnd type="none" w="med" len="med"/>
+                      <a:tailEnd type="none" w="med" len="med"/>
+                    </a:lnR>
+                    <a:lnT w="12700" cap="flat" cmpd="sng" algn="ctr">
+                      <a:solidFill>
+                        <a:schemeClr val="tx1"/>
+                      </a:solidFill>
+                      <a:prstDash val="solid"/>
+                      <a:round/>
+                      <a:headEnd type="none" w="med" len="med"/>
+                      <a:tailEnd type="none" w="med" len="med"/>
+                    </a:lnT>
+                    <a:lnB w="12700" cap="flat" cmpd="sng" algn="ctr">
+                      <a:solidFill>
+                        <a:schemeClr val="tx1"/>
+                      </a:solidFill>
+                      <a:prstDash val="solid"/>
+                      <a:round/>
+                      <a:headEnd type="none" w="med" len="med"/>
+                      <a:tailEnd type="none" w="med" len="med"/>
+                    </a:lnB>
+                    <a:solidFill>
+                      <a:schemeClr val="accent6">
+                        <a:lumMod val="40000"/>
+                        <a:lumOff val="60000"/>
+                      </a:schemeClr>
+                    </a:solidFill>
+                  </a:tcPr>
+                </a:tc>
+                <a:tc>
+                  <a:txBody>
+                    <a:bodyPr/>
+                    <a:lstStyle/>
+                    <a:p>
+                      <a:pPr marL="0" marR="0" lvl="0" indent="0" algn="ctr" defTabSz="685692" rtl="0" eaLnBrk="1" fontAlgn="auto" latinLnBrk="1" hangingPunct="1">
+                        <a:lnSpc>
+                          <a:spcPct val="100000"/>
+                        </a:lnSpc>
+                        <a:spcBef>
+                          <a:spcPts val="0"/>
+                        </a:spcBef>
+                        <a:spcAft>
+                          <a:spcPts val="0"/>
+                        </a:spcAft>
+                        <a:buClrTx/>
+                        <a:buSzTx/>
+                        <a:buFontTx/>
+                        <a:buNone/>
+                        <a:tabLst/>
+                        <a:defRPr/>
+                      </a:pPr>
+                      <a:r>
+                        <a:rPr lang="ko-KR" altLang="en-US" sz="1050" i="0" dirty="0">
+                          <a:solidFill>
+                            <a:sysClr val="windowText" lastClr="000000"/>
+                          </a:solidFill>
+                        </a:rPr>
+                        <a:t>캐릭터가 피격된 후  무적지속시간</a:t>
+                      </a:r>
+                    </a:p>
+                  </a:txBody>
+                  <a:tcPr anchor="ctr">
+                    <a:lnL w="12700" cap="flat" cmpd="sng" algn="ctr">
+                      <a:solidFill>
+                        <a:schemeClr val="tx1"/>
+                      </a:solidFill>
+                      <a:prstDash val="solid"/>
+                      <a:round/>
+                      <a:headEnd type="none" w="med" len="med"/>
+                      <a:tailEnd type="none" w="med" len="med"/>
+                    </a:lnL>
+                    <a:lnR w="12700" cap="flat" cmpd="sng" algn="ctr">
+                      <a:solidFill>
+                        <a:schemeClr val="tx1"/>
+                      </a:solidFill>
+                      <a:prstDash val="solid"/>
+                      <a:round/>
+                      <a:headEnd type="none" w="med" len="med"/>
+                      <a:tailEnd type="none" w="med" len="med"/>
+                    </a:lnR>
+                    <a:lnT w="12700" cap="flat" cmpd="sng" algn="ctr">
+                      <a:solidFill>
+                        <a:schemeClr val="tx1"/>
+                      </a:solidFill>
+                      <a:prstDash val="solid"/>
+                      <a:round/>
+                      <a:headEnd type="none" w="med" len="med"/>
+                      <a:tailEnd type="none" w="med" len="med"/>
+                    </a:lnT>
+                    <a:lnB w="12700" cap="flat" cmpd="sng" algn="ctr">
+                      <a:solidFill>
+                        <a:schemeClr val="tx1"/>
+                      </a:solidFill>
+                      <a:prstDash val="solid"/>
+                      <a:round/>
+                      <a:headEnd type="none" w="med" len="med"/>
+                      <a:tailEnd type="none" w="med" len="med"/>
+                    </a:lnB>
+                    <a:solidFill>
+                      <a:schemeClr val="bg1"/>
+                    </a:solidFill>
+                  </a:tcPr>
+                </a:tc>
+                <a:extLst>
+                  <a:ext uri="{0D108BD9-81ED-4DB2-BD59-A6C34878D82A}">
+                    <a16:rowId xmlns:a16="http://schemas.microsoft.com/office/drawing/2014/main" val="2649361235"/>
                   </a:ext>
                 </a:extLst>
               </a:tr>
@@ -12567,7 +16730,7 @@
         </p:nvSpPr>
         <p:spPr>
           <a:xfrm>
-            <a:off x="548569" y="7685270"/>
+            <a:off x="548569" y="7319510"/>
             <a:ext cx="1219081" cy="374269"/>
           </a:xfrm>
           <a:prstGeom prst="rect">
@@ -12651,7 +16814,7 @@
         </p:nvGrpSpPr>
         <p:grpSpPr>
           <a:xfrm>
-            <a:off x="323624" y="1922559"/>
+            <a:off x="323624" y="1556799"/>
             <a:ext cx="1624792" cy="4456046"/>
             <a:chOff x="677013" y="1877569"/>
             <a:chExt cx="1624792" cy="4456046"/>
@@ -12954,7 +17117,7 @@
         </p:nvSpPr>
         <p:spPr>
           <a:xfrm>
-            <a:off x="2098937" y="1922559"/>
+            <a:off x="2098937" y="1556799"/>
             <a:ext cx="4453917" cy="369332"/>
           </a:xfrm>
           <a:prstGeom prst="rect">
@@ -12995,7 +17158,7 @@
         </p:nvSpPr>
         <p:spPr>
           <a:xfrm>
-            <a:off x="2098936" y="2408287"/>
+            <a:off x="2098936" y="2042527"/>
             <a:ext cx="4453917" cy="3970318"/>
           </a:xfrm>
           <a:prstGeom prst="rect">
@@ -13397,6 +17560,1589 @@
           </a:p>
         </p:txBody>
       </p:sp>
+      <p:graphicFrame>
+        <p:nvGraphicFramePr>
+          <p:cNvPr id="2" name="표 2">
+            <a:extLst>
+              <a:ext uri="{FF2B5EF4-FFF2-40B4-BE49-F238E27FC236}">
+                <a16:creationId xmlns:a16="http://schemas.microsoft.com/office/drawing/2014/main" id="{80DEEFA6-303C-44E4-8CEC-90FE38C05C97}"/>
+              </a:ext>
+            </a:extLst>
+          </p:cNvPr>
+          <p:cNvGraphicFramePr>
+            <a:graphicFrameLocks noGrp="1"/>
+          </p:cNvGraphicFramePr>
+          <p:nvPr>
+            <p:extLst>
+              <p:ext uri="{D42A27DB-BD31-4B8C-83A1-F6EECF244321}">
+                <p14:modId xmlns:p14="http://schemas.microsoft.com/office/powerpoint/2010/main" val="2862854978"/>
+              </p:ext>
+            </p:extLst>
+          </p:nvPr>
+        </p:nvGraphicFramePr>
+        <p:xfrm>
+          <a:off x="323624" y="1697737"/>
+          <a:ext cx="6229232" cy="7406640"/>
+        </p:xfrm>
+        <a:graphic>
+          <a:graphicData uri="http://schemas.openxmlformats.org/drawingml/2006/table">
+            <a:tbl>
+              <a:tblPr firstRow="1" bandRow="1">
+                <a:tableStyleId>{5940675A-B579-460E-94D1-54222C63F5DA}</a:tableStyleId>
+              </a:tblPr>
+              <a:tblGrid>
+                <a:gridCol w="1449334">
+                  <a:extLst>
+                    <a:ext uri="{9D8B030D-6E8A-4147-A177-3AD203B41FA5}">
+                      <a16:colId xmlns:a16="http://schemas.microsoft.com/office/drawing/2014/main" val="4139260121"/>
+                    </a:ext>
+                  </a:extLst>
+                </a:gridCol>
+                <a:gridCol w="1799298">
+                  <a:extLst>
+                    <a:ext uri="{9D8B030D-6E8A-4147-A177-3AD203B41FA5}">
+                      <a16:colId xmlns:a16="http://schemas.microsoft.com/office/drawing/2014/main" val="4001200917"/>
+                    </a:ext>
+                  </a:extLst>
+                </a:gridCol>
+                <a:gridCol w="2980600">
+                  <a:extLst>
+                    <a:ext uri="{9D8B030D-6E8A-4147-A177-3AD203B41FA5}">
+                      <a16:colId xmlns:a16="http://schemas.microsoft.com/office/drawing/2014/main" val="3438722756"/>
+                    </a:ext>
+                  </a:extLst>
+                </a:gridCol>
+              </a:tblGrid>
+              <a:tr h="0">
+                <a:tc>
+                  <a:txBody>
+                    <a:bodyPr/>
+                    <a:lstStyle/>
+                    <a:p>
+                      <a:pPr algn="ctr" latinLnBrk="1"/>
+                      <a:r>
+                        <a:rPr lang="ko-KR" altLang="en-US" sz="1200" dirty="0"/>
+                        <a:t>구분</a:t>
+                      </a:r>
+                    </a:p>
+                  </a:txBody>
+                  <a:tcPr anchor="ctr">
+                    <a:solidFill>
+                      <a:schemeClr val="accent5">
+                        <a:lumMod val="50000"/>
+                      </a:schemeClr>
+                    </a:solidFill>
+                  </a:tcPr>
+                </a:tc>
+                <a:tc>
+                  <a:txBody>
+                    <a:bodyPr/>
+                    <a:lstStyle/>
+                    <a:p>
+                      <a:pPr algn="ctr" latinLnBrk="1"/>
+                      <a:r>
+                        <a:rPr lang="ko-KR" altLang="en-US" sz="1200" dirty="0"/>
+                        <a:t>이름</a:t>
+                      </a:r>
+                    </a:p>
+                  </a:txBody>
+                  <a:tcPr anchor="ctr">
+                    <a:solidFill>
+                      <a:schemeClr val="accent5">
+                        <a:lumMod val="50000"/>
+                      </a:schemeClr>
+                    </a:solidFill>
+                  </a:tcPr>
+                </a:tc>
+                <a:tc>
+                  <a:txBody>
+                    <a:bodyPr/>
+                    <a:lstStyle/>
+                    <a:p>
+                      <a:pPr algn="ctr" latinLnBrk="1"/>
+                      <a:r>
+                        <a:rPr lang="ko-KR" altLang="en-US" sz="1200" dirty="0"/>
+                        <a:t>설명</a:t>
+                      </a:r>
+                    </a:p>
+                  </a:txBody>
+                  <a:tcPr anchor="ctr">
+                    <a:solidFill>
+                      <a:schemeClr val="accent5">
+                        <a:lumMod val="50000"/>
+                      </a:schemeClr>
+                    </a:solidFill>
+                  </a:tcPr>
+                </a:tc>
+                <a:extLst>
+                  <a:ext uri="{0D108BD9-81ED-4DB2-BD59-A6C34878D82A}">
+                    <a16:rowId xmlns:a16="http://schemas.microsoft.com/office/drawing/2014/main" val="1233587109"/>
+                  </a:ext>
+                </a:extLst>
+              </a:tr>
+              <a:tr h="0">
+                <a:tc rowSpan="7">
+                  <a:txBody>
+                    <a:bodyPr/>
+                    <a:lstStyle/>
+                    <a:p>
+                      <a:pPr algn="ctr" latinLnBrk="1"/>
+                      <a:r>
+                        <a:rPr lang="ko-KR" altLang="en-US" sz="1200" dirty="0"/>
+                        <a:t>애니메이션</a:t>
+                      </a:r>
+                    </a:p>
+                  </a:txBody>
+                  <a:tcPr anchor="ctr">
+                    <a:solidFill>
+                      <a:schemeClr val="accent2">
+                        <a:lumMod val="60000"/>
+                        <a:lumOff val="40000"/>
+                      </a:schemeClr>
+                    </a:solidFill>
+                  </a:tcPr>
+                </a:tc>
+                <a:tc>
+                  <a:txBody>
+                    <a:bodyPr/>
+                    <a:lstStyle/>
+                    <a:p>
+                      <a:pPr algn="r" latinLnBrk="1"/>
+                      <a:r>
+                        <a:rPr lang="en-US" altLang="ko-KR" sz="1200" dirty="0" err="1"/>
+                        <a:t>Ani_cha_run</a:t>
+                      </a:r>
+                      <a:endParaRPr lang="ko-KR" altLang="en-US" sz="1200" dirty="0"/>
+                    </a:p>
+                  </a:txBody>
+                  <a:tcPr anchor="ctr">
+                    <a:solidFill>
+                      <a:schemeClr val="bg1"/>
+                    </a:solidFill>
+                  </a:tcPr>
+                </a:tc>
+                <a:tc>
+                  <a:txBody>
+                    <a:bodyPr/>
+                    <a:lstStyle/>
+                    <a:p>
+                      <a:pPr algn="l" latinLnBrk="1"/>
+                      <a:r>
+                        <a:rPr lang="ko-KR" altLang="en-US" sz="1200" dirty="0"/>
+                        <a:t>달리기 애니메이션</a:t>
+                      </a:r>
+                    </a:p>
+                  </a:txBody>
+                  <a:tcPr>
+                    <a:solidFill>
+                      <a:schemeClr val="bg1"/>
+                    </a:solidFill>
+                  </a:tcPr>
+                </a:tc>
+                <a:extLst>
+                  <a:ext uri="{0D108BD9-81ED-4DB2-BD59-A6C34878D82A}">
+                    <a16:rowId xmlns:a16="http://schemas.microsoft.com/office/drawing/2014/main" val="2749809834"/>
+                  </a:ext>
+                </a:extLst>
+              </a:tr>
+              <a:tr h="0">
+                <a:tc vMerge="1">
+                  <a:txBody>
+                    <a:bodyPr/>
+                    <a:lstStyle/>
+                    <a:p>
+                      <a:pPr algn="ctr" latinLnBrk="1"/>
+                      <a:endParaRPr lang="ko-KR" altLang="en-US" sz="1200" dirty="0"/>
+                    </a:p>
+                  </a:txBody>
+                  <a:tcPr anchor="ctr">
+                    <a:solidFill>
+                      <a:schemeClr val="bg1"/>
+                    </a:solidFill>
+                  </a:tcPr>
+                </a:tc>
+                <a:tc>
+                  <a:txBody>
+                    <a:bodyPr/>
+                    <a:lstStyle/>
+                    <a:p>
+                      <a:pPr algn="r" latinLnBrk="1"/>
+                      <a:r>
+                        <a:rPr lang="en-US" altLang="ko-KR" sz="1200" dirty="0" err="1"/>
+                        <a:t>Ani_cha_stand</a:t>
+                      </a:r>
+                      <a:endParaRPr lang="ko-KR" altLang="en-US" sz="1200" dirty="0"/>
+                    </a:p>
+                  </a:txBody>
+                  <a:tcPr anchor="ctr">
+                    <a:solidFill>
+                      <a:schemeClr val="bg1"/>
+                    </a:solidFill>
+                  </a:tcPr>
+                </a:tc>
+                <a:tc>
+                  <a:txBody>
+                    <a:bodyPr/>
+                    <a:lstStyle/>
+                    <a:p>
+                      <a:pPr algn="l" latinLnBrk="1"/>
+                      <a:r>
+                        <a:rPr lang="ko-KR" altLang="en-US" sz="1200" dirty="0"/>
+                        <a:t>대기중 애니메이션</a:t>
+                      </a:r>
+                    </a:p>
+                  </a:txBody>
+                  <a:tcPr>
+                    <a:solidFill>
+                      <a:schemeClr val="bg1"/>
+                    </a:solidFill>
+                  </a:tcPr>
+                </a:tc>
+                <a:extLst>
+                  <a:ext uri="{0D108BD9-81ED-4DB2-BD59-A6C34878D82A}">
+                    <a16:rowId xmlns:a16="http://schemas.microsoft.com/office/drawing/2014/main" val="4276666979"/>
+                  </a:ext>
+                </a:extLst>
+              </a:tr>
+              <a:tr h="0">
+                <a:tc vMerge="1">
+                  <a:txBody>
+                    <a:bodyPr/>
+                    <a:lstStyle/>
+                    <a:p>
+                      <a:pPr algn="ctr" latinLnBrk="1"/>
+                      <a:endParaRPr lang="ko-KR" altLang="en-US" sz="1200" dirty="0"/>
+                    </a:p>
+                  </a:txBody>
+                  <a:tcPr anchor="ctr">
+                    <a:solidFill>
+                      <a:schemeClr val="bg1"/>
+                    </a:solidFill>
+                  </a:tcPr>
+                </a:tc>
+                <a:tc>
+                  <a:txBody>
+                    <a:bodyPr/>
+                    <a:lstStyle/>
+                    <a:p>
+                      <a:pPr algn="r" latinLnBrk="1"/>
+                      <a:r>
+                        <a:rPr lang="en-US" altLang="ko-KR" sz="1200" dirty="0" err="1"/>
+                        <a:t>Ani_cha_jump</a:t>
+                      </a:r>
+                      <a:endParaRPr lang="ko-KR" altLang="en-US" sz="1200" dirty="0"/>
+                    </a:p>
+                  </a:txBody>
+                  <a:tcPr anchor="ctr">
+                    <a:solidFill>
+                      <a:schemeClr val="bg1"/>
+                    </a:solidFill>
+                  </a:tcPr>
+                </a:tc>
+                <a:tc>
+                  <a:txBody>
+                    <a:bodyPr/>
+                    <a:lstStyle/>
+                    <a:p>
+                      <a:pPr algn="l" latinLnBrk="1"/>
+                      <a:r>
+                        <a:rPr lang="ko-KR" altLang="en-US" sz="1200" dirty="0"/>
+                        <a:t>점프 애니메이션</a:t>
+                      </a:r>
+                    </a:p>
+                  </a:txBody>
+                  <a:tcPr>
+                    <a:solidFill>
+                      <a:schemeClr val="bg1"/>
+                    </a:solidFill>
+                  </a:tcPr>
+                </a:tc>
+                <a:extLst>
+                  <a:ext uri="{0D108BD9-81ED-4DB2-BD59-A6C34878D82A}">
+                    <a16:rowId xmlns:a16="http://schemas.microsoft.com/office/drawing/2014/main" val="2809212048"/>
+                  </a:ext>
+                </a:extLst>
+              </a:tr>
+              <a:tr h="0">
+                <a:tc vMerge="1">
+                  <a:txBody>
+                    <a:bodyPr/>
+                    <a:lstStyle/>
+                    <a:p>
+                      <a:pPr algn="ctr" latinLnBrk="1"/>
+                      <a:endParaRPr lang="ko-KR" altLang="en-US" sz="1200" dirty="0"/>
+                    </a:p>
+                  </a:txBody>
+                  <a:tcPr anchor="ctr">
+                    <a:solidFill>
+                      <a:schemeClr val="bg1"/>
+                    </a:solidFill>
+                  </a:tcPr>
+                </a:tc>
+                <a:tc>
+                  <a:txBody>
+                    <a:bodyPr/>
+                    <a:lstStyle/>
+                    <a:p>
+                      <a:pPr algn="r" latinLnBrk="1"/>
+                      <a:r>
+                        <a:rPr lang="en-US" altLang="ko-KR" sz="1200" dirty="0" err="1"/>
+                        <a:t>Ani_cha_flight</a:t>
+                      </a:r>
+                      <a:endParaRPr lang="ko-KR" altLang="en-US" sz="1200" dirty="0"/>
+                    </a:p>
+                  </a:txBody>
+                  <a:tcPr anchor="ctr">
+                    <a:solidFill>
+                      <a:schemeClr val="bg1"/>
+                    </a:solidFill>
+                  </a:tcPr>
+                </a:tc>
+                <a:tc>
+                  <a:txBody>
+                    <a:bodyPr/>
+                    <a:lstStyle/>
+                    <a:p>
+                      <a:pPr algn="l" latinLnBrk="1"/>
+                      <a:r>
+                        <a:rPr lang="ko-KR" altLang="en-US" sz="1200" dirty="0"/>
+                        <a:t>체공 애니메이션</a:t>
+                      </a:r>
+                    </a:p>
+                  </a:txBody>
+                  <a:tcPr>
+                    <a:solidFill>
+                      <a:schemeClr val="bg1"/>
+                    </a:solidFill>
+                  </a:tcPr>
+                </a:tc>
+                <a:extLst>
+                  <a:ext uri="{0D108BD9-81ED-4DB2-BD59-A6C34878D82A}">
+                    <a16:rowId xmlns:a16="http://schemas.microsoft.com/office/drawing/2014/main" val="1981952934"/>
+                  </a:ext>
+                </a:extLst>
+              </a:tr>
+              <a:tr h="0">
+                <a:tc vMerge="1">
+                  <a:txBody>
+                    <a:bodyPr/>
+                    <a:lstStyle/>
+                    <a:p>
+                      <a:pPr algn="ctr" latinLnBrk="1"/>
+                      <a:endParaRPr lang="ko-KR" altLang="en-US" sz="1200" dirty="0"/>
+                    </a:p>
+                  </a:txBody>
+                  <a:tcPr anchor="ctr">
+                    <a:solidFill>
+                      <a:schemeClr val="bg1"/>
+                    </a:solidFill>
+                  </a:tcPr>
+                </a:tc>
+                <a:tc>
+                  <a:txBody>
+                    <a:bodyPr/>
+                    <a:lstStyle/>
+                    <a:p>
+                      <a:pPr algn="r" latinLnBrk="1"/>
+                      <a:r>
+                        <a:rPr lang="en-US" altLang="ko-KR" sz="1200" dirty="0" err="1"/>
+                        <a:t>Ani_cha_land</a:t>
+                      </a:r>
+                      <a:endParaRPr lang="ko-KR" altLang="en-US" sz="1200" dirty="0"/>
+                    </a:p>
+                  </a:txBody>
+                  <a:tcPr anchor="ctr">
+                    <a:solidFill>
+                      <a:schemeClr val="bg1"/>
+                    </a:solidFill>
+                  </a:tcPr>
+                </a:tc>
+                <a:tc>
+                  <a:txBody>
+                    <a:bodyPr/>
+                    <a:lstStyle/>
+                    <a:p>
+                      <a:pPr algn="l" latinLnBrk="1"/>
+                      <a:r>
+                        <a:rPr lang="ko-KR" altLang="en-US" sz="1200" dirty="0"/>
+                        <a:t>착지 애니메이션</a:t>
+                      </a:r>
+                    </a:p>
+                  </a:txBody>
+                  <a:tcPr>
+                    <a:solidFill>
+                      <a:schemeClr val="bg1"/>
+                    </a:solidFill>
+                  </a:tcPr>
+                </a:tc>
+                <a:extLst>
+                  <a:ext uri="{0D108BD9-81ED-4DB2-BD59-A6C34878D82A}">
+                    <a16:rowId xmlns:a16="http://schemas.microsoft.com/office/drawing/2014/main" val="1846290892"/>
+                  </a:ext>
+                </a:extLst>
+              </a:tr>
+              <a:tr h="0">
+                <a:tc vMerge="1">
+                  <a:txBody>
+                    <a:bodyPr/>
+                    <a:lstStyle/>
+                    <a:p>
+                      <a:pPr algn="ctr" latinLnBrk="1"/>
+                      <a:endParaRPr lang="ko-KR" altLang="en-US" sz="1200" dirty="0"/>
+                    </a:p>
+                  </a:txBody>
+                  <a:tcPr anchor="ctr">
+                    <a:solidFill>
+                      <a:schemeClr val="bg1"/>
+                    </a:solidFill>
+                  </a:tcPr>
+                </a:tc>
+                <a:tc>
+                  <a:txBody>
+                    <a:bodyPr/>
+                    <a:lstStyle/>
+                    <a:p>
+                      <a:pPr algn="r" latinLnBrk="1"/>
+                      <a:r>
+                        <a:rPr lang="en-US" altLang="ko-KR" sz="1200" dirty="0" err="1"/>
+                        <a:t>Ani_cha_hit</a:t>
+                      </a:r>
+                      <a:endParaRPr lang="ko-KR" altLang="en-US" sz="1200" dirty="0"/>
+                    </a:p>
+                  </a:txBody>
+                  <a:tcPr anchor="ctr">
+                    <a:solidFill>
+                      <a:schemeClr val="bg1"/>
+                    </a:solidFill>
+                  </a:tcPr>
+                </a:tc>
+                <a:tc>
+                  <a:txBody>
+                    <a:bodyPr/>
+                    <a:lstStyle/>
+                    <a:p>
+                      <a:pPr algn="l" latinLnBrk="1"/>
+                      <a:r>
+                        <a:rPr lang="ko-KR" altLang="en-US" sz="1200" dirty="0"/>
+                        <a:t>피격 애니메이션</a:t>
+                      </a:r>
+                    </a:p>
+                  </a:txBody>
+                  <a:tcPr>
+                    <a:solidFill>
+                      <a:schemeClr val="bg1"/>
+                    </a:solidFill>
+                  </a:tcPr>
+                </a:tc>
+                <a:extLst>
+                  <a:ext uri="{0D108BD9-81ED-4DB2-BD59-A6C34878D82A}">
+                    <a16:rowId xmlns:a16="http://schemas.microsoft.com/office/drawing/2014/main" val="2506099525"/>
+                  </a:ext>
+                </a:extLst>
+              </a:tr>
+              <a:tr h="0">
+                <a:tc vMerge="1">
+                  <a:txBody>
+                    <a:bodyPr/>
+                    <a:lstStyle/>
+                    <a:p>
+                      <a:pPr algn="ctr" latinLnBrk="1"/>
+                      <a:endParaRPr lang="ko-KR" altLang="en-US" sz="1200" dirty="0"/>
+                    </a:p>
+                  </a:txBody>
+                  <a:tcPr anchor="ctr">
+                    <a:solidFill>
+                      <a:schemeClr val="accent2">
+                        <a:lumMod val="60000"/>
+                        <a:lumOff val="40000"/>
+                      </a:schemeClr>
+                    </a:solidFill>
+                  </a:tcPr>
+                </a:tc>
+                <a:tc>
+                  <a:txBody>
+                    <a:bodyPr/>
+                    <a:lstStyle/>
+                    <a:p>
+                      <a:pPr algn="r" latinLnBrk="1"/>
+                      <a:r>
+                        <a:rPr lang="en-US" altLang="ko-KR" sz="1200" dirty="0" err="1"/>
+                        <a:t>Ani_cha_dash</a:t>
+                      </a:r>
+                      <a:endParaRPr lang="ko-KR" altLang="en-US" sz="1200" dirty="0"/>
+                    </a:p>
+                  </a:txBody>
+                  <a:tcPr anchor="ctr">
+                    <a:solidFill>
+                      <a:schemeClr val="bg1"/>
+                    </a:solidFill>
+                  </a:tcPr>
+                </a:tc>
+                <a:tc>
+                  <a:txBody>
+                    <a:bodyPr/>
+                    <a:lstStyle/>
+                    <a:p>
+                      <a:pPr algn="l" latinLnBrk="1"/>
+                      <a:r>
+                        <a:rPr lang="ko-KR" altLang="en-US" sz="1200" dirty="0" err="1"/>
+                        <a:t>대쉬</a:t>
+                      </a:r>
+                      <a:r>
+                        <a:rPr lang="ko-KR" altLang="en-US" sz="1200" dirty="0"/>
+                        <a:t> 애니메이션</a:t>
+                      </a:r>
+                    </a:p>
+                  </a:txBody>
+                  <a:tcPr>
+                    <a:solidFill>
+                      <a:schemeClr val="bg1"/>
+                    </a:solidFill>
+                  </a:tcPr>
+                </a:tc>
+                <a:extLst>
+                  <a:ext uri="{0D108BD9-81ED-4DB2-BD59-A6C34878D82A}">
+                    <a16:rowId xmlns:a16="http://schemas.microsoft.com/office/drawing/2014/main" val="2166597577"/>
+                  </a:ext>
+                </a:extLst>
+              </a:tr>
+              <a:tr h="0">
+                <a:tc rowSpan="5">
+                  <a:txBody>
+                    <a:bodyPr/>
+                    <a:lstStyle/>
+                    <a:p>
+                      <a:pPr algn="ctr" latinLnBrk="1"/>
+                      <a:r>
+                        <a:rPr lang="ko-KR" altLang="en-US" sz="1200" dirty="0"/>
+                        <a:t>사운드</a:t>
+                      </a:r>
+                    </a:p>
+                  </a:txBody>
+                  <a:tcPr anchor="ctr">
+                    <a:solidFill>
+                      <a:schemeClr val="accent6">
+                        <a:lumMod val="60000"/>
+                        <a:lumOff val="40000"/>
+                      </a:schemeClr>
+                    </a:solidFill>
+                  </a:tcPr>
+                </a:tc>
+                <a:tc>
+                  <a:txBody>
+                    <a:bodyPr/>
+                    <a:lstStyle/>
+                    <a:p>
+                      <a:pPr algn="r" latinLnBrk="1"/>
+                      <a:r>
+                        <a:rPr lang="en-US" altLang="ko-KR" sz="1200" dirty="0" err="1"/>
+                        <a:t>snd_cha_run</a:t>
+                      </a:r>
+                      <a:endParaRPr lang="ko-KR" altLang="en-US" sz="1200" dirty="0"/>
+                    </a:p>
+                  </a:txBody>
+                  <a:tcPr anchor="ctr">
+                    <a:solidFill>
+                      <a:schemeClr val="bg1"/>
+                    </a:solidFill>
+                  </a:tcPr>
+                </a:tc>
+                <a:tc>
+                  <a:txBody>
+                    <a:bodyPr/>
+                    <a:lstStyle/>
+                    <a:p>
+                      <a:pPr algn="l" latinLnBrk="1"/>
+                      <a:r>
+                        <a:rPr lang="ko-KR" altLang="en-US" sz="1200" dirty="0"/>
+                        <a:t>달리기 사운드</a:t>
+                      </a:r>
+                    </a:p>
+                  </a:txBody>
+                  <a:tcPr>
+                    <a:solidFill>
+                      <a:schemeClr val="bg1"/>
+                    </a:solidFill>
+                  </a:tcPr>
+                </a:tc>
+                <a:extLst>
+                  <a:ext uri="{0D108BD9-81ED-4DB2-BD59-A6C34878D82A}">
+                    <a16:rowId xmlns:a16="http://schemas.microsoft.com/office/drawing/2014/main" val="3702336986"/>
+                  </a:ext>
+                </a:extLst>
+              </a:tr>
+              <a:tr h="0">
+                <a:tc vMerge="1">
+                  <a:txBody>
+                    <a:bodyPr/>
+                    <a:lstStyle/>
+                    <a:p>
+                      <a:pPr algn="ctr" latinLnBrk="1"/>
+                      <a:endParaRPr lang="ko-KR" altLang="en-US" sz="1200" dirty="0"/>
+                    </a:p>
+                  </a:txBody>
+                  <a:tcPr anchor="ctr">
+                    <a:solidFill>
+                      <a:schemeClr val="bg1"/>
+                    </a:solidFill>
+                  </a:tcPr>
+                </a:tc>
+                <a:tc>
+                  <a:txBody>
+                    <a:bodyPr/>
+                    <a:lstStyle/>
+                    <a:p>
+                      <a:pPr algn="r" latinLnBrk="1"/>
+                      <a:r>
+                        <a:rPr lang="en-US" altLang="ko-KR" sz="1200" dirty="0" err="1"/>
+                        <a:t>snd_cha_jump</a:t>
+                      </a:r>
+                      <a:endParaRPr lang="ko-KR" altLang="en-US" sz="1200" dirty="0"/>
+                    </a:p>
+                  </a:txBody>
+                  <a:tcPr anchor="ctr">
+                    <a:solidFill>
+                      <a:schemeClr val="bg1"/>
+                    </a:solidFill>
+                  </a:tcPr>
+                </a:tc>
+                <a:tc>
+                  <a:txBody>
+                    <a:bodyPr/>
+                    <a:lstStyle/>
+                    <a:p>
+                      <a:pPr algn="l" latinLnBrk="1"/>
+                      <a:r>
+                        <a:rPr lang="ko-KR" altLang="en-US" sz="1200" dirty="0"/>
+                        <a:t>점프 사운드</a:t>
+                      </a:r>
+                    </a:p>
+                  </a:txBody>
+                  <a:tcPr>
+                    <a:solidFill>
+                      <a:schemeClr val="bg1"/>
+                    </a:solidFill>
+                  </a:tcPr>
+                </a:tc>
+                <a:extLst>
+                  <a:ext uri="{0D108BD9-81ED-4DB2-BD59-A6C34878D82A}">
+                    <a16:rowId xmlns:a16="http://schemas.microsoft.com/office/drawing/2014/main" val="316526827"/>
+                  </a:ext>
+                </a:extLst>
+              </a:tr>
+              <a:tr h="0">
+                <a:tc vMerge="1">
+                  <a:txBody>
+                    <a:bodyPr/>
+                    <a:lstStyle/>
+                    <a:p>
+                      <a:pPr algn="ctr" latinLnBrk="1"/>
+                      <a:endParaRPr lang="ko-KR" altLang="en-US" sz="1200" dirty="0"/>
+                    </a:p>
+                  </a:txBody>
+                  <a:tcPr anchor="ctr">
+                    <a:solidFill>
+                      <a:schemeClr val="bg1"/>
+                    </a:solidFill>
+                  </a:tcPr>
+                </a:tc>
+                <a:tc>
+                  <a:txBody>
+                    <a:bodyPr/>
+                    <a:lstStyle/>
+                    <a:p>
+                      <a:pPr algn="r" latinLnBrk="1"/>
+                      <a:r>
+                        <a:rPr lang="en-US" altLang="ko-KR" sz="1200" dirty="0" err="1"/>
+                        <a:t>snd_cha_land</a:t>
+                      </a:r>
+                      <a:endParaRPr lang="ko-KR" altLang="en-US" sz="1200" dirty="0"/>
+                    </a:p>
+                  </a:txBody>
+                  <a:tcPr anchor="ctr">
+                    <a:solidFill>
+                      <a:schemeClr val="bg1"/>
+                    </a:solidFill>
+                  </a:tcPr>
+                </a:tc>
+                <a:tc>
+                  <a:txBody>
+                    <a:bodyPr/>
+                    <a:lstStyle/>
+                    <a:p>
+                      <a:pPr algn="l" latinLnBrk="1"/>
+                      <a:r>
+                        <a:rPr lang="ko-KR" altLang="en-US" sz="1200" dirty="0"/>
+                        <a:t>착지 사운드</a:t>
+                      </a:r>
+                    </a:p>
+                  </a:txBody>
+                  <a:tcPr>
+                    <a:solidFill>
+                      <a:schemeClr val="bg1"/>
+                    </a:solidFill>
+                  </a:tcPr>
+                </a:tc>
+                <a:extLst>
+                  <a:ext uri="{0D108BD9-81ED-4DB2-BD59-A6C34878D82A}">
+                    <a16:rowId xmlns:a16="http://schemas.microsoft.com/office/drawing/2014/main" val="1771427992"/>
+                  </a:ext>
+                </a:extLst>
+              </a:tr>
+              <a:tr h="0">
+                <a:tc vMerge="1">
+                  <a:txBody>
+                    <a:bodyPr/>
+                    <a:lstStyle/>
+                    <a:p>
+                      <a:pPr algn="ctr" latinLnBrk="1"/>
+                      <a:endParaRPr lang="ko-KR" altLang="en-US" sz="1200" dirty="0"/>
+                    </a:p>
+                  </a:txBody>
+                  <a:tcPr anchor="ctr">
+                    <a:solidFill>
+                      <a:schemeClr val="bg1"/>
+                    </a:solidFill>
+                  </a:tcPr>
+                </a:tc>
+                <a:tc>
+                  <a:txBody>
+                    <a:bodyPr/>
+                    <a:lstStyle/>
+                    <a:p>
+                      <a:pPr algn="r" latinLnBrk="1"/>
+                      <a:r>
+                        <a:rPr lang="en-US" altLang="ko-KR" sz="1200" dirty="0" err="1"/>
+                        <a:t>snd_cha_hit</a:t>
+                      </a:r>
+                      <a:endParaRPr lang="ko-KR" altLang="en-US" sz="1200" dirty="0"/>
+                    </a:p>
+                  </a:txBody>
+                  <a:tcPr anchor="ctr">
+                    <a:solidFill>
+                      <a:schemeClr val="bg1"/>
+                    </a:solidFill>
+                  </a:tcPr>
+                </a:tc>
+                <a:tc>
+                  <a:txBody>
+                    <a:bodyPr/>
+                    <a:lstStyle/>
+                    <a:p>
+                      <a:pPr algn="l" latinLnBrk="1"/>
+                      <a:r>
+                        <a:rPr lang="ko-KR" altLang="en-US" sz="1200" dirty="0"/>
+                        <a:t>피격 사운드</a:t>
+                      </a:r>
+                    </a:p>
+                  </a:txBody>
+                  <a:tcPr>
+                    <a:solidFill>
+                      <a:schemeClr val="bg1"/>
+                    </a:solidFill>
+                  </a:tcPr>
+                </a:tc>
+                <a:extLst>
+                  <a:ext uri="{0D108BD9-81ED-4DB2-BD59-A6C34878D82A}">
+                    <a16:rowId xmlns:a16="http://schemas.microsoft.com/office/drawing/2014/main" val="4184974503"/>
+                  </a:ext>
+                </a:extLst>
+              </a:tr>
+              <a:tr h="0">
+                <a:tc vMerge="1">
+                  <a:txBody>
+                    <a:bodyPr/>
+                    <a:lstStyle/>
+                    <a:p>
+                      <a:pPr algn="ctr" latinLnBrk="1"/>
+                      <a:endParaRPr lang="ko-KR" altLang="en-US" sz="1200" dirty="0"/>
+                    </a:p>
+                  </a:txBody>
+                  <a:tcPr anchor="ctr">
+                    <a:solidFill>
+                      <a:schemeClr val="bg1"/>
+                    </a:solidFill>
+                  </a:tcPr>
+                </a:tc>
+                <a:tc>
+                  <a:txBody>
+                    <a:bodyPr/>
+                    <a:lstStyle/>
+                    <a:p>
+                      <a:pPr algn="r" latinLnBrk="1"/>
+                      <a:r>
+                        <a:rPr lang="en-US" altLang="ko-KR" sz="1200" dirty="0" err="1"/>
+                        <a:t>snd_cha_dash</a:t>
+                      </a:r>
+                      <a:endParaRPr lang="ko-KR" altLang="en-US" sz="1200" dirty="0"/>
+                    </a:p>
+                  </a:txBody>
+                  <a:tcPr anchor="ctr">
+                    <a:solidFill>
+                      <a:schemeClr val="bg1"/>
+                    </a:solidFill>
+                  </a:tcPr>
+                </a:tc>
+                <a:tc>
+                  <a:txBody>
+                    <a:bodyPr/>
+                    <a:lstStyle/>
+                    <a:p>
+                      <a:pPr algn="l" latinLnBrk="1"/>
+                      <a:r>
+                        <a:rPr lang="ko-KR" altLang="en-US" sz="1200" dirty="0" err="1"/>
+                        <a:t>대쉬</a:t>
+                      </a:r>
+                      <a:r>
+                        <a:rPr lang="ko-KR" altLang="en-US" sz="1200" dirty="0"/>
+                        <a:t> 사운드</a:t>
+                      </a:r>
+                    </a:p>
+                  </a:txBody>
+                  <a:tcPr>
+                    <a:solidFill>
+                      <a:schemeClr val="bg1"/>
+                    </a:solidFill>
+                  </a:tcPr>
+                </a:tc>
+                <a:extLst>
+                  <a:ext uri="{0D108BD9-81ED-4DB2-BD59-A6C34878D82A}">
+                    <a16:rowId xmlns:a16="http://schemas.microsoft.com/office/drawing/2014/main" val="859882512"/>
+                  </a:ext>
+                </a:extLst>
+              </a:tr>
+              <a:tr h="0">
+                <a:tc>
+                  <a:txBody>
+                    <a:bodyPr/>
+                    <a:lstStyle/>
+                    <a:p>
+                      <a:pPr algn="ctr" latinLnBrk="1"/>
+                      <a:endParaRPr lang="ko-KR" altLang="en-US" sz="1200" dirty="0"/>
+                    </a:p>
+                  </a:txBody>
+                  <a:tcPr anchor="ctr">
+                    <a:solidFill>
+                      <a:schemeClr val="bg1"/>
+                    </a:solidFill>
+                  </a:tcPr>
+                </a:tc>
+                <a:tc>
+                  <a:txBody>
+                    <a:bodyPr/>
+                    <a:lstStyle/>
+                    <a:p>
+                      <a:pPr algn="r" latinLnBrk="1"/>
+                      <a:endParaRPr lang="ko-KR" altLang="en-US" sz="1200" dirty="0"/>
+                    </a:p>
+                  </a:txBody>
+                  <a:tcPr anchor="ctr">
+                    <a:solidFill>
+                      <a:schemeClr val="bg1"/>
+                    </a:solidFill>
+                  </a:tcPr>
+                </a:tc>
+                <a:tc>
+                  <a:txBody>
+                    <a:bodyPr/>
+                    <a:lstStyle/>
+                    <a:p>
+                      <a:pPr algn="l" latinLnBrk="1"/>
+                      <a:endParaRPr lang="ko-KR" altLang="en-US" sz="1200" dirty="0"/>
+                    </a:p>
+                  </a:txBody>
+                  <a:tcPr>
+                    <a:solidFill>
+                      <a:schemeClr val="bg1"/>
+                    </a:solidFill>
+                  </a:tcPr>
+                </a:tc>
+                <a:extLst>
+                  <a:ext uri="{0D108BD9-81ED-4DB2-BD59-A6C34878D82A}">
+                    <a16:rowId xmlns:a16="http://schemas.microsoft.com/office/drawing/2014/main" val="785265564"/>
+                  </a:ext>
+                </a:extLst>
+              </a:tr>
+              <a:tr h="0">
+                <a:tc>
+                  <a:txBody>
+                    <a:bodyPr/>
+                    <a:lstStyle/>
+                    <a:p>
+                      <a:pPr algn="ctr" latinLnBrk="1"/>
+                      <a:endParaRPr lang="ko-KR" altLang="en-US" sz="1200" dirty="0"/>
+                    </a:p>
+                  </a:txBody>
+                  <a:tcPr anchor="ctr">
+                    <a:solidFill>
+                      <a:schemeClr val="bg1"/>
+                    </a:solidFill>
+                  </a:tcPr>
+                </a:tc>
+                <a:tc>
+                  <a:txBody>
+                    <a:bodyPr/>
+                    <a:lstStyle/>
+                    <a:p>
+                      <a:pPr algn="r" latinLnBrk="1"/>
+                      <a:endParaRPr lang="ko-KR" altLang="en-US" sz="1200" dirty="0"/>
+                    </a:p>
+                  </a:txBody>
+                  <a:tcPr anchor="ctr">
+                    <a:solidFill>
+                      <a:schemeClr val="bg1"/>
+                    </a:solidFill>
+                  </a:tcPr>
+                </a:tc>
+                <a:tc>
+                  <a:txBody>
+                    <a:bodyPr/>
+                    <a:lstStyle/>
+                    <a:p>
+                      <a:pPr algn="l" latinLnBrk="1"/>
+                      <a:endParaRPr lang="ko-KR" altLang="en-US" sz="1200" dirty="0"/>
+                    </a:p>
+                  </a:txBody>
+                  <a:tcPr>
+                    <a:solidFill>
+                      <a:schemeClr val="bg1"/>
+                    </a:solidFill>
+                  </a:tcPr>
+                </a:tc>
+                <a:extLst>
+                  <a:ext uri="{0D108BD9-81ED-4DB2-BD59-A6C34878D82A}">
+                    <a16:rowId xmlns:a16="http://schemas.microsoft.com/office/drawing/2014/main" val="3158782202"/>
+                  </a:ext>
+                </a:extLst>
+              </a:tr>
+              <a:tr h="0">
+                <a:tc>
+                  <a:txBody>
+                    <a:bodyPr/>
+                    <a:lstStyle/>
+                    <a:p>
+                      <a:pPr algn="ctr" latinLnBrk="1"/>
+                      <a:endParaRPr lang="ko-KR" altLang="en-US" sz="1200" dirty="0"/>
+                    </a:p>
+                  </a:txBody>
+                  <a:tcPr anchor="ctr">
+                    <a:solidFill>
+                      <a:schemeClr val="bg1"/>
+                    </a:solidFill>
+                  </a:tcPr>
+                </a:tc>
+                <a:tc>
+                  <a:txBody>
+                    <a:bodyPr/>
+                    <a:lstStyle/>
+                    <a:p>
+                      <a:pPr algn="r" latinLnBrk="1"/>
+                      <a:endParaRPr lang="ko-KR" altLang="en-US" sz="1200" dirty="0"/>
+                    </a:p>
+                  </a:txBody>
+                  <a:tcPr anchor="ctr">
+                    <a:solidFill>
+                      <a:schemeClr val="bg1"/>
+                    </a:solidFill>
+                  </a:tcPr>
+                </a:tc>
+                <a:tc>
+                  <a:txBody>
+                    <a:bodyPr/>
+                    <a:lstStyle/>
+                    <a:p>
+                      <a:pPr algn="l" latinLnBrk="1"/>
+                      <a:endParaRPr lang="ko-KR" altLang="en-US" sz="1200" dirty="0"/>
+                    </a:p>
+                  </a:txBody>
+                  <a:tcPr>
+                    <a:solidFill>
+                      <a:schemeClr val="bg1"/>
+                    </a:solidFill>
+                  </a:tcPr>
+                </a:tc>
+                <a:extLst>
+                  <a:ext uri="{0D108BD9-81ED-4DB2-BD59-A6C34878D82A}">
+                    <a16:rowId xmlns:a16="http://schemas.microsoft.com/office/drawing/2014/main" val="1997348665"/>
+                  </a:ext>
+                </a:extLst>
+              </a:tr>
+              <a:tr h="0">
+                <a:tc>
+                  <a:txBody>
+                    <a:bodyPr/>
+                    <a:lstStyle/>
+                    <a:p>
+                      <a:pPr algn="ctr" latinLnBrk="1"/>
+                      <a:endParaRPr lang="ko-KR" altLang="en-US" sz="1200" dirty="0"/>
+                    </a:p>
+                  </a:txBody>
+                  <a:tcPr anchor="ctr">
+                    <a:solidFill>
+                      <a:schemeClr val="bg1"/>
+                    </a:solidFill>
+                  </a:tcPr>
+                </a:tc>
+                <a:tc>
+                  <a:txBody>
+                    <a:bodyPr/>
+                    <a:lstStyle/>
+                    <a:p>
+                      <a:pPr algn="r" latinLnBrk="1"/>
+                      <a:endParaRPr lang="ko-KR" altLang="en-US" sz="1200" dirty="0"/>
+                    </a:p>
+                  </a:txBody>
+                  <a:tcPr anchor="ctr">
+                    <a:solidFill>
+                      <a:schemeClr val="bg1"/>
+                    </a:solidFill>
+                  </a:tcPr>
+                </a:tc>
+                <a:tc>
+                  <a:txBody>
+                    <a:bodyPr/>
+                    <a:lstStyle/>
+                    <a:p>
+                      <a:pPr algn="l" latinLnBrk="1"/>
+                      <a:endParaRPr lang="ko-KR" altLang="en-US" sz="1200" dirty="0"/>
+                    </a:p>
+                  </a:txBody>
+                  <a:tcPr>
+                    <a:solidFill>
+                      <a:schemeClr val="bg1"/>
+                    </a:solidFill>
+                  </a:tcPr>
+                </a:tc>
+                <a:extLst>
+                  <a:ext uri="{0D108BD9-81ED-4DB2-BD59-A6C34878D82A}">
+                    <a16:rowId xmlns:a16="http://schemas.microsoft.com/office/drawing/2014/main" val="2520940482"/>
+                  </a:ext>
+                </a:extLst>
+              </a:tr>
+              <a:tr h="0">
+                <a:tc>
+                  <a:txBody>
+                    <a:bodyPr/>
+                    <a:lstStyle/>
+                    <a:p>
+                      <a:pPr algn="ctr" latinLnBrk="1"/>
+                      <a:endParaRPr lang="ko-KR" altLang="en-US" sz="1200" dirty="0"/>
+                    </a:p>
+                  </a:txBody>
+                  <a:tcPr anchor="ctr">
+                    <a:solidFill>
+                      <a:schemeClr val="bg1"/>
+                    </a:solidFill>
+                  </a:tcPr>
+                </a:tc>
+                <a:tc>
+                  <a:txBody>
+                    <a:bodyPr/>
+                    <a:lstStyle/>
+                    <a:p>
+                      <a:pPr algn="r" latinLnBrk="1"/>
+                      <a:endParaRPr lang="ko-KR" altLang="en-US" sz="1200" dirty="0"/>
+                    </a:p>
+                  </a:txBody>
+                  <a:tcPr anchor="ctr">
+                    <a:solidFill>
+                      <a:schemeClr val="bg1"/>
+                    </a:solidFill>
+                  </a:tcPr>
+                </a:tc>
+                <a:tc>
+                  <a:txBody>
+                    <a:bodyPr/>
+                    <a:lstStyle/>
+                    <a:p>
+                      <a:pPr algn="l" latinLnBrk="1"/>
+                      <a:endParaRPr lang="ko-KR" altLang="en-US" sz="1200" dirty="0"/>
+                    </a:p>
+                  </a:txBody>
+                  <a:tcPr>
+                    <a:solidFill>
+                      <a:schemeClr val="bg1"/>
+                    </a:solidFill>
+                  </a:tcPr>
+                </a:tc>
+                <a:extLst>
+                  <a:ext uri="{0D108BD9-81ED-4DB2-BD59-A6C34878D82A}">
+                    <a16:rowId xmlns:a16="http://schemas.microsoft.com/office/drawing/2014/main" val="933989585"/>
+                  </a:ext>
+                </a:extLst>
+              </a:tr>
+              <a:tr h="0">
+                <a:tc>
+                  <a:txBody>
+                    <a:bodyPr/>
+                    <a:lstStyle/>
+                    <a:p>
+                      <a:pPr algn="ctr" latinLnBrk="1"/>
+                      <a:endParaRPr lang="ko-KR" altLang="en-US" sz="1200" dirty="0"/>
+                    </a:p>
+                  </a:txBody>
+                  <a:tcPr anchor="ctr">
+                    <a:solidFill>
+                      <a:schemeClr val="bg1"/>
+                    </a:solidFill>
+                  </a:tcPr>
+                </a:tc>
+                <a:tc>
+                  <a:txBody>
+                    <a:bodyPr/>
+                    <a:lstStyle/>
+                    <a:p>
+                      <a:pPr algn="r" latinLnBrk="1"/>
+                      <a:endParaRPr lang="ko-KR" altLang="en-US" sz="1200" dirty="0"/>
+                    </a:p>
+                  </a:txBody>
+                  <a:tcPr anchor="ctr">
+                    <a:solidFill>
+                      <a:schemeClr val="bg1"/>
+                    </a:solidFill>
+                  </a:tcPr>
+                </a:tc>
+                <a:tc>
+                  <a:txBody>
+                    <a:bodyPr/>
+                    <a:lstStyle/>
+                    <a:p>
+                      <a:pPr algn="l" latinLnBrk="1"/>
+                      <a:endParaRPr lang="ko-KR" altLang="en-US" sz="1200" dirty="0"/>
+                    </a:p>
+                  </a:txBody>
+                  <a:tcPr>
+                    <a:solidFill>
+                      <a:schemeClr val="bg1"/>
+                    </a:solidFill>
+                  </a:tcPr>
+                </a:tc>
+                <a:extLst>
+                  <a:ext uri="{0D108BD9-81ED-4DB2-BD59-A6C34878D82A}">
+                    <a16:rowId xmlns:a16="http://schemas.microsoft.com/office/drawing/2014/main" val="524679084"/>
+                  </a:ext>
+                </a:extLst>
+              </a:tr>
+              <a:tr h="0">
+                <a:tc>
+                  <a:txBody>
+                    <a:bodyPr/>
+                    <a:lstStyle/>
+                    <a:p>
+                      <a:pPr algn="ctr" latinLnBrk="1"/>
+                      <a:endParaRPr lang="ko-KR" altLang="en-US" sz="1200" dirty="0"/>
+                    </a:p>
+                  </a:txBody>
+                  <a:tcPr anchor="ctr">
+                    <a:solidFill>
+                      <a:schemeClr val="bg1"/>
+                    </a:solidFill>
+                  </a:tcPr>
+                </a:tc>
+                <a:tc>
+                  <a:txBody>
+                    <a:bodyPr/>
+                    <a:lstStyle/>
+                    <a:p>
+                      <a:pPr algn="r" latinLnBrk="1"/>
+                      <a:endParaRPr lang="ko-KR" altLang="en-US" sz="1200" dirty="0"/>
+                    </a:p>
+                  </a:txBody>
+                  <a:tcPr anchor="ctr">
+                    <a:solidFill>
+                      <a:schemeClr val="bg1"/>
+                    </a:solidFill>
+                  </a:tcPr>
+                </a:tc>
+                <a:tc>
+                  <a:txBody>
+                    <a:bodyPr/>
+                    <a:lstStyle/>
+                    <a:p>
+                      <a:pPr algn="l" latinLnBrk="1"/>
+                      <a:endParaRPr lang="ko-KR" altLang="en-US" sz="1200" dirty="0"/>
+                    </a:p>
+                  </a:txBody>
+                  <a:tcPr>
+                    <a:solidFill>
+                      <a:schemeClr val="bg1"/>
+                    </a:solidFill>
+                  </a:tcPr>
+                </a:tc>
+                <a:extLst>
+                  <a:ext uri="{0D108BD9-81ED-4DB2-BD59-A6C34878D82A}">
+                    <a16:rowId xmlns:a16="http://schemas.microsoft.com/office/drawing/2014/main" val="2137383493"/>
+                  </a:ext>
+                </a:extLst>
+              </a:tr>
+              <a:tr h="0">
+                <a:tc>
+                  <a:txBody>
+                    <a:bodyPr/>
+                    <a:lstStyle/>
+                    <a:p>
+                      <a:pPr algn="ctr" latinLnBrk="1"/>
+                      <a:endParaRPr lang="ko-KR" altLang="en-US" sz="1200" dirty="0"/>
+                    </a:p>
+                  </a:txBody>
+                  <a:tcPr anchor="ctr">
+                    <a:solidFill>
+                      <a:schemeClr val="bg1"/>
+                    </a:solidFill>
+                  </a:tcPr>
+                </a:tc>
+                <a:tc>
+                  <a:txBody>
+                    <a:bodyPr/>
+                    <a:lstStyle/>
+                    <a:p>
+                      <a:pPr algn="r" latinLnBrk="1"/>
+                      <a:endParaRPr lang="ko-KR" altLang="en-US" sz="1200" dirty="0"/>
+                    </a:p>
+                  </a:txBody>
+                  <a:tcPr anchor="ctr">
+                    <a:solidFill>
+                      <a:schemeClr val="bg1"/>
+                    </a:solidFill>
+                  </a:tcPr>
+                </a:tc>
+                <a:tc>
+                  <a:txBody>
+                    <a:bodyPr/>
+                    <a:lstStyle/>
+                    <a:p>
+                      <a:pPr algn="l" latinLnBrk="1"/>
+                      <a:endParaRPr lang="ko-KR" altLang="en-US" sz="1200" dirty="0"/>
+                    </a:p>
+                  </a:txBody>
+                  <a:tcPr>
+                    <a:solidFill>
+                      <a:schemeClr val="bg1"/>
+                    </a:solidFill>
+                  </a:tcPr>
+                </a:tc>
+                <a:extLst>
+                  <a:ext uri="{0D108BD9-81ED-4DB2-BD59-A6C34878D82A}">
+                    <a16:rowId xmlns:a16="http://schemas.microsoft.com/office/drawing/2014/main" val="3998424883"/>
+                  </a:ext>
+                </a:extLst>
+              </a:tr>
+              <a:tr h="0">
+                <a:tc>
+                  <a:txBody>
+                    <a:bodyPr/>
+                    <a:lstStyle/>
+                    <a:p>
+                      <a:pPr algn="ctr" latinLnBrk="1"/>
+                      <a:endParaRPr lang="ko-KR" altLang="en-US" sz="1200" dirty="0"/>
+                    </a:p>
+                  </a:txBody>
+                  <a:tcPr anchor="ctr">
+                    <a:solidFill>
+                      <a:schemeClr val="bg1"/>
+                    </a:solidFill>
+                  </a:tcPr>
+                </a:tc>
+                <a:tc>
+                  <a:txBody>
+                    <a:bodyPr/>
+                    <a:lstStyle/>
+                    <a:p>
+                      <a:pPr algn="r" latinLnBrk="1"/>
+                      <a:endParaRPr lang="ko-KR" altLang="en-US" sz="1200" dirty="0"/>
+                    </a:p>
+                  </a:txBody>
+                  <a:tcPr anchor="ctr">
+                    <a:solidFill>
+                      <a:schemeClr val="bg1"/>
+                    </a:solidFill>
+                  </a:tcPr>
+                </a:tc>
+                <a:tc>
+                  <a:txBody>
+                    <a:bodyPr/>
+                    <a:lstStyle/>
+                    <a:p>
+                      <a:pPr algn="l" latinLnBrk="1"/>
+                      <a:endParaRPr lang="ko-KR" altLang="en-US" sz="1200" dirty="0"/>
+                    </a:p>
+                  </a:txBody>
+                  <a:tcPr>
+                    <a:solidFill>
+                      <a:schemeClr val="bg1"/>
+                    </a:solidFill>
+                  </a:tcPr>
+                </a:tc>
+                <a:extLst>
+                  <a:ext uri="{0D108BD9-81ED-4DB2-BD59-A6C34878D82A}">
+                    <a16:rowId xmlns:a16="http://schemas.microsoft.com/office/drawing/2014/main" val="2022586824"/>
+                  </a:ext>
+                </a:extLst>
+              </a:tr>
+              <a:tr h="0">
+                <a:tc>
+                  <a:txBody>
+                    <a:bodyPr/>
+                    <a:lstStyle/>
+                    <a:p>
+                      <a:pPr algn="ctr" latinLnBrk="1"/>
+                      <a:endParaRPr lang="ko-KR" altLang="en-US" sz="1200" dirty="0"/>
+                    </a:p>
+                  </a:txBody>
+                  <a:tcPr anchor="ctr">
+                    <a:solidFill>
+                      <a:schemeClr val="bg1"/>
+                    </a:solidFill>
+                  </a:tcPr>
+                </a:tc>
+                <a:tc>
+                  <a:txBody>
+                    <a:bodyPr/>
+                    <a:lstStyle/>
+                    <a:p>
+                      <a:pPr algn="r" latinLnBrk="1"/>
+                      <a:endParaRPr lang="ko-KR" altLang="en-US" sz="1200" dirty="0"/>
+                    </a:p>
+                  </a:txBody>
+                  <a:tcPr anchor="ctr">
+                    <a:solidFill>
+                      <a:schemeClr val="bg1"/>
+                    </a:solidFill>
+                  </a:tcPr>
+                </a:tc>
+                <a:tc>
+                  <a:txBody>
+                    <a:bodyPr/>
+                    <a:lstStyle/>
+                    <a:p>
+                      <a:pPr algn="l" latinLnBrk="1"/>
+                      <a:endParaRPr lang="ko-KR" altLang="en-US" sz="1200" dirty="0"/>
+                    </a:p>
+                  </a:txBody>
+                  <a:tcPr>
+                    <a:solidFill>
+                      <a:schemeClr val="bg1"/>
+                    </a:solidFill>
+                  </a:tcPr>
+                </a:tc>
+                <a:extLst>
+                  <a:ext uri="{0D108BD9-81ED-4DB2-BD59-A6C34878D82A}">
+                    <a16:rowId xmlns:a16="http://schemas.microsoft.com/office/drawing/2014/main" val="2120103904"/>
+                  </a:ext>
+                </a:extLst>
+              </a:tr>
+              <a:tr h="0">
+                <a:tc>
+                  <a:txBody>
+                    <a:bodyPr/>
+                    <a:lstStyle/>
+                    <a:p>
+                      <a:pPr algn="ctr" latinLnBrk="1"/>
+                      <a:endParaRPr lang="ko-KR" altLang="en-US" sz="1200" dirty="0"/>
+                    </a:p>
+                  </a:txBody>
+                  <a:tcPr anchor="ctr">
+                    <a:solidFill>
+                      <a:schemeClr val="bg1"/>
+                    </a:solidFill>
+                  </a:tcPr>
+                </a:tc>
+                <a:tc>
+                  <a:txBody>
+                    <a:bodyPr/>
+                    <a:lstStyle/>
+                    <a:p>
+                      <a:pPr algn="r" latinLnBrk="1"/>
+                      <a:endParaRPr lang="ko-KR" altLang="en-US" sz="1200" dirty="0"/>
+                    </a:p>
+                  </a:txBody>
+                  <a:tcPr anchor="ctr">
+                    <a:solidFill>
+                      <a:schemeClr val="bg1"/>
+                    </a:solidFill>
+                  </a:tcPr>
+                </a:tc>
+                <a:tc>
+                  <a:txBody>
+                    <a:bodyPr/>
+                    <a:lstStyle/>
+                    <a:p>
+                      <a:pPr algn="l" latinLnBrk="1"/>
+                      <a:endParaRPr lang="ko-KR" altLang="en-US" sz="1200" dirty="0"/>
+                    </a:p>
+                  </a:txBody>
+                  <a:tcPr>
+                    <a:solidFill>
+                      <a:schemeClr val="bg1"/>
+                    </a:solidFill>
+                  </a:tcPr>
+                </a:tc>
+                <a:extLst>
+                  <a:ext uri="{0D108BD9-81ED-4DB2-BD59-A6C34878D82A}">
+                    <a16:rowId xmlns:a16="http://schemas.microsoft.com/office/drawing/2014/main" val="2290745070"/>
+                  </a:ext>
+                </a:extLst>
+              </a:tr>
+              <a:tr h="0">
+                <a:tc>
+                  <a:txBody>
+                    <a:bodyPr/>
+                    <a:lstStyle/>
+                    <a:p>
+                      <a:pPr algn="ctr" latinLnBrk="1"/>
+                      <a:endParaRPr lang="ko-KR" altLang="en-US" sz="1200" dirty="0"/>
+                    </a:p>
+                  </a:txBody>
+                  <a:tcPr anchor="ctr">
+                    <a:solidFill>
+                      <a:schemeClr val="bg1"/>
+                    </a:solidFill>
+                  </a:tcPr>
+                </a:tc>
+                <a:tc>
+                  <a:txBody>
+                    <a:bodyPr/>
+                    <a:lstStyle/>
+                    <a:p>
+                      <a:pPr algn="r" latinLnBrk="1"/>
+                      <a:endParaRPr lang="ko-KR" altLang="en-US" sz="1200" dirty="0"/>
+                    </a:p>
+                  </a:txBody>
+                  <a:tcPr anchor="ctr">
+                    <a:solidFill>
+                      <a:schemeClr val="bg1"/>
+                    </a:solidFill>
+                  </a:tcPr>
+                </a:tc>
+                <a:tc>
+                  <a:txBody>
+                    <a:bodyPr/>
+                    <a:lstStyle/>
+                    <a:p>
+                      <a:pPr algn="l" latinLnBrk="1"/>
+                      <a:endParaRPr lang="ko-KR" altLang="en-US" sz="1200" dirty="0"/>
+                    </a:p>
+                  </a:txBody>
+                  <a:tcPr>
+                    <a:solidFill>
+                      <a:schemeClr val="bg1"/>
+                    </a:solidFill>
+                  </a:tcPr>
+                </a:tc>
+                <a:extLst>
+                  <a:ext uri="{0D108BD9-81ED-4DB2-BD59-A6C34878D82A}">
+                    <a16:rowId xmlns:a16="http://schemas.microsoft.com/office/drawing/2014/main" val="690918802"/>
+                  </a:ext>
+                </a:extLst>
+              </a:tr>
+              <a:tr h="0">
+                <a:tc>
+                  <a:txBody>
+                    <a:bodyPr/>
+                    <a:lstStyle/>
+                    <a:p>
+                      <a:pPr algn="ctr" latinLnBrk="1"/>
+                      <a:endParaRPr lang="ko-KR" altLang="en-US" sz="1200" dirty="0"/>
+                    </a:p>
+                  </a:txBody>
+                  <a:tcPr anchor="ctr">
+                    <a:solidFill>
+                      <a:schemeClr val="bg1"/>
+                    </a:solidFill>
+                  </a:tcPr>
+                </a:tc>
+                <a:tc>
+                  <a:txBody>
+                    <a:bodyPr/>
+                    <a:lstStyle/>
+                    <a:p>
+                      <a:pPr algn="r" latinLnBrk="1"/>
+                      <a:endParaRPr lang="ko-KR" altLang="en-US" sz="1200" dirty="0"/>
+                    </a:p>
+                  </a:txBody>
+                  <a:tcPr anchor="ctr">
+                    <a:solidFill>
+                      <a:schemeClr val="bg1"/>
+                    </a:solidFill>
+                  </a:tcPr>
+                </a:tc>
+                <a:tc>
+                  <a:txBody>
+                    <a:bodyPr/>
+                    <a:lstStyle/>
+                    <a:p>
+                      <a:pPr algn="l" latinLnBrk="1"/>
+                      <a:endParaRPr lang="ko-KR" altLang="en-US" sz="1200" dirty="0"/>
+                    </a:p>
+                  </a:txBody>
+                  <a:tcPr>
+                    <a:solidFill>
+                      <a:schemeClr val="bg1"/>
+                    </a:solidFill>
+                  </a:tcPr>
+                </a:tc>
+                <a:extLst>
+                  <a:ext uri="{0D108BD9-81ED-4DB2-BD59-A6C34878D82A}">
+                    <a16:rowId xmlns:a16="http://schemas.microsoft.com/office/drawing/2014/main" val="2300372515"/>
+                  </a:ext>
+                </a:extLst>
+              </a:tr>
+              <a:tr h="0">
+                <a:tc>
+                  <a:txBody>
+                    <a:bodyPr/>
+                    <a:lstStyle/>
+                    <a:p>
+                      <a:pPr algn="ctr" latinLnBrk="1"/>
+                      <a:endParaRPr lang="ko-KR" altLang="en-US" sz="1200" dirty="0"/>
+                    </a:p>
+                  </a:txBody>
+                  <a:tcPr anchor="ctr">
+                    <a:solidFill>
+                      <a:schemeClr val="bg1"/>
+                    </a:solidFill>
+                  </a:tcPr>
+                </a:tc>
+                <a:tc>
+                  <a:txBody>
+                    <a:bodyPr/>
+                    <a:lstStyle/>
+                    <a:p>
+                      <a:pPr algn="r" latinLnBrk="1"/>
+                      <a:endParaRPr lang="ko-KR" altLang="en-US" sz="1200" dirty="0"/>
+                    </a:p>
+                  </a:txBody>
+                  <a:tcPr anchor="ctr">
+                    <a:solidFill>
+                      <a:schemeClr val="bg1"/>
+                    </a:solidFill>
+                  </a:tcPr>
+                </a:tc>
+                <a:tc>
+                  <a:txBody>
+                    <a:bodyPr/>
+                    <a:lstStyle/>
+                    <a:p>
+                      <a:pPr algn="l" latinLnBrk="1"/>
+                      <a:endParaRPr lang="ko-KR" altLang="en-US" sz="1200" dirty="0"/>
+                    </a:p>
+                  </a:txBody>
+                  <a:tcPr>
+                    <a:solidFill>
+                      <a:schemeClr val="bg1"/>
+                    </a:solidFill>
+                  </a:tcPr>
+                </a:tc>
+                <a:extLst>
+                  <a:ext uri="{0D108BD9-81ED-4DB2-BD59-A6C34878D82A}">
+                    <a16:rowId xmlns:a16="http://schemas.microsoft.com/office/drawing/2014/main" val="1109658192"/>
+                  </a:ext>
+                </a:extLst>
+              </a:tr>
+            </a:tbl>
+          </a:graphicData>
+        </a:graphic>
+      </p:graphicFrame>
     </p:spTree>
     <p:extLst>
       <p:ext uri="{BB962C8B-B14F-4D97-AF65-F5344CB8AC3E}">
